--- a/Templates/SecurityReport.pptx
+++ b/Templates/SecurityReport.pptx
@@ -8,7 +8,7 @@
     <p:notesMasterId r:id="rId4"/>
   </p:notesMasterIdLst>
   <p:sldIdLst>
-    <p:sldId id="282" r:id="rId2"/>
+    <p:sldId id="283" r:id="rId2"/>
     <p:sldId id="281" r:id="rId3"/>
   </p:sldIdLst>
   <p:sldSz cx="9144000" cy="6858000" type="screen4x3"/>
@@ -116,7 +116,7 @@
         </p14:section>
         <p14:section name="contenu du diaporama" id="{7C415485-64F3-4240-AEC1-14455B505EAE}">
           <p14:sldIdLst>
-            <p14:sldId id="282"/>
+            <p14:sldId id="283"/>
             <p14:sldId id="281"/>
           </p14:sldIdLst>
         </p14:section>
@@ -225,7 +225,7 @@
           <a:p>
             <a:fld id="{1A3A36EA-A6A6-3241-96CC-76CD1AE24D79}" type="datetimeFigureOut">
               <a:rPr lang="fr-FR" smtClean="0"/>
-              <a:t>17/08/2017</a:t>
+              <a:t>22/08/2017</a:t>
             </a:fld>
             <a:endParaRPr lang="fr-FR"/>
           </a:p>
@@ -5932,8 +5932,8 @@
         </p:nvSpPr>
         <p:spPr>
           <a:xfrm>
-            <a:off x="262683" y="2169000"/>
-            <a:ext cx="1080000" cy="1260000"/>
+            <a:off x="249238" y="3348896"/>
+            <a:ext cx="1296000" cy="1080000"/>
           </a:xfrm>
           <a:prstGeom prst="rect">
             <a:avLst/>
@@ -5980,7 +5980,7 @@
         </p:nvSpPr>
         <p:spPr>
           <a:xfrm>
-            <a:off x="282657" y="4550322"/>
+            <a:off x="262683" y="5121328"/>
             <a:ext cx="1080000" cy="1260000"/>
           </a:xfrm>
           <a:prstGeom prst="rect">
@@ -6028,8 +6028,8 @@
         </p:nvSpPr>
         <p:spPr>
           <a:xfrm>
-            <a:off x="1587848" y="653602"/>
-            <a:ext cx="1080000" cy="1260000"/>
+            <a:off x="1763808" y="653602"/>
+            <a:ext cx="1080000" cy="1080000"/>
           </a:xfrm>
           <a:prstGeom prst="rect">
             <a:avLst/>
@@ -6076,8 +6076,8 @@
         </p:nvSpPr>
         <p:spPr>
           <a:xfrm>
-            <a:off x="1587848" y="2169000"/>
-            <a:ext cx="1080000" cy="1260000"/>
+            <a:off x="1763808" y="3348896"/>
+            <a:ext cx="1080000" cy="1080000"/>
           </a:xfrm>
           <a:prstGeom prst="rect">
             <a:avLst/>
@@ -6124,7 +6124,7 @@
         </p:nvSpPr>
         <p:spPr>
           <a:xfrm>
-            <a:off x="1587848" y="4550321"/>
+            <a:off x="1567874" y="5121327"/>
             <a:ext cx="1080000" cy="1260000"/>
           </a:xfrm>
           <a:prstGeom prst="rect">
@@ -6173,7 +6173,7 @@
         <p:spPr>
           <a:xfrm>
             <a:off x="262683" y="653602"/>
-            <a:ext cx="1080000" cy="1260000"/>
+            <a:ext cx="1296000" cy="1080000"/>
           </a:xfrm>
           <a:prstGeom prst="rect">
             <a:avLst/>
@@ -6225,7 +6225,7 @@
         <p:spPr>
           <a:xfrm>
             <a:off x="395969" y="1168692"/>
-            <a:ext cx="647700" cy="503238"/>
+            <a:ext cx="647700" cy="463648"/>
           </a:xfrm>
         </p:spPr>
         <p:txBody>
@@ -6261,7 +6261,7 @@
         <p:spPr>
           <a:xfrm>
             <a:off x="249238" y="688190"/>
-            <a:ext cx="1093446" cy="292388"/>
+            <a:ext cx="1296000" cy="307777"/>
           </a:xfrm>
           <a:prstGeom prst="rect">
             <a:avLst/>
@@ -6275,7 +6275,7 @@
           <a:lstStyle/>
           <a:p>
             <a:r>
-              <a:rPr lang="fr-FR" sz="1300" b="1" dirty="0" smtClean="0">
+              <a:rPr lang="fr-FR" sz="1400" b="1" dirty="0" smtClean="0">
                 <a:solidFill>
                   <a:schemeClr val="bg1"/>
                 </a:solidFill>
@@ -6300,14 +6300,54 @@
       </p:sp>
       <p:sp>
         <p:nvSpPr>
-          <p:cNvPr id="9" name="ZoneTexte 8"/>
+          <p:cNvPr id="10" name="Espace réservé du texte 5"/>
+          <p:cNvSpPr>
+            <a:spLocks noGrp="1"/>
+          </p:cNvSpPr>
+          <p:nvPr>
+            <p:ph type="body" sz="quarter" idx="11" hasCustomPrompt="1"/>
+          </p:nvPr>
+        </p:nvSpPr>
+        <p:spPr>
+          <a:xfrm>
+            <a:off x="1980084" y="1165152"/>
+            <a:ext cx="647700" cy="463648"/>
+          </a:xfrm>
+        </p:spPr>
+        <p:txBody>
+          <a:bodyPr anchor="ctr">
+            <a:normAutofit/>
+          </a:bodyPr>
+          <a:lstStyle>
+            <a:lvl1pPr marL="0" indent="0" algn="ctr">
+              <a:buNone/>
+              <a:defRPr sz="3200" b="1">
+                <a:solidFill>
+                  <a:schemeClr val="bg1"/>
+                </a:solidFill>
+              </a:defRPr>
+            </a:lvl1pPr>
+          </a:lstStyle>
+          <a:p>
+            <a:pPr lvl="0"/>
+            <a:r>
+              <a:rPr lang="fr-FR" dirty="0" smtClean="0"/>
+              <a:t>#</a:t>
+            </a:r>
+            <a:endParaRPr lang="fr-FR" dirty="0"/>
+          </a:p>
+        </p:txBody>
+      </p:sp>
+      <p:sp>
+        <p:nvSpPr>
+          <p:cNvPr id="11" name="ZoneTexte 10"/>
           <p:cNvSpPr txBox="1"/>
           <p:nvPr userDrawn="1"/>
         </p:nvSpPr>
         <p:spPr>
           <a:xfrm>
-            <a:off x="1587849" y="685888"/>
-            <a:ext cx="1079999" cy="430887"/>
+            <a:off x="262683" y="3384058"/>
+            <a:ext cx="1282555" cy="307777"/>
           </a:xfrm>
           <a:prstGeom prst="rect">
             <a:avLst/>
@@ -6321,121 +6361,20 @@
           <a:lstStyle/>
           <a:p>
             <a:r>
-              <a:rPr lang="fr-FR" sz="1100" b="1" dirty="0" smtClean="0">
+              <a:rPr lang="fr-FR" sz="1400" b="1" dirty="0" smtClean="0">
                 <a:solidFill>
                   <a:schemeClr val="bg1"/>
                 </a:solidFill>
               </a:rPr>
-              <a:t>High </a:t>
-            </a:r>
-            <a:r>
-              <a:rPr lang="fr-FR" sz="1100" b="1" dirty="0" err="1" smtClean="0">
+              <a:t>Light</a:t>
+            </a:r>
+            <a:r>
+              <a:rPr lang="fr-FR" sz="1300" b="1" dirty="0" smtClean="0">
                 <a:solidFill>
                   <a:schemeClr val="bg1"/>
                 </a:solidFill>
               </a:rPr>
-              <a:t>Risks</a:t>
-            </a:r>
-            <a:r>
-              <a:rPr lang="fr-FR" sz="1100" b="1" dirty="0" smtClean="0">
-                <a:solidFill>
-                  <a:schemeClr val="bg1"/>
-                </a:solidFill>
-              </a:rPr>
-              <a:t/>
-            </a:r>
-            <a:br>
-              <a:rPr lang="fr-FR" sz="1100" b="1" dirty="0" smtClean="0">
-                <a:solidFill>
-                  <a:schemeClr val="bg1"/>
-                </a:solidFill>
-              </a:rPr>
-            </a:br>
-            <a:r>
-              <a:rPr lang="fr-FR" sz="1100" b="1" dirty="0" err="1" smtClean="0">
-                <a:solidFill>
-                  <a:schemeClr val="bg1"/>
-                </a:solidFill>
-              </a:rPr>
-              <a:t>Solved</a:t>
-            </a:r>
-            <a:endParaRPr lang="fr-FR" sz="1100" b="1" dirty="0">
-              <a:solidFill>
-                <a:schemeClr val="bg1"/>
-              </a:solidFill>
-            </a:endParaRPr>
-          </a:p>
-        </p:txBody>
-      </p:sp>
-      <p:sp>
-        <p:nvSpPr>
-          <p:cNvPr id="10" name="Espace réservé du texte 5"/>
-          <p:cNvSpPr>
-            <a:spLocks noGrp="1"/>
-          </p:cNvSpPr>
-          <p:nvPr>
-            <p:ph type="body" sz="quarter" idx="11" hasCustomPrompt="1"/>
-          </p:nvPr>
-        </p:nvSpPr>
-        <p:spPr>
-          <a:xfrm>
-            <a:off x="1825886" y="1302602"/>
-            <a:ext cx="647700" cy="503238"/>
-          </a:xfrm>
-        </p:spPr>
-        <p:txBody>
-          <a:bodyPr anchor="ctr">
-            <a:normAutofit/>
-          </a:bodyPr>
-          <a:lstStyle>
-            <a:lvl1pPr marL="0" indent="0" algn="ctr">
-              <a:buNone/>
-              <a:defRPr sz="3200" b="1">
-                <a:solidFill>
-                  <a:schemeClr val="bg1"/>
-                </a:solidFill>
-              </a:defRPr>
-            </a:lvl1pPr>
-          </a:lstStyle>
-          <a:p>
-            <a:pPr lvl="0"/>
-            <a:r>
-              <a:rPr lang="fr-FR" dirty="0" smtClean="0"/>
-              <a:t>#</a:t>
-            </a:r>
-            <a:endParaRPr lang="fr-FR" dirty="0"/>
-          </a:p>
-        </p:txBody>
-      </p:sp>
-      <p:sp>
-        <p:nvSpPr>
-          <p:cNvPr id="11" name="ZoneTexte 10"/>
-          <p:cNvSpPr txBox="1"/>
-          <p:nvPr userDrawn="1"/>
-        </p:nvSpPr>
-        <p:spPr>
-          <a:xfrm>
-            <a:off x="249238" y="2169000"/>
-            <a:ext cx="1093445" cy="292388"/>
-          </a:xfrm>
-          <a:prstGeom prst="rect">
-            <a:avLst/>
-          </a:prstGeom>
-          <a:noFill/>
-        </p:spPr>
-        <p:txBody>
-          <a:bodyPr wrap="square" rtlCol="0">
-            <a:spAutoFit/>
-          </a:bodyPr>
-          <a:lstStyle/>
-          <a:p>
-            <a:r>
-              <a:rPr lang="fr-FR" sz="1300" b="1" dirty="0" smtClean="0">
-                <a:solidFill>
-                  <a:schemeClr val="bg1"/>
-                </a:solidFill>
-              </a:rPr>
-              <a:t>Light </a:t>
+              <a:t> </a:t>
             </a:r>
             <a:r>
               <a:rPr lang="fr-FR" sz="1300" b="1" dirty="0" err="1" smtClean="0">
@@ -6455,75 +6394,6 @@
       </p:sp>
       <p:sp>
         <p:nvSpPr>
-          <p:cNvPr id="12" name="ZoneTexte 11"/>
-          <p:cNvSpPr txBox="1"/>
-          <p:nvPr userDrawn="1"/>
-        </p:nvSpPr>
-        <p:spPr>
-          <a:xfrm>
-            <a:off x="1587849" y="2186572"/>
-            <a:ext cx="1080000" cy="430887"/>
-          </a:xfrm>
-          <a:prstGeom prst="rect">
-            <a:avLst/>
-          </a:prstGeom>
-          <a:noFill/>
-        </p:spPr>
-        <p:txBody>
-          <a:bodyPr wrap="square" rtlCol="0">
-            <a:spAutoFit/>
-          </a:bodyPr>
-          <a:lstStyle/>
-          <a:p>
-            <a:r>
-              <a:rPr lang="fr-FR" sz="1100" b="1" dirty="0" smtClean="0">
-                <a:solidFill>
-                  <a:schemeClr val="bg1"/>
-                </a:solidFill>
-              </a:rPr>
-              <a:t>Light </a:t>
-            </a:r>
-            <a:r>
-              <a:rPr lang="fr-FR" sz="1100" b="1" dirty="0" err="1" smtClean="0">
-                <a:solidFill>
-                  <a:schemeClr val="bg1"/>
-                </a:solidFill>
-              </a:rPr>
-              <a:t>Risks</a:t>
-            </a:r>
-            <a:r>
-              <a:rPr lang="fr-FR" sz="1100" b="1" dirty="0" smtClean="0">
-                <a:solidFill>
-                  <a:schemeClr val="bg1"/>
-                </a:solidFill>
-              </a:rPr>
-              <a:t/>
-            </a:r>
-            <a:br>
-              <a:rPr lang="fr-FR" sz="1100" b="1" dirty="0" smtClean="0">
-                <a:solidFill>
-                  <a:schemeClr val="bg1"/>
-                </a:solidFill>
-              </a:rPr>
-            </a:br>
-            <a:r>
-              <a:rPr lang="fr-FR" sz="1100" b="1" dirty="0" err="1" smtClean="0">
-                <a:solidFill>
-                  <a:schemeClr val="bg1"/>
-                </a:solidFill>
-              </a:rPr>
-              <a:t>Solved</a:t>
-            </a:r>
-            <a:endParaRPr lang="fr-FR" sz="1100" b="1" dirty="0">
-              <a:solidFill>
-                <a:schemeClr val="bg1"/>
-              </a:solidFill>
-            </a:endParaRPr>
-          </a:p>
-        </p:txBody>
-      </p:sp>
-      <p:sp>
-        <p:nvSpPr>
           <p:cNvPr id="13" name="Espace réservé du texte 5"/>
           <p:cNvSpPr>
             <a:spLocks noGrp="1"/>
@@ -6534,8 +6404,8 @@
         </p:nvSpPr>
         <p:spPr>
           <a:xfrm>
-            <a:off x="395969" y="2617145"/>
-            <a:ext cx="647700" cy="503238"/>
+            <a:off x="409414" y="3832203"/>
+            <a:ext cx="647700" cy="455430"/>
           </a:xfrm>
         </p:spPr>
         <p:txBody>
@@ -6574,8 +6444,8 @@
         </p:nvSpPr>
         <p:spPr>
           <a:xfrm>
-            <a:off x="1825886" y="2742762"/>
-            <a:ext cx="647700" cy="503238"/>
+            <a:off x="2065825" y="3846709"/>
+            <a:ext cx="647700" cy="455430"/>
           </a:xfrm>
         </p:spPr>
         <p:txBody>
@@ -6610,7 +6480,7 @@
         </p:nvSpPr>
         <p:spPr>
           <a:xfrm>
-            <a:off x="282657" y="4077072"/>
+            <a:off x="262683" y="4690011"/>
             <a:ext cx="2385191" cy="323165"/>
           </a:xfrm>
           <a:prstGeom prst="rect">
@@ -6686,7 +6556,7 @@
         </p:nvSpPr>
         <p:spPr>
           <a:xfrm>
-            <a:off x="492516" y="5120317"/>
+            <a:off x="472542" y="5691323"/>
             <a:ext cx="647700" cy="503238"/>
           </a:xfrm>
         </p:spPr>
@@ -6722,7 +6592,7 @@
         </p:nvSpPr>
         <p:spPr>
           <a:xfrm>
-            <a:off x="253960" y="4651251"/>
+            <a:off x="233986" y="5222257"/>
             <a:ext cx="1080000" cy="369332"/>
           </a:xfrm>
           <a:prstGeom prst="rect">
@@ -6738,12 +6608,12 @@
           <a:p>
             <a:pPr algn="ctr"/>
             <a:r>
-              <a:rPr lang="fr-FR" b="1" dirty="0" smtClean="0">
+              <a:rPr lang="fr-FR" b="1" dirty="0" err="1" smtClean="0">
                 <a:solidFill>
                   <a:schemeClr val="bg1"/>
                 </a:solidFill>
               </a:rPr>
-              <a:t>B2B</a:t>
+              <a:t>eIoT</a:t>
             </a:r>
             <a:endParaRPr lang="fr-FR" b="1" dirty="0">
               <a:solidFill>
@@ -6761,7 +6631,7 @@
         </p:nvSpPr>
         <p:spPr>
           <a:xfrm>
-            <a:off x="1587847" y="4648949"/>
+            <a:off x="1567873" y="5219955"/>
             <a:ext cx="1051303" cy="369332"/>
           </a:xfrm>
           <a:prstGeom prst="rect">
@@ -6804,7 +6674,7 @@
         </p:nvSpPr>
         <p:spPr>
           <a:xfrm>
-            <a:off x="1825886" y="5118015"/>
+            <a:off x="1805912" y="5689021"/>
             <a:ext cx="647700" cy="503238"/>
           </a:xfrm>
         </p:spPr>
@@ -6965,7 +6835,7 @@
         <p:spPr>
           <a:xfrm>
             <a:off x="3635895" y="3825915"/>
-            <a:ext cx="2828367" cy="323165"/>
+            <a:ext cx="3240361" cy="323165"/>
           </a:xfrm>
           <a:prstGeom prst="rect">
             <a:avLst/>
@@ -6979,34 +6849,64 @@
           <a:lstStyle/>
           <a:p>
             <a:r>
-              <a:rPr lang="fr-FR" sz="1500" b="1" dirty="0" err="1" smtClean="0">
+              <a:rPr lang="fr-FR" sz="1500" b="1" dirty="0" smtClean="0">
                 <a:solidFill>
                   <a:schemeClr val="accent4">
                     <a:lumMod val="50000"/>
                   </a:schemeClr>
                 </a:solidFill>
               </a:rPr>
-              <a:t>Objects</a:t>
-            </a:r>
-            <a:r>
-              <a:rPr lang="fr-FR" sz="1500" b="1" dirty="0" smtClean="0">
+              <a:t>Top 5 </a:t>
+            </a:r>
+            <a:r>
+              <a:rPr lang="fr-FR" sz="1500" b="1" dirty="0" err="1" smtClean="0">
                 <a:solidFill>
                   <a:schemeClr val="accent4">
                     <a:lumMod val="50000"/>
                   </a:schemeClr>
                 </a:solidFill>
               </a:rPr>
-              <a:t> Phase </a:t>
-            </a:r>
-            <a:r>
-              <a:rPr lang="fr-FR" sz="1500" b="1" dirty="0" err="1" smtClean="0">
+              <a:t>most</a:t>
+            </a:r>
+            <a:r>
+              <a:rPr lang="fr-FR" sz="1500" b="1" dirty="0" smtClean="0">
                 <a:solidFill>
                   <a:schemeClr val="accent4">
                     <a:lumMod val="50000"/>
                   </a:schemeClr>
                 </a:solidFill>
               </a:rPr>
-              <a:t>Overview</a:t>
+              <a:t> </a:t>
+            </a:r>
+            <a:r>
+              <a:rPr lang="fr-FR" sz="1500" b="1" dirty="0" err="1" smtClean="0">
+                <a:solidFill>
+                  <a:schemeClr val="accent4">
+                    <a:lumMod val="50000"/>
+                  </a:schemeClr>
+                </a:solidFill>
+              </a:rPr>
+              <a:t>vulnerable</a:t>
+            </a:r>
+            <a:r>
+              <a:rPr lang="fr-FR" sz="1500" b="1" dirty="0" smtClean="0">
+                <a:solidFill>
+                  <a:schemeClr val="accent4">
+                    <a:lumMod val="50000"/>
+                  </a:schemeClr>
+                </a:solidFill>
+              </a:rPr>
+              <a:t> </a:t>
+            </a:r>
+            <a:r>
+              <a:rPr lang="fr-FR" sz="1500" b="1" dirty="0" err="1" smtClean="0">
+                <a:solidFill>
+                  <a:schemeClr val="accent4">
+                    <a:lumMod val="50000"/>
+                  </a:schemeClr>
+                </a:solidFill>
+              </a:rPr>
+              <a:t>Devices</a:t>
             </a:r>
             <a:endParaRPr lang="fr-FR" sz="1500" b="1" dirty="0">
               <a:solidFill>
@@ -7026,7 +6926,7 @@
         </p:nvSpPr>
         <p:spPr>
           <a:xfrm>
-            <a:off x="3635895" y="657563"/>
+            <a:off x="3635895" y="657412"/>
             <a:ext cx="2828367" cy="323165"/>
           </a:xfrm>
           <a:prstGeom prst="rect">
@@ -7067,6 +6967,374 @@
                 </a:schemeClr>
               </a:solidFill>
             </a:endParaRPr>
+          </a:p>
+        </p:txBody>
+      </p:sp>
+      <p:sp>
+        <p:nvSpPr>
+          <p:cNvPr id="26" name="Rectangle 25"/>
+          <p:cNvSpPr/>
+          <p:nvPr userDrawn="1"/>
+        </p:nvSpPr>
+        <p:spPr>
+          <a:xfrm>
+            <a:off x="249238" y="2000304"/>
+            <a:ext cx="1299600" cy="1080000"/>
+          </a:xfrm>
+          <a:prstGeom prst="rect">
+            <a:avLst/>
+          </a:prstGeom>
+          <a:solidFill>
+            <a:srgbClr val="0070C0"/>
+          </a:solidFill>
+          <a:ln>
+            <a:solidFill>
+              <a:srgbClr val="00B0F0"/>
+            </a:solidFill>
+          </a:ln>
+        </p:spPr>
+        <p:style>
+          <a:lnRef idx="2">
+            <a:schemeClr val="accent1">
+              <a:shade val="50000"/>
+            </a:schemeClr>
+          </a:lnRef>
+          <a:fillRef idx="1">
+            <a:schemeClr val="accent1"/>
+          </a:fillRef>
+          <a:effectRef idx="0">
+            <a:schemeClr val="accent1"/>
+          </a:effectRef>
+          <a:fontRef idx="minor">
+            <a:schemeClr val="lt1"/>
+          </a:fontRef>
+        </p:style>
+        <p:txBody>
+          <a:bodyPr rtlCol="0" anchor="ctr"/>
+          <a:lstStyle/>
+          <a:p>
+            <a:pPr algn="ctr"/>
+            <a:endParaRPr lang="fr-FR"/>
+          </a:p>
+        </p:txBody>
+      </p:sp>
+      <p:sp>
+        <p:nvSpPr>
+          <p:cNvPr id="27" name="Rectangle 26"/>
+          <p:cNvSpPr/>
+          <p:nvPr userDrawn="1"/>
+        </p:nvSpPr>
+        <p:spPr>
+          <a:xfrm>
+            <a:off x="1768629" y="2000304"/>
+            <a:ext cx="1080000" cy="1080000"/>
+          </a:xfrm>
+          <a:prstGeom prst="rect">
+            <a:avLst/>
+          </a:prstGeom>
+          <a:solidFill>
+            <a:srgbClr val="0070C0"/>
+          </a:solidFill>
+          <a:ln>
+            <a:solidFill>
+              <a:srgbClr val="00B0F0"/>
+            </a:solidFill>
+          </a:ln>
+        </p:spPr>
+        <p:style>
+          <a:lnRef idx="2">
+            <a:schemeClr val="accent1">
+              <a:shade val="50000"/>
+            </a:schemeClr>
+          </a:lnRef>
+          <a:fillRef idx="1">
+            <a:schemeClr val="accent1"/>
+          </a:fillRef>
+          <a:effectRef idx="0">
+            <a:schemeClr val="accent1"/>
+          </a:effectRef>
+          <a:fontRef idx="minor">
+            <a:schemeClr val="lt1"/>
+          </a:fontRef>
+        </p:style>
+        <p:txBody>
+          <a:bodyPr rtlCol="0" anchor="ctr"/>
+          <a:lstStyle/>
+          <a:p>
+            <a:pPr algn="ctr"/>
+            <a:endParaRPr lang="fr-FR"/>
+          </a:p>
+        </p:txBody>
+      </p:sp>
+      <p:sp>
+        <p:nvSpPr>
+          <p:cNvPr id="28" name="ZoneTexte 27"/>
+          <p:cNvSpPr txBox="1"/>
+          <p:nvPr userDrawn="1"/>
+        </p:nvSpPr>
+        <p:spPr>
+          <a:xfrm>
+            <a:off x="235793" y="2000304"/>
+            <a:ext cx="1349274" cy="307777"/>
+          </a:xfrm>
+          <a:prstGeom prst="rect">
+            <a:avLst/>
+          </a:prstGeom>
+          <a:noFill/>
+        </p:spPr>
+        <p:txBody>
+          <a:bodyPr wrap="square" rtlCol="0">
+            <a:spAutoFit/>
+          </a:bodyPr>
+          <a:lstStyle/>
+          <a:p>
+            <a:r>
+              <a:rPr lang="fr-FR" sz="1400" b="1" dirty="0" smtClean="0">
+                <a:solidFill>
+                  <a:schemeClr val="bg1"/>
+                </a:solidFill>
+              </a:rPr>
+              <a:t>Medium</a:t>
+            </a:r>
+            <a:r>
+              <a:rPr lang="fr-FR" sz="1300" b="1" baseline="0" dirty="0" smtClean="0">
+                <a:solidFill>
+                  <a:schemeClr val="bg1"/>
+                </a:solidFill>
+              </a:rPr>
+              <a:t> </a:t>
+            </a:r>
+            <a:r>
+              <a:rPr lang="fr-FR" sz="1300" b="1" dirty="0" err="1" smtClean="0">
+                <a:solidFill>
+                  <a:schemeClr val="bg1"/>
+                </a:solidFill>
+              </a:rPr>
+              <a:t>Risks</a:t>
+            </a:r>
+            <a:endParaRPr lang="fr-FR" sz="1300" b="1" dirty="0">
+              <a:solidFill>
+                <a:schemeClr val="bg1"/>
+              </a:solidFill>
+            </a:endParaRPr>
+          </a:p>
+        </p:txBody>
+      </p:sp>
+      <p:sp>
+        <p:nvSpPr>
+          <p:cNvPr id="29" name="ZoneTexte 28"/>
+          <p:cNvSpPr txBox="1"/>
+          <p:nvPr userDrawn="1"/>
+        </p:nvSpPr>
+        <p:spPr>
+          <a:xfrm>
+            <a:off x="1805912" y="2016261"/>
+            <a:ext cx="979502" cy="261610"/>
+          </a:xfrm>
+          <a:prstGeom prst="rect">
+            <a:avLst/>
+          </a:prstGeom>
+          <a:noFill/>
+        </p:spPr>
+        <p:txBody>
+          <a:bodyPr wrap="square" rtlCol="0">
+            <a:spAutoFit/>
+          </a:bodyPr>
+          <a:lstStyle/>
+          <a:p>
+            <a:r>
+              <a:rPr lang="fr-FR" sz="1100" b="1" dirty="0" smtClean="0">
+                <a:solidFill>
+                  <a:schemeClr val="bg1"/>
+                </a:solidFill>
+              </a:rPr>
+              <a:t>Last </a:t>
+            </a:r>
+            <a:r>
+              <a:rPr lang="fr-FR" sz="1100" b="1" dirty="0" err="1" smtClean="0">
+                <a:solidFill>
+                  <a:schemeClr val="bg1"/>
+                </a:solidFill>
+              </a:rPr>
+              <a:t>month</a:t>
+            </a:r>
+            <a:endParaRPr lang="fr-FR" sz="1100" b="1" dirty="0">
+              <a:solidFill>
+                <a:schemeClr val="bg1"/>
+              </a:solidFill>
+            </a:endParaRPr>
+          </a:p>
+        </p:txBody>
+      </p:sp>
+      <p:sp>
+        <p:nvSpPr>
+          <p:cNvPr id="32" name="ZoneTexte 31"/>
+          <p:cNvSpPr txBox="1"/>
+          <p:nvPr userDrawn="1"/>
+        </p:nvSpPr>
+        <p:spPr>
+          <a:xfrm>
+            <a:off x="1805912" y="688190"/>
+            <a:ext cx="979502" cy="261610"/>
+          </a:xfrm>
+          <a:prstGeom prst="rect">
+            <a:avLst/>
+          </a:prstGeom>
+          <a:noFill/>
+        </p:spPr>
+        <p:txBody>
+          <a:bodyPr wrap="square" rtlCol="0">
+            <a:spAutoFit/>
+          </a:bodyPr>
+          <a:lstStyle/>
+          <a:p>
+            <a:r>
+              <a:rPr lang="fr-FR" sz="1100" b="1" dirty="0" smtClean="0">
+                <a:solidFill>
+                  <a:schemeClr val="bg1"/>
+                </a:solidFill>
+              </a:rPr>
+              <a:t>Last </a:t>
+            </a:r>
+            <a:r>
+              <a:rPr lang="fr-FR" sz="1100" b="1" dirty="0" err="1" smtClean="0">
+                <a:solidFill>
+                  <a:schemeClr val="bg1"/>
+                </a:solidFill>
+              </a:rPr>
+              <a:t>month</a:t>
+            </a:r>
+            <a:endParaRPr lang="fr-FR" sz="1100" b="1" dirty="0">
+              <a:solidFill>
+                <a:schemeClr val="bg1"/>
+              </a:solidFill>
+            </a:endParaRPr>
+          </a:p>
+        </p:txBody>
+      </p:sp>
+      <p:sp>
+        <p:nvSpPr>
+          <p:cNvPr id="33" name="ZoneTexte 32"/>
+          <p:cNvSpPr txBox="1"/>
+          <p:nvPr userDrawn="1"/>
+        </p:nvSpPr>
+        <p:spPr>
+          <a:xfrm>
+            <a:off x="1805912" y="3398888"/>
+            <a:ext cx="979502" cy="261610"/>
+          </a:xfrm>
+          <a:prstGeom prst="rect">
+            <a:avLst/>
+          </a:prstGeom>
+          <a:noFill/>
+        </p:spPr>
+        <p:txBody>
+          <a:bodyPr wrap="square" rtlCol="0">
+            <a:spAutoFit/>
+          </a:bodyPr>
+          <a:lstStyle/>
+          <a:p>
+            <a:r>
+              <a:rPr lang="fr-FR" sz="1100" b="1" dirty="0" smtClean="0">
+                <a:solidFill>
+                  <a:schemeClr val="bg1"/>
+                </a:solidFill>
+              </a:rPr>
+              <a:t>Last </a:t>
+            </a:r>
+            <a:r>
+              <a:rPr lang="fr-FR" sz="1100" b="1" dirty="0" err="1" smtClean="0">
+                <a:solidFill>
+                  <a:schemeClr val="bg1"/>
+                </a:solidFill>
+              </a:rPr>
+              <a:t>month</a:t>
+            </a:r>
+            <a:endParaRPr lang="fr-FR" sz="1100" b="1" dirty="0">
+              <a:solidFill>
+                <a:schemeClr val="bg1"/>
+              </a:solidFill>
+            </a:endParaRPr>
+          </a:p>
+        </p:txBody>
+      </p:sp>
+      <p:sp>
+        <p:nvSpPr>
+          <p:cNvPr id="3" name="Espace réservé du contenu 2"/>
+          <p:cNvSpPr>
+            <a:spLocks noGrp="1"/>
+          </p:cNvSpPr>
+          <p:nvPr>
+            <p:ph sz="quarter" idx="18" hasCustomPrompt="1"/>
+          </p:nvPr>
+        </p:nvSpPr>
+        <p:spPr>
+          <a:xfrm>
+            <a:off x="395969" y="2477088"/>
+            <a:ext cx="648000" cy="464400"/>
+          </a:xfrm>
+        </p:spPr>
+        <p:txBody>
+          <a:bodyPr anchor="ctr">
+            <a:noAutofit/>
+          </a:bodyPr>
+          <a:lstStyle>
+            <a:lvl1pPr marL="0" indent="0" algn="ctr">
+              <a:buNone/>
+              <a:defRPr sz="3600" b="1">
+                <a:solidFill>
+                  <a:schemeClr val="bg1"/>
+                </a:solidFill>
+              </a:defRPr>
+            </a:lvl1pPr>
+          </a:lstStyle>
+          <a:p>
+            <a:pPr lvl="0"/>
+            <a:r>
+              <a:rPr lang="fr-FR" dirty="0" smtClean="0"/>
+              <a:t>#</a:t>
+            </a:r>
+            <a:endParaRPr lang="fr-FR" dirty="0"/>
+          </a:p>
+        </p:txBody>
+      </p:sp>
+      <p:sp>
+        <p:nvSpPr>
+          <p:cNvPr id="40" name="Espace réservé du texte 5"/>
+          <p:cNvSpPr>
+            <a:spLocks noGrp="1"/>
+          </p:cNvSpPr>
+          <p:nvPr>
+            <p:ph type="body" sz="quarter" idx="19" hasCustomPrompt="1"/>
+          </p:nvPr>
+        </p:nvSpPr>
+        <p:spPr>
+          <a:xfrm>
+            <a:off x="1980084" y="2491299"/>
+            <a:ext cx="647700" cy="463648"/>
+          </a:xfrm>
+        </p:spPr>
+        <p:txBody>
+          <a:bodyPr anchor="ctr">
+            <a:normAutofit/>
+          </a:bodyPr>
+          <a:lstStyle>
+            <a:lvl1pPr marL="0" indent="0" algn="ctr">
+              <a:buNone/>
+              <a:defRPr sz="3200" b="1">
+                <a:solidFill>
+                  <a:schemeClr val="bg1"/>
+                </a:solidFill>
+              </a:defRPr>
+            </a:lvl1pPr>
+          </a:lstStyle>
+          <a:p>
+            <a:pPr lvl="0"/>
+            <a:r>
+              <a:rPr lang="fr-FR" dirty="0" smtClean="0"/>
+              <a:t>#</a:t>
+            </a:r>
+            <a:endParaRPr lang="fr-FR" dirty="0"/>
           </a:p>
         </p:txBody>
       </p:sp>
@@ -10281,7 +10549,12 @@
             <p:ph type="body" sz="quarter" idx="10"/>
           </p:nvPr>
         </p:nvSpPr>
-        <p:spPr/>
+        <p:spPr>
+          <a:xfrm>
+            <a:off x="395968" y="1168692"/>
+            <a:ext cx="1007679" cy="463648"/>
+          </a:xfrm>
+        </p:spPr>
         <p:txBody>
           <a:bodyPr/>
           <a:lstStyle/>
@@ -10300,7 +10573,38 @@
             <p:ph type="body" sz="quarter" idx="11"/>
           </p:nvPr>
         </p:nvSpPr>
-        <p:spPr/>
+        <p:spPr>
+          <a:xfrm>
+            <a:off x="1907704" y="1165152"/>
+            <a:ext cx="720080" cy="463648"/>
+          </a:xfrm>
+        </p:spPr>
+        <p:txBody>
+          <a:bodyPr>
+            <a:normAutofit lnSpcReduction="10000"/>
+          </a:bodyPr>
+          <a:lstStyle/>
+          <a:p>
+            <a:endParaRPr lang="fr-FR"/>
+          </a:p>
+        </p:txBody>
+      </p:sp>
+      <p:sp>
+        <p:nvSpPr>
+          <p:cNvPr id="4" name="Espace réservé du texte 3"/>
+          <p:cNvSpPr>
+            <a:spLocks noGrp="1"/>
+          </p:cNvSpPr>
+          <p:nvPr>
+            <p:ph type="body" sz="quarter" idx="12"/>
+          </p:nvPr>
+        </p:nvSpPr>
+        <p:spPr>
+          <a:xfrm>
+            <a:off x="409413" y="3832203"/>
+            <a:ext cx="994233" cy="455430"/>
+          </a:xfrm>
+        </p:spPr>
         <p:txBody>
           <a:bodyPr/>
           <a:lstStyle/>
@@ -10311,15 +10615,46 @@
       </p:sp>
       <p:sp>
         <p:nvSpPr>
-          <p:cNvPr id="4" name="Espace réservé du texte 3"/>
-          <p:cNvSpPr>
-            <a:spLocks noGrp="1"/>
-          </p:cNvSpPr>
-          <p:nvPr>
-            <p:ph type="body" sz="quarter" idx="12"/>
-          </p:nvPr>
-        </p:nvSpPr>
-        <p:spPr/>
+          <p:cNvPr id="5" name="Espace réservé du texte 4"/>
+          <p:cNvSpPr>
+            <a:spLocks noGrp="1"/>
+          </p:cNvSpPr>
+          <p:nvPr>
+            <p:ph type="body" sz="quarter" idx="13"/>
+          </p:nvPr>
+        </p:nvSpPr>
+        <p:spPr>
+          <a:xfrm>
+            <a:off x="1907704" y="3846709"/>
+            <a:ext cx="805821" cy="455430"/>
+          </a:xfrm>
+        </p:spPr>
+        <p:txBody>
+          <a:bodyPr>
+            <a:normAutofit lnSpcReduction="10000"/>
+          </a:bodyPr>
+          <a:lstStyle/>
+          <a:p>
+            <a:endParaRPr lang="fr-FR"/>
+          </a:p>
+        </p:txBody>
+      </p:sp>
+      <p:sp>
+        <p:nvSpPr>
+          <p:cNvPr id="6" name="Espace réservé du texte 5"/>
+          <p:cNvSpPr>
+            <a:spLocks noGrp="1"/>
+          </p:cNvSpPr>
+          <p:nvPr>
+            <p:ph type="body" sz="quarter" idx="14"/>
+          </p:nvPr>
+        </p:nvSpPr>
+        <p:spPr>
+          <a:xfrm>
+            <a:off x="409413" y="5691323"/>
+            <a:ext cx="778211" cy="503238"/>
+          </a:xfrm>
+        </p:spPr>
         <p:txBody>
           <a:bodyPr/>
           <a:lstStyle/>
@@ -10330,15 +10665,20 @@
       </p:sp>
       <p:sp>
         <p:nvSpPr>
-          <p:cNvPr id="5" name="Espace réservé du texte 4"/>
-          <p:cNvSpPr>
-            <a:spLocks noGrp="1"/>
-          </p:cNvSpPr>
-          <p:nvPr>
-            <p:ph type="body" sz="quarter" idx="13"/>
-          </p:nvPr>
-        </p:nvSpPr>
-        <p:spPr/>
+          <p:cNvPr id="7" name="Espace réservé du texte 6"/>
+          <p:cNvSpPr>
+            <a:spLocks noGrp="1"/>
+          </p:cNvSpPr>
+          <p:nvPr>
+            <p:ph type="body" sz="quarter" idx="15"/>
+          </p:nvPr>
+        </p:nvSpPr>
+        <p:spPr>
+          <a:xfrm>
+            <a:off x="1691680" y="5689021"/>
+            <a:ext cx="792088" cy="503238"/>
+          </a:xfrm>
+        </p:spPr>
         <p:txBody>
           <a:bodyPr/>
           <a:lstStyle/>
@@ -10349,15 +10689,20 @@
       </p:sp>
       <p:sp>
         <p:nvSpPr>
-          <p:cNvPr id="6" name="Espace réservé du texte 5"/>
-          <p:cNvSpPr>
-            <a:spLocks noGrp="1"/>
-          </p:cNvSpPr>
-          <p:nvPr>
-            <p:ph type="body" sz="quarter" idx="14"/>
-          </p:nvPr>
-        </p:nvSpPr>
-        <p:spPr/>
+          <p:cNvPr id="8" name="Espace réservé du contenu 7"/>
+          <p:cNvSpPr>
+            <a:spLocks noGrp="1"/>
+          </p:cNvSpPr>
+          <p:nvPr>
+            <p:ph sz="quarter" idx="18"/>
+          </p:nvPr>
+        </p:nvSpPr>
+        <p:spPr>
+          <a:xfrm>
+            <a:off x="395969" y="2477088"/>
+            <a:ext cx="1007678" cy="464400"/>
+          </a:xfrm>
+        </p:spPr>
         <p:txBody>
           <a:bodyPr/>
           <a:lstStyle/>
@@ -10368,17 +10713,24 @@
       </p:sp>
       <p:sp>
         <p:nvSpPr>
-          <p:cNvPr id="7" name="Espace réservé du texte 6"/>
-          <p:cNvSpPr>
-            <a:spLocks noGrp="1"/>
-          </p:cNvSpPr>
-          <p:nvPr>
-            <p:ph type="body" sz="quarter" idx="15"/>
-          </p:nvPr>
-        </p:nvSpPr>
-        <p:spPr/>
-        <p:txBody>
-          <a:bodyPr/>
+          <p:cNvPr id="9" name="Espace réservé du texte 8"/>
+          <p:cNvSpPr>
+            <a:spLocks noGrp="1"/>
+          </p:cNvSpPr>
+          <p:nvPr>
+            <p:ph type="body" sz="quarter" idx="19"/>
+          </p:nvPr>
+        </p:nvSpPr>
+        <p:spPr>
+          <a:xfrm>
+            <a:off x="1907704" y="2491299"/>
+            <a:ext cx="720080" cy="463648"/>
+          </a:xfrm>
+        </p:spPr>
+        <p:txBody>
+          <a:bodyPr>
+            <a:normAutofit lnSpcReduction="10000"/>
+          </a:bodyPr>
           <a:lstStyle/>
           <a:p>
             <a:endParaRPr lang="fr-FR"/>
@@ -10388,20 +10740,13 @@
     </p:spTree>
     <p:extLst>
       <p:ext uri="{BB962C8B-B14F-4D97-AF65-F5344CB8AC3E}">
-        <p14:creationId xmlns:p14="http://schemas.microsoft.com/office/powerpoint/2010/main" val="1867223610"/>
+        <p14:creationId xmlns:p14="http://schemas.microsoft.com/office/powerpoint/2010/main" val="1116577025"/>
       </p:ext>
     </p:extLst>
   </p:cSld>
   <p:clrMapOvr>
     <a:masterClrMapping/>
   </p:clrMapOvr>
-  <p:timing>
-    <p:tnLst>
-      <p:par>
-        <p:cTn id="1" dur="indefinite" restart="never" nodeType="tmRoot"/>
-      </p:par>
-    </p:tnLst>
-  </p:timing>
 </p:sld>
 </file>
 
@@ -10489,20 +10834,13 @@
   <p:clrMapOvr>
     <a:masterClrMapping/>
   </p:clrMapOvr>
-  <p:timing>
-    <p:tnLst>
-      <p:par>
-        <p:cTn id="1" dur="indefinite" restart="never" nodeType="tmRoot"/>
-      </p:par>
-    </p:tnLst>
-  </p:timing>
 </p:sld>
 </file>
 
 <file path=ppt/theme/theme1.xml><?xml version="1.0" encoding="utf-8"?>
 <a:theme xmlns:a="http://schemas.openxmlformats.org/drawingml/2006/main" name="blank">
   <a:themeElements>
-    <a:clrScheme name="Blue Warm">
+    <a:clrScheme name="Orange 00">
       <a:dk1>
         <a:sysClr val="windowText" lastClr="000000"/>
       </a:dk1>
@@ -10510,34 +10848,34 @@
         <a:sysClr val="window" lastClr="FFFFFF"/>
       </a:lt1>
       <a:dk2>
-        <a:srgbClr val="242852"/>
+        <a:srgbClr val="000000"/>
       </a:dk2>
       <a:lt2>
-        <a:srgbClr val="ACCBF9"/>
+        <a:srgbClr val="F8F8F8"/>
       </a:lt2>
       <a:accent1>
-        <a:srgbClr val="4A66AC"/>
+        <a:srgbClr val="FF6600"/>
       </a:accent1>
       <a:accent2>
-        <a:srgbClr val="629DD1"/>
+        <a:srgbClr val="B2B2B2"/>
       </a:accent2>
       <a:accent3>
-        <a:srgbClr val="297FD5"/>
+        <a:srgbClr val="969696"/>
       </a:accent3>
       <a:accent4>
-        <a:srgbClr val="7F8FA9"/>
+        <a:srgbClr val="808080"/>
       </a:accent4>
       <a:accent5>
-        <a:srgbClr val="5AA2AE"/>
+        <a:srgbClr val="5F5F5F"/>
       </a:accent5>
       <a:accent6>
-        <a:srgbClr val="9D90A0"/>
+        <a:srgbClr val="4D4D4D"/>
       </a:accent6>
       <a:hlink>
-        <a:srgbClr val="9454C3"/>
+        <a:srgbClr val="5F5F5F"/>
       </a:hlink>
       <a:folHlink>
-        <a:srgbClr val="3EBBF0"/>
+        <a:srgbClr val="919191"/>
       </a:folHlink>
     </a:clrScheme>
     <a:fontScheme name="Orange standard">
@@ -10723,7 +11061,7 @@
   <a:extraClrSchemeLst/>
   <a:extLst>
     <a:ext uri="{05A4C25C-085E-4340-85A3-A5531E510DB2}">
-      <thm15:themeFamily xmlns:thm15="http://schemas.microsoft.com/office/thememl/2012/main" name="Présentation8" id="{8E42F6AB-5C9E-D14B-A99B-AB26959BE645}" vid="{29BB490C-A99F-8049-BC08-32BCB963A19E}"/>
+      <thm15:themeFamily xmlns:thm15="http://schemas.microsoft.com/office/thememl/2012/main" name="Présentation4" id="{777F971E-405A-2D4B-B522-4D1E6BDAB4B6}" vid="{A469C8F1-1DA4-974E-9396-4B8754DC5AF5}"/>
     </a:ext>
   </a:extLst>
 </a:theme>

--- a/Templates/SecurityReport.pptx
+++ b/Templates/SecurityReport.pptx
@@ -8,7 +8,7 @@
     <p:notesMasterId r:id="rId4"/>
   </p:notesMasterIdLst>
   <p:sldIdLst>
-    <p:sldId id="283" r:id="rId2"/>
+    <p:sldId id="282" r:id="rId2"/>
     <p:sldId id="281" r:id="rId3"/>
   </p:sldIdLst>
   <p:sldSz cx="9144000" cy="6858000" type="screen4x3"/>
@@ -116,7 +116,7 @@
         </p14:section>
         <p14:section name="contenu du diaporama" id="{7C415485-64F3-4240-AEC1-14455B505EAE}">
           <p14:sldIdLst>
-            <p14:sldId id="283"/>
+            <p14:sldId id="282"/>
             <p14:sldId id="281"/>
           </p14:sldIdLst>
         </p14:section>
@@ -126,7 +126,7 @@
       </p14:sectionLst>
     </p:ext>
     <p:ext uri="{EFAFB233-063F-42B5-8137-9DF3F51BA10A}">
-      <p15:sldGuideLst xmlns:p15="http://schemas.microsoft.com/office/powerpoint/2012/main">
+      <p15:sldGuideLst xmlns="" xmlns:p15="http://schemas.microsoft.com/office/powerpoint/2012/main">
         <p15:guide id="1" orient="horz" pos="2160">
           <p15:clr>
             <a:srgbClr val="A4A3A4"/>
@@ -167,37 +167,6 @@
       </p:grpSpPr>
       <p:sp>
         <p:nvSpPr>
-          <p:cNvPr id="2" name="Espace réservé de l’en-tête 1"/>
-          <p:cNvSpPr>
-            <a:spLocks noGrp="1"/>
-          </p:cNvSpPr>
-          <p:nvPr>
-            <p:ph type="hdr" sz="quarter"/>
-          </p:nvPr>
-        </p:nvSpPr>
-        <p:spPr>
-          <a:xfrm>
-            <a:off x="0" y="0"/>
-            <a:ext cx="2971800" cy="458788"/>
-          </a:xfrm>
-          <a:prstGeom prst="rect">
-            <a:avLst/>
-          </a:prstGeom>
-        </p:spPr>
-        <p:txBody>
-          <a:bodyPr vert="horz" lIns="91440" tIns="45720" rIns="91440" bIns="45720" rtlCol="0"/>
-          <a:lstStyle>
-            <a:lvl1pPr algn="l">
-              <a:defRPr sz="1200"/>
-            </a:lvl1pPr>
-          </a:lstStyle>
-          <a:p>
-            <a:endParaRPr lang="fr-FR"/>
-          </a:p>
-        </p:txBody>
-      </p:sp>
-      <p:sp>
-        <p:nvSpPr>
           <p:cNvPr id="3" name="Espace réservé de la date 2"/>
           <p:cNvSpPr>
             <a:spLocks noGrp="1"/>
@@ -225,7 +194,7 @@
           <a:p>
             <a:fld id="{1A3A36EA-A6A6-3241-96CC-76CD1AE24D79}" type="datetimeFigureOut">
               <a:rPr lang="fr-FR" smtClean="0"/>
-              <a:t>22/08/2017</a:t>
+              <a:t>30/10/2017</a:t>
             </a:fld>
             <a:endParaRPr lang="fr-FR"/>
           </a:p>
@@ -233,7 +202,67 @@
       </p:sp>
       <p:sp>
         <p:nvSpPr>
-          <p:cNvPr id="4" name="Espace réservé de l’image des diapositives 3"/>
+          <p:cNvPr id="5" name="Espace réservé des commentaires 4"/>
+          <p:cNvSpPr>
+            <a:spLocks noGrp="1"/>
+          </p:cNvSpPr>
+          <p:nvPr>
+            <p:ph type="body" sz="quarter" idx="3"/>
+          </p:nvPr>
+        </p:nvSpPr>
+        <p:spPr>
+          <a:xfrm>
+            <a:off x="685800" y="4400550"/>
+            <a:ext cx="5486400" cy="3600450"/>
+          </a:xfrm>
+          <a:prstGeom prst="rect">
+            <a:avLst/>
+          </a:prstGeom>
+        </p:spPr>
+        <p:txBody>
+          <a:bodyPr vert="horz" lIns="91440" tIns="45720" rIns="91440" bIns="45720" rtlCol="0"/>
+          <a:lstStyle/>
+          <a:p>
+            <a:pPr lvl="0"/>
+            <a:r>
+              <a:rPr lang="fr-FR" smtClean="0"/>
+              <a:t>Cliquez pour modifier les styles du texte du masque</a:t>
+            </a:r>
+          </a:p>
+          <a:p>
+            <a:pPr lvl="1"/>
+            <a:r>
+              <a:rPr lang="fr-FR" smtClean="0"/>
+              <a:t>Deuxième niveau</a:t>
+            </a:r>
+          </a:p>
+          <a:p>
+            <a:pPr lvl="2"/>
+            <a:r>
+              <a:rPr lang="fr-FR" smtClean="0"/>
+              <a:t>Troisième niveau</a:t>
+            </a:r>
+          </a:p>
+          <a:p>
+            <a:pPr lvl="3"/>
+            <a:r>
+              <a:rPr lang="fr-FR" smtClean="0"/>
+              <a:t>Quatrième niveau</a:t>
+            </a:r>
+          </a:p>
+          <a:p>
+            <a:pPr lvl="4"/>
+            <a:r>
+              <a:rPr lang="fr-FR" smtClean="0"/>
+              <a:t>Cinquième niveau</a:t>
+            </a:r>
+            <a:endParaRPr lang="fr-FR"/>
+          </a:p>
+        </p:txBody>
+      </p:sp>
+      <p:sp>
+        <p:nvSpPr>
+          <p:cNvPr id="8" name="Espace réservé de l'image des diapositives 7"/>
           <p:cNvSpPr>
             <a:spLocks noGrp="1" noRot="1" noChangeAspect="1"/>
           </p:cNvSpPr>
@@ -243,8 +272,8 @@
         </p:nvSpPr>
         <p:spPr>
           <a:xfrm>
-            <a:off x="1371600" y="1143000"/>
-            <a:ext cx="4114800" cy="3086100"/>
+            <a:off x="1143000" y="685800"/>
+            <a:ext cx="4572000" cy="3429000"/>
           </a:xfrm>
           <a:prstGeom prst="rect">
             <a:avLst/>
@@ -260,132 +289,6 @@
           <a:bodyPr vert="horz" lIns="91440" tIns="45720" rIns="91440" bIns="45720" rtlCol="0" anchor="ctr"/>
           <a:lstStyle/>
           <a:p>
-            <a:endParaRPr lang="fr-FR"/>
-          </a:p>
-        </p:txBody>
-      </p:sp>
-      <p:sp>
-        <p:nvSpPr>
-          <p:cNvPr id="5" name="Espace réservé des commentaires 4"/>
-          <p:cNvSpPr>
-            <a:spLocks noGrp="1"/>
-          </p:cNvSpPr>
-          <p:nvPr>
-            <p:ph type="body" sz="quarter" idx="3"/>
-          </p:nvPr>
-        </p:nvSpPr>
-        <p:spPr>
-          <a:xfrm>
-            <a:off x="685800" y="4400550"/>
-            <a:ext cx="5486400" cy="3600450"/>
-          </a:xfrm>
-          <a:prstGeom prst="rect">
-            <a:avLst/>
-          </a:prstGeom>
-        </p:spPr>
-        <p:txBody>
-          <a:bodyPr vert="horz" lIns="91440" tIns="45720" rIns="91440" bIns="45720" rtlCol="0"/>
-          <a:lstStyle/>
-          <a:p>
-            <a:pPr lvl="0"/>
-            <a:r>
-              <a:rPr lang="fr-FR" smtClean="0"/>
-              <a:t>Cliquez pour modifier les styles du texte du masque</a:t>
-            </a:r>
-          </a:p>
-          <a:p>
-            <a:pPr lvl="1"/>
-            <a:r>
-              <a:rPr lang="fr-FR" smtClean="0"/>
-              <a:t>Deuxième niveau</a:t>
-            </a:r>
-          </a:p>
-          <a:p>
-            <a:pPr lvl="2"/>
-            <a:r>
-              <a:rPr lang="fr-FR" smtClean="0"/>
-              <a:t>Troisième niveau</a:t>
-            </a:r>
-          </a:p>
-          <a:p>
-            <a:pPr lvl="3"/>
-            <a:r>
-              <a:rPr lang="fr-FR" smtClean="0"/>
-              <a:t>Quatrième niveau</a:t>
-            </a:r>
-          </a:p>
-          <a:p>
-            <a:pPr lvl="4"/>
-            <a:r>
-              <a:rPr lang="fr-FR" smtClean="0"/>
-              <a:t>Cinquième niveau</a:t>
-            </a:r>
-            <a:endParaRPr lang="fr-FR"/>
-          </a:p>
-        </p:txBody>
-      </p:sp>
-      <p:sp>
-        <p:nvSpPr>
-          <p:cNvPr id="6" name="Espace réservé du pied de page 5"/>
-          <p:cNvSpPr>
-            <a:spLocks noGrp="1"/>
-          </p:cNvSpPr>
-          <p:nvPr>
-            <p:ph type="ftr" sz="quarter" idx="4"/>
-          </p:nvPr>
-        </p:nvSpPr>
-        <p:spPr>
-          <a:xfrm>
-            <a:off x="0" y="8685213"/>
-            <a:ext cx="2971800" cy="458787"/>
-          </a:xfrm>
-          <a:prstGeom prst="rect">
-            <a:avLst/>
-          </a:prstGeom>
-        </p:spPr>
-        <p:txBody>
-          <a:bodyPr vert="horz" lIns="91440" tIns="45720" rIns="91440" bIns="45720" rtlCol="0" anchor="b"/>
-          <a:lstStyle>
-            <a:lvl1pPr algn="l">
-              <a:defRPr sz="1200"/>
-            </a:lvl1pPr>
-          </a:lstStyle>
-          <a:p>
-            <a:endParaRPr lang="fr-FR"/>
-          </a:p>
-        </p:txBody>
-      </p:sp>
-      <p:sp>
-        <p:nvSpPr>
-          <p:cNvPr id="7" name="Espace réservé du numéro de diapositive 6"/>
-          <p:cNvSpPr>
-            <a:spLocks noGrp="1"/>
-          </p:cNvSpPr>
-          <p:nvPr>
-            <p:ph type="sldNum" sz="quarter" idx="5"/>
-          </p:nvPr>
-        </p:nvSpPr>
-        <p:spPr>
-          <a:xfrm>
-            <a:off x="3884613" y="8685213"/>
-            <a:ext cx="2971800" cy="458787"/>
-          </a:xfrm>
-          <a:prstGeom prst="rect">
-            <a:avLst/>
-          </a:prstGeom>
-        </p:spPr>
-        <p:txBody>
-          <a:bodyPr vert="horz" lIns="91440" tIns="45720" rIns="91440" bIns="45720" rtlCol="0" anchor="b"/>
-          <a:lstStyle>
-            <a:lvl1pPr algn="r">
-              <a:defRPr sz="1200"/>
-            </a:lvl1pPr>
-          </a:lstStyle>
-          <a:p>
-            <a:fld id="{A3EDC824-9D5D-764F-910D-D7AB1C093F9D}" type="slidenum">
-              <a:rPr lang="fr-FR" smtClean="0"/>
-              <a:t>‹#›</a:t>
-            </a:fld>
             <a:endParaRPr lang="fr-FR"/>
           </a:p>
         </p:txBody>
@@ -2229,10 +2132,86 @@
   <p:clrMapOvr>
     <a:masterClrMapping/>
   </p:clrMapOvr>
+  <p:timing>
+    <p:tnLst>
+      <p:par>
+        <p:cTn id="1" dur="indefinite" restart="never" nodeType="tmRoot"/>
+      </p:par>
+    </p:tnLst>
+  </p:timing>
 </p:sldLayout>
 </file>
 
 <file path=ppt/slideLayouts/slideLayout10.xml><?xml version="1.0" encoding="utf-8"?>
+<p:sldLayout xmlns:a="http://schemas.openxmlformats.org/drawingml/2006/main" xmlns:r="http://schemas.openxmlformats.org/officeDocument/2006/relationships" xmlns:p="http://schemas.openxmlformats.org/presentationml/2006/main" preserve="1" userDrawn="1">
+  <p:cSld name="titre seul">
+    <p:spTree>
+      <p:nvGrpSpPr>
+        <p:cNvPr id="1" name=""/>
+        <p:cNvGrpSpPr/>
+        <p:nvPr/>
+      </p:nvGrpSpPr>
+      <p:grpSpPr>
+        <a:xfrm>
+          <a:off x="0" y="0"/>
+          <a:ext cx="0" cy="0"/>
+          <a:chOff x="0" y="0"/>
+          <a:chExt cx="0" cy="0"/>
+        </a:xfrm>
+      </p:grpSpPr>
+      <p:sp>
+        <p:nvSpPr>
+          <p:cNvPr id="2" name="Titre 1"/>
+          <p:cNvSpPr>
+            <a:spLocks noGrp="1"/>
+          </p:cNvSpPr>
+          <p:nvPr>
+            <p:ph type="title" hasCustomPrompt="1"/>
+          </p:nvPr>
+        </p:nvSpPr>
+        <p:spPr>
+          <a:xfrm>
+            <a:off x="1015200" y="404664"/>
+            <a:ext cx="7057405" cy="982800"/>
+          </a:xfrm>
+        </p:spPr>
+        <p:txBody>
+          <a:bodyPr/>
+          <a:lstStyle>
+            <a:lvl1pPr algn="l">
+              <a:defRPr/>
+            </a:lvl1pPr>
+          </a:lstStyle>
+          <a:p>
+            <a:r>
+              <a:rPr lang="fr-FR" dirty="0" smtClean="0"/>
+              <a:t>titre seul</a:t>
+            </a:r>
+            <a:endParaRPr lang="fr-FR" dirty="0"/>
+          </a:p>
+        </p:txBody>
+      </p:sp>
+    </p:spTree>
+    <p:extLst>
+      <p:ext uri="{BB962C8B-B14F-4D97-AF65-F5344CB8AC3E}">
+        <p14:creationId xmlns:p14="http://schemas.microsoft.com/office/powerpoint/2010/main" val="3082467275"/>
+      </p:ext>
+    </p:extLst>
+  </p:cSld>
+  <p:clrMapOvr>
+    <a:masterClrMapping/>
+  </p:clrMapOvr>
+  <p:timing>
+    <p:tnLst>
+      <p:par>
+        <p:cTn id="1" dur="indefinite" restart="never" nodeType="tmRoot"/>
+      </p:par>
+    </p:tnLst>
+  </p:timing>
+</p:sldLayout>
+</file>
+
+<file path=ppt/slideLayouts/slideLayout11.xml><?xml version="1.0" encoding="utf-8"?>
 <p:sldLayout xmlns:a="http://schemas.openxmlformats.org/drawingml/2006/main" xmlns:r="http://schemas.openxmlformats.org/officeDocument/2006/relationships" xmlns:p="http://schemas.openxmlformats.org/presentationml/2006/main" preserve="1" userDrawn="1">
   <p:cSld name="deux colonnes">
     <p:spTree>
@@ -2371,7 +2350,7 @@
 </p:sldLayout>
 </file>
 
-<file path=ppt/slideLayouts/slideLayout11.xml><?xml version="1.0" encoding="utf-8"?>
+<file path=ppt/slideLayouts/slideLayout12.xml><?xml version="1.0" encoding="utf-8"?>
 <p:sldLayout xmlns:a="http://schemas.openxmlformats.org/drawingml/2006/main" xmlns:r="http://schemas.openxmlformats.org/officeDocument/2006/relationships" xmlns:p="http://schemas.openxmlformats.org/presentationml/2006/main" preserve="1" userDrawn="1">
   <p:cSld name="disposition personnalisée">
     <p:spTree>
@@ -2926,7 +2905,7 @@
 </p:sldLayout>
 </file>
 
-<file path=ppt/slideLayouts/slideLayout12.xml><?xml version="1.0" encoding="utf-8"?>
+<file path=ppt/slideLayouts/slideLayout13.xml><?xml version="1.0" encoding="utf-8"?>
 <p:sldLayout xmlns:a="http://schemas.openxmlformats.org/drawingml/2006/main" xmlns:r="http://schemas.openxmlformats.org/officeDocument/2006/relationships" xmlns:p="http://schemas.openxmlformats.org/presentationml/2006/main" preserve="1" userDrawn="1">
   <p:cSld name="chiffres ou point clefs à mettre en valeur">
     <p:spTree>
@@ -3760,7 +3739,7 @@
 </p:sldLayout>
 </file>
 
-<file path=ppt/slideLayouts/slideLayout13.xml><?xml version="1.0" encoding="utf-8"?>
+<file path=ppt/slideLayouts/slideLayout14.xml><?xml version="1.0" encoding="utf-8"?>
 <p:sldLayout xmlns:a="http://schemas.openxmlformats.org/drawingml/2006/main" xmlns:r="http://schemas.openxmlformats.org/officeDocument/2006/relationships" xmlns:p="http://schemas.openxmlformats.org/presentationml/2006/main" preserve="1" userDrawn="1">
   <p:cSld name="chiffres clefs">
     <p:spTree>
@@ -4308,7 +4287,7 @@
 </p:sldLayout>
 </file>
 
-<file path=ppt/slideLayouts/slideLayout14.xml><?xml version="1.0" encoding="utf-8"?>
+<file path=ppt/slideLayouts/slideLayout15.xml><?xml version="1.0" encoding="utf-8"?>
 <p:sldLayout xmlns:a="http://schemas.openxmlformats.org/drawingml/2006/main" xmlns:r="http://schemas.openxmlformats.org/officeDocument/2006/relationships" xmlns:p="http://schemas.openxmlformats.org/presentationml/2006/main" preserve="1" userDrawn="1">
   <p:cSld name="chiffres clefs 2">
     <p:spTree>
@@ -4748,7 +4727,7 @@
 </p:sldLayout>
 </file>
 
-<file path=ppt/slideLayouts/slideLayout15.xml><?xml version="1.0" encoding="utf-8"?>
+<file path=ppt/slideLayouts/slideLayout16.xml><?xml version="1.0" encoding="utf-8"?>
 <p:sldLayout xmlns:a="http://schemas.openxmlformats.org/drawingml/2006/main" xmlns:r="http://schemas.openxmlformats.org/officeDocument/2006/relationships" xmlns:p="http://schemas.openxmlformats.org/presentationml/2006/main" preserve="1" userDrawn="1">
   <p:cSld name="texte visuel et annotation">
     <p:spTree>
@@ -4937,7 +4916,7 @@
 </p:sldLayout>
 </file>
 
-<file path=ppt/slideLayouts/slideLayout16.xml><?xml version="1.0" encoding="utf-8"?>
+<file path=ppt/slideLayouts/slideLayout17.xml><?xml version="1.0" encoding="utf-8"?>
 <p:sldLayout xmlns:a="http://schemas.openxmlformats.org/drawingml/2006/main" xmlns:r="http://schemas.openxmlformats.org/officeDocument/2006/relationships" xmlns:p="http://schemas.openxmlformats.org/presentationml/2006/main" preserve="1" userDrawn="1">
   <p:cSld name="visuel demi page">
     <p:spTree>
@@ -5095,7 +5074,7 @@
 </p:sldLayout>
 </file>
 
-<file path=ppt/slideLayouts/slideLayout17.xml><?xml version="1.0" encoding="utf-8"?>
+<file path=ppt/slideLayouts/slideLayout18.xml><?xml version="1.0" encoding="utf-8"?>
 <p:sldLayout xmlns:a="http://schemas.openxmlformats.org/drawingml/2006/main" xmlns:r="http://schemas.openxmlformats.org/officeDocument/2006/relationships" xmlns:p="http://schemas.openxmlformats.org/presentationml/2006/main" preserve="1" userDrawn="1">
   <p:cSld name="visuels multiples">
     <p:spTree>
@@ -5362,7 +5341,7 @@
 </p:sldLayout>
 </file>
 
-<file path=ppt/slideLayouts/slideLayout18.xml><?xml version="1.0" encoding="utf-8"?>
+<file path=ppt/slideLayouts/slideLayout19.xml><?xml version="1.0" encoding="utf-8"?>
 <p:sldLayout xmlns:a="http://schemas.openxmlformats.org/drawingml/2006/main" xmlns:r="http://schemas.openxmlformats.org/officeDocument/2006/relationships" xmlns:p="http://schemas.openxmlformats.org/presentationml/2006/main" preserve="1" userDrawn="1">
   <p:cSld name="visuels multiples 4">
     <p:spTree>
@@ -5827,7 +5806,1651 @@
 </p:sldLayout>
 </file>
 
-<file path=ppt/slideLayouts/slideLayout19.xml><?xml version="1.0" encoding="utf-8"?>
+<file path=ppt/slideLayouts/slideLayout2.xml><?xml version="1.0" encoding="utf-8"?>
+<p:sldLayout xmlns:a="http://schemas.openxmlformats.org/drawingml/2006/main" xmlns:r="http://schemas.openxmlformats.org/officeDocument/2006/relationships" xmlns:p="http://schemas.openxmlformats.org/presentationml/2006/main" showMasterSp="0" preserve="1" userDrawn="1">
+  <p:cSld name="3_Disposition personnalisée">
+    <p:spTree>
+      <p:nvGrpSpPr>
+        <p:cNvPr id="1" name=""/>
+        <p:cNvGrpSpPr/>
+        <p:nvPr/>
+      </p:nvGrpSpPr>
+      <p:grpSpPr>
+        <a:xfrm>
+          <a:off x="0" y="0"/>
+          <a:ext cx="0" cy="0"/>
+          <a:chOff x="0" y="0"/>
+          <a:chExt cx="0" cy="0"/>
+        </a:xfrm>
+      </p:grpSpPr>
+      <p:sp>
+        <p:nvSpPr>
+          <p:cNvPr id="35" name="Rectangle 34"/>
+          <p:cNvSpPr/>
+          <p:nvPr userDrawn="1"/>
+        </p:nvSpPr>
+        <p:spPr>
+          <a:xfrm>
+            <a:off x="262430" y="3348896"/>
+            <a:ext cx="1296000" cy="1080000"/>
+          </a:xfrm>
+          <a:prstGeom prst="rect">
+            <a:avLst/>
+          </a:prstGeom>
+          <a:solidFill>
+            <a:srgbClr val="0070C0"/>
+          </a:solidFill>
+          <a:ln>
+            <a:solidFill>
+              <a:srgbClr val="00B0F0"/>
+            </a:solidFill>
+          </a:ln>
+        </p:spPr>
+        <p:style>
+          <a:lnRef idx="2">
+            <a:schemeClr val="accent1">
+              <a:shade val="50000"/>
+            </a:schemeClr>
+          </a:lnRef>
+          <a:fillRef idx="1">
+            <a:schemeClr val="accent1"/>
+          </a:fillRef>
+          <a:effectRef idx="0">
+            <a:schemeClr val="accent1"/>
+          </a:effectRef>
+          <a:fontRef idx="minor">
+            <a:schemeClr val="lt1"/>
+          </a:fontRef>
+        </p:style>
+        <p:txBody>
+          <a:bodyPr rtlCol="0" anchor="ctr"/>
+          <a:lstStyle/>
+          <a:p>
+            <a:pPr algn="ctr"/>
+            <a:endParaRPr lang="fr-FR"/>
+          </a:p>
+        </p:txBody>
+      </p:sp>
+      <p:sp>
+        <p:nvSpPr>
+          <p:cNvPr id="36" name="Rectangle 35"/>
+          <p:cNvSpPr/>
+          <p:nvPr userDrawn="1"/>
+        </p:nvSpPr>
+        <p:spPr>
+          <a:xfrm>
+            <a:off x="156236" y="5121328"/>
+            <a:ext cx="1080000" cy="1260000"/>
+          </a:xfrm>
+          <a:prstGeom prst="rect">
+            <a:avLst/>
+          </a:prstGeom>
+          <a:solidFill>
+            <a:srgbClr val="0070C0"/>
+          </a:solidFill>
+          <a:ln>
+            <a:solidFill>
+              <a:srgbClr val="00B0F0"/>
+            </a:solidFill>
+          </a:ln>
+        </p:spPr>
+        <p:style>
+          <a:lnRef idx="2">
+            <a:schemeClr val="accent1">
+              <a:shade val="50000"/>
+            </a:schemeClr>
+          </a:lnRef>
+          <a:fillRef idx="1">
+            <a:schemeClr val="accent1"/>
+          </a:fillRef>
+          <a:effectRef idx="0">
+            <a:schemeClr val="accent1"/>
+          </a:effectRef>
+          <a:fontRef idx="minor">
+            <a:schemeClr val="lt1"/>
+          </a:fontRef>
+        </p:style>
+        <p:txBody>
+          <a:bodyPr rtlCol="0" anchor="ctr"/>
+          <a:lstStyle/>
+          <a:p>
+            <a:pPr algn="ctr"/>
+            <a:endParaRPr lang="fr-FR"/>
+          </a:p>
+        </p:txBody>
+      </p:sp>
+      <p:sp>
+        <p:nvSpPr>
+          <p:cNvPr id="37" name="Rectangle 36"/>
+          <p:cNvSpPr/>
+          <p:nvPr userDrawn="1"/>
+        </p:nvSpPr>
+        <p:spPr>
+          <a:xfrm>
+            <a:off x="1766218" y="653602"/>
+            <a:ext cx="1080000" cy="1080000"/>
+          </a:xfrm>
+          <a:prstGeom prst="rect">
+            <a:avLst/>
+          </a:prstGeom>
+          <a:solidFill>
+            <a:srgbClr val="0070C0"/>
+          </a:solidFill>
+          <a:ln>
+            <a:solidFill>
+              <a:srgbClr val="00B0F0"/>
+            </a:solidFill>
+          </a:ln>
+        </p:spPr>
+        <p:style>
+          <a:lnRef idx="2">
+            <a:schemeClr val="accent1">
+              <a:shade val="50000"/>
+            </a:schemeClr>
+          </a:lnRef>
+          <a:fillRef idx="1">
+            <a:schemeClr val="accent1"/>
+          </a:fillRef>
+          <a:effectRef idx="0">
+            <a:schemeClr val="accent1"/>
+          </a:effectRef>
+          <a:fontRef idx="minor">
+            <a:schemeClr val="lt1"/>
+          </a:fontRef>
+        </p:style>
+        <p:txBody>
+          <a:bodyPr rtlCol="0" anchor="ctr"/>
+          <a:lstStyle/>
+          <a:p>
+            <a:pPr algn="ctr"/>
+            <a:endParaRPr lang="fr-FR"/>
+          </a:p>
+        </p:txBody>
+      </p:sp>
+      <p:sp>
+        <p:nvSpPr>
+          <p:cNvPr id="38" name="Rectangle 37"/>
+          <p:cNvSpPr/>
+          <p:nvPr userDrawn="1"/>
+        </p:nvSpPr>
+        <p:spPr>
+          <a:xfrm>
+            <a:off x="1766218" y="3348896"/>
+            <a:ext cx="1080000" cy="1080000"/>
+          </a:xfrm>
+          <a:prstGeom prst="rect">
+            <a:avLst/>
+          </a:prstGeom>
+          <a:solidFill>
+            <a:srgbClr val="0070C0"/>
+          </a:solidFill>
+          <a:ln>
+            <a:solidFill>
+              <a:srgbClr val="00B0F0"/>
+            </a:solidFill>
+          </a:ln>
+        </p:spPr>
+        <p:style>
+          <a:lnRef idx="2">
+            <a:schemeClr val="accent1">
+              <a:shade val="50000"/>
+            </a:schemeClr>
+          </a:lnRef>
+          <a:fillRef idx="1">
+            <a:schemeClr val="accent1"/>
+          </a:fillRef>
+          <a:effectRef idx="0">
+            <a:schemeClr val="accent1"/>
+          </a:effectRef>
+          <a:fontRef idx="minor">
+            <a:schemeClr val="lt1"/>
+          </a:fontRef>
+        </p:style>
+        <p:txBody>
+          <a:bodyPr rtlCol="0" anchor="ctr"/>
+          <a:lstStyle/>
+          <a:p>
+            <a:pPr algn="ctr"/>
+            <a:endParaRPr lang="fr-FR"/>
+          </a:p>
+        </p:txBody>
+      </p:sp>
+      <p:sp>
+        <p:nvSpPr>
+          <p:cNvPr id="39" name="Rectangle 38"/>
+          <p:cNvSpPr/>
+          <p:nvPr userDrawn="1"/>
+        </p:nvSpPr>
+        <p:spPr>
+          <a:xfrm>
+            <a:off x="1475775" y="5121327"/>
+            <a:ext cx="1080000" cy="1260000"/>
+          </a:xfrm>
+          <a:prstGeom prst="rect">
+            <a:avLst/>
+          </a:prstGeom>
+          <a:solidFill>
+            <a:srgbClr val="0070C0"/>
+          </a:solidFill>
+          <a:ln>
+            <a:solidFill>
+              <a:srgbClr val="00B0F0"/>
+            </a:solidFill>
+          </a:ln>
+        </p:spPr>
+        <p:style>
+          <a:lnRef idx="2">
+            <a:schemeClr val="accent1">
+              <a:shade val="50000"/>
+            </a:schemeClr>
+          </a:lnRef>
+          <a:fillRef idx="1">
+            <a:schemeClr val="accent1"/>
+          </a:fillRef>
+          <a:effectRef idx="0">
+            <a:schemeClr val="accent1"/>
+          </a:effectRef>
+          <a:fontRef idx="minor">
+            <a:schemeClr val="lt1"/>
+          </a:fontRef>
+        </p:style>
+        <p:txBody>
+          <a:bodyPr rtlCol="0" anchor="ctr"/>
+          <a:lstStyle/>
+          <a:p>
+            <a:pPr algn="ctr"/>
+            <a:endParaRPr lang="fr-FR"/>
+          </a:p>
+        </p:txBody>
+      </p:sp>
+      <p:sp>
+        <p:nvSpPr>
+          <p:cNvPr id="34" name="Rectangle 33"/>
+          <p:cNvSpPr/>
+          <p:nvPr userDrawn="1"/>
+        </p:nvSpPr>
+        <p:spPr>
+          <a:xfrm>
+            <a:off x="262430" y="653602"/>
+            <a:ext cx="1296000" cy="1080000"/>
+          </a:xfrm>
+          <a:prstGeom prst="rect">
+            <a:avLst/>
+          </a:prstGeom>
+          <a:solidFill>
+            <a:srgbClr val="0070C0"/>
+          </a:solidFill>
+          <a:ln>
+            <a:solidFill>
+              <a:srgbClr val="00B0F0"/>
+            </a:solidFill>
+          </a:ln>
+        </p:spPr>
+        <p:style>
+          <a:lnRef idx="2">
+            <a:schemeClr val="accent1">
+              <a:shade val="50000"/>
+            </a:schemeClr>
+          </a:lnRef>
+          <a:fillRef idx="1">
+            <a:schemeClr val="accent1"/>
+          </a:fillRef>
+          <a:effectRef idx="0">
+            <a:schemeClr val="accent1"/>
+          </a:effectRef>
+          <a:fontRef idx="minor">
+            <a:schemeClr val="lt1"/>
+          </a:fontRef>
+        </p:style>
+        <p:txBody>
+          <a:bodyPr rtlCol="0" anchor="ctr"/>
+          <a:lstStyle/>
+          <a:p>
+            <a:pPr algn="ctr"/>
+            <a:endParaRPr lang="fr-FR"/>
+          </a:p>
+        </p:txBody>
+      </p:sp>
+      <p:sp>
+        <p:nvSpPr>
+          <p:cNvPr id="6" name="Espace réservé du texte 5"/>
+          <p:cNvSpPr>
+            <a:spLocks noGrp="1"/>
+          </p:cNvSpPr>
+          <p:nvPr>
+            <p:ph type="body" sz="quarter" idx="10" hasCustomPrompt="1"/>
+          </p:nvPr>
+        </p:nvSpPr>
+        <p:spPr>
+          <a:xfrm>
+            <a:off x="372386" y="1179377"/>
+            <a:ext cx="647700" cy="463648"/>
+          </a:xfrm>
+        </p:spPr>
+        <p:txBody>
+          <a:bodyPr anchor="ctr">
+            <a:noAutofit/>
+          </a:bodyPr>
+          <a:lstStyle>
+            <a:lvl1pPr marL="0" indent="0" algn="ctr">
+              <a:buNone/>
+              <a:defRPr sz="3600" b="1">
+                <a:solidFill>
+                  <a:schemeClr val="bg1"/>
+                </a:solidFill>
+              </a:defRPr>
+            </a:lvl1pPr>
+          </a:lstStyle>
+          <a:p>
+            <a:pPr lvl="0"/>
+            <a:r>
+              <a:rPr lang="fr-FR" dirty="0" smtClean="0"/>
+              <a:t>#</a:t>
+            </a:r>
+            <a:endParaRPr lang="fr-FR" dirty="0"/>
+          </a:p>
+        </p:txBody>
+      </p:sp>
+      <p:sp>
+        <p:nvSpPr>
+          <p:cNvPr id="8" name="ZoneTexte 7"/>
+          <p:cNvSpPr txBox="1"/>
+          <p:nvPr userDrawn="1"/>
+        </p:nvSpPr>
+        <p:spPr>
+          <a:xfrm>
+            <a:off x="262430" y="688190"/>
+            <a:ext cx="1296000" cy="307777"/>
+          </a:xfrm>
+          <a:prstGeom prst="rect">
+            <a:avLst/>
+          </a:prstGeom>
+          <a:noFill/>
+        </p:spPr>
+        <p:txBody>
+          <a:bodyPr wrap="square" rtlCol="0">
+            <a:spAutoFit/>
+          </a:bodyPr>
+          <a:lstStyle/>
+          <a:p>
+            <a:r>
+              <a:rPr lang="fr-FR" sz="1400" b="1" dirty="0" smtClean="0">
+                <a:solidFill>
+                  <a:schemeClr val="bg1"/>
+                </a:solidFill>
+              </a:rPr>
+              <a:t>High </a:t>
+            </a:r>
+            <a:r>
+              <a:rPr lang="fr-FR" sz="1300" b="1" dirty="0" err="1" smtClean="0">
+                <a:solidFill>
+                  <a:schemeClr val="bg1"/>
+                </a:solidFill>
+              </a:rPr>
+              <a:t>Risks</a:t>
+            </a:r>
+            <a:endParaRPr lang="fr-FR" sz="1300" b="1" dirty="0">
+              <a:solidFill>
+                <a:schemeClr val="bg1"/>
+              </a:solidFill>
+            </a:endParaRPr>
+          </a:p>
+        </p:txBody>
+      </p:sp>
+      <p:sp>
+        <p:nvSpPr>
+          <p:cNvPr id="10" name="Espace réservé du texte 5"/>
+          <p:cNvSpPr>
+            <a:spLocks noGrp="1"/>
+          </p:cNvSpPr>
+          <p:nvPr>
+            <p:ph type="body" sz="quarter" idx="11" hasCustomPrompt="1"/>
+          </p:nvPr>
+        </p:nvSpPr>
+        <p:spPr>
+          <a:xfrm>
+            <a:off x="1982368" y="1179377"/>
+            <a:ext cx="647700" cy="463648"/>
+          </a:xfrm>
+        </p:spPr>
+        <p:txBody>
+          <a:bodyPr anchor="ctr">
+            <a:normAutofit/>
+          </a:bodyPr>
+          <a:lstStyle>
+            <a:lvl1pPr marL="0" indent="0" algn="ctr">
+              <a:buNone/>
+              <a:defRPr sz="3200" b="1">
+                <a:solidFill>
+                  <a:schemeClr val="bg1"/>
+                </a:solidFill>
+              </a:defRPr>
+            </a:lvl1pPr>
+          </a:lstStyle>
+          <a:p>
+            <a:pPr lvl="0"/>
+            <a:r>
+              <a:rPr lang="fr-FR" dirty="0" smtClean="0"/>
+              <a:t>#</a:t>
+            </a:r>
+            <a:endParaRPr lang="fr-FR" dirty="0"/>
+          </a:p>
+        </p:txBody>
+      </p:sp>
+      <p:sp>
+        <p:nvSpPr>
+          <p:cNvPr id="11" name="ZoneTexte 10"/>
+          <p:cNvSpPr txBox="1"/>
+          <p:nvPr userDrawn="1"/>
+        </p:nvSpPr>
+        <p:spPr>
+          <a:xfrm>
+            <a:off x="269153" y="3384058"/>
+            <a:ext cx="1282555" cy="307777"/>
+          </a:xfrm>
+          <a:prstGeom prst="rect">
+            <a:avLst/>
+          </a:prstGeom>
+          <a:noFill/>
+        </p:spPr>
+        <p:txBody>
+          <a:bodyPr wrap="square" rtlCol="0">
+            <a:spAutoFit/>
+          </a:bodyPr>
+          <a:lstStyle/>
+          <a:p>
+            <a:r>
+              <a:rPr lang="fr-FR" sz="1400" b="1" dirty="0" smtClean="0">
+                <a:solidFill>
+                  <a:schemeClr val="bg1"/>
+                </a:solidFill>
+              </a:rPr>
+              <a:t>Light</a:t>
+            </a:r>
+            <a:r>
+              <a:rPr lang="fr-FR" sz="1300" b="1" dirty="0" smtClean="0">
+                <a:solidFill>
+                  <a:schemeClr val="bg1"/>
+                </a:solidFill>
+              </a:rPr>
+              <a:t> </a:t>
+            </a:r>
+            <a:r>
+              <a:rPr lang="fr-FR" sz="1300" b="1" dirty="0" err="1" smtClean="0">
+                <a:solidFill>
+                  <a:schemeClr val="bg1"/>
+                </a:solidFill>
+              </a:rPr>
+              <a:t>Risks</a:t>
+            </a:r>
+            <a:endParaRPr lang="fr-FR" sz="1300" b="1" dirty="0">
+              <a:solidFill>
+                <a:schemeClr val="bg1"/>
+              </a:solidFill>
+            </a:endParaRPr>
+          </a:p>
+        </p:txBody>
+      </p:sp>
+      <p:sp>
+        <p:nvSpPr>
+          <p:cNvPr id="13" name="Espace réservé du texte 5"/>
+          <p:cNvSpPr>
+            <a:spLocks noGrp="1"/>
+          </p:cNvSpPr>
+          <p:nvPr>
+            <p:ph type="body" sz="quarter" idx="12" hasCustomPrompt="1"/>
+          </p:nvPr>
+        </p:nvSpPr>
+        <p:spPr>
+          <a:xfrm>
+            <a:off x="372386" y="3836311"/>
+            <a:ext cx="647700" cy="455430"/>
+          </a:xfrm>
+        </p:spPr>
+        <p:txBody>
+          <a:bodyPr anchor="ctr">
+            <a:noAutofit/>
+          </a:bodyPr>
+          <a:lstStyle>
+            <a:lvl1pPr marL="0" indent="0" algn="ctr">
+              <a:buNone/>
+              <a:defRPr sz="3600" b="1">
+                <a:solidFill>
+                  <a:schemeClr val="bg1"/>
+                </a:solidFill>
+              </a:defRPr>
+            </a:lvl1pPr>
+          </a:lstStyle>
+          <a:p>
+            <a:pPr lvl="0"/>
+            <a:r>
+              <a:rPr lang="fr-FR" dirty="0" smtClean="0"/>
+              <a:t>#</a:t>
+            </a:r>
+            <a:endParaRPr lang="fr-FR" dirty="0"/>
+          </a:p>
+        </p:txBody>
+      </p:sp>
+      <p:sp>
+        <p:nvSpPr>
+          <p:cNvPr id="14" name="Espace réservé du texte 5"/>
+          <p:cNvSpPr>
+            <a:spLocks noGrp="1"/>
+          </p:cNvSpPr>
+          <p:nvPr>
+            <p:ph type="body" sz="quarter" idx="13" hasCustomPrompt="1"/>
+          </p:nvPr>
+        </p:nvSpPr>
+        <p:spPr>
+          <a:xfrm>
+            <a:off x="1982368" y="3836311"/>
+            <a:ext cx="647700" cy="455430"/>
+          </a:xfrm>
+        </p:spPr>
+        <p:txBody>
+          <a:bodyPr anchor="ctr">
+            <a:normAutofit/>
+          </a:bodyPr>
+          <a:lstStyle>
+            <a:lvl1pPr marL="0" indent="0" algn="ctr">
+              <a:buNone/>
+              <a:defRPr sz="3200" b="1">
+                <a:solidFill>
+                  <a:schemeClr val="bg1"/>
+                </a:solidFill>
+              </a:defRPr>
+            </a:lvl1pPr>
+          </a:lstStyle>
+          <a:p>
+            <a:pPr lvl="0"/>
+            <a:r>
+              <a:rPr lang="fr-FR" dirty="0" smtClean="0"/>
+              <a:t>#</a:t>
+            </a:r>
+            <a:endParaRPr lang="fr-FR" dirty="0"/>
+          </a:p>
+        </p:txBody>
+      </p:sp>
+      <p:sp>
+        <p:nvSpPr>
+          <p:cNvPr id="15" name="ZoneTexte 14"/>
+          <p:cNvSpPr txBox="1"/>
+          <p:nvPr userDrawn="1"/>
+        </p:nvSpPr>
+        <p:spPr>
+          <a:xfrm>
+            <a:off x="170585" y="4690010"/>
+            <a:ext cx="3681335" cy="369332"/>
+          </a:xfrm>
+          <a:prstGeom prst="rect">
+            <a:avLst/>
+          </a:prstGeom>
+          <a:noFill/>
+        </p:spPr>
+        <p:txBody>
+          <a:bodyPr wrap="square" rtlCol="0">
+            <a:spAutoFit/>
+          </a:bodyPr>
+          <a:lstStyle/>
+          <a:p>
+            <a:pPr algn="ctr"/>
+            <a:r>
+              <a:rPr lang="fr-FR" sz="1800" b="1" dirty="0" smtClean="0">
+                <a:solidFill>
+                  <a:schemeClr val="accent4">
+                    <a:lumMod val="50000"/>
+                  </a:schemeClr>
+                </a:solidFill>
+                <a:latin typeface="Calibri" panose="020F0502020204030204" pitchFamily="34" charset="0"/>
+              </a:rPr>
+              <a:t>Total </a:t>
+            </a:r>
+            <a:r>
+              <a:rPr lang="fr-FR" sz="1800" b="1" dirty="0" err="1" smtClean="0">
+                <a:solidFill>
+                  <a:schemeClr val="accent4">
+                    <a:lumMod val="50000"/>
+                  </a:schemeClr>
+                </a:solidFill>
+                <a:latin typeface="Calibri" panose="020F0502020204030204" pitchFamily="34" charset="0"/>
+              </a:rPr>
+              <a:t>Number</a:t>
+            </a:r>
+            <a:r>
+              <a:rPr lang="fr-FR" sz="1800" b="1" dirty="0" smtClean="0">
+                <a:solidFill>
+                  <a:schemeClr val="accent4">
+                    <a:lumMod val="50000"/>
+                  </a:schemeClr>
+                </a:solidFill>
+                <a:latin typeface="Calibri" panose="020F0502020204030204" pitchFamily="34" charset="0"/>
+              </a:rPr>
+              <a:t> of </a:t>
+            </a:r>
+            <a:r>
+              <a:rPr lang="fr-FR" sz="1800" b="1" dirty="0" err="1" smtClean="0">
+                <a:solidFill>
+                  <a:schemeClr val="accent4">
+                    <a:lumMod val="50000"/>
+                  </a:schemeClr>
+                </a:solidFill>
+                <a:latin typeface="Calibri" panose="020F0502020204030204" pitchFamily="34" charset="0"/>
+              </a:rPr>
+              <a:t>Objects</a:t>
+            </a:r>
+            <a:endParaRPr lang="fr-FR" sz="1800" b="1" dirty="0">
+              <a:solidFill>
+                <a:schemeClr val="accent4">
+                  <a:lumMod val="50000"/>
+                </a:schemeClr>
+              </a:solidFill>
+              <a:latin typeface="Calibri" panose="020F0502020204030204" pitchFamily="34" charset="0"/>
+            </a:endParaRPr>
+          </a:p>
+        </p:txBody>
+      </p:sp>
+      <p:sp>
+        <p:nvSpPr>
+          <p:cNvPr id="17" name="Espace réservé du texte 5"/>
+          <p:cNvSpPr>
+            <a:spLocks noGrp="1"/>
+          </p:cNvSpPr>
+          <p:nvPr>
+            <p:ph type="body" sz="quarter" idx="14" hasCustomPrompt="1"/>
+          </p:nvPr>
+        </p:nvSpPr>
+        <p:spPr>
+          <a:xfrm>
+            <a:off x="372386" y="5711547"/>
+            <a:ext cx="647700" cy="503238"/>
+          </a:xfrm>
+        </p:spPr>
+        <p:txBody>
+          <a:bodyPr anchor="ctr">
+            <a:noAutofit/>
+          </a:bodyPr>
+          <a:lstStyle>
+            <a:lvl1pPr marL="0" indent="0" algn="ctr">
+              <a:buNone/>
+              <a:defRPr sz="3600" b="1">
+                <a:solidFill>
+                  <a:schemeClr val="bg1"/>
+                </a:solidFill>
+              </a:defRPr>
+            </a:lvl1pPr>
+          </a:lstStyle>
+          <a:p>
+            <a:pPr lvl="0"/>
+            <a:r>
+              <a:rPr lang="fr-FR" dirty="0" smtClean="0"/>
+              <a:t>#</a:t>
+            </a:r>
+            <a:endParaRPr lang="fr-FR" dirty="0"/>
+          </a:p>
+        </p:txBody>
+      </p:sp>
+      <p:sp>
+        <p:nvSpPr>
+          <p:cNvPr id="18" name="ZoneTexte 17"/>
+          <p:cNvSpPr txBox="1"/>
+          <p:nvPr userDrawn="1"/>
+        </p:nvSpPr>
+        <p:spPr>
+          <a:xfrm>
+            <a:off x="156236" y="5222257"/>
+            <a:ext cx="1080000" cy="369332"/>
+          </a:xfrm>
+          <a:prstGeom prst="rect">
+            <a:avLst/>
+          </a:prstGeom>
+          <a:noFill/>
+        </p:spPr>
+        <p:txBody>
+          <a:bodyPr wrap="square" rtlCol="0">
+            <a:spAutoFit/>
+          </a:bodyPr>
+          <a:lstStyle/>
+          <a:p>
+            <a:pPr algn="ctr"/>
+            <a:r>
+              <a:rPr lang="fr-FR" b="1" dirty="0" err="1" smtClean="0">
+                <a:solidFill>
+                  <a:schemeClr val="bg1"/>
+                </a:solidFill>
+              </a:rPr>
+              <a:t>eIoT</a:t>
+            </a:r>
+            <a:endParaRPr lang="fr-FR" b="1" dirty="0">
+              <a:solidFill>
+                <a:schemeClr val="bg1"/>
+              </a:solidFill>
+            </a:endParaRPr>
+          </a:p>
+        </p:txBody>
+      </p:sp>
+      <p:sp>
+        <p:nvSpPr>
+          <p:cNvPr id="19" name="ZoneTexte 18"/>
+          <p:cNvSpPr txBox="1"/>
+          <p:nvPr userDrawn="1"/>
+        </p:nvSpPr>
+        <p:spPr>
+          <a:xfrm>
+            <a:off x="1490124" y="5219955"/>
+            <a:ext cx="1051303" cy="369332"/>
+          </a:xfrm>
+          <a:prstGeom prst="rect">
+            <a:avLst/>
+          </a:prstGeom>
+          <a:noFill/>
+        </p:spPr>
+        <p:txBody>
+          <a:bodyPr wrap="square" rtlCol="0">
+            <a:spAutoFit/>
+          </a:bodyPr>
+          <a:lstStyle/>
+          <a:p>
+            <a:pPr algn="ctr"/>
+            <a:r>
+              <a:rPr lang="fr-FR" b="1" dirty="0" smtClean="0">
+                <a:solidFill>
+                  <a:schemeClr val="bg1"/>
+                </a:solidFill>
+              </a:rPr>
+              <a:t>B2C</a:t>
+            </a:r>
+            <a:endParaRPr lang="fr-FR" b="1" dirty="0">
+              <a:solidFill>
+                <a:schemeClr val="bg1"/>
+              </a:solidFill>
+            </a:endParaRPr>
+          </a:p>
+        </p:txBody>
+      </p:sp>
+      <p:sp>
+        <p:nvSpPr>
+          <p:cNvPr id="20" name="Espace réservé du texte 5"/>
+          <p:cNvSpPr>
+            <a:spLocks noGrp="1"/>
+          </p:cNvSpPr>
+          <p:nvPr>
+            <p:ph type="body" sz="quarter" idx="15" hasCustomPrompt="1"/>
+          </p:nvPr>
+        </p:nvSpPr>
+        <p:spPr>
+          <a:xfrm>
+            <a:off x="1691925" y="5711547"/>
+            <a:ext cx="647700" cy="503238"/>
+          </a:xfrm>
+        </p:spPr>
+        <p:txBody>
+          <a:bodyPr anchor="ctr">
+            <a:normAutofit/>
+          </a:bodyPr>
+          <a:lstStyle>
+            <a:lvl1pPr marL="0" indent="0" algn="ctr">
+              <a:buNone/>
+              <a:defRPr sz="3200" b="1">
+                <a:solidFill>
+                  <a:schemeClr val="bg1"/>
+                </a:solidFill>
+              </a:defRPr>
+            </a:lvl1pPr>
+          </a:lstStyle>
+          <a:p>
+            <a:pPr lvl="0"/>
+            <a:r>
+              <a:rPr lang="fr-FR" dirty="0" smtClean="0"/>
+              <a:t>#</a:t>
+            </a:r>
+            <a:endParaRPr lang="fr-FR" dirty="0"/>
+          </a:p>
+        </p:txBody>
+      </p:sp>
+      <p:sp>
+        <p:nvSpPr>
+          <p:cNvPr id="21" name="ZoneTexte 20"/>
+          <p:cNvSpPr txBox="1"/>
+          <p:nvPr userDrawn="1"/>
+        </p:nvSpPr>
+        <p:spPr>
+          <a:xfrm>
+            <a:off x="235793" y="32008"/>
+            <a:ext cx="2608015" cy="461665"/>
+          </a:xfrm>
+          <a:prstGeom prst="rect">
+            <a:avLst/>
+          </a:prstGeom>
+          <a:noFill/>
+        </p:spPr>
+        <p:txBody>
+          <a:bodyPr wrap="square" rtlCol="0">
+            <a:spAutoFit/>
+          </a:bodyPr>
+          <a:lstStyle/>
+          <a:p>
+            <a:r>
+              <a:rPr lang="fr-FR" sz="2400" b="1" dirty="0" smtClean="0">
+                <a:solidFill>
+                  <a:schemeClr val="accent4">
+                    <a:lumMod val="50000"/>
+                  </a:schemeClr>
+                </a:solidFill>
+                <a:latin typeface="Calibri" panose="020F0502020204030204" pitchFamily="34" charset="0"/>
+              </a:rPr>
+              <a:t>Quick </a:t>
+            </a:r>
+            <a:r>
+              <a:rPr lang="fr-FR" sz="2400" b="1" dirty="0" err="1" smtClean="0">
+                <a:solidFill>
+                  <a:schemeClr val="accent4">
+                    <a:lumMod val="50000"/>
+                  </a:schemeClr>
+                </a:solidFill>
+                <a:latin typeface="Calibri" panose="020F0502020204030204" pitchFamily="34" charset="0"/>
+              </a:rPr>
+              <a:t>Overview</a:t>
+            </a:r>
+            <a:endParaRPr lang="fr-FR" sz="2400" b="1" dirty="0">
+              <a:solidFill>
+                <a:schemeClr val="accent4">
+                  <a:lumMod val="50000"/>
+                </a:schemeClr>
+              </a:solidFill>
+              <a:latin typeface="Calibri" panose="020F0502020204030204" pitchFamily="34" charset="0"/>
+            </a:endParaRPr>
+          </a:p>
+        </p:txBody>
+      </p:sp>
+      <p:sp>
+        <p:nvSpPr>
+          <p:cNvPr id="23" name="ZoneTexte 22"/>
+          <p:cNvSpPr txBox="1"/>
+          <p:nvPr userDrawn="1"/>
+        </p:nvSpPr>
+        <p:spPr>
+          <a:xfrm>
+            <a:off x="3275856" y="62568"/>
+            <a:ext cx="3542316" cy="461665"/>
+          </a:xfrm>
+          <a:prstGeom prst="rect">
+            <a:avLst/>
+          </a:prstGeom>
+          <a:noFill/>
+        </p:spPr>
+        <p:txBody>
+          <a:bodyPr wrap="none" rtlCol="0">
+            <a:spAutoFit/>
+          </a:bodyPr>
+          <a:lstStyle/>
+          <a:p>
+            <a:r>
+              <a:rPr lang="fr-FR" sz="2400" b="1" dirty="0" smtClean="0">
+                <a:solidFill>
+                  <a:schemeClr val="accent4">
+                    <a:lumMod val="50000"/>
+                  </a:schemeClr>
+                </a:solidFill>
+                <a:latin typeface="Calibri" panose="020F0502020204030204" pitchFamily="34" charset="0"/>
+              </a:rPr>
+              <a:t>Security </a:t>
+            </a:r>
+            <a:r>
+              <a:rPr lang="fr-FR" sz="2400" b="1" dirty="0" err="1" smtClean="0">
+                <a:solidFill>
+                  <a:schemeClr val="accent4">
+                    <a:lumMod val="50000"/>
+                  </a:schemeClr>
+                </a:solidFill>
+                <a:latin typeface="Calibri" panose="020F0502020204030204" pitchFamily="34" charset="0"/>
+              </a:rPr>
+              <a:t>Process</a:t>
+            </a:r>
+            <a:r>
+              <a:rPr lang="fr-FR" sz="2400" b="1" dirty="0" smtClean="0">
+                <a:solidFill>
+                  <a:schemeClr val="accent4">
+                    <a:lumMod val="50000"/>
+                  </a:schemeClr>
+                </a:solidFill>
+                <a:latin typeface="Calibri" panose="020F0502020204030204" pitchFamily="34" charset="0"/>
+              </a:rPr>
+              <a:t> </a:t>
+            </a:r>
+            <a:r>
+              <a:rPr lang="fr-FR" sz="2400" b="1" dirty="0" err="1" smtClean="0">
+                <a:solidFill>
+                  <a:schemeClr val="accent4">
+                    <a:lumMod val="50000"/>
+                  </a:schemeClr>
+                </a:solidFill>
+                <a:latin typeface="Calibri" panose="020F0502020204030204" pitchFamily="34" charset="0"/>
+              </a:rPr>
+              <a:t>Overview</a:t>
+            </a:r>
+            <a:endParaRPr lang="fr-FR" sz="2400" b="1" dirty="0">
+              <a:solidFill>
+                <a:schemeClr val="accent4">
+                  <a:lumMod val="50000"/>
+                </a:schemeClr>
+              </a:solidFill>
+              <a:latin typeface="Calibri" panose="020F0502020204030204" pitchFamily="34" charset="0"/>
+            </a:endParaRPr>
+          </a:p>
+        </p:txBody>
+      </p:sp>
+      <p:sp>
+        <p:nvSpPr>
+          <p:cNvPr id="24" name="ZoneTexte 23"/>
+          <p:cNvSpPr txBox="1"/>
+          <p:nvPr userDrawn="1"/>
+        </p:nvSpPr>
+        <p:spPr>
+          <a:xfrm>
+            <a:off x="4139952" y="3825914"/>
+            <a:ext cx="3240361" cy="323165"/>
+          </a:xfrm>
+          <a:prstGeom prst="rect">
+            <a:avLst/>
+          </a:prstGeom>
+          <a:noFill/>
+        </p:spPr>
+        <p:txBody>
+          <a:bodyPr wrap="square" rtlCol="0">
+            <a:spAutoFit/>
+          </a:bodyPr>
+          <a:lstStyle/>
+          <a:p>
+            <a:r>
+              <a:rPr lang="fr-FR" sz="1500" b="1" dirty="0" smtClean="0">
+                <a:solidFill>
+                  <a:schemeClr val="accent4">
+                    <a:lumMod val="50000"/>
+                  </a:schemeClr>
+                </a:solidFill>
+                <a:latin typeface="Calibri" panose="020F0502020204030204" pitchFamily="34" charset="0"/>
+              </a:rPr>
+              <a:t>Top 5 </a:t>
+            </a:r>
+            <a:r>
+              <a:rPr lang="fr-FR" sz="1500" b="1" dirty="0" err="1" smtClean="0">
+                <a:solidFill>
+                  <a:schemeClr val="accent4">
+                    <a:lumMod val="50000"/>
+                  </a:schemeClr>
+                </a:solidFill>
+                <a:latin typeface="Calibri" panose="020F0502020204030204" pitchFamily="34" charset="0"/>
+              </a:rPr>
+              <a:t>most</a:t>
+            </a:r>
+            <a:r>
+              <a:rPr lang="fr-FR" sz="1500" b="1" dirty="0" smtClean="0">
+                <a:solidFill>
+                  <a:schemeClr val="accent4">
+                    <a:lumMod val="50000"/>
+                  </a:schemeClr>
+                </a:solidFill>
+                <a:latin typeface="Calibri" panose="020F0502020204030204" pitchFamily="34" charset="0"/>
+              </a:rPr>
+              <a:t> </a:t>
+            </a:r>
+            <a:r>
+              <a:rPr lang="fr-FR" sz="1500" b="1" dirty="0" err="1" smtClean="0">
+                <a:solidFill>
+                  <a:schemeClr val="accent4">
+                    <a:lumMod val="50000"/>
+                  </a:schemeClr>
+                </a:solidFill>
+                <a:latin typeface="Calibri" panose="020F0502020204030204" pitchFamily="34" charset="0"/>
+              </a:rPr>
+              <a:t>vulnerable</a:t>
+            </a:r>
+            <a:r>
+              <a:rPr lang="fr-FR" sz="1500" b="1" dirty="0" smtClean="0">
+                <a:solidFill>
+                  <a:schemeClr val="accent4">
+                    <a:lumMod val="50000"/>
+                  </a:schemeClr>
+                </a:solidFill>
+                <a:latin typeface="Calibri" panose="020F0502020204030204" pitchFamily="34" charset="0"/>
+              </a:rPr>
+              <a:t> </a:t>
+            </a:r>
+            <a:r>
+              <a:rPr lang="fr-FR" sz="1500" b="1" dirty="0" err="1" smtClean="0">
+                <a:solidFill>
+                  <a:schemeClr val="accent4">
+                    <a:lumMod val="50000"/>
+                  </a:schemeClr>
+                </a:solidFill>
+                <a:latin typeface="Calibri" panose="020F0502020204030204" pitchFamily="34" charset="0"/>
+              </a:rPr>
+              <a:t>Devices</a:t>
+            </a:r>
+            <a:endParaRPr lang="fr-FR" sz="1500" b="1" dirty="0">
+              <a:solidFill>
+                <a:schemeClr val="accent4">
+                  <a:lumMod val="50000"/>
+                </a:schemeClr>
+              </a:solidFill>
+              <a:latin typeface="Calibri" panose="020F0502020204030204" pitchFamily="34" charset="0"/>
+            </a:endParaRPr>
+          </a:p>
+        </p:txBody>
+      </p:sp>
+      <p:sp>
+        <p:nvSpPr>
+          <p:cNvPr id="25" name="ZoneTexte 24"/>
+          <p:cNvSpPr txBox="1"/>
+          <p:nvPr userDrawn="1"/>
+        </p:nvSpPr>
+        <p:spPr>
+          <a:xfrm>
+            <a:off x="3635895" y="657412"/>
+            <a:ext cx="2828367" cy="323165"/>
+          </a:xfrm>
+          <a:prstGeom prst="rect">
+            <a:avLst/>
+          </a:prstGeom>
+          <a:noFill/>
+        </p:spPr>
+        <p:txBody>
+          <a:bodyPr wrap="square" rtlCol="0">
+            <a:spAutoFit/>
+          </a:bodyPr>
+          <a:lstStyle/>
+          <a:p>
+            <a:r>
+              <a:rPr lang="fr-FR" sz="1500" b="1" dirty="0" smtClean="0">
+                <a:solidFill>
+                  <a:schemeClr val="accent4">
+                    <a:lumMod val="50000"/>
+                  </a:schemeClr>
+                </a:solidFill>
+                <a:latin typeface="Calibri" panose="020F0502020204030204" pitchFamily="34" charset="0"/>
+              </a:rPr>
+              <a:t>Security Phase </a:t>
+            </a:r>
+            <a:r>
+              <a:rPr lang="fr-FR" sz="1500" b="1" dirty="0" err="1" smtClean="0">
+                <a:solidFill>
+                  <a:schemeClr val="accent4">
+                    <a:lumMod val="50000"/>
+                  </a:schemeClr>
+                </a:solidFill>
+                <a:latin typeface="Calibri" panose="020F0502020204030204" pitchFamily="34" charset="0"/>
+              </a:rPr>
+              <a:t>Overview</a:t>
+            </a:r>
+            <a:endParaRPr lang="fr-FR" sz="1500" b="1" dirty="0">
+              <a:solidFill>
+                <a:schemeClr val="accent4">
+                  <a:lumMod val="50000"/>
+                </a:schemeClr>
+              </a:solidFill>
+              <a:latin typeface="Calibri" panose="020F0502020204030204" pitchFamily="34" charset="0"/>
+            </a:endParaRPr>
+          </a:p>
+        </p:txBody>
+      </p:sp>
+      <p:sp>
+        <p:nvSpPr>
+          <p:cNvPr id="26" name="Rectangle 25"/>
+          <p:cNvSpPr/>
+          <p:nvPr userDrawn="1"/>
+        </p:nvSpPr>
+        <p:spPr>
+          <a:xfrm>
+            <a:off x="260630" y="2000304"/>
+            <a:ext cx="1299600" cy="1080000"/>
+          </a:xfrm>
+          <a:prstGeom prst="rect">
+            <a:avLst/>
+          </a:prstGeom>
+          <a:solidFill>
+            <a:srgbClr val="0070C0"/>
+          </a:solidFill>
+          <a:ln>
+            <a:solidFill>
+              <a:srgbClr val="00B0F0"/>
+            </a:solidFill>
+          </a:ln>
+        </p:spPr>
+        <p:style>
+          <a:lnRef idx="2">
+            <a:schemeClr val="accent1">
+              <a:shade val="50000"/>
+            </a:schemeClr>
+          </a:lnRef>
+          <a:fillRef idx="1">
+            <a:schemeClr val="accent1"/>
+          </a:fillRef>
+          <a:effectRef idx="0">
+            <a:schemeClr val="accent1"/>
+          </a:effectRef>
+          <a:fontRef idx="minor">
+            <a:schemeClr val="lt1"/>
+          </a:fontRef>
+        </p:style>
+        <p:txBody>
+          <a:bodyPr rtlCol="0" anchor="ctr"/>
+          <a:lstStyle/>
+          <a:p>
+            <a:pPr algn="ctr"/>
+            <a:endParaRPr lang="fr-FR"/>
+          </a:p>
+        </p:txBody>
+      </p:sp>
+      <p:sp>
+        <p:nvSpPr>
+          <p:cNvPr id="27" name="Rectangle 26"/>
+          <p:cNvSpPr/>
+          <p:nvPr userDrawn="1"/>
+        </p:nvSpPr>
+        <p:spPr>
+          <a:xfrm>
+            <a:off x="1766218" y="2000304"/>
+            <a:ext cx="1080000" cy="1080000"/>
+          </a:xfrm>
+          <a:prstGeom prst="rect">
+            <a:avLst/>
+          </a:prstGeom>
+          <a:solidFill>
+            <a:srgbClr val="0070C0"/>
+          </a:solidFill>
+          <a:ln>
+            <a:solidFill>
+              <a:srgbClr val="00B0F0"/>
+            </a:solidFill>
+          </a:ln>
+        </p:spPr>
+        <p:style>
+          <a:lnRef idx="2">
+            <a:schemeClr val="accent1">
+              <a:shade val="50000"/>
+            </a:schemeClr>
+          </a:lnRef>
+          <a:fillRef idx="1">
+            <a:schemeClr val="accent1"/>
+          </a:fillRef>
+          <a:effectRef idx="0">
+            <a:schemeClr val="accent1"/>
+          </a:effectRef>
+          <a:fontRef idx="minor">
+            <a:schemeClr val="lt1"/>
+          </a:fontRef>
+        </p:style>
+        <p:txBody>
+          <a:bodyPr rtlCol="0" anchor="ctr"/>
+          <a:lstStyle/>
+          <a:p>
+            <a:pPr algn="ctr"/>
+            <a:endParaRPr lang="fr-FR"/>
+          </a:p>
+        </p:txBody>
+      </p:sp>
+      <p:sp>
+        <p:nvSpPr>
+          <p:cNvPr id="28" name="ZoneTexte 27"/>
+          <p:cNvSpPr txBox="1"/>
+          <p:nvPr userDrawn="1"/>
+        </p:nvSpPr>
+        <p:spPr>
+          <a:xfrm>
+            <a:off x="235793" y="2000304"/>
+            <a:ext cx="1349274" cy="307777"/>
+          </a:xfrm>
+          <a:prstGeom prst="rect">
+            <a:avLst/>
+          </a:prstGeom>
+          <a:noFill/>
+        </p:spPr>
+        <p:txBody>
+          <a:bodyPr wrap="square" rtlCol="0">
+            <a:spAutoFit/>
+          </a:bodyPr>
+          <a:lstStyle/>
+          <a:p>
+            <a:r>
+              <a:rPr lang="fr-FR" sz="1400" b="1" dirty="0" smtClean="0">
+                <a:solidFill>
+                  <a:schemeClr val="bg1"/>
+                </a:solidFill>
+              </a:rPr>
+              <a:t>Medium</a:t>
+            </a:r>
+            <a:r>
+              <a:rPr lang="fr-FR" sz="1300" b="1" baseline="0" dirty="0" smtClean="0">
+                <a:solidFill>
+                  <a:schemeClr val="bg1"/>
+                </a:solidFill>
+              </a:rPr>
+              <a:t> </a:t>
+            </a:r>
+            <a:r>
+              <a:rPr lang="fr-FR" sz="1300" b="1" dirty="0" err="1" smtClean="0">
+                <a:solidFill>
+                  <a:schemeClr val="bg1"/>
+                </a:solidFill>
+              </a:rPr>
+              <a:t>Risks</a:t>
+            </a:r>
+            <a:endParaRPr lang="fr-FR" sz="1300" b="1" dirty="0">
+              <a:solidFill>
+                <a:schemeClr val="bg1"/>
+              </a:solidFill>
+            </a:endParaRPr>
+          </a:p>
+        </p:txBody>
+      </p:sp>
+      <p:sp>
+        <p:nvSpPr>
+          <p:cNvPr id="29" name="ZoneTexte 28"/>
+          <p:cNvSpPr txBox="1"/>
+          <p:nvPr userDrawn="1"/>
+        </p:nvSpPr>
+        <p:spPr>
+          <a:xfrm>
+            <a:off x="1816467" y="2016261"/>
+            <a:ext cx="979502" cy="261610"/>
+          </a:xfrm>
+          <a:prstGeom prst="rect">
+            <a:avLst/>
+          </a:prstGeom>
+          <a:noFill/>
+        </p:spPr>
+        <p:txBody>
+          <a:bodyPr wrap="square" rtlCol="0">
+            <a:spAutoFit/>
+          </a:bodyPr>
+          <a:lstStyle/>
+          <a:p>
+            <a:r>
+              <a:rPr lang="fr-FR" sz="1100" b="1" dirty="0" smtClean="0">
+                <a:solidFill>
+                  <a:schemeClr val="bg1"/>
+                </a:solidFill>
+              </a:rPr>
+              <a:t>Last </a:t>
+            </a:r>
+            <a:r>
+              <a:rPr lang="fr-FR" sz="1100" b="1" dirty="0" err="1" smtClean="0">
+                <a:solidFill>
+                  <a:schemeClr val="bg1"/>
+                </a:solidFill>
+              </a:rPr>
+              <a:t>month</a:t>
+            </a:r>
+            <a:endParaRPr lang="fr-FR" sz="1100" b="1" dirty="0">
+              <a:solidFill>
+                <a:schemeClr val="bg1"/>
+              </a:solidFill>
+            </a:endParaRPr>
+          </a:p>
+        </p:txBody>
+      </p:sp>
+      <p:sp>
+        <p:nvSpPr>
+          <p:cNvPr id="32" name="ZoneTexte 31"/>
+          <p:cNvSpPr txBox="1"/>
+          <p:nvPr userDrawn="1"/>
+        </p:nvSpPr>
+        <p:spPr>
+          <a:xfrm>
+            <a:off x="1816467" y="688190"/>
+            <a:ext cx="979502" cy="261610"/>
+          </a:xfrm>
+          <a:prstGeom prst="rect">
+            <a:avLst/>
+          </a:prstGeom>
+          <a:noFill/>
+        </p:spPr>
+        <p:txBody>
+          <a:bodyPr wrap="square" rtlCol="0">
+            <a:spAutoFit/>
+          </a:bodyPr>
+          <a:lstStyle/>
+          <a:p>
+            <a:r>
+              <a:rPr lang="fr-FR" sz="1100" b="1" dirty="0" smtClean="0">
+                <a:solidFill>
+                  <a:schemeClr val="bg1"/>
+                </a:solidFill>
+              </a:rPr>
+              <a:t>Last </a:t>
+            </a:r>
+            <a:r>
+              <a:rPr lang="fr-FR" sz="1100" b="1" dirty="0" err="1" smtClean="0">
+                <a:solidFill>
+                  <a:schemeClr val="bg1"/>
+                </a:solidFill>
+              </a:rPr>
+              <a:t>month</a:t>
+            </a:r>
+            <a:endParaRPr lang="fr-FR" sz="1100" b="1" dirty="0">
+              <a:solidFill>
+                <a:schemeClr val="bg1"/>
+              </a:solidFill>
+            </a:endParaRPr>
+          </a:p>
+        </p:txBody>
+      </p:sp>
+      <p:sp>
+        <p:nvSpPr>
+          <p:cNvPr id="33" name="ZoneTexte 32"/>
+          <p:cNvSpPr txBox="1"/>
+          <p:nvPr userDrawn="1"/>
+        </p:nvSpPr>
+        <p:spPr>
+          <a:xfrm>
+            <a:off x="1816467" y="3398888"/>
+            <a:ext cx="979502" cy="261610"/>
+          </a:xfrm>
+          <a:prstGeom prst="rect">
+            <a:avLst/>
+          </a:prstGeom>
+          <a:noFill/>
+        </p:spPr>
+        <p:txBody>
+          <a:bodyPr wrap="square" rtlCol="0">
+            <a:spAutoFit/>
+          </a:bodyPr>
+          <a:lstStyle/>
+          <a:p>
+            <a:r>
+              <a:rPr lang="fr-FR" sz="1100" b="1" dirty="0" smtClean="0">
+                <a:solidFill>
+                  <a:schemeClr val="bg1"/>
+                </a:solidFill>
+              </a:rPr>
+              <a:t>Last </a:t>
+            </a:r>
+            <a:r>
+              <a:rPr lang="fr-FR" sz="1100" b="1" dirty="0" err="1" smtClean="0">
+                <a:solidFill>
+                  <a:schemeClr val="bg1"/>
+                </a:solidFill>
+              </a:rPr>
+              <a:t>month</a:t>
+            </a:r>
+            <a:endParaRPr lang="fr-FR" sz="1100" b="1" dirty="0">
+              <a:solidFill>
+                <a:schemeClr val="bg1"/>
+              </a:solidFill>
+            </a:endParaRPr>
+          </a:p>
+        </p:txBody>
+      </p:sp>
+      <p:sp>
+        <p:nvSpPr>
+          <p:cNvPr id="3" name="Espace réservé du contenu 2"/>
+          <p:cNvSpPr>
+            <a:spLocks noGrp="1"/>
+          </p:cNvSpPr>
+          <p:nvPr>
+            <p:ph sz="quarter" idx="18" hasCustomPrompt="1"/>
+          </p:nvPr>
+        </p:nvSpPr>
+        <p:spPr>
+          <a:xfrm>
+            <a:off x="372236" y="2502998"/>
+            <a:ext cx="648000" cy="464400"/>
+          </a:xfrm>
+        </p:spPr>
+        <p:txBody>
+          <a:bodyPr anchor="ctr">
+            <a:noAutofit/>
+          </a:bodyPr>
+          <a:lstStyle>
+            <a:lvl1pPr marL="0" indent="0" algn="ctr">
+              <a:buNone/>
+              <a:defRPr sz="3600" b="1">
+                <a:solidFill>
+                  <a:schemeClr val="bg1"/>
+                </a:solidFill>
+              </a:defRPr>
+            </a:lvl1pPr>
+          </a:lstStyle>
+          <a:p>
+            <a:pPr lvl="0"/>
+            <a:r>
+              <a:rPr lang="fr-FR" dirty="0" smtClean="0"/>
+              <a:t>#</a:t>
+            </a:r>
+            <a:endParaRPr lang="fr-FR" dirty="0"/>
+          </a:p>
+        </p:txBody>
+      </p:sp>
+      <p:sp>
+        <p:nvSpPr>
+          <p:cNvPr id="40" name="Espace réservé du texte 5"/>
+          <p:cNvSpPr>
+            <a:spLocks noGrp="1"/>
+          </p:cNvSpPr>
+          <p:nvPr>
+            <p:ph type="body" sz="quarter" idx="19" hasCustomPrompt="1"/>
+          </p:nvPr>
+        </p:nvSpPr>
+        <p:spPr>
+          <a:xfrm>
+            <a:off x="1982368" y="2503374"/>
+            <a:ext cx="647700" cy="463648"/>
+          </a:xfrm>
+        </p:spPr>
+        <p:txBody>
+          <a:bodyPr anchor="ctr">
+            <a:normAutofit/>
+          </a:bodyPr>
+          <a:lstStyle>
+            <a:lvl1pPr marL="0" indent="0" algn="ctr">
+              <a:buNone/>
+              <a:defRPr sz="3200" b="1">
+                <a:solidFill>
+                  <a:schemeClr val="bg1"/>
+                </a:solidFill>
+              </a:defRPr>
+            </a:lvl1pPr>
+          </a:lstStyle>
+          <a:p>
+            <a:pPr lvl="0"/>
+            <a:r>
+              <a:rPr lang="fr-FR" dirty="0" smtClean="0"/>
+              <a:t>#</a:t>
+            </a:r>
+            <a:endParaRPr lang="fr-FR" dirty="0"/>
+          </a:p>
+        </p:txBody>
+      </p:sp>
+      <p:sp>
+        <p:nvSpPr>
+          <p:cNvPr id="31" name="Rectangle 30"/>
+          <p:cNvSpPr/>
+          <p:nvPr userDrawn="1"/>
+        </p:nvSpPr>
+        <p:spPr>
+          <a:xfrm>
+            <a:off x="2785414" y="5121328"/>
+            <a:ext cx="1080000" cy="1260000"/>
+          </a:xfrm>
+          <a:prstGeom prst="rect">
+            <a:avLst/>
+          </a:prstGeom>
+          <a:solidFill>
+            <a:srgbClr val="0070C0"/>
+          </a:solidFill>
+          <a:ln>
+            <a:solidFill>
+              <a:srgbClr val="00B0F0"/>
+            </a:solidFill>
+          </a:ln>
+        </p:spPr>
+        <p:style>
+          <a:lnRef idx="2">
+            <a:schemeClr val="accent1">
+              <a:shade val="50000"/>
+            </a:schemeClr>
+          </a:lnRef>
+          <a:fillRef idx="1">
+            <a:schemeClr val="accent1"/>
+          </a:fillRef>
+          <a:effectRef idx="0">
+            <a:schemeClr val="accent1"/>
+          </a:effectRef>
+          <a:fontRef idx="minor">
+            <a:schemeClr val="lt1"/>
+          </a:fontRef>
+        </p:style>
+        <p:txBody>
+          <a:bodyPr rtlCol="0" anchor="ctr"/>
+          <a:lstStyle/>
+          <a:p>
+            <a:pPr algn="ctr"/>
+            <a:endParaRPr lang="fr-FR"/>
+          </a:p>
+        </p:txBody>
+      </p:sp>
+      <p:sp>
+        <p:nvSpPr>
+          <p:cNvPr id="42" name="ZoneTexte 41"/>
+          <p:cNvSpPr txBox="1"/>
+          <p:nvPr userDrawn="1"/>
+        </p:nvSpPr>
+        <p:spPr>
+          <a:xfrm>
+            <a:off x="2799763" y="5222257"/>
+            <a:ext cx="1051303" cy="369332"/>
+          </a:xfrm>
+          <a:prstGeom prst="rect">
+            <a:avLst/>
+          </a:prstGeom>
+          <a:noFill/>
+        </p:spPr>
+        <p:txBody>
+          <a:bodyPr wrap="square" rtlCol="0">
+            <a:spAutoFit/>
+          </a:bodyPr>
+          <a:lstStyle/>
+          <a:p>
+            <a:pPr algn="ctr"/>
+            <a:r>
+              <a:rPr lang="fr-FR" b="1" dirty="0" err="1" smtClean="0">
+                <a:solidFill>
+                  <a:schemeClr val="bg1"/>
+                </a:solidFill>
+              </a:rPr>
+              <a:t>Others</a:t>
+            </a:r>
+            <a:endParaRPr lang="fr-FR" b="1" dirty="0">
+              <a:solidFill>
+                <a:schemeClr val="bg1"/>
+              </a:solidFill>
+            </a:endParaRPr>
+          </a:p>
+        </p:txBody>
+      </p:sp>
+      <p:sp>
+        <p:nvSpPr>
+          <p:cNvPr id="2" name="ZoneTexte 1"/>
+          <p:cNvSpPr txBox="1"/>
+          <p:nvPr userDrawn="1"/>
+        </p:nvSpPr>
+        <p:spPr>
+          <a:xfrm>
+            <a:off x="107504" y="6505599"/>
+            <a:ext cx="2755947" cy="307777"/>
+          </a:xfrm>
+          <a:prstGeom prst="rect">
+            <a:avLst/>
+          </a:prstGeom>
+          <a:noFill/>
+        </p:spPr>
+        <p:txBody>
+          <a:bodyPr wrap="none" rtlCol="0">
+            <a:spAutoFit/>
+          </a:bodyPr>
+          <a:lstStyle/>
+          <a:p>
+            <a:r>
+              <a:rPr lang="fr-FR" sz="1400" i="1" dirty="0" smtClean="0">
+                <a:solidFill>
+                  <a:schemeClr val="tx1">
+                    <a:lumMod val="85000"/>
+                    <a:lumOff val="15000"/>
+                  </a:schemeClr>
+                </a:solidFill>
+                <a:latin typeface="Calibri" panose="020F0502020204030204" pitchFamily="34" charset="0"/>
+              </a:rPr>
+              <a:t>Rémi Lavedrine – Security Manager</a:t>
+            </a:r>
+            <a:endParaRPr lang="fr-FR" sz="1400" i="1" dirty="0">
+              <a:solidFill>
+                <a:schemeClr val="tx1">
+                  <a:lumMod val="85000"/>
+                  <a:lumOff val="15000"/>
+                </a:schemeClr>
+              </a:solidFill>
+              <a:latin typeface="Calibri" panose="020F0502020204030204" pitchFamily="34" charset="0"/>
+            </a:endParaRPr>
+          </a:p>
+        </p:txBody>
+      </p:sp>
+      <p:sp>
+        <p:nvSpPr>
+          <p:cNvPr id="5" name="Espace réservé du texte 4"/>
+          <p:cNvSpPr>
+            <a:spLocks noGrp="1"/>
+          </p:cNvSpPr>
+          <p:nvPr>
+            <p:ph type="body" sz="quarter" idx="20" hasCustomPrompt="1"/>
+          </p:nvPr>
+        </p:nvSpPr>
+        <p:spPr>
+          <a:xfrm>
+            <a:off x="3001304" y="5711166"/>
+            <a:ext cx="648220" cy="504000"/>
+          </a:xfrm>
+        </p:spPr>
+        <p:txBody>
+          <a:bodyPr>
+            <a:noAutofit/>
+          </a:bodyPr>
+          <a:lstStyle>
+            <a:lvl1pPr marL="0" indent="0" algn="ctr">
+              <a:buNone/>
+              <a:defRPr sz="3200" b="1">
+                <a:solidFill>
+                  <a:schemeClr val="bg1"/>
+                </a:solidFill>
+              </a:defRPr>
+            </a:lvl1pPr>
+          </a:lstStyle>
+          <a:p>
+            <a:pPr lvl="0"/>
+            <a:r>
+              <a:rPr lang="fr-FR" sz="3200" dirty="0" smtClean="0"/>
+              <a:t>#</a:t>
+            </a:r>
+            <a:endParaRPr lang="fr-FR" dirty="0"/>
+          </a:p>
+        </p:txBody>
+      </p:sp>
+    </p:spTree>
+    <p:extLst/>
+  </p:cSld>
+  <p:clrMapOvr>
+    <a:masterClrMapping/>
+  </p:clrMapOvr>
+  <p:timing>
+    <p:tnLst>
+      <p:par>
+        <p:cTn id="1" dur="indefinite" restart="never" nodeType="tmRoot"/>
+      </p:par>
+    </p:tnLst>
+  </p:timing>
+</p:sldLayout>
+</file>
+
+<file path=ppt/slideLayouts/slideLayout20.xml><?xml version="1.0" encoding="utf-8"?>
 <p:sldLayout xmlns:a="http://schemas.openxmlformats.org/drawingml/2006/main" xmlns:r="http://schemas.openxmlformats.org/officeDocument/2006/relationships" xmlns:p="http://schemas.openxmlformats.org/presentationml/2006/main" preserve="1" userDrawn="1">
   <p:cSld name="transition fond noir">
     <p:bg>
@@ -5907,1447 +7530,7 @@
 </p:sldLayout>
 </file>
 
-<file path=ppt/slideLayouts/slideLayout2.xml><?xml version="1.0" encoding="utf-8"?>
-<p:sldLayout xmlns:a="http://schemas.openxmlformats.org/drawingml/2006/main" xmlns:r="http://schemas.openxmlformats.org/officeDocument/2006/relationships" xmlns:p="http://schemas.openxmlformats.org/presentationml/2006/main" preserve="1" userDrawn="1">
-  <p:cSld name="3_Disposition personnalisée">
-    <p:spTree>
-      <p:nvGrpSpPr>
-        <p:cNvPr id="1" name=""/>
-        <p:cNvGrpSpPr/>
-        <p:nvPr/>
-      </p:nvGrpSpPr>
-      <p:grpSpPr>
-        <a:xfrm>
-          <a:off x="0" y="0"/>
-          <a:ext cx="0" cy="0"/>
-          <a:chOff x="0" y="0"/>
-          <a:chExt cx="0" cy="0"/>
-        </a:xfrm>
-      </p:grpSpPr>
-      <p:sp>
-        <p:nvSpPr>
-          <p:cNvPr id="35" name="Rectangle 34"/>
-          <p:cNvSpPr/>
-          <p:nvPr userDrawn="1"/>
-        </p:nvSpPr>
-        <p:spPr>
-          <a:xfrm>
-            <a:off x="249238" y="3348896"/>
-            <a:ext cx="1296000" cy="1080000"/>
-          </a:xfrm>
-          <a:prstGeom prst="rect">
-            <a:avLst/>
-          </a:prstGeom>
-          <a:solidFill>
-            <a:srgbClr val="0070C0"/>
-          </a:solidFill>
-          <a:ln>
-            <a:solidFill>
-              <a:srgbClr val="00B0F0"/>
-            </a:solidFill>
-          </a:ln>
-        </p:spPr>
-        <p:style>
-          <a:lnRef idx="2">
-            <a:schemeClr val="accent1">
-              <a:shade val="50000"/>
-            </a:schemeClr>
-          </a:lnRef>
-          <a:fillRef idx="1">
-            <a:schemeClr val="accent1"/>
-          </a:fillRef>
-          <a:effectRef idx="0">
-            <a:schemeClr val="accent1"/>
-          </a:effectRef>
-          <a:fontRef idx="minor">
-            <a:schemeClr val="lt1"/>
-          </a:fontRef>
-        </p:style>
-        <p:txBody>
-          <a:bodyPr rtlCol="0" anchor="ctr"/>
-          <a:lstStyle/>
-          <a:p>
-            <a:pPr algn="ctr"/>
-            <a:endParaRPr lang="fr-FR"/>
-          </a:p>
-        </p:txBody>
-      </p:sp>
-      <p:sp>
-        <p:nvSpPr>
-          <p:cNvPr id="36" name="Rectangle 35"/>
-          <p:cNvSpPr/>
-          <p:nvPr userDrawn="1"/>
-        </p:nvSpPr>
-        <p:spPr>
-          <a:xfrm>
-            <a:off x="262683" y="5121328"/>
-            <a:ext cx="1080000" cy="1260000"/>
-          </a:xfrm>
-          <a:prstGeom prst="rect">
-            <a:avLst/>
-          </a:prstGeom>
-          <a:solidFill>
-            <a:srgbClr val="0070C0"/>
-          </a:solidFill>
-          <a:ln>
-            <a:solidFill>
-              <a:srgbClr val="00B0F0"/>
-            </a:solidFill>
-          </a:ln>
-        </p:spPr>
-        <p:style>
-          <a:lnRef idx="2">
-            <a:schemeClr val="accent1">
-              <a:shade val="50000"/>
-            </a:schemeClr>
-          </a:lnRef>
-          <a:fillRef idx="1">
-            <a:schemeClr val="accent1"/>
-          </a:fillRef>
-          <a:effectRef idx="0">
-            <a:schemeClr val="accent1"/>
-          </a:effectRef>
-          <a:fontRef idx="minor">
-            <a:schemeClr val="lt1"/>
-          </a:fontRef>
-        </p:style>
-        <p:txBody>
-          <a:bodyPr rtlCol="0" anchor="ctr"/>
-          <a:lstStyle/>
-          <a:p>
-            <a:pPr algn="ctr"/>
-            <a:endParaRPr lang="fr-FR"/>
-          </a:p>
-        </p:txBody>
-      </p:sp>
-      <p:sp>
-        <p:nvSpPr>
-          <p:cNvPr id="37" name="Rectangle 36"/>
-          <p:cNvSpPr/>
-          <p:nvPr userDrawn="1"/>
-        </p:nvSpPr>
-        <p:spPr>
-          <a:xfrm>
-            <a:off x="1763808" y="653602"/>
-            <a:ext cx="1080000" cy="1080000"/>
-          </a:xfrm>
-          <a:prstGeom prst="rect">
-            <a:avLst/>
-          </a:prstGeom>
-          <a:solidFill>
-            <a:srgbClr val="0070C0"/>
-          </a:solidFill>
-          <a:ln>
-            <a:solidFill>
-              <a:srgbClr val="00B0F0"/>
-            </a:solidFill>
-          </a:ln>
-        </p:spPr>
-        <p:style>
-          <a:lnRef idx="2">
-            <a:schemeClr val="accent1">
-              <a:shade val="50000"/>
-            </a:schemeClr>
-          </a:lnRef>
-          <a:fillRef idx="1">
-            <a:schemeClr val="accent1"/>
-          </a:fillRef>
-          <a:effectRef idx="0">
-            <a:schemeClr val="accent1"/>
-          </a:effectRef>
-          <a:fontRef idx="minor">
-            <a:schemeClr val="lt1"/>
-          </a:fontRef>
-        </p:style>
-        <p:txBody>
-          <a:bodyPr rtlCol="0" anchor="ctr"/>
-          <a:lstStyle/>
-          <a:p>
-            <a:pPr algn="ctr"/>
-            <a:endParaRPr lang="fr-FR"/>
-          </a:p>
-        </p:txBody>
-      </p:sp>
-      <p:sp>
-        <p:nvSpPr>
-          <p:cNvPr id="38" name="Rectangle 37"/>
-          <p:cNvSpPr/>
-          <p:nvPr userDrawn="1"/>
-        </p:nvSpPr>
-        <p:spPr>
-          <a:xfrm>
-            <a:off x="1763808" y="3348896"/>
-            <a:ext cx="1080000" cy="1080000"/>
-          </a:xfrm>
-          <a:prstGeom prst="rect">
-            <a:avLst/>
-          </a:prstGeom>
-          <a:solidFill>
-            <a:srgbClr val="0070C0"/>
-          </a:solidFill>
-          <a:ln>
-            <a:solidFill>
-              <a:srgbClr val="00B0F0"/>
-            </a:solidFill>
-          </a:ln>
-        </p:spPr>
-        <p:style>
-          <a:lnRef idx="2">
-            <a:schemeClr val="accent1">
-              <a:shade val="50000"/>
-            </a:schemeClr>
-          </a:lnRef>
-          <a:fillRef idx="1">
-            <a:schemeClr val="accent1"/>
-          </a:fillRef>
-          <a:effectRef idx="0">
-            <a:schemeClr val="accent1"/>
-          </a:effectRef>
-          <a:fontRef idx="minor">
-            <a:schemeClr val="lt1"/>
-          </a:fontRef>
-        </p:style>
-        <p:txBody>
-          <a:bodyPr rtlCol="0" anchor="ctr"/>
-          <a:lstStyle/>
-          <a:p>
-            <a:pPr algn="ctr"/>
-            <a:endParaRPr lang="fr-FR"/>
-          </a:p>
-        </p:txBody>
-      </p:sp>
-      <p:sp>
-        <p:nvSpPr>
-          <p:cNvPr id="39" name="Rectangle 38"/>
-          <p:cNvSpPr/>
-          <p:nvPr userDrawn="1"/>
-        </p:nvSpPr>
-        <p:spPr>
-          <a:xfrm>
-            <a:off x="1567874" y="5121327"/>
-            <a:ext cx="1080000" cy="1260000"/>
-          </a:xfrm>
-          <a:prstGeom prst="rect">
-            <a:avLst/>
-          </a:prstGeom>
-          <a:solidFill>
-            <a:srgbClr val="0070C0"/>
-          </a:solidFill>
-          <a:ln>
-            <a:solidFill>
-              <a:srgbClr val="00B0F0"/>
-            </a:solidFill>
-          </a:ln>
-        </p:spPr>
-        <p:style>
-          <a:lnRef idx="2">
-            <a:schemeClr val="accent1">
-              <a:shade val="50000"/>
-            </a:schemeClr>
-          </a:lnRef>
-          <a:fillRef idx="1">
-            <a:schemeClr val="accent1"/>
-          </a:fillRef>
-          <a:effectRef idx="0">
-            <a:schemeClr val="accent1"/>
-          </a:effectRef>
-          <a:fontRef idx="minor">
-            <a:schemeClr val="lt1"/>
-          </a:fontRef>
-        </p:style>
-        <p:txBody>
-          <a:bodyPr rtlCol="0" anchor="ctr"/>
-          <a:lstStyle/>
-          <a:p>
-            <a:pPr algn="ctr"/>
-            <a:endParaRPr lang="fr-FR"/>
-          </a:p>
-        </p:txBody>
-      </p:sp>
-      <p:sp>
-        <p:nvSpPr>
-          <p:cNvPr id="34" name="Rectangle 33"/>
-          <p:cNvSpPr/>
-          <p:nvPr userDrawn="1"/>
-        </p:nvSpPr>
-        <p:spPr>
-          <a:xfrm>
-            <a:off x="262683" y="653602"/>
-            <a:ext cx="1296000" cy="1080000"/>
-          </a:xfrm>
-          <a:prstGeom prst="rect">
-            <a:avLst/>
-          </a:prstGeom>
-          <a:solidFill>
-            <a:srgbClr val="0070C0"/>
-          </a:solidFill>
-          <a:ln>
-            <a:solidFill>
-              <a:srgbClr val="00B0F0"/>
-            </a:solidFill>
-          </a:ln>
-        </p:spPr>
-        <p:style>
-          <a:lnRef idx="2">
-            <a:schemeClr val="accent1">
-              <a:shade val="50000"/>
-            </a:schemeClr>
-          </a:lnRef>
-          <a:fillRef idx="1">
-            <a:schemeClr val="accent1"/>
-          </a:fillRef>
-          <a:effectRef idx="0">
-            <a:schemeClr val="accent1"/>
-          </a:effectRef>
-          <a:fontRef idx="minor">
-            <a:schemeClr val="lt1"/>
-          </a:fontRef>
-        </p:style>
-        <p:txBody>
-          <a:bodyPr rtlCol="0" anchor="ctr"/>
-          <a:lstStyle/>
-          <a:p>
-            <a:pPr algn="ctr"/>
-            <a:endParaRPr lang="fr-FR"/>
-          </a:p>
-        </p:txBody>
-      </p:sp>
-      <p:sp>
-        <p:nvSpPr>
-          <p:cNvPr id="6" name="Espace réservé du texte 5"/>
-          <p:cNvSpPr>
-            <a:spLocks noGrp="1"/>
-          </p:cNvSpPr>
-          <p:nvPr>
-            <p:ph type="body" sz="quarter" idx="10" hasCustomPrompt="1"/>
-          </p:nvPr>
-        </p:nvSpPr>
-        <p:spPr>
-          <a:xfrm>
-            <a:off x="395969" y="1168692"/>
-            <a:ext cx="647700" cy="463648"/>
-          </a:xfrm>
-        </p:spPr>
-        <p:txBody>
-          <a:bodyPr anchor="ctr">
-            <a:noAutofit/>
-          </a:bodyPr>
-          <a:lstStyle>
-            <a:lvl1pPr marL="0" indent="0" algn="ctr">
-              <a:buNone/>
-              <a:defRPr sz="3600" b="1">
-                <a:solidFill>
-                  <a:schemeClr val="bg1"/>
-                </a:solidFill>
-              </a:defRPr>
-            </a:lvl1pPr>
-          </a:lstStyle>
-          <a:p>
-            <a:pPr lvl="0"/>
-            <a:r>
-              <a:rPr lang="fr-FR" dirty="0" smtClean="0"/>
-              <a:t>#</a:t>
-            </a:r>
-            <a:endParaRPr lang="fr-FR" dirty="0"/>
-          </a:p>
-        </p:txBody>
-      </p:sp>
-      <p:sp>
-        <p:nvSpPr>
-          <p:cNvPr id="8" name="ZoneTexte 7"/>
-          <p:cNvSpPr txBox="1"/>
-          <p:nvPr userDrawn="1"/>
-        </p:nvSpPr>
-        <p:spPr>
-          <a:xfrm>
-            <a:off x="249238" y="688190"/>
-            <a:ext cx="1296000" cy="307777"/>
-          </a:xfrm>
-          <a:prstGeom prst="rect">
-            <a:avLst/>
-          </a:prstGeom>
-          <a:noFill/>
-        </p:spPr>
-        <p:txBody>
-          <a:bodyPr wrap="square" rtlCol="0">
-            <a:spAutoFit/>
-          </a:bodyPr>
-          <a:lstStyle/>
-          <a:p>
-            <a:r>
-              <a:rPr lang="fr-FR" sz="1400" b="1" dirty="0" smtClean="0">
-                <a:solidFill>
-                  <a:schemeClr val="bg1"/>
-                </a:solidFill>
-              </a:rPr>
-              <a:t>High </a:t>
-            </a:r>
-            <a:r>
-              <a:rPr lang="fr-FR" sz="1300" b="1" dirty="0" err="1" smtClean="0">
-                <a:solidFill>
-                  <a:schemeClr val="bg1"/>
-                </a:solidFill>
-              </a:rPr>
-              <a:t>Risks</a:t>
-            </a:r>
-            <a:endParaRPr lang="fr-FR" sz="1300" b="1" dirty="0">
-              <a:solidFill>
-                <a:schemeClr val="bg1"/>
-              </a:solidFill>
-            </a:endParaRPr>
-          </a:p>
-        </p:txBody>
-      </p:sp>
-      <p:sp>
-        <p:nvSpPr>
-          <p:cNvPr id="10" name="Espace réservé du texte 5"/>
-          <p:cNvSpPr>
-            <a:spLocks noGrp="1"/>
-          </p:cNvSpPr>
-          <p:nvPr>
-            <p:ph type="body" sz="quarter" idx="11" hasCustomPrompt="1"/>
-          </p:nvPr>
-        </p:nvSpPr>
-        <p:spPr>
-          <a:xfrm>
-            <a:off x="1980084" y="1165152"/>
-            <a:ext cx="647700" cy="463648"/>
-          </a:xfrm>
-        </p:spPr>
-        <p:txBody>
-          <a:bodyPr anchor="ctr">
-            <a:normAutofit/>
-          </a:bodyPr>
-          <a:lstStyle>
-            <a:lvl1pPr marL="0" indent="0" algn="ctr">
-              <a:buNone/>
-              <a:defRPr sz="3200" b="1">
-                <a:solidFill>
-                  <a:schemeClr val="bg1"/>
-                </a:solidFill>
-              </a:defRPr>
-            </a:lvl1pPr>
-          </a:lstStyle>
-          <a:p>
-            <a:pPr lvl="0"/>
-            <a:r>
-              <a:rPr lang="fr-FR" dirty="0" smtClean="0"/>
-              <a:t>#</a:t>
-            </a:r>
-            <a:endParaRPr lang="fr-FR" dirty="0"/>
-          </a:p>
-        </p:txBody>
-      </p:sp>
-      <p:sp>
-        <p:nvSpPr>
-          <p:cNvPr id="11" name="ZoneTexte 10"/>
-          <p:cNvSpPr txBox="1"/>
-          <p:nvPr userDrawn="1"/>
-        </p:nvSpPr>
-        <p:spPr>
-          <a:xfrm>
-            <a:off x="262683" y="3384058"/>
-            <a:ext cx="1282555" cy="307777"/>
-          </a:xfrm>
-          <a:prstGeom prst="rect">
-            <a:avLst/>
-          </a:prstGeom>
-          <a:noFill/>
-        </p:spPr>
-        <p:txBody>
-          <a:bodyPr wrap="square" rtlCol="0">
-            <a:spAutoFit/>
-          </a:bodyPr>
-          <a:lstStyle/>
-          <a:p>
-            <a:r>
-              <a:rPr lang="fr-FR" sz="1400" b="1" dirty="0" smtClean="0">
-                <a:solidFill>
-                  <a:schemeClr val="bg1"/>
-                </a:solidFill>
-              </a:rPr>
-              <a:t>Light</a:t>
-            </a:r>
-            <a:r>
-              <a:rPr lang="fr-FR" sz="1300" b="1" dirty="0" smtClean="0">
-                <a:solidFill>
-                  <a:schemeClr val="bg1"/>
-                </a:solidFill>
-              </a:rPr>
-              <a:t> </a:t>
-            </a:r>
-            <a:r>
-              <a:rPr lang="fr-FR" sz="1300" b="1" dirty="0" err="1" smtClean="0">
-                <a:solidFill>
-                  <a:schemeClr val="bg1"/>
-                </a:solidFill>
-              </a:rPr>
-              <a:t>Risks</a:t>
-            </a:r>
-            <a:endParaRPr lang="fr-FR" sz="1300" b="1" dirty="0">
-              <a:solidFill>
-                <a:schemeClr val="bg1"/>
-              </a:solidFill>
-            </a:endParaRPr>
-          </a:p>
-        </p:txBody>
-      </p:sp>
-      <p:sp>
-        <p:nvSpPr>
-          <p:cNvPr id="13" name="Espace réservé du texte 5"/>
-          <p:cNvSpPr>
-            <a:spLocks noGrp="1"/>
-          </p:cNvSpPr>
-          <p:nvPr>
-            <p:ph type="body" sz="quarter" idx="12" hasCustomPrompt="1"/>
-          </p:nvPr>
-        </p:nvSpPr>
-        <p:spPr>
-          <a:xfrm>
-            <a:off x="409414" y="3832203"/>
-            <a:ext cx="647700" cy="455430"/>
-          </a:xfrm>
-        </p:spPr>
-        <p:txBody>
-          <a:bodyPr anchor="ctr">
-            <a:noAutofit/>
-          </a:bodyPr>
-          <a:lstStyle>
-            <a:lvl1pPr marL="0" indent="0" algn="ctr">
-              <a:buNone/>
-              <a:defRPr sz="3600" b="1">
-                <a:solidFill>
-                  <a:schemeClr val="bg1"/>
-                </a:solidFill>
-              </a:defRPr>
-            </a:lvl1pPr>
-          </a:lstStyle>
-          <a:p>
-            <a:pPr lvl="0"/>
-            <a:r>
-              <a:rPr lang="fr-FR" dirty="0" smtClean="0"/>
-              <a:t>#</a:t>
-            </a:r>
-            <a:endParaRPr lang="fr-FR" dirty="0"/>
-          </a:p>
-        </p:txBody>
-      </p:sp>
-      <p:sp>
-        <p:nvSpPr>
-          <p:cNvPr id="14" name="Espace réservé du texte 5"/>
-          <p:cNvSpPr>
-            <a:spLocks noGrp="1"/>
-          </p:cNvSpPr>
-          <p:nvPr>
-            <p:ph type="body" sz="quarter" idx="13" hasCustomPrompt="1"/>
-          </p:nvPr>
-        </p:nvSpPr>
-        <p:spPr>
-          <a:xfrm>
-            <a:off x="2065825" y="3846709"/>
-            <a:ext cx="647700" cy="455430"/>
-          </a:xfrm>
-        </p:spPr>
-        <p:txBody>
-          <a:bodyPr anchor="ctr">
-            <a:normAutofit/>
-          </a:bodyPr>
-          <a:lstStyle>
-            <a:lvl1pPr marL="0" indent="0" algn="ctr">
-              <a:buNone/>
-              <a:defRPr sz="3200" b="1">
-                <a:solidFill>
-                  <a:schemeClr val="bg1"/>
-                </a:solidFill>
-              </a:defRPr>
-            </a:lvl1pPr>
-          </a:lstStyle>
-          <a:p>
-            <a:pPr lvl="0"/>
-            <a:r>
-              <a:rPr lang="fr-FR" dirty="0" smtClean="0"/>
-              <a:t>#</a:t>
-            </a:r>
-            <a:endParaRPr lang="fr-FR" dirty="0"/>
-          </a:p>
-        </p:txBody>
-      </p:sp>
-      <p:sp>
-        <p:nvSpPr>
-          <p:cNvPr id="15" name="ZoneTexte 14"/>
-          <p:cNvSpPr txBox="1"/>
-          <p:nvPr userDrawn="1"/>
-        </p:nvSpPr>
-        <p:spPr>
-          <a:xfrm>
-            <a:off x="262683" y="4690011"/>
-            <a:ext cx="2385191" cy="323165"/>
-          </a:xfrm>
-          <a:prstGeom prst="rect">
-            <a:avLst/>
-          </a:prstGeom>
-          <a:noFill/>
-        </p:spPr>
-        <p:txBody>
-          <a:bodyPr wrap="square" rtlCol="0">
-            <a:spAutoFit/>
-          </a:bodyPr>
-          <a:lstStyle/>
-          <a:p>
-            <a:r>
-              <a:rPr lang="fr-FR" sz="1500" b="1" dirty="0" smtClean="0">
-                <a:solidFill>
-                  <a:schemeClr val="accent4">
-                    <a:lumMod val="50000"/>
-                  </a:schemeClr>
-                </a:solidFill>
-              </a:rPr>
-              <a:t>Total </a:t>
-            </a:r>
-            <a:r>
-              <a:rPr lang="fr-FR" sz="1500" b="1" dirty="0" err="1" smtClean="0">
-                <a:solidFill>
-                  <a:schemeClr val="accent4">
-                    <a:lumMod val="50000"/>
-                  </a:schemeClr>
-                </a:solidFill>
-              </a:rPr>
-              <a:t>Number</a:t>
-            </a:r>
-            <a:r>
-              <a:rPr lang="fr-FR" sz="1500" b="1" dirty="0" smtClean="0">
-                <a:solidFill>
-                  <a:schemeClr val="accent4">
-                    <a:lumMod val="50000"/>
-                  </a:schemeClr>
-                </a:solidFill>
-              </a:rPr>
-              <a:t> of </a:t>
-            </a:r>
-            <a:r>
-              <a:rPr lang="fr-FR" sz="1500" b="1" dirty="0" err="1" smtClean="0">
-                <a:solidFill>
-                  <a:schemeClr val="accent4">
-                    <a:lumMod val="50000"/>
-                  </a:schemeClr>
-                </a:solidFill>
-              </a:rPr>
-              <a:t>Objects</a:t>
-            </a:r>
-            <a:endParaRPr lang="fr-FR" sz="1500" b="1" dirty="0">
-              <a:solidFill>
-                <a:schemeClr val="accent4">
-                  <a:lumMod val="50000"/>
-                </a:schemeClr>
-              </a:solidFill>
-            </a:endParaRPr>
-          </a:p>
-        </p:txBody>
-      </p:sp>
-      <p:sp>
-        <p:nvSpPr>
-          <p:cNvPr id="17" name="Espace réservé du texte 5"/>
-          <p:cNvSpPr>
-            <a:spLocks noGrp="1"/>
-          </p:cNvSpPr>
-          <p:nvPr>
-            <p:ph type="body" sz="quarter" idx="14" hasCustomPrompt="1"/>
-          </p:nvPr>
-        </p:nvSpPr>
-        <p:spPr>
-          <a:xfrm>
-            <a:off x="472542" y="5691323"/>
-            <a:ext cx="647700" cy="503238"/>
-          </a:xfrm>
-        </p:spPr>
-        <p:txBody>
-          <a:bodyPr anchor="ctr">
-            <a:noAutofit/>
-          </a:bodyPr>
-          <a:lstStyle>
-            <a:lvl1pPr marL="0" indent="0" algn="ctr">
-              <a:buNone/>
-              <a:defRPr sz="3600" b="1">
-                <a:solidFill>
-                  <a:schemeClr val="bg1"/>
-                </a:solidFill>
-              </a:defRPr>
-            </a:lvl1pPr>
-          </a:lstStyle>
-          <a:p>
-            <a:pPr lvl="0"/>
-            <a:r>
-              <a:rPr lang="fr-FR" dirty="0" smtClean="0"/>
-              <a:t>#</a:t>
-            </a:r>
-            <a:endParaRPr lang="fr-FR" dirty="0"/>
-          </a:p>
-        </p:txBody>
-      </p:sp>
-      <p:sp>
-        <p:nvSpPr>
-          <p:cNvPr id="18" name="ZoneTexte 17"/>
-          <p:cNvSpPr txBox="1"/>
-          <p:nvPr userDrawn="1"/>
-        </p:nvSpPr>
-        <p:spPr>
-          <a:xfrm>
-            <a:off x="233986" y="5222257"/>
-            <a:ext cx="1080000" cy="369332"/>
-          </a:xfrm>
-          <a:prstGeom prst="rect">
-            <a:avLst/>
-          </a:prstGeom>
-          <a:noFill/>
-        </p:spPr>
-        <p:txBody>
-          <a:bodyPr wrap="square" rtlCol="0">
-            <a:spAutoFit/>
-          </a:bodyPr>
-          <a:lstStyle/>
-          <a:p>
-            <a:pPr algn="ctr"/>
-            <a:r>
-              <a:rPr lang="fr-FR" b="1" dirty="0" err="1" smtClean="0">
-                <a:solidFill>
-                  <a:schemeClr val="bg1"/>
-                </a:solidFill>
-              </a:rPr>
-              <a:t>eIoT</a:t>
-            </a:r>
-            <a:endParaRPr lang="fr-FR" b="1" dirty="0">
-              <a:solidFill>
-                <a:schemeClr val="bg1"/>
-              </a:solidFill>
-            </a:endParaRPr>
-          </a:p>
-        </p:txBody>
-      </p:sp>
-      <p:sp>
-        <p:nvSpPr>
-          <p:cNvPr id="19" name="ZoneTexte 18"/>
-          <p:cNvSpPr txBox="1"/>
-          <p:nvPr userDrawn="1"/>
-        </p:nvSpPr>
-        <p:spPr>
-          <a:xfrm>
-            <a:off x="1567873" y="5219955"/>
-            <a:ext cx="1051303" cy="369332"/>
-          </a:xfrm>
-          <a:prstGeom prst="rect">
-            <a:avLst/>
-          </a:prstGeom>
-          <a:noFill/>
-        </p:spPr>
-        <p:txBody>
-          <a:bodyPr wrap="square" rtlCol="0">
-            <a:spAutoFit/>
-          </a:bodyPr>
-          <a:lstStyle/>
-          <a:p>
-            <a:pPr algn="ctr"/>
-            <a:r>
-              <a:rPr lang="fr-FR" b="1" dirty="0" smtClean="0">
-                <a:solidFill>
-                  <a:schemeClr val="bg1"/>
-                </a:solidFill>
-              </a:rPr>
-              <a:t>B2C</a:t>
-            </a:r>
-            <a:endParaRPr lang="fr-FR" b="1" dirty="0">
-              <a:solidFill>
-                <a:schemeClr val="bg1"/>
-              </a:solidFill>
-            </a:endParaRPr>
-          </a:p>
-        </p:txBody>
-      </p:sp>
-      <p:sp>
-        <p:nvSpPr>
-          <p:cNvPr id="20" name="Espace réservé du texte 5"/>
-          <p:cNvSpPr>
-            <a:spLocks noGrp="1"/>
-          </p:cNvSpPr>
-          <p:nvPr>
-            <p:ph type="body" sz="quarter" idx="15" hasCustomPrompt="1"/>
-          </p:nvPr>
-        </p:nvSpPr>
-        <p:spPr>
-          <a:xfrm>
-            <a:off x="1805912" y="5689021"/>
-            <a:ext cx="647700" cy="503238"/>
-          </a:xfrm>
-        </p:spPr>
-        <p:txBody>
-          <a:bodyPr anchor="ctr">
-            <a:normAutofit/>
-          </a:bodyPr>
-          <a:lstStyle>
-            <a:lvl1pPr marL="0" indent="0" algn="ctr">
-              <a:buNone/>
-              <a:defRPr sz="3200" b="1">
-                <a:solidFill>
-                  <a:schemeClr val="bg1"/>
-                </a:solidFill>
-              </a:defRPr>
-            </a:lvl1pPr>
-          </a:lstStyle>
-          <a:p>
-            <a:pPr lvl="0"/>
-            <a:r>
-              <a:rPr lang="fr-FR" dirty="0" smtClean="0"/>
-              <a:t>#</a:t>
-            </a:r>
-            <a:endParaRPr lang="fr-FR" dirty="0"/>
-          </a:p>
-        </p:txBody>
-      </p:sp>
-      <p:sp>
-        <p:nvSpPr>
-          <p:cNvPr id="21" name="ZoneTexte 20"/>
-          <p:cNvSpPr txBox="1"/>
-          <p:nvPr userDrawn="1"/>
-        </p:nvSpPr>
-        <p:spPr>
-          <a:xfrm>
-            <a:off x="492516" y="32008"/>
-            <a:ext cx="1915909" cy="369332"/>
-          </a:xfrm>
-          <a:prstGeom prst="rect">
-            <a:avLst/>
-          </a:prstGeom>
-          <a:noFill/>
-        </p:spPr>
-        <p:txBody>
-          <a:bodyPr wrap="none" rtlCol="0">
-            <a:spAutoFit/>
-          </a:bodyPr>
-          <a:lstStyle/>
-          <a:p>
-            <a:r>
-              <a:rPr lang="fr-FR" b="1" dirty="0" smtClean="0">
-                <a:solidFill>
-                  <a:schemeClr val="accent4">
-                    <a:lumMod val="50000"/>
-                  </a:schemeClr>
-                </a:solidFill>
-              </a:rPr>
-              <a:t>Quick </a:t>
-            </a:r>
-            <a:r>
-              <a:rPr lang="fr-FR" b="1" dirty="0" err="1" smtClean="0">
-                <a:solidFill>
-                  <a:schemeClr val="accent4">
-                    <a:lumMod val="50000"/>
-                  </a:schemeClr>
-                </a:solidFill>
-              </a:rPr>
-              <a:t>Overview</a:t>
-            </a:r>
-            <a:endParaRPr lang="fr-FR" b="1" dirty="0">
-              <a:solidFill>
-                <a:schemeClr val="accent4">
-                  <a:lumMod val="50000"/>
-                </a:schemeClr>
-              </a:solidFill>
-            </a:endParaRPr>
-          </a:p>
-        </p:txBody>
-      </p:sp>
-      <p:sp>
-        <p:nvSpPr>
-          <p:cNvPr id="23" name="ZoneTexte 22"/>
-          <p:cNvSpPr txBox="1"/>
-          <p:nvPr userDrawn="1"/>
-        </p:nvSpPr>
-        <p:spPr>
-          <a:xfrm>
-            <a:off x="3275856" y="62568"/>
-            <a:ext cx="3147015" cy="369332"/>
-          </a:xfrm>
-          <a:prstGeom prst="rect">
-            <a:avLst/>
-          </a:prstGeom>
-          <a:noFill/>
-        </p:spPr>
-        <p:txBody>
-          <a:bodyPr wrap="none" rtlCol="0">
-            <a:spAutoFit/>
-          </a:bodyPr>
-          <a:lstStyle/>
-          <a:p>
-            <a:r>
-              <a:rPr lang="fr-FR" b="1" dirty="0" smtClean="0">
-                <a:solidFill>
-                  <a:schemeClr val="accent4">
-                    <a:lumMod val="50000"/>
-                  </a:schemeClr>
-                </a:solidFill>
-              </a:rPr>
-              <a:t>Security </a:t>
-            </a:r>
-            <a:r>
-              <a:rPr lang="fr-FR" b="1" dirty="0" err="1" smtClean="0">
-                <a:solidFill>
-                  <a:schemeClr val="accent4">
-                    <a:lumMod val="50000"/>
-                  </a:schemeClr>
-                </a:solidFill>
-              </a:rPr>
-              <a:t>Process</a:t>
-            </a:r>
-            <a:r>
-              <a:rPr lang="fr-FR" b="1" dirty="0" smtClean="0">
-                <a:solidFill>
-                  <a:schemeClr val="accent4">
-                    <a:lumMod val="50000"/>
-                  </a:schemeClr>
-                </a:solidFill>
-              </a:rPr>
-              <a:t> </a:t>
-            </a:r>
-            <a:r>
-              <a:rPr lang="fr-FR" b="1" dirty="0" err="1" smtClean="0">
-                <a:solidFill>
-                  <a:schemeClr val="accent4">
-                    <a:lumMod val="50000"/>
-                  </a:schemeClr>
-                </a:solidFill>
-              </a:rPr>
-              <a:t>Overview</a:t>
-            </a:r>
-            <a:endParaRPr lang="fr-FR" b="1" dirty="0">
-              <a:solidFill>
-                <a:schemeClr val="accent4">
-                  <a:lumMod val="50000"/>
-                </a:schemeClr>
-              </a:solidFill>
-            </a:endParaRPr>
-          </a:p>
-        </p:txBody>
-      </p:sp>
-      <p:sp>
-        <p:nvSpPr>
-          <p:cNvPr id="24" name="ZoneTexte 23"/>
-          <p:cNvSpPr txBox="1"/>
-          <p:nvPr userDrawn="1"/>
-        </p:nvSpPr>
-        <p:spPr>
-          <a:xfrm>
-            <a:off x="3635895" y="3825915"/>
-            <a:ext cx="3240361" cy="323165"/>
-          </a:xfrm>
-          <a:prstGeom prst="rect">
-            <a:avLst/>
-          </a:prstGeom>
-          <a:noFill/>
-        </p:spPr>
-        <p:txBody>
-          <a:bodyPr wrap="square" rtlCol="0">
-            <a:spAutoFit/>
-          </a:bodyPr>
-          <a:lstStyle/>
-          <a:p>
-            <a:r>
-              <a:rPr lang="fr-FR" sz="1500" b="1" dirty="0" smtClean="0">
-                <a:solidFill>
-                  <a:schemeClr val="accent4">
-                    <a:lumMod val="50000"/>
-                  </a:schemeClr>
-                </a:solidFill>
-              </a:rPr>
-              <a:t>Top 5 </a:t>
-            </a:r>
-            <a:r>
-              <a:rPr lang="fr-FR" sz="1500" b="1" dirty="0" err="1" smtClean="0">
-                <a:solidFill>
-                  <a:schemeClr val="accent4">
-                    <a:lumMod val="50000"/>
-                  </a:schemeClr>
-                </a:solidFill>
-              </a:rPr>
-              <a:t>most</a:t>
-            </a:r>
-            <a:r>
-              <a:rPr lang="fr-FR" sz="1500" b="1" dirty="0" smtClean="0">
-                <a:solidFill>
-                  <a:schemeClr val="accent4">
-                    <a:lumMod val="50000"/>
-                  </a:schemeClr>
-                </a:solidFill>
-              </a:rPr>
-              <a:t> </a:t>
-            </a:r>
-            <a:r>
-              <a:rPr lang="fr-FR" sz="1500" b="1" dirty="0" err="1" smtClean="0">
-                <a:solidFill>
-                  <a:schemeClr val="accent4">
-                    <a:lumMod val="50000"/>
-                  </a:schemeClr>
-                </a:solidFill>
-              </a:rPr>
-              <a:t>vulnerable</a:t>
-            </a:r>
-            <a:r>
-              <a:rPr lang="fr-FR" sz="1500" b="1" dirty="0" smtClean="0">
-                <a:solidFill>
-                  <a:schemeClr val="accent4">
-                    <a:lumMod val="50000"/>
-                  </a:schemeClr>
-                </a:solidFill>
-              </a:rPr>
-              <a:t> </a:t>
-            </a:r>
-            <a:r>
-              <a:rPr lang="fr-FR" sz="1500" b="1" dirty="0" err="1" smtClean="0">
-                <a:solidFill>
-                  <a:schemeClr val="accent4">
-                    <a:lumMod val="50000"/>
-                  </a:schemeClr>
-                </a:solidFill>
-              </a:rPr>
-              <a:t>Devices</a:t>
-            </a:r>
-            <a:endParaRPr lang="fr-FR" sz="1500" b="1" dirty="0">
-              <a:solidFill>
-                <a:schemeClr val="accent4">
-                  <a:lumMod val="50000"/>
-                </a:schemeClr>
-              </a:solidFill>
-            </a:endParaRPr>
-          </a:p>
-        </p:txBody>
-      </p:sp>
-      <p:sp>
-        <p:nvSpPr>
-          <p:cNvPr id="25" name="ZoneTexte 24"/>
-          <p:cNvSpPr txBox="1"/>
-          <p:nvPr userDrawn="1"/>
-        </p:nvSpPr>
-        <p:spPr>
-          <a:xfrm>
-            <a:off x="3635895" y="657412"/>
-            <a:ext cx="2828367" cy="323165"/>
-          </a:xfrm>
-          <a:prstGeom prst="rect">
-            <a:avLst/>
-          </a:prstGeom>
-          <a:noFill/>
-        </p:spPr>
-        <p:txBody>
-          <a:bodyPr wrap="square" rtlCol="0">
-            <a:spAutoFit/>
-          </a:bodyPr>
-          <a:lstStyle/>
-          <a:p>
-            <a:r>
-              <a:rPr lang="fr-FR" sz="1500" b="1" dirty="0" smtClean="0">
-                <a:solidFill>
-                  <a:schemeClr val="accent4">
-                    <a:lumMod val="50000"/>
-                  </a:schemeClr>
-                </a:solidFill>
-              </a:rPr>
-              <a:t>Security Phase </a:t>
-            </a:r>
-            <a:r>
-              <a:rPr lang="fr-FR" sz="1500" b="1" dirty="0" err="1" smtClean="0">
-                <a:solidFill>
-                  <a:schemeClr val="accent4">
-                    <a:lumMod val="50000"/>
-                  </a:schemeClr>
-                </a:solidFill>
-              </a:rPr>
-              <a:t>Overview</a:t>
-            </a:r>
-            <a:endParaRPr lang="fr-FR" sz="1500" b="1" dirty="0">
-              <a:solidFill>
-                <a:schemeClr val="accent4">
-                  <a:lumMod val="50000"/>
-                </a:schemeClr>
-              </a:solidFill>
-            </a:endParaRPr>
-          </a:p>
-        </p:txBody>
-      </p:sp>
-      <p:sp>
-        <p:nvSpPr>
-          <p:cNvPr id="26" name="Rectangle 25"/>
-          <p:cNvSpPr/>
-          <p:nvPr userDrawn="1"/>
-        </p:nvSpPr>
-        <p:spPr>
-          <a:xfrm>
-            <a:off x="249238" y="2000304"/>
-            <a:ext cx="1299600" cy="1080000"/>
-          </a:xfrm>
-          <a:prstGeom prst="rect">
-            <a:avLst/>
-          </a:prstGeom>
-          <a:solidFill>
-            <a:srgbClr val="0070C0"/>
-          </a:solidFill>
-          <a:ln>
-            <a:solidFill>
-              <a:srgbClr val="00B0F0"/>
-            </a:solidFill>
-          </a:ln>
-        </p:spPr>
-        <p:style>
-          <a:lnRef idx="2">
-            <a:schemeClr val="accent1">
-              <a:shade val="50000"/>
-            </a:schemeClr>
-          </a:lnRef>
-          <a:fillRef idx="1">
-            <a:schemeClr val="accent1"/>
-          </a:fillRef>
-          <a:effectRef idx="0">
-            <a:schemeClr val="accent1"/>
-          </a:effectRef>
-          <a:fontRef idx="minor">
-            <a:schemeClr val="lt1"/>
-          </a:fontRef>
-        </p:style>
-        <p:txBody>
-          <a:bodyPr rtlCol="0" anchor="ctr"/>
-          <a:lstStyle/>
-          <a:p>
-            <a:pPr algn="ctr"/>
-            <a:endParaRPr lang="fr-FR"/>
-          </a:p>
-        </p:txBody>
-      </p:sp>
-      <p:sp>
-        <p:nvSpPr>
-          <p:cNvPr id="27" name="Rectangle 26"/>
-          <p:cNvSpPr/>
-          <p:nvPr userDrawn="1"/>
-        </p:nvSpPr>
-        <p:spPr>
-          <a:xfrm>
-            <a:off x="1768629" y="2000304"/>
-            <a:ext cx="1080000" cy="1080000"/>
-          </a:xfrm>
-          <a:prstGeom prst="rect">
-            <a:avLst/>
-          </a:prstGeom>
-          <a:solidFill>
-            <a:srgbClr val="0070C0"/>
-          </a:solidFill>
-          <a:ln>
-            <a:solidFill>
-              <a:srgbClr val="00B0F0"/>
-            </a:solidFill>
-          </a:ln>
-        </p:spPr>
-        <p:style>
-          <a:lnRef idx="2">
-            <a:schemeClr val="accent1">
-              <a:shade val="50000"/>
-            </a:schemeClr>
-          </a:lnRef>
-          <a:fillRef idx="1">
-            <a:schemeClr val="accent1"/>
-          </a:fillRef>
-          <a:effectRef idx="0">
-            <a:schemeClr val="accent1"/>
-          </a:effectRef>
-          <a:fontRef idx="minor">
-            <a:schemeClr val="lt1"/>
-          </a:fontRef>
-        </p:style>
-        <p:txBody>
-          <a:bodyPr rtlCol="0" anchor="ctr"/>
-          <a:lstStyle/>
-          <a:p>
-            <a:pPr algn="ctr"/>
-            <a:endParaRPr lang="fr-FR"/>
-          </a:p>
-        </p:txBody>
-      </p:sp>
-      <p:sp>
-        <p:nvSpPr>
-          <p:cNvPr id="28" name="ZoneTexte 27"/>
-          <p:cNvSpPr txBox="1"/>
-          <p:nvPr userDrawn="1"/>
-        </p:nvSpPr>
-        <p:spPr>
-          <a:xfrm>
-            <a:off x="235793" y="2000304"/>
-            <a:ext cx="1349274" cy="307777"/>
-          </a:xfrm>
-          <a:prstGeom prst="rect">
-            <a:avLst/>
-          </a:prstGeom>
-          <a:noFill/>
-        </p:spPr>
-        <p:txBody>
-          <a:bodyPr wrap="square" rtlCol="0">
-            <a:spAutoFit/>
-          </a:bodyPr>
-          <a:lstStyle/>
-          <a:p>
-            <a:r>
-              <a:rPr lang="fr-FR" sz="1400" b="1" dirty="0" smtClean="0">
-                <a:solidFill>
-                  <a:schemeClr val="bg1"/>
-                </a:solidFill>
-              </a:rPr>
-              <a:t>Medium</a:t>
-            </a:r>
-            <a:r>
-              <a:rPr lang="fr-FR" sz="1300" b="1" baseline="0" dirty="0" smtClean="0">
-                <a:solidFill>
-                  <a:schemeClr val="bg1"/>
-                </a:solidFill>
-              </a:rPr>
-              <a:t> </a:t>
-            </a:r>
-            <a:r>
-              <a:rPr lang="fr-FR" sz="1300" b="1" dirty="0" err="1" smtClean="0">
-                <a:solidFill>
-                  <a:schemeClr val="bg1"/>
-                </a:solidFill>
-              </a:rPr>
-              <a:t>Risks</a:t>
-            </a:r>
-            <a:endParaRPr lang="fr-FR" sz="1300" b="1" dirty="0">
-              <a:solidFill>
-                <a:schemeClr val="bg1"/>
-              </a:solidFill>
-            </a:endParaRPr>
-          </a:p>
-        </p:txBody>
-      </p:sp>
-      <p:sp>
-        <p:nvSpPr>
-          <p:cNvPr id="29" name="ZoneTexte 28"/>
-          <p:cNvSpPr txBox="1"/>
-          <p:nvPr userDrawn="1"/>
-        </p:nvSpPr>
-        <p:spPr>
-          <a:xfrm>
-            <a:off x="1805912" y="2016261"/>
-            <a:ext cx="979502" cy="261610"/>
-          </a:xfrm>
-          <a:prstGeom prst="rect">
-            <a:avLst/>
-          </a:prstGeom>
-          <a:noFill/>
-        </p:spPr>
-        <p:txBody>
-          <a:bodyPr wrap="square" rtlCol="0">
-            <a:spAutoFit/>
-          </a:bodyPr>
-          <a:lstStyle/>
-          <a:p>
-            <a:r>
-              <a:rPr lang="fr-FR" sz="1100" b="1" dirty="0" smtClean="0">
-                <a:solidFill>
-                  <a:schemeClr val="bg1"/>
-                </a:solidFill>
-              </a:rPr>
-              <a:t>Last </a:t>
-            </a:r>
-            <a:r>
-              <a:rPr lang="fr-FR" sz="1100" b="1" dirty="0" err="1" smtClean="0">
-                <a:solidFill>
-                  <a:schemeClr val="bg1"/>
-                </a:solidFill>
-              </a:rPr>
-              <a:t>month</a:t>
-            </a:r>
-            <a:endParaRPr lang="fr-FR" sz="1100" b="1" dirty="0">
-              <a:solidFill>
-                <a:schemeClr val="bg1"/>
-              </a:solidFill>
-            </a:endParaRPr>
-          </a:p>
-        </p:txBody>
-      </p:sp>
-      <p:sp>
-        <p:nvSpPr>
-          <p:cNvPr id="32" name="ZoneTexte 31"/>
-          <p:cNvSpPr txBox="1"/>
-          <p:nvPr userDrawn="1"/>
-        </p:nvSpPr>
-        <p:spPr>
-          <a:xfrm>
-            <a:off x="1805912" y="688190"/>
-            <a:ext cx="979502" cy="261610"/>
-          </a:xfrm>
-          <a:prstGeom prst="rect">
-            <a:avLst/>
-          </a:prstGeom>
-          <a:noFill/>
-        </p:spPr>
-        <p:txBody>
-          <a:bodyPr wrap="square" rtlCol="0">
-            <a:spAutoFit/>
-          </a:bodyPr>
-          <a:lstStyle/>
-          <a:p>
-            <a:r>
-              <a:rPr lang="fr-FR" sz="1100" b="1" dirty="0" smtClean="0">
-                <a:solidFill>
-                  <a:schemeClr val="bg1"/>
-                </a:solidFill>
-              </a:rPr>
-              <a:t>Last </a:t>
-            </a:r>
-            <a:r>
-              <a:rPr lang="fr-FR" sz="1100" b="1" dirty="0" err="1" smtClean="0">
-                <a:solidFill>
-                  <a:schemeClr val="bg1"/>
-                </a:solidFill>
-              </a:rPr>
-              <a:t>month</a:t>
-            </a:r>
-            <a:endParaRPr lang="fr-FR" sz="1100" b="1" dirty="0">
-              <a:solidFill>
-                <a:schemeClr val="bg1"/>
-              </a:solidFill>
-            </a:endParaRPr>
-          </a:p>
-        </p:txBody>
-      </p:sp>
-      <p:sp>
-        <p:nvSpPr>
-          <p:cNvPr id="33" name="ZoneTexte 32"/>
-          <p:cNvSpPr txBox="1"/>
-          <p:nvPr userDrawn="1"/>
-        </p:nvSpPr>
-        <p:spPr>
-          <a:xfrm>
-            <a:off x="1805912" y="3398888"/>
-            <a:ext cx="979502" cy="261610"/>
-          </a:xfrm>
-          <a:prstGeom prst="rect">
-            <a:avLst/>
-          </a:prstGeom>
-          <a:noFill/>
-        </p:spPr>
-        <p:txBody>
-          <a:bodyPr wrap="square" rtlCol="0">
-            <a:spAutoFit/>
-          </a:bodyPr>
-          <a:lstStyle/>
-          <a:p>
-            <a:r>
-              <a:rPr lang="fr-FR" sz="1100" b="1" dirty="0" smtClean="0">
-                <a:solidFill>
-                  <a:schemeClr val="bg1"/>
-                </a:solidFill>
-              </a:rPr>
-              <a:t>Last </a:t>
-            </a:r>
-            <a:r>
-              <a:rPr lang="fr-FR" sz="1100" b="1" dirty="0" err="1" smtClean="0">
-                <a:solidFill>
-                  <a:schemeClr val="bg1"/>
-                </a:solidFill>
-              </a:rPr>
-              <a:t>month</a:t>
-            </a:r>
-            <a:endParaRPr lang="fr-FR" sz="1100" b="1" dirty="0">
-              <a:solidFill>
-                <a:schemeClr val="bg1"/>
-              </a:solidFill>
-            </a:endParaRPr>
-          </a:p>
-        </p:txBody>
-      </p:sp>
-      <p:sp>
-        <p:nvSpPr>
-          <p:cNvPr id="3" name="Espace réservé du contenu 2"/>
-          <p:cNvSpPr>
-            <a:spLocks noGrp="1"/>
-          </p:cNvSpPr>
-          <p:nvPr>
-            <p:ph sz="quarter" idx="18" hasCustomPrompt="1"/>
-          </p:nvPr>
-        </p:nvSpPr>
-        <p:spPr>
-          <a:xfrm>
-            <a:off x="395969" y="2477088"/>
-            <a:ext cx="648000" cy="464400"/>
-          </a:xfrm>
-        </p:spPr>
-        <p:txBody>
-          <a:bodyPr anchor="ctr">
-            <a:noAutofit/>
-          </a:bodyPr>
-          <a:lstStyle>
-            <a:lvl1pPr marL="0" indent="0" algn="ctr">
-              <a:buNone/>
-              <a:defRPr sz="3600" b="1">
-                <a:solidFill>
-                  <a:schemeClr val="bg1"/>
-                </a:solidFill>
-              </a:defRPr>
-            </a:lvl1pPr>
-          </a:lstStyle>
-          <a:p>
-            <a:pPr lvl="0"/>
-            <a:r>
-              <a:rPr lang="fr-FR" dirty="0" smtClean="0"/>
-              <a:t>#</a:t>
-            </a:r>
-            <a:endParaRPr lang="fr-FR" dirty="0"/>
-          </a:p>
-        </p:txBody>
-      </p:sp>
-      <p:sp>
-        <p:nvSpPr>
-          <p:cNvPr id="40" name="Espace réservé du texte 5"/>
-          <p:cNvSpPr>
-            <a:spLocks noGrp="1"/>
-          </p:cNvSpPr>
-          <p:nvPr>
-            <p:ph type="body" sz="quarter" idx="19" hasCustomPrompt="1"/>
-          </p:nvPr>
-        </p:nvSpPr>
-        <p:spPr>
-          <a:xfrm>
-            <a:off x="1980084" y="2491299"/>
-            <a:ext cx="647700" cy="463648"/>
-          </a:xfrm>
-        </p:spPr>
-        <p:txBody>
-          <a:bodyPr anchor="ctr">
-            <a:normAutofit/>
-          </a:bodyPr>
-          <a:lstStyle>
-            <a:lvl1pPr marL="0" indent="0" algn="ctr">
-              <a:buNone/>
-              <a:defRPr sz="3200" b="1">
-                <a:solidFill>
-                  <a:schemeClr val="bg1"/>
-                </a:solidFill>
-              </a:defRPr>
-            </a:lvl1pPr>
-          </a:lstStyle>
-          <a:p>
-            <a:pPr lvl="0"/>
-            <a:r>
-              <a:rPr lang="fr-FR" dirty="0" smtClean="0"/>
-              <a:t>#</a:t>
-            </a:r>
-            <a:endParaRPr lang="fr-FR" dirty="0"/>
-          </a:p>
-        </p:txBody>
-      </p:sp>
-    </p:spTree>
-    <p:extLst/>
-  </p:cSld>
-  <p:clrMapOvr>
-    <a:masterClrMapping/>
-  </p:clrMapOvr>
-</p:sldLayout>
-</file>
-
-<file path=ppt/slideLayouts/slideLayout20.xml><?xml version="1.0" encoding="utf-8"?>
+<file path=ppt/slideLayouts/slideLayout21.xml><?xml version="1.0" encoding="utf-8"?>
 <p:sldLayout xmlns:a="http://schemas.openxmlformats.org/drawingml/2006/main" xmlns:r="http://schemas.openxmlformats.org/officeDocument/2006/relationships" xmlns:p="http://schemas.openxmlformats.org/presentationml/2006/main" preserve="1" userDrawn="1">
   <p:cSld name="image pleine page">
     <p:spTree>
@@ -7487,7 +7670,7 @@
 </p:sldLayout>
 </file>
 
-<file path=ppt/slideLayouts/slideLayout21.xml><?xml version="1.0" encoding="utf-8"?>
+<file path=ppt/slideLayouts/slideLayout22.xml><?xml version="1.0" encoding="utf-8"?>
 <p:sldLayout xmlns:a="http://schemas.openxmlformats.org/drawingml/2006/main" xmlns:r="http://schemas.openxmlformats.org/officeDocument/2006/relationships" xmlns:p="http://schemas.openxmlformats.org/presentationml/2006/main" preserve="1" userDrawn="1">
   <p:cSld name="diagramme">
     <p:spTree>
@@ -7640,7 +7823,7 @@
 </p:sldLayout>
 </file>
 
-<file path=ppt/slideLayouts/slideLayout22.xml><?xml version="1.0" encoding="utf-8"?>
+<file path=ppt/slideLayouts/slideLayout23.xml><?xml version="1.0" encoding="utf-8"?>
 <p:sldLayout xmlns:a="http://schemas.openxmlformats.org/drawingml/2006/main" xmlns:r="http://schemas.openxmlformats.org/officeDocument/2006/relationships" xmlns:p="http://schemas.openxmlformats.org/presentationml/2006/main" preserve="1" userDrawn="1">
   <p:cSld name="résumé">
     <p:spTree>
@@ -7761,7 +7944,7 @@
 </p:sldLayout>
 </file>
 
-<file path=ppt/slideLayouts/slideLayout23.xml><?xml version="1.0" encoding="utf-8"?>
+<file path=ppt/slideLayouts/slideLayout24.xml><?xml version="1.0" encoding="utf-8"?>
 <p:sldLayout xmlns:a="http://schemas.openxmlformats.org/drawingml/2006/main" xmlns:r="http://schemas.openxmlformats.org/officeDocument/2006/relationships" xmlns:p="http://schemas.openxmlformats.org/presentationml/2006/main" preserve="1" userDrawn="1">
   <p:cSld name="merci">
     <p:spTree>
@@ -7874,7 +8057,132 @@
 </file>
 
 <file path=ppt/slideLayouts/slideLayout3.xml><?xml version="1.0" encoding="utf-8"?>
-<p:sldLayout xmlns:a="http://schemas.openxmlformats.org/drawingml/2006/main" xmlns:r="http://schemas.openxmlformats.org/officeDocument/2006/relationships" xmlns:p="http://schemas.openxmlformats.org/presentationml/2006/main" preserve="1" userDrawn="1">
+<p:sldLayout xmlns:a="http://schemas.openxmlformats.org/drawingml/2006/main" xmlns:r="http://schemas.openxmlformats.org/officeDocument/2006/relationships" xmlns:p="http://schemas.openxmlformats.org/presentationml/2006/main" showMasterSp="0" preserve="1" userDrawn="1">
+  <p:cSld name="4_Disposition personnalisée">
+    <p:spTree>
+      <p:nvGrpSpPr>
+        <p:cNvPr id="1" name=""/>
+        <p:cNvGrpSpPr/>
+        <p:nvPr/>
+      </p:nvGrpSpPr>
+      <p:grpSpPr>
+        <a:xfrm>
+          <a:off x="0" y="0"/>
+          <a:ext cx="0" cy="0"/>
+          <a:chOff x="0" y="0"/>
+          <a:chExt cx="0" cy="0"/>
+        </a:xfrm>
+      </p:grpSpPr>
+      <p:sp>
+        <p:nvSpPr>
+          <p:cNvPr id="3" name="ZoneTexte 2"/>
+          <p:cNvSpPr txBox="1"/>
+          <p:nvPr userDrawn="1"/>
+        </p:nvSpPr>
+        <p:spPr>
+          <a:xfrm>
+            <a:off x="235793" y="32008"/>
+            <a:ext cx="2608015" cy="369332"/>
+          </a:xfrm>
+          <a:prstGeom prst="rect">
+            <a:avLst/>
+          </a:prstGeom>
+          <a:noFill/>
+        </p:spPr>
+        <p:txBody>
+          <a:bodyPr wrap="square" rtlCol="0">
+            <a:spAutoFit/>
+          </a:bodyPr>
+          <a:lstStyle/>
+          <a:p>
+            <a:r>
+              <a:rPr lang="fr-FR" b="1" dirty="0" err="1" smtClean="0">
+                <a:solidFill>
+                  <a:schemeClr val="accent4">
+                    <a:lumMod val="50000"/>
+                  </a:schemeClr>
+                </a:solidFill>
+              </a:rPr>
+              <a:t>Efficiency</a:t>
+            </a:r>
+            <a:endParaRPr lang="fr-FR" b="1" dirty="0">
+              <a:solidFill>
+                <a:schemeClr val="accent4">
+                  <a:lumMod val="50000"/>
+                </a:schemeClr>
+              </a:solidFill>
+            </a:endParaRPr>
+          </a:p>
+        </p:txBody>
+      </p:sp>
+      <p:sp>
+        <p:nvSpPr>
+          <p:cNvPr id="4" name="ZoneTexte 3"/>
+          <p:cNvSpPr txBox="1"/>
+          <p:nvPr userDrawn="1"/>
+        </p:nvSpPr>
+        <p:spPr>
+          <a:xfrm>
+            <a:off x="107504" y="6505599"/>
+            <a:ext cx="2755947" cy="307777"/>
+          </a:xfrm>
+          <a:prstGeom prst="rect">
+            <a:avLst/>
+          </a:prstGeom>
+          <a:noFill/>
+        </p:spPr>
+        <p:txBody>
+          <a:bodyPr wrap="none" rtlCol="0">
+            <a:spAutoFit/>
+          </a:bodyPr>
+          <a:lstStyle/>
+          <a:p>
+            <a:r>
+              <a:rPr lang="fr-FR" sz="1400" i="1" dirty="0" smtClean="0">
+                <a:solidFill>
+                  <a:schemeClr val="tx1">
+                    <a:lumMod val="85000"/>
+                    <a:lumOff val="15000"/>
+                  </a:schemeClr>
+                </a:solidFill>
+                <a:latin typeface="Calibri" panose="020F0502020204030204" pitchFamily="34" charset="0"/>
+              </a:rPr>
+              <a:t>Rémi Lavedrine – Security Manager</a:t>
+            </a:r>
+            <a:endParaRPr lang="fr-FR" sz="1400" i="1" dirty="0">
+              <a:solidFill>
+                <a:schemeClr val="tx1">
+                  <a:lumMod val="85000"/>
+                  <a:lumOff val="15000"/>
+                </a:schemeClr>
+              </a:solidFill>
+              <a:latin typeface="Calibri" panose="020F0502020204030204" pitchFamily="34" charset="0"/>
+            </a:endParaRPr>
+          </a:p>
+        </p:txBody>
+      </p:sp>
+    </p:spTree>
+    <p:extLst>
+      <p:ext uri="{BB962C8B-B14F-4D97-AF65-F5344CB8AC3E}">
+        <p14:creationId xmlns:p14="http://schemas.microsoft.com/office/powerpoint/2010/main" val="1877164906"/>
+      </p:ext>
+    </p:extLst>
+  </p:cSld>
+  <p:clrMapOvr>
+    <a:masterClrMapping/>
+  </p:clrMapOvr>
+  <p:timing>
+    <p:tnLst>
+      <p:par>
+        <p:cTn id="1" dur="indefinite" restart="never" nodeType="tmRoot"/>
+      </p:par>
+    </p:tnLst>
+  </p:timing>
+</p:sldLayout>
+</file>
+
+<file path=ppt/slideLayouts/slideLayout4.xml><?xml version="1.0" encoding="utf-8"?>
+<p:sldLayout xmlns:a="http://schemas.openxmlformats.org/drawingml/2006/main" xmlns:r="http://schemas.openxmlformats.org/officeDocument/2006/relationships" xmlns:p="http://schemas.openxmlformats.org/presentationml/2006/main" showMasterSp="0" preserve="1" userDrawn="1">
   <p:cSld name="2_Disposition personnalisée">
     <p:spTree>
       <p:nvGrpSpPr>
@@ -7980,7 +8288,7 @@
             <a:pPr lvl="0"/>
             <a:r>
               <a:rPr lang="fr-FR" smtClean="0"/>
-              <a:t>Cliquez pour modifier les styles du texte du masque</a:t>
+              <a:t>Modifiez les styles du texte du masque</a:t>
             </a:r>
           </a:p>
         </p:txBody>
@@ -8013,7 +8321,7 @@
             <a:pPr lvl="0"/>
             <a:r>
               <a:rPr lang="fr-FR" smtClean="0"/>
-              <a:t>Cliquez pour modifier les styles du texte du masque</a:t>
+              <a:t>Modifiez les styles du texte du masque</a:t>
             </a:r>
           </a:p>
         </p:txBody>
@@ -8090,7 +8398,7 @@
             <a:pPr lvl="0"/>
             <a:r>
               <a:rPr lang="fr-FR" smtClean="0"/>
-              <a:t>Cliquez pour modifier les styles du texte du masque</a:t>
+              <a:t>Modifiez les styles du texte du masque</a:t>
             </a:r>
           </a:p>
         </p:txBody>
@@ -8183,6 +8491,52 @@
                   <a:lumMod val="50000"/>
                 </a:schemeClr>
               </a:solidFill>
+            </a:endParaRPr>
+          </a:p>
+        </p:txBody>
+      </p:sp>
+      <p:sp>
+        <p:nvSpPr>
+          <p:cNvPr id="11" name="ZoneTexte 10"/>
+          <p:cNvSpPr txBox="1"/>
+          <p:nvPr userDrawn="1"/>
+        </p:nvSpPr>
+        <p:spPr>
+          <a:xfrm>
+            <a:off x="107504" y="6505599"/>
+            <a:ext cx="2755947" cy="307777"/>
+          </a:xfrm>
+          <a:prstGeom prst="rect">
+            <a:avLst/>
+          </a:prstGeom>
+          <a:noFill/>
+        </p:spPr>
+        <p:txBody>
+          <a:bodyPr wrap="none" rtlCol="0">
+            <a:spAutoFit/>
+          </a:bodyPr>
+          <a:lstStyle/>
+          <a:p>
+            <a:r>
+              <a:rPr lang="fr-FR" sz="1400" i="1" dirty="0" smtClean="0">
+                <a:solidFill>
+                  <a:schemeClr val="tx1">
+                    <a:lumMod val="85000"/>
+                    <a:lumOff val="15000"/>
+                  </a:schemeClr>
+                </a:solidFill>
+                <a:latin typeface="Calibri" panose="020F0502020204030204" pitchFamily="34" charset="0"/>
+              </a:rPr>
+              <a:t>Rémi Lavedrine – Security Manager</a:t>
+            </a:r>
+            <a:endParaRPr lang="fr-FR" sz="1400" i="1" dirty="0">
+              <a:solidFill>
+                <a:schemeClr val="tx1">
+                  <a:lumMod val="85000"/>
+                  <a:lumOff val="15000"/>
+                </a:schemeClr>
+              </a:solidFill>
+              <a:latin typeface="Calibri" panose="020F0502020204030204" pitchFamily="34" charset="0"/>
             </a:endParaRPr>
           </a:p>
         </p:txBody>
@@ -8197,10 +8551,17 @@
   <p:clrMapOvr>
     <a:masterClrMapping/>
   </p:clrMapOvr>
+  <p:timing>
+    <p:tnLst>
+      <p:par>
+        <p:cTn id="1" dur="indefinite" restart="never" nodeType="tmRoot"/>
+      </p:par>
+    </p:tnLst>
+  </p:timing>
 </p:sldLayout>
 </file>
 
-<file path=ppt/slideLayouts/slideLayout4.xml><?xml version="1.0" encoding="utf-8"?>
+<file path=ppt/slideLayouts/slideLayout5.xml><?xml version="1.0" encoding="utf-8"?>
 <p:sldLayout xmlns:a="http://schemas.openxmlformats.org/drawingml/2006/main" xmlns:r="http://schemas.openxmlformats.org/officeDocument/2006/relationships" xmlns:p="http://schemas.openxmlformats.org/presentationml/2006/main" preserve="1" userDrawn="1">
   <p:cSld name="titre de la présentation">
     <p:spTree>
@@ -8477,7 +8838,7 @@
 </p:sldLayout>
 </file>
 
-<file path=ppt/slideLayouts/slideLayout5.xml><?xml version="1.0" encoding="utf-8"?>
+<file path=ppt/slideLayouts/slideLayout6.xml><?xml version="1.0" encoding="utf-8"?>
 <p:sldLayout xmlns:a="http://schemas.openxmlformats.org/drawingml/2006/main" xmlns:r="http://schemas.openxmlformats.org/officeDocument/2006/relationships" xmlns:p="http://schemas.openxmlformats.org/presentationml/2006/main" preserve="1" userDrawn="1">
   <p:cSld name="sommaire">
     <p:spTree>
@@ -9416,7 +9777,7 @@
 </p:sldLayout>
 </file>
 
-<file path=ppt/slideLayouts/slideLayout6.xml><?xml version="1.0" encoding="utf-8"?>
+<file path=ppt/slideLayouts/slideLayout7.xml><?xml version="1.0" encoding="utf-8"?>
 <p:sldLayout xmlns:a="http://schemas.openxmlformats.org/drawingml/2006/main" xmlns:r="http://schemas.openxmlformats.org/officeDocument/2006/relationships" xmlns:p="http://schemas.openxmlformats.org/presentationml/2006/main" preserve="1" userDrawn="1">
   <p:cSld name="puces simples">
     <p:spTree>
@@ -9543,7 +9904,7 @@
 </p:sldLayout>
 </file>
 
-<file path=ppt/slideLayouts/slideLayout7.xml><?xml version="1.0" encoding="utf-8"?>
+<file path=ppt/slideLayouts/slideLayout8.xml><?xml version="1.0" encoding="utf-8"?>
 <p:sldLayout xmlns:a="http://schemas.openxmlformats.org/drawingml/2006/main" xmlns:r="http://schemas.openxmlformats.org/officeDocument/2006/relationships" xmlns:p="http://schemas.openxmlformats.org/presentationml/2006/main" preserve="1" userDrawn="1">
   <p:cSld name="plusieurs niveaux hiérarchiques">
     <p:spTree>
@@ -9703,7 +10064,7 @@
 </p:sldLayout>
 </file>
 
-<file path=ppt/slideLayouts/slideLayout8.xml><?xml version="1.0" encoding="utf-8"?>
+<file path=ppt/slideLayouts/slideLayout9.xml><?xml version="1.0" encoding="utf-8"?>
 <p:sldLayout xmlns:a="http://schemas.openxmlformats.org/drawingml/2006/main" xmlns:r="http://schemas.openxmlformats.org/officeDocument/2006/relationships" xmlns:p="http://schemas.openxmlformats.org/presentationml/2006/main" preserve="1" userDrawn="1">
   <p:cSld name="paragraphes">
     <p:spTree>
@@ -9822,75 +10183,6 @@
     <p:extLst>
       <p:ext uri="{BB962C8B-B14F-4D97-AF65-F5344CB8AC3E}">
         <p14:creationId xmlns:p14="http://schemas.microsoft.com/office/powerpoint/2010/main" val="3466785450"/>
-      </p:ext>
-    </p:extLst>
-  </p:cSld>
-  <p:clrMapOvr>
-    <a:masterClrMapping/>
-  </p:clrMapOvr>
-  <p:timing>
-    <p:tnLst>
-      <p:par>
-        <p:cTn id="1" dur="indefinite" restart="never" nodeType="tmRoot"/>
-      </p:par>
-    </p:tnLst>
-  </p:timing>
-</p:sldLayout>
-</file>
-
-<file path=ppt/slideLayouts/slideLayout9.xml><?xml version="1.0" encoding="utf-8"?>
-<p:sldLayout xmlns:a="http://schemas.openxmlformats.org/drawingml/2006/main" xmlns:r="http://schemas.openxmlformats.org/officeDocument/2006/relationships" xmlns:p="http://schemas.openxmlformats.org/presentationml/2006/main" preserve="1" userDrawn="1">
-  <p:cSld name="titre seul">
-    <p:spTree>
-      <p:nvGrpSpPr>
-        <p:cNvPr id="1" name=""/>
-        <p:cNvGrpSpPr/>
-        <p:nvPr/>
-      </p:nvGrpSpPr>
-      <p:grpSpPr>
-        <a:xfrm>
-          <a:off x="0" y="0"/>
-          <a:ext cx="0" cy="0"/>
-          <a:chOff x="0" y="0"/>
-          <a:chExt cx="0" cy="0"/>
-        </a:xfrm>
-      </p:grpSpPr>
-      <p:sp>
-        <p:nvSpPr>
-          <p:cNvPr id="2" name="Titre 1"/>
-          <p:cNvSpPr>
-            <a:spLocks noGrp="1"/>
-          </p:cNvSpPr>
-          <p:nvPr>
-            <p:ph type="title" hasCustomPrompt="1"/>
-          </p:nvPr>
-        </p:nvSpPr>
-        <p:spPr>
-          <a:xfrm>
-            <a:off x="1015200" y="404664"/>
-            <a:ext cx="7057405" cy="982800"/>
-          </a:xfrm>
-        </p:spPr>
-        <p:txBody>
-          <a:bodyPr/>
-          <a:lstStyle>
-            <a:lvl1pPr algn="l">
-              <a:defRPr/>
-            </a:lvl1pPr>
-          </a:lstStyle>
-          <a:p>
-            <a:r>
-              <a:rPr lang="fr-FR" dirty="0" smtClean="0"/>
-              <a:t>titre seul</a:t>
-            </a:r>
-            <a:endParaRPr lang="fr-FR" dirty="0"/>
-          </a:p>
-        </p:txBody>
-      </p:sp>
-    </p:spTree>
-    <p:extLst>
-      <p:ext uri="{BB962C8B-B14F-4D97-AF65-F5344CB8AC3E}">
-        <p14:creationId xmlns:p14="http://schemas.microsoft.com/office/powerpoint/2010/main" val="3082467275"/>
       </p:ext>
     </p:extLst>
   </p:cSld>
@@ -10234,27 +10526,28 @@
   <p:sldLayoutIdLst>
     <p:sldLayoutId id="2147483679" r:id="rId1"/>
     <p:sldLayoutId id="2147483681" r:id="rId2"/>
-    <p:sldLayoutId id="2147483680" r:id="rId3"/>
-    <p:sldLayoutId id="2147483649" r:id="rId4"/>
-    <p:sldLayoutId id="2147483660" r:id="rId5"/>
-    <p:sldLayoutId id="2147483661" r:id="rId6"/>
-    <p:sldLayoutId id="2147483662" r:id="rId7"/>
-    <p:sldLayoutId id="2147483663" r:id="rId8"/>
-    <p:sldLayoutId id="2147483664" r:id="rId9"/>
-    <p:sldLayoutId id="2147483665" r:id="rId10"/>
-    <p:sldLayoutId id="2147483666" r:id="rId11"/>
-    <p:sldLayoutId id="2147483667" r:id="rId12"/>
-    <p:sldLayoutId id="2147483668" r:id="rId13"/>
-    <p:sldLayoutId id="2147483669" r:id="rId14"/>
-    <p:sldLayoutId id="2147483671" r:id="rId15"/>
-    <p:sldLayoutId id="2147483672" r:id="rId16"/>
-    <p:sldLayoutId id="2147483670" r:id="rId17"/>
-    <p:sldLayoutId id="2147483673" r:id="rId18"/>
-    <p:sldLayoutId id="2147483675" r:id="rId19"/>
-    <p:sldLayoutId id="2147483674" r:id="rId20"/>
-    <p:sldLayoutId id="2147483676" r:id="rId21"/>
-    <p:sldLayoutId id="2147483677" r:id="rId22"/>
-    <p:sldLayoutId id="2147483678" r:id="rId23"/>
+    <p:sldLayoutId id="2147483682" r:id="rId3"/>
+    <p:sldLayoutId id="2147483680" r:id="rId4"/>
+    <p:sldLayoutId id="2147483649" r:id="rId5"/>
+    <p:sldLayoutId id="2147483660" r:id="rId6"/>
+    <p:sldLayoutId id="2147483661" r:id="rId7"/>
+    <p:sldLayoutId id="2147483662" r:id="rId8"/>
+    <p:sldLayoutId id="2147483663" r:id="rId9"/>
+    <p:sldLayoutId id="2147483664" r:id="rId10"/>
+    <p:sldLayoutId id="2147483665" r:id="rId11"/>
+    <p:sldLayoutId id="2147483666" r:id="rId12"/>
+    <p:sldLayoutId id="2147483667" r:id="rId13"/>
+    <p:sldLayoutId id="2147483668" r:id="rId14"/>
+    <p:sldLayoutId id="2147483669" r:id="rId15"/>
+    <p:sldLayoutId id="2147483671" r:id="rId16"/>
+    <p:sldLayoutId id="2147483672" r:id="rId17"/>
+    <p:sldLayoutId id="2147483670" r:id="rId18"/>
+    <p:sldLayoutId id="2147483673" r:id="rId19"/>
+    <p:sldLayoutId id="2147483675" r:id="rId20"/>
+    <p:sldLayoutId id="2147483674" r:id="rId21"/>
+    <p:sldLayoutId id="2147483676" r:id="rId22"/>
+    <p:sldLayoutId id="2147483677" r:id="rId23"/>
+    <p:sldLayoutId id="2147483678" r:id="rId24"/>
   </p:sldLayoutIdLst>
   <p:timing>
     <p:tnLst>
@@ -10549,12 +10842,7 @@
             <p:ph type="body" sz="quarter" idx="10"/>
           </p:nvPr>
         </p:nvSpPr>
-        <p:spPr>
-          <a:xfrm>
-            <a:off x="395968" y="1168692"/>
-            <a:ext cx="1007679" cy="463648"/>
-          </a:xfrm>
-        </p:spPr>
+        <p:spPr/>
         <p:txBody>
           <a:bodyPr/>
           <a:lstStyle/>
@@ -10573,12 +10861,7 @@
             <p:ph type="body" sz="quarter" idx="11"/>
           </p:nvPr>
         </p:nvSpPr>
-        <p:spPr>
-          <a:xfrm>
-            <a:off x="1907704" y="1165152"/>
-            <a:ext cx="720080" cy="463648"/>
-          </a:xfrm>
-        </p:spPr>
+        <p:spPr/>
         <p:txBody>
           <a:bodyPr>
             <a:normAutofit lnSpcReduction="10000"/>
@@ -10599,12 +10882,7 @@
             <p:ph type="body" sz="quarter" idx="12"/>
           </p:nvPr>
         </p:nvSpPr>
-        <p:spPr>
-          <a:xfrm>
-            <a:off x="409413" y="3832203"/>
-            <a:ext cx="994233" cy="455430"/>
-          </a:xfrm>
-        </p:spPr>
+        <p:spPr/>
         <p:txBody>
           <a:bodyPr/>
           <a:lstStyle/>
@@ -10623,12 +10901,7 @@
             <p:ph type="body" sz="quarter" idx="13"/>
           </p:nvPr>
         </p:nvSpPr>
-        <p:spPr>
-          <a:xfrm>
-            <a:off x="1907704" y="3846709"/>
-            <a:ext cx="805821" cy="455430"/>
-          </a:xfrm>
-        </p:spPr>
+        <p:spPr/>
         <p:txBody>
           <a:bodyPr>
             <a:normAutofit lnSpcReduction="10000"/>
@@ -10649,12 +10922,7 @@
             <p:ph type="body" sz="quarter" idx="14"/>
           </p:nvPr>
         </p:nvSpPr>
-        <p:spPr>
-          <a:xfrm>
-            <a:off x="409413" y="5691323"/>
-            <a:ext cx="778211" cy="503238"/>
-          </a:xfrm>
-        </p:spPr>
+        <p:spPr/>
         <p:txBody>
           <a:bodyPr/>
           <a:lstStyle/>
@@ -10673,12 +10941,7 @@
             <p:ph type="body" sz="quarter" idx="15"/>
           </p:nvPr>
         </p:nvSpPr>
-        <p:spPr>
-          <a:xfrm>
-            <a:off x="1691680" y="5689021"/>
-            <a:ext cx="792088" cy="503238"/>
-          </a:xfrm>
-        </p:spPr>
+        <p:spPr/>
         <p:txBody>
           <a:bodyPr/>
           <a:lstStyle/>
@@ -10697,12 +10960,7 @@
             <p:ph sz="quarter" idx="18"/>
           </p:nvPr>
         </p:nvSpPr>
-        <p:spPr>
-          <a:xfrm>
-            <a:off x="395969" y="2477088"/>
-            <a:ext cx="1007678" cy="464400"/>
-          </a:xfrm>
-        </p:spPr>
+        <p:spPr/>
         <p:txBody>
           <a:bodyPr/>
           <a:lstStyle/>
@@ -10721,12 +10979,7 @@
             <p:ph type="body" sz="quarter" idx="19"/>
           </p:nvPr>
         </p:nvSpPr>
-        <p:spPr>
-          <a:xfrm>
-            <a:off x="1907704" y="2491299"/>
-            <a:ext cx="720080" cy="463648"/>
-          </a:xfrm>
-        </p:spPr>
+        <p:spPr/>
         <p:txBody>
           <a:bodyPr>
             <a:normAutofit lnSpcReduction="10000"/>
@@ -10737,10 +10990,29 @@
           </a:p>
         </p:txBody>
       </p:sp>
+      <p:sp>
+        <p:nvSpPr>
+          <p:cNvPr id="10" name="Espace réservé du texte 9"/>
+          <p:cNvSpPr>
+            <a:spLocks noGrp="1"/>
+          </p:cNvSpPr>
+          <p:nvPr>
+            <p:ph type="body" sz="quarter" idx="20"/>
+          </p:nvPr>
+        </p:nvSpPr>
+        <p:spPr/>
+        <p:txBody>
+          <a:bodyPr/>
+          <a:lstStyle/>
+          <a:p>
+            <a:endParaRPr lang="fr-FR"/>
+          </a:p>
+        </p:txBody>
+      </p:sp>
     </p:spTree>
     <p:extLst>
       <p:ext uri="{BB962C8B-B14F-4D97-AF65-F5344CB8AC3E}">
-        <p14:creationId xmlns:p14="http://schemas.microsoft.com/office/powerpoint/2010/main" val="1116577025"/>
+        <p14:creationId xmlns:p14="http://schemas.microsoft.com/office/powerpoint/2010/main" val="1757503060"/>
       </p:ext>
     </p:extLst>
   </p:cSld>
@@ -10834,11 +11106,18 @@
   <p:clrMapOvr>
     <a:masterClrMapping/>
   </p:clrMapOvr>
+  <p:timing>
+    <p:tnLst>
+      <p:par>
+        <p:cTn id="1" dur="indefinite" restart="never" nodeType="tmRoot"/>
+      </p:par>
+    </p:tnLst>
+  </p:timing>
 </p:sld>
 </file>
 
 <file path=ppt/theme/theme1.xml><?xml version="1.0" encoding="utf-8"?>
-<a:theme xmlns:a="http://schemas.openxmlformats.org/drawingml/2006/main" name="blank">
+<a:theme xmlns:a="http://schemas.openxmlformats.org/drawingml/2006/main" name="SecurityReport">
   <a:themeElements>
     <a:clrScheme name="Orange 00">
       <a:dk1>
@@ -11061,7 +11340,7 @@
   <a:extraClrSchemeLst/>
   <a:extLst>
     <a:ext uri="{05A4C25C-085E-4340-85A3-A5531E510DB2}">
-      <thm15:themeFamily xmlns:thm15="http://schemas.microsoft.com/office/thememl/2012/main" name="Présentation4" id="{777F971E-405A-2D4B-B522-4D1E6BDAB4B6}" vid="{A469C8F1-1DA4-974E-9396-4B8754DC5AF5}"/>
+      <thm15:themeFamily xmlns="" xmlns:thm15="http://schemas.microsoft.com/office/thememl/2012/main" name="Présentation4" id="{777F971E-405A-2D4B-B522-4D1E6BDAB4B6}" vid="{A469C8F1-1DA4-974E-9396-4B8754DC5AF5}"/>
     </a:ext>
   </a:extLst>
 </a:theme>
@@ -11322,7 +11601,7 @@
   <a:extraClrSchemeLst/>
   <a:extLst>
     <a:ext uri="{05A4C25C-085E-4340-85A3-A5531E510DB2}">
-      <thm15:themeFamily xmlns:thm15="http://schemas.microsoft.com/office/thememl/2012/main" name="Office Theme" id="{62F939B6-93AF-4DB8-9C6B-D6C7DFDC589F}" vid="{4A3C46E8-61CC-4603-A589-7422A47A8E4A}"/>
+      <thm15:themeFamily xmlns="" xmlns:thm15="http://schemas.microsoft.com/office/thememl/2012/main" name="Office Theme" id="{62F939B6-93AF-4DB8-9C6B-D6C7DFDC589F}" vid="{4A3C46E8-61CC-4603-A589-7422A47A8E4A}"/>
     </a:ext>
   </a:extLst>
 </a:theme>

--- a/Templates/SecurityReport.pptx
+++ b/Templates/SecurityReport.pptx
@@ -5,11 +5,12 @@
     <p:sldMasterId id="2147483648" r:id="rId1"/>
   </p:sldMasterIdLst>
   <p:notesMasterIdLst>
-    <p:notesMasterId r:id="rId4"/>
+    <p:notesMasterId r:id="rId5"/>
   </p:notesMasterIdLst>
   <p:sldIdLst>
-    <p:sldId id="282" r:id="rId2"/>
-    <p:sldId id="281" r:id="rId3"/>
+    <p:sldId id="287" r:id="rId2"/>
+    <p:sldId id="285" r:id="rId3"/>
+    <p:sldId id="284" r:id="rId4"/>
   </p:sldIdLst>
   <p:sldSz cx="9144000" cy="6858000" type="screen4x3"/>
   <p:notesSz cx="6858000" cy="9144000"/>
@@ -112,12 +113,14 @@
     <p:ext uri="{521415D9-36F7-43E2-AB2F-B90AF26B5E84}">
       <p14:sectionLst xmlns:p14="http://schemas.microsoft.com/office/powerpoint/2010/main">
         <p14:section name="titre de la présentation" id="{1DDBAF10-673F-4E9B-83A6-01F051B89383}">
-          <p14:sldIdLst/>
+          <p14:sldIdLst>
+            <p14:sldId id="287"/>
+          </p14:sldIdLst>
         </p14:section>
         <p14:section name="contenu du diaporama" id="{7C415485-64F3-4240-AEC1-14455B505EAE}">
           <p14:sldIdLst>
-            <p14:sldId id="282"/>
-            <p14:sldId id="281"/>
+            <p14:sldId id="285"/>
+            <p14:sldId id="284"/>
           </p14:sldIdLst>
         </p14:section>
         <p14:section name="merci : dernière diapo" id="{FD249092-554B-47FC-BF3F-1E9DB05FF9BC}">
@@ -126,7 +129,7 @@
       </p14:sectionLst>
     </p:ext>
     <p:ext uri="{EFAFB233-063F-42B5-8137-9DF3F51BA10A}">
-      <p15:sldGuideLst xmlns="" xmlns:p15="http://schemas.microsoft.com/office/powerpoint/2012/main">
+      <p15:sldGuideLst xmlns:p15="http://schemas.microsoft.com/office/powerpoint/2012/main">
         <p15:guide id="1" orient="horz" pos="2160">
           <p15:clr>
             <a:srgbClr val="A4A3A4"/>
@@ -167,17 +170,17 @@
       </p:grpSpPr>
       <p:sp>
         <p:nvSpPr>
-          <p:cNvPr id="3" name="Espace réservé de la date 2"/>
-          <p:cNvSpPr>
-            <a:spLocks noGrp="1"/>
-          </p:cNvSpPr>
-          <p:nvPr>
-            <p:ph type="dt" idx="1"/>
-          </p:nvPr>
-        </p:nvSpPr>
-        <p:spPr>
-          <a:xfrm>
-            <a:off x="3884613" y="0"/>
+          <p:cNvPr id="2" name="Espace réservé de l’en-tête 1"/>
+          <p:cNvSpPr>
+            <a:spLocks noGrp="1"/>
+          </p:cNvSpPr>
+          <p:nvPr>
+            <p:ph type="hdr" sz="quarter"/>
+          </p:nvPr>
+        </p:nvSpPr>
+        <p:spPr>
+          <a:xfrm>
+            <a:off x="0" y="0"/>
             <a:ext cx="2971800" cy="458788"/>
           </a:xfrm>
           <a:prstGeom prst="rect">
@@ -187,33 +190,29 @@
         <p:txBody>
           <a:bodyPr vert="horz" lIns="91440" tIns="45720" rIns="91440" bIns="45720" rtlCol="0"/>
           <a:lstStyle>
-            <a:lvl1pPr algn="r">
+            <a:lvl1pPr algn="l">
               <a:defRPr sz="1200"/>
             </a:lvl1pPr>
           </a:lstStyle>
           <a:p>
-            <a:fld id="{1A3A36EA-A6A6-3241-96CC-76CD1AE24D79}" type="datetimeFigureOut">
-              <a:rPr lang="fr-FR" smtClean="0"/>
-              <a:t>30/10/2017</a:t>
-            </a:fld>
             <a:endParaRPr lang="fr-FR"/>
           </a:p>
         </p:txBody>
       </p:sp>
       <p:sp>
         <p:nvSpPr>
-          <p:cNvPr id="5" name="Espace réservé des commentaires 4"/>
-          <p:cNvSpPr>
-            <a:spLocks noGrp="1"/>
-          </p:cNvSpPr>
-          <p:nvPr>
-            <p:ph type="body" sz="quarter" idx="3"/>
-          </p:nvPr>
-        </p:nvSpPr>
-        <p:spPr>
-          <a:xfrm>
-            <a:off x="685800" y="4400550"/>
-            <a:ext cx="5486400" cy="3600450"/>
+          <p:cNvPr id="3" name="Espace réservé de la date 2"/>
+          <p:cNvSpPr>
+            <a:spLocks noGrp="1"/>
+          </p:cNvSpPr>
+          <p:nvPr>
+            <p:ph type="dt" idx="1"/>
+          </p:nvPr>
+        </p:nvSpPr>
+        <p:spPr>
+          <a:xfrm>
+            <a:off x="3884613" y="0"/>
+            <a:ext cx="2971800" cy="458788"/>
           </a:xfrm>
           <a:prstGeom prst="rect">
             <a:avLst/>
@@ -221,48 +220,23 @@
         </p:spPr>
         <p:txBody>
           <a:bodyPr vert="horz" lIns="91440" tIns="45720" rIns="91440" bIns="45720" rtlCol="0"/>
-          <a:lstStyle/>
-          <a:p>
-            <a:pPr lvl="0"/>
-            <a:r>
+          <a:lstStyle>
+            <a:lvl1pPr algn="r">
+              <a:defRPr sz="1200"/>
+            </a:lvl1pPr>
+          </a:lstStyle>
+          <a:p>
+            <a:fld id="{1A3A36EA-A6A6-3241-96CC-76CD1AE24D79}" type="datetimeFigureOut">
               <a:rPr lang="fr-FR" smtClean="0"/>
-              <a:t>Cliquez pour modifier les styles du texte du masque</a:t>
-            </a:r>
-          </a:p>
-          <a:p>
-            <a:pPr lvl="1"/>
-            <a:r>
-              <a:rPr lang="fr-FR" smtClean="0"/>
-              <a:t>Deuxième niveau</a:t>
-            </a:r>
-          </a:p>
-          <a:p>
-            <a:pPr lvl="2"/>
-            <a:r>
-              <a:rPr lang="fr-FR" smtClean="0"/>
-              <a:t>Troisième niveau</a:t>
-            </a:r>
-          </a:p>
-          <a:p>
-            <a:pPr lvl="3"/>
-            <a:r>
-              <a:rPr lang="fr-FR" smtClean="0"/>
-              <a:t>Quatrième niveau</a:t>
-            </a:r>
-          </a:p>
-          <a:p>
-            <a:pPr lvl="4"/>
-            <a:r>
-              <a:rPr lang="fr-FR" smtClean="0"/>
-              <a:t>Cinquième niveau</a:t>
-            </a:r>
+              <a:t>06/03/2018</a:t>
+            </a:fld>
             <a:endParaRPr lang="fr-FR"/>
           </a:p>
         </p:txBody>
       </p:sp>
       <p:sp>
         <p:nvSpPr>
-          <p:cNvPr id="8" name="Espace réservé de l'image des diapositives 7"/>
+          <p:cNvPr id="4" name="Espace réservé de l’image des diapositives 3"/>
           <p:cNvSpPr>
             <a:spLocks noGrp="1" noRot="1" noChangeAspect="1"/>
           </p:cNvSpPr>
@@ -272,8 +246,8 @@
         </p:nvSpPr>
         <p:spPr>
           <a:xfrm>
-            <a:off x="1143000" y="685800"/>
-            <a:ext cx="4572000" cy="3429000"/>
+            <a:off x="1371600" y="1143000"/>
+            <a:ext cx="4114800" cy="3086100"/>
           </a:xfrm>
           <a:prstGeom prst="rect">
             <a:avLst/>
@@ -289,6 +263,131 @@
           <a:bodyPr vert="horz" lIns="91440" tIns="45720" rIns="91440" bIns="45720" rtlCol="0" anchor="ctr"/>
           <a:lstStyle/>
           <a:p>
+            <a:endParaRPr lang="fr-FR"/>
+          </a:p>
+        </p:txBody>
+      </p:sp>
+      <p:sp>
+        <p:nvSpPr>
+          <p:cNvPr id="5" name="Espace réservé des commentaires 4"/>
+          <p:cNvSpPr>
+            <a:spLocks noGrp="1"/>
+          </p:cNvSpPr>
+          <p:nvPr>
+            <p:ph type="body" sz="quarter" idx="3"/>
+          </p:nvPr>
+        </p:nvSpPr>
+        <p:spPr>
+          <a:xfrm>
+            <a:off x="685800" y="4400550"/>
+            <a:ext cx="5486400" cy="3600450"/>
+          </a:xfrm>
+          <a:prstGeom prst="rect">
+            <a:avLst/>
+          </a:prstGeom>
+        </p:spPr>
+        <p:txBody>
+          <a:bodyPr vert="horz" lIns="91440" tIns="45720" rIns="91440" bIns="45720" rtlCol="0"/>
+          <a:lstStyle/>
+          <a:p>
+            <a:pPr lvl="0"/>
+            <a:r>
+              <a:rPr lang="fr-FR"/>
+              <a:t>Cliquez pour modifier les styles du texte du masque</a:t>
+            </a:r>
+          </a:p>
+          <a:p>
+            <a:pPr lvl="1"/>
+            <a:r>
+              <a:rPr lang="fr-FR"/>
+              <a:t>Deuxième niveau</a:t>
+            </a:r>
+          </a:p>
+          <a:p>
+            <a:pPr lvl="2"/>
+            <a:r>
+              <a:rPr lang="fr-FR"/>
+              <a:t>Troisième niveau</a:t>
+            </a:r>
+          </a:p>
+          <a:p>
+            <a:pPr lvl="3"/>
+            <a:r>
+              <a:rPr lang="fr-FR"/>
+              <a:t>Quatrième niveau</a:t>
+            </a:r>
+          </a:p>
+          <a:p>
+            <a:pPr lvl="4"/>
+            <a:r>
+              <a:rPr lang="fr-FR"/>
+              <a:t>Cinquième niveau</a:t>
+            </a:r>
+          </a:p>
+        </p:txBody>
+      </p:sp>
+      <p:sp>
+        <p:nvSpPr>
+          <p:cNvPr id="6" name="Espace réservé du pied de page 5"/>
+          <p:cNvSpPr>
+            <a:spLocks noGrp="1"/>
+          </p:cNvSpPr>
+          <p:nvPr>
+            <p:ph type="ftr" sz="quarter" idx="4"/>
+          </p:nvPr>
+        </p:nvSpPr>
+        <p:spPr>
+          <a:xfrm>
+            <a:off x="0" y="8685213"/>
+            <a:ext cx="2971800" cy="458787"/>
+          </a:xfrm>
+          <a:prstGeom prst="rect">
+            <a:avLst/>
+          </a:prstGeom>
+        </p:spPr>
+        <p:txBody>
+          <a:bodyPr vert="horz" lIns="91440" tIns="45720" rIns="91440" bIns="45720" rtlCol="0" anchor="b"/>
+          <a:lstStyle>
+            <a:lvl1pPr algn="l">
+              <a:defRPr sz="1200"/>
+            </a:lvl1pPr>
+          </a:lstStyle>
+          <a:p>
+            <a:endParaRPr lang="fr-FR"/>
+          </a:p>
+        </p:txBody>
+      </p:sp>
+      <p:sp>
+        <p:nvSpPr>
+          <p:cNvPr id="7" name="Espace réservé du numéro de diapositive 6"/>
+          <p:cNvSpPr>
+            <a:spLocks noGrp="1"/>
+          </p:cNvSpPr>
+          <p:nvPr>
+            <p:ph type="sldNum" sz="quarter" idx="5"/>
+          </p:nvPr>
+        </p:nvSpPr>
+        <p:spPr>
+          <a:xfrm>
+            <a:off x="3884613" y="8685213"/>
+            <a:ext cx="2971800" cy="458787"/>
+          </a:xfrm>
+          <a:prstGeom prst="rect">
+            <a:avLst/>
+          </a:prstGeom>
+        </p:spPr>
+        <p:txBody>
+          <a:bodyPr vert="horz" lIns="91440" tIns="45720" rIns="91440" bIns="45720" rtlCol="0" anchor="b"/>
+          <a:lstStyle>
+            <a:lvl1pPr algn="r">
+              <a:defRPr sz="1200"/>
+            </a:lvl1pPr>
+          </a:lstStyle>
+          <a:p>
+            <a:fld id="{A3EDC824-9D5D-764F-910D-D7AB1C093F9D}" type="slidenum">
+              <a:rPr lang="fr-FR" smtClean="0"/>
+              <a:t>‹N°›</a:t>
+            </a:fld>
             <a:endParaRPr lang="fr-FR"/>
           </a:p>
         </p:txBody>
@@ -1007,10 +1106,9 @@
           <a:p>
             <a:pPr lvl="0"/>
             <a:r>
-              <a:rPr lang="fr-FR" dirty="0" smtClean="0"/>
+              <a:rPr lang="fr-FR" dirty="0"/>
               <a:t>#</a:t>
             </a:r>
-            <a:endParaRPr lang="fr-FR" dirty="0"/>
           </a:p>
         </p:txBody>
       </p:sp>
@@ -1037,7 +1135,7 @@
           <a:lstStyle/>
           <a:p>
             <a:r>
-              <a:rPr lang="fr-FR" sz="1300" b="1" dirty="0" smtClean="0">
+              <a:rPr lang="fr-FR" sz="1300" b="1" dirty="0">
                 <a:solidFill>
                   <a:schemeClr val="bg1"/>
                 </a:solidFill>
@@ -1045,7 +1143,7 @@
               <a:t>High </a:t>
             </a:r>
             <a:r>
-              <a:rPr lang="fr-FR" sz="1300" b="1" dirty="0" err="1" smtClean="0">
+              <a:rPr lang="fr-FR" sz="1300" b="1" dirty="0" err="1">
                 <a:solidFill>
                   <a:schemeClr val="bg1"/>
                 </a:solidFill>
@@ -1083,7 +1181,7 @@
           <a:lstStyle/>
           <a:p>
             <a:r>
-              <a:rPr lang="fr-FR" sz="1100" b="1" dirty="0" smtClean="0">
+              <a:rPr lang="fr-FR" sz="1100" b="1" dirty="0">
                 <a:solidFill>
                   <a:schemeClr val="bg1"/>
                 </a:solidFill>
@@ -1091,30 +1189,22 @@
               <a:t>High </a:t>
             </a:r>
             <a:r>
-              <a:rPr lang="fr-FR" sz="1100" b="1" dirty="0" err="1" smtClean="0">
+              <a:rPr lang="fr-FR" sz="1100" b="1" dirty="0" err="1">
                 <a:solidFill>
                   <a:schemeClr val="bg1"/>
                 </a:solidFill>
               </a:rPr>
               <a:t>Risks</a:t>
             </a:r>
-            <a:r>
-              <a:rPr lang="fr-FR" sz="1100" b="1" dirty="0" smtClean="0">
-                <a:solidFill>
-                  <a:schemeClr val="bg1"/>
-                </a:solidFill>
-              </a:rPr>
-              <a:t/>
-            </a:r>
             <a:br>
-              <a:rPr lang="fr-FR" sz="1100" b="1" dirty="0" smtClean="0">
+              <a:rPr lang="fr-FR" sz="1100" b="1" dirty="0">
                 <a:solidFill>
                   <a:schemeClr val="bg1"/>
                 </a:solidFill>
               </a:rPr>
             </a:br>
             <a:r>
-              <a:rPr lang="fr-FR" sz="1100" b="1" dirty="0" err="1" smtClean="0">
+              <a:rPr lang="fr-FR" sz="1100" b="1" dirty="0" err="1">
                 <a:solidFill>
                   <a:schemeClr val="bg1"/>
                 </a:solidFill>
@@ -1162,10 +1252,9 @@
           <a:p>
             <a:pPr lvl="0"/>
             <a:r>
-              <a:rPr lang="fr-FR" dirty="0" smtClean="0"/>
+              <a:rPr lang="fr-FR" dirty="0"/>
               <a:t>#</a:t>
             </a:r>
-            <a:endParaRPr lang="fr-FR" dirty="0"/>
           </a:p>
         </p:txBody>
       </p:sp>
@@ -1192,7 +1281,7 @@
           <a:lstStyle/>
           <a:p>
             <a:r>
-              <a:rPr lang="fr-FR" sz="1300" b="1" dirty="0" smtClean="0">
+              <a:rPr lang="fr-FR" sz="1300" b="1" dirty="0">
                 <a:solidFill>
                   <a:schemeClr val="bg1"/>
                 </a:solidFill>
@@ -1200,7 +1289,7 @@
               <a:t>Light </a:t>
             </a:r>
             <a:r>
-              <a:rPr lang="fr-FR" sz="1300" b="1" dirty="0" err="1" smtClean="0">
+              <a:rPr lang="fr-FR" sz="1300" b="1" dirty="0" err="1">
                 <a:solidFill>
                   <a:schemeClr val="bg1"/>
                 </a:solidFill>
@@ -1238,7 +1327,7 @@
           <a:lstStyle/>
           <a:p>
             <a:r>
-              <a:rPr lang="fr-FR" sz="1100" b="1" dirty="0" smtClean="0">
+              <a:rPr lang="fr-FR" sz="1100" b="1" dirty="0">
                 <a:solidFill>
                   <a:schemeClr val="bg1"/>
                 </a:solidFill>
@@ -1246,30 +1335,22 @@
               <a:t>Light </a:t>
             </a:r>
             <a:r>
-              <a:rPr lang="fr-FR" sz="1100" b="1" dirty="0" err="1" smtClean="0">
+              <a:rPr lang="fr-FR" sz="1100" b="1" dirty="0" err="1">
                 <a:solidFill>
                   <a:schemeClr val="bg1"/>
                 </a:solidFill>
               </a:rPr>
               <a:t>Risks</a:t>
             </a:r>
-            <a:r>
-              <a:rPr lang="fr-FR" sz="1100" b="1" dirty="0" smtClean="0">
-                <a:solidFill>
-                  <a:schemeClr val="bg1"/>
-                </a:solidFill>
-              </a:rPr>
-              <a:t/>
-            </a:r>
             <a:br>
-              <a:rPr lang="fr-FR" sz="1100" b="1" dirty="0" smtClean="0">
+              <a:rPr lang="fr-FR" sz="1100" b="1" dirty="0">
                 <a:solidFill>
                   <a:schemeClr val="bg1"/>
                 </a:solidFill>
               </a:rPr>
             </a:br>
             <a:r>
-              <a:rPr lang="fr-FR" sz="1100" b="1" dirty="0" err="1" smtClean="0">
+              <a:rPr lang="fr-FR" sz="1100" b="1" dirty="0" err="1">
                 <a:solidFill>
                   <a:schemeClr val="bg1"/>
                 </a:solidFill>
@@ -1317,10 +1398,9 @@
           <a:p>
             <a:pPr lvl="0"/>
             <a:r>
-              <a:rPr lang="fr-FR" dirty="0" smtClean="0"/>
+              <a:rPr lang="fr-FR" dirty="0"/>
               <a:t>#</a:t>
             </a:r>
-            <a:endParaRPr lang="fr-FR" dirty="0"/>
           </a:p>
         </p:txBody>
       </p:sp>
@@ -1357,10 +1437,9 @@
           <a:p>
             <a:pPr lvl="0"/>
             <a:r>
-              <a:rPr lang="fr-FR" dirty="0" smtClean="0"/>
+              <a:rPr lang="fr-FR" dirty="0"/>
               <a:t>#</a:t>
             </a:r>
-            <a:endParaRPr lang="fr-FR" dirty="0"/>
           </a:p>
         </p:txBody>
       </p:sp>
@@ -1387,19 +1466,19 @@
           <a:lstStyle/>
           <a:p>
             <a:r>
-              <a:rPr lang="fr-FR" sz="1600" b="1" dirty="0" smtClean="0"/>
+              <a:rPr lang="fr-FR" sz="1600" b="1" dirty="0"/>
               <a:t>Total </a:t>
             </a:r>
             <a:r>
-              <a:rPr lang="fr-FR" sz="1600" b="1" dirty="0" err="1" smtClean="0"/>
+              <a:rPr lang="fr-FR" sz="1600" b="1" dirty="0" err="1"/>
               <a:t>Number</a:t>
             </a:r>
             <a:r>
-              <a:rPr lang="fr-FR" sz="1600" b="1" dirty="0" smtClean="0"/>
+              <a:rPr lang="fr-FR" sz="1600" b="1" dirty="0"/>
               <a:t> of </a:t>
             </a:r>
             <a:r>
-              <a:rPr lang="fr-FR" sz="1600" b="1" dirty="0" err="1" smtClean="0"/>
+              <a:rPr lang="fr-FR" sz="1600" b="1" dirty="0" err="1"/>
               <a:t>Objects</a:t>
             </a:r>
             <a:endParaRPr lang="fr-FR" sz="1600" b="1" dirty="0"/>
@@ -1439,10 +1518,9 @@
           <a:p>
             <a:pPr lvl="0"/>
             <a:r>
-              <a:rPr lang="fr-FR" dirty="0" smtClean="0"/>
+              <a:rPr lang="fr-FR" dirty="0"/>
               <a:t>#</a:t>
             </a:r>
-            <a:endParaRPr lang="fr-FR" dirty="0"/>
           </a:p>
         </p:txBody>
       </p:sp>
@@ -1470,18 +1548,13 @@
           <a:p>
             <a:pPr algn="ctr"/>
             <a:r>
-              <a:rPr lang="fr-FR" b="1" dirty="0" smtClean="0">
+              <a:rPr lang="fr-FR" b="1" dirty="0">
                 <a:solidFill>
                   <a:schemeClr val="bg1"/>
                 </a:solidFill>
               </a:rPr>
               <a:t>B2B</a:t>
             </a:r>
-            <a:endParaRPr lang="fr-FR" b="1" dirty="0">
-              <a:solidFill>
-                <a:schemeClr val="bg1"/>
-              </a:solidFill>
-            </a:endParaRPr>
           </a:p>
         </p:txBody>
       </p:sp>
@@ -1509,18 +1582,13 @@
           <a:p>
             <a:pPr algn="ctr"/>
             <a:r>
-              <a:rPr lang="fr-FR" b="1" dirty="0" smtClean="0">
+              <a:rPr lang="fr-FR" b="1" dirty="0">
                 <a:solidFill>
                   <a:schemeClr val="bg1"/>
                 </a:solidFill>
               </a:rPr>
               <a:t>B2C</a:t>
             </a:r>
-            <a:endParaRPr lang="fr-FR" b="1" dirty="0">
-              <a:solidFill>
-                <a:schemeClr val="bg1"/>
-              </a:solidFill>
-            </a:endParaRPr>
           </a:p>
         </p:txBody>
       </p:sp>
@@ -1557,10 +1625,9 @@
           <a:p>
             <a:pPr lvl="0"/>
             <a:r>
-              <a:rPr lang="fr-FR" dirty="0" smtClean="0"/>
+              <a:rPr lang="fr-FR" dirty="0"/>
               <a:t>#</a:t>
             </a:r>
-            <a:endParaRPr lang="fr-FR" dirty="0"/>
           </a:p>
         </p:txBody>
       </p:sp>
@@ -1587,11 +1654,11 @@
           <a:lstStyle/>
           <a:p>
             <a:r>
-              <a:rPr lang="fr-FR" b="1" dirty="0" smtClean="0"/>
+              <a:rPr lang="fr-FR" b="1" dirty="0"/>
               <a:t>Quick </a:t>
             </a:r>
             <a:r>
-              <a:rPr lang="fr-FR" b="1" dirty="0" err="1" smtClean="0"/>
+              <a:rPr lang="fr-FR" b="1" dirty="0" err="1"/>
               <a:t>Overview</a:t>
             </a:r>
             <a:endParaRPr lang="fr-FR" b="1" dirty="0"/>
@@ -1621,15 +1688,15 @@
           <a:p>
             <a:pPr algn="l"/>
             <a:r>
-              <a:rPr lang="fr-FR" sz="1600" dirty="0" err="1" smtClean="0"/>
+              <a:rPr lang="fr-FR" sz="1600" dirty="0" err="1"/>
               <a:t>Since</a:t>
             </a:r>
             <a:r>
-              <a:rPr lang="fr-FR" sz="1600" dirty="0" smtClean="0"/>
+              <a:rPr lang="fr-FR" sz="1600" dirty="0"/>
               <a:t> last </a:t>
             </a:r>
             <a:r>
-              <a:rPr lang="fr-FR" sz="1600" dirty="0" err="1" smtClean="0"/>
+              <a:rPr lang="fr-FR" sz="1600" dirty="0" err="1"/>
               <a:t>month</a:t>
             </a:r>
             <a:endParaRPr lang="fr-FR" sz="1600" dirty="0"/>
@@ -1659,11 +1726,11 @@
           <a:lstStyle/>
           <a:p>
             <a:r>
-              <a:rPr lang="fr-FR" b="1" dirty="0" smtClean="0"/>
+              <a:rPr lang="fr-FR" b="1" dirty="0"/>
               <a:t>Security </a:t>
             </a:r>
             <a:r>
-              <a:rPr lang="fr-FR" b="1" dirty="0" err="1" smtClean="0"/>
+              <a:rPr lang="fr-FR" b="1" dirty="0" err="1"/>
               <a:t>Process</a:t>
             </a:r>
             <a:endParaRPr lang="fr-FR" b="1" dirty="0"/>
@@ -1693,12 +1760,111 @@
           <a:lstStyle/>
           <a:p>
             <a:r>
-              <a:rPr lang="fr-FR" sz="1600" b="1" dirty="0" smtClean="0">
+              <a:rPr lang="fr-FR" sz="1600" b="1" dirty="0">
                 <a:solidFill>
                   <a:schemeClr val="bg1"/>
                 </a:solidFill>
               </a:rPr>
               <a:t>Evaluation</a:t>
+            </a:r>
+          </a:p>
+        </p:txBody>
+      </p:sp>
+      <p:sp>
+        <p:nvSpPr>
+          <p:cNvPr id="25" name="ZoneTexte 24"/>
+          <p:cNvSpPr txBox="1"/>
+          <p:nvPr userDrawn="1"/>
+        </p:nvSpPr>
+        <p:spPr>
+          <a:xfrm>
+            <a:off x="2837287" y="1938318"/>
+            <a:ext cx="1602566" cy="338554"/>
+          </a:xfrm>
+          <a:prstGeom prst="rect">
+            <a:avLst/>
+          </a:prstGeom>
+          <a:noFill/>
+        </p:spPr>
+        <p:txBody>
+          <a:bodyPr wrap="square" rtlCol="0">
+            <a:spAutoFit/>
+          </a:bodyPr>
+          <a:lstStyle/>
+          <a:p>
+            <a:r>
+              <a:rPr lang="fr-FR" sz="1600" b="1" dirty="0">
+                <a:solidFill>
+                  <a:schemeClr val="bg1"/>
+                </a:solidFill>
+              </a:rPr>
+              <a:t>Qualification</a:t>
+            </a:r>
+          </a:p>
+        </p:txBody>
+      </p:sp>
+      <p:sp>
+        <p:nvSpPr>
+          <p:cNvPr id="26" name="ZoneTexte 25"/>
+          <p:cNvSpPr txBox="1"/>
+          <p:nvPr userDrawn="1"/>
+        </p:nvSpPr>
+        <p:spPr>
+          <a:xfrm>
+            <a:off x="2819851" y="3140968"/>
+            <a:ext cx="1637435" cy="338554"/>
+          </a:xfrm>
+          <a:prstGeom prst="rect">
+            <a:avLst/>
+          </a:prstGeom>
+          <a:noFill/>
+        </p:spPr>
+        <p:txBody>
+          <a:bodyPr wrap="square" rtlCol="0">
+            <a:spAutoFit/>
+          </a:bodyPr>
+          <a:lstStyle/>
+          <a:p>
+            <a:r>
+              <a:rPr lang="fr-FR" sz="1600" b="1" dirty="0">
+                <a:solidFill>
+                  <a:schemeClr val="bg1"/>
+                </a:solidFill>
+              </a:rPr>
+              <a:t>Security Audit</a:t>
+            </a:r>
+          </a:p>
+        </p:txBody>
+      </p:sp>
+      <p:sp>
+        <p:nvSpPr>
+          <p:cNvPr id="27" name="ZoneTexte 26"/>
+          <p:cNvSpPr txBox="1"/>
+          <p:nvPr userDrawn="1"/>
+        </p:nvSpPr>
+        <p:spPr>
+          <a:xfrm>
+            <a:off x="2837286" y="4293096"/>
+            <a:ext cx="1602565" cy="338554"/>
+          </a:xfrm>
+          <a:prstGeom prst="rect">
+            <a:avLst/>
+          </a:prstGeom>
+          <a:noFill/>
+        </p:spPr>
+        <p:txBody>
+          <a:bodyPr wrap="square" rtlCol="0">
+            <a:spAutoFit/>
+          </a:bodyPr>
+          <a:lstStyle/>
+          <a:p>
+            <a:r>
+              <a:rPr lang="fr-FR" sz="1600" b="1" dirty="0" err="1">
+                <a:solidFill>
+                  <a:schemeClr val="bg1"/>
+                </a:solidFill>
+              </a:rPr>
+              <a:t>Testing</a:t>
             </a:r>
             <a:endParaRPr lang="fr-FR" sz="1600" b="1" dirty="0">
               <a:solidFill>
@@ -1710,14 +1876,14 @@
       </p:sp>
       <p:sp>
         <p:nvSpPr>
-          <p:cNvPr id="25" name="ZoneTexte 24"/>
+          <p:cNvPr id="28" name="ZoneTexte 27"/>
           <p:cNvSpPr txBox="1"/>
           <p:nvPr userDrawn="1"/>
         </p:nvSpPr>
         <p:spPr>
           <a:xfrm>
-            <a:off x="2837287" y="1938318"/>
-            <a:ext cx="1602566" cy="338554"/>
+            <a:off x="2867075" y="5438658"/>
+            <a:ext cx="1572775" cy="338554"/>
           </a:xfrm>
           <a:prstGeom prst="rect">
             <a:avLst/>
@@ -1731,31 +1897,241 @@
           <a:lstStyle/>
           <a:p>
             <a:r>
-              <a:rPr lang="fr-FR" sz="1600" b="1" dirty="0" smtClean="0">
+              <a:rPr lang="fr-FR" sz="1600" b="1" dirty="0">
                 <a:solidFill>
                   <a:schemeClr val="bg1"/>
                 </a:solidFill>
               </a:rPr>
-              <a:t>Qualification</a:t>
-            </a:r>
-            <a:endParaRPr lang="fr-FR" sz="1600" b="1" dirty="0">
-              <a:solidFill>
-                <a:schemeClr val="bg1"/>
-              </a:solidFill>
-            </a:endParaRPr>
-          </a:p>
-        </p:txBody>
-      </p:sp>
-      <p:sp>
-        <p:nvSpPr>
-          <p:cNvPr id="26" name="ZoneTexte 25"/>
+              <a:t>In Life</a:t>
+            </a:r>
+          </a:p>
+        </p:txBody>
+      </p:sp>
+      <p:sp>
+        <p:nvSpPr>
+          <p:cNvPr id="43" name="Espace réservé du texte 5"/>
+          <p:cNvSpPr>
+            <a:spLocks noGrp="1"/>
+          </p:cNvSpPr>
+          <p:nvPr>
+            <p:ph type="body" sz="quarter" idx="16" hasCustomPrompt="1"/>
+          </p:nvPr>
+        </p:nvSpPr>
+        <p:spPr>
+          <a:xfrm>
+            <a:off x="3707904" y="1012031"/>
+            <a:ext cx="647700" cy="503238"/>
+          </a:xfrm>
+          <a:noFill/>
+          <a:ln>
+            <a:noFill/>
+          </a:ln>
+        </p:spPr>
+        <p:txBody>
+          <a:bodyPr anchor="ctr">
+            <a:normAutofit/>
+          </a:bodyPr>
+          <a:lstStyle>
+            <a:lvl1pPr marL="0" indent="0" algn="ctr">
+              <a:buNone/>
+              <a:defRPr sz="3200" b="1">
+                <a:solidFill>
+                  <a:schemeClr val="bg1"/>
+                </a:solidFill>
+              </a:defRPr>
+            </a:lvl1pPr>
+          </a:lstStyle>
+          <a:p>
+            <a:pPr lvl="0"/>
+            <a:r>
+              <a:rPr lang="fr-FR" dirty="0"/>
+              <a:t>#</a:t>
+            </a:r>
+          </a:p>
+        </p:txBody>
+      </p:sp>
+      <p:sp>
+        <p:nvSpPr>
+          <p:cNvPr id="44" name="Espace réservé du texte 5"/>
+          <p:cNvSpPr>
+            <a:spLocks noGrp="1"/>
+          </p:cNvSpPr>
+          <p:nvPr>
+            <p:ph type="body" sz="quarter" idx="17" hasCustomPrompt="1"/>
+          </p:nvPr>
+        </p:nvSpPr>
+        <p:spPr>
+          <a:xfrm>
+            <a:off x="3707904" y="2204864"/>
+            <a:ext cx="647700" cy="503238"/>
+          </a:xfrm>
+          <a:noFill/>
+          <a:ln>
+            <a:noFill/>
+          </a:ln>
+        </p:spPr>
+        <p:txBody>
+          <a:bodyPr anchor="ctr">
+            <a:normAutofit/>
+          </a:bodyPr>
+          <a:lstStyle>
+            <a:lvl1pPr marL="0" indent="0" algn="ctr">
+              <a:buNone/>
+              <a:defRPr sz="3200" b="1">
+                <a:solidFill>
+                  <a:schemeClr val="bg1"/>
+                </a:solidFill>
+              </a:defRPr>
+            </a:lvl1pPr>
+          </a:lstStyle>
+          <a:p>
+            <a:pPr lvl="0"/>
+            <a:r>
+              <a:rPr lang="fr-FR" dirty="0"/>
+              <a:t>#</a:t>
+            </a:r>
+          </a:p>
+        </p:txBody>
+      </p:sp>
+      <p:sp>
+        <p:nvSpPr>
+          <p:cNvPr id="45" name="Espace réservé du texte 5"/>
+          <p:cNvSpPr>
+            <a:spLocks noGrp="1"/>
+          </p:cNvSpPr>
+          <p:nvPr>
+            <p:ph type="body" sz="quarter" idx="18" hasCustomPrompt="1"/>
+          </p:nvPr>
+        </p:nvSpPr>
+        <p:spPr>
+          <a:xfrm>
+            <a:off x="3707904" y="3356992"/>
+            <a:ext cx="647700" cy="503238"/>
+          </a:xfrm>
+          <a:noFill/>
+          <a:ln>
+            <a:noFill/>
+          </a:ln>
+        </p:spPr>
+        <p:txBody>
+          <a:bodyPr anchor="ctr">
+            <a:normAutofit/>
+          </a:bodyPr>
+          <a:lstStyle>
+            <a:lvl1pPr marL="0" indent="0" algn="ctr">
+              <a:buNone/>
+              <a:defRPr sz="3200" b="1">
+                <a:solidFill>
+                  <a:schemeClr val="bg1"/>
+                </a:solidFill>
+              </a:defRPr>
+            </a:lvl1pPr>
+          </a:lstStyle>
+          <a:p>
+            <a:pPr lvl="0"/>
+            <a:r>
+              <a:rPr lang="fr-FR" dirty="0"/>
+              <a:t>#</a:t>
+            </a:r>
+          </a:p>
+        </p:txBody>
+      </p:sp>
+      <p:sp>
+        <p:nvSpPr>
+          <p:cNvPr id="46" name="Espace réservé du texte 5"/>
+          <p:cNvSpPr>
+            <a:spLocks noGrp="1"/>
+          </p:cNvSpPr>
+          <p:nvPr>
+            <p:ph type="body" sz="quarter" idx="19" hasCustomPrompt="1"/>
+          </p:nvPr>
+        </p:nvSpPr>
+        <p:spPr>
+          <a:xfrm>
+            <a:off x="3707904" y="4509120"/>
+            <a:ext cx="647700" cy="503238"/>
+          </a:xfrm>
+          <a:noFill/>
+          <a:ln>
+            <a:noFill/>
+          </a:ln>
+        </p:spPr>
+        <p:txBody>
+          <a:bodyPr anchor="ctr">
+            <a:normAutofit/>
+          </a:bodyPr>
+          <a:lstStyle>
+            <a:lvl1pPr marL="0" indent="0" algn="ctr">
+              <a:buNone/>
+              <a:defRPr sz="3200" b="1">
+                <a:solidFill>
+                  <a:schemeClr val="bg1"/>
+                </a:solidFill>
+              </a:defRPr>
+            </a:lvl1pPr>
+          </a:lstStyle>
+          <a:p>
+            <a:pPr lvl="0"/>
+            <a:r>
+              <a:rPr lang="fr-FR" dirty="0"/>
+              <a:t>#</a:t>
+            </a:r>
+          </a:p>
+        </p:txBody>
+      </p:sp>
+      <p:sp>
+        <p:nvSpPr>
+          <p:cNvPr id="47" name="Espace réservé du texte 5"/>
+          <p:cNvSpPr>
+            <a:spLocks noGrp="1"/>
+          </p:cNvSpPr>
+          <p:nvPr>
+            <p:ph type="body" sz="quarter" idx="20" hasCustomPrompt="1"/>
+          </p:nvPr>
+        </p:nvSpPr>
+        <p:spPr>
+          <a:xfrm>
+            <a:off x="3707904" y="5661248"/>
+            <a:ext cx="647700" cy="503238"/>
+          </a:xfrm>
+          <a:noFill/>
+          <a:ln>
+            <a:noFill/>
+          </a:ln>
+        </p:spPr>
+        <p:txBody>
+          <a:bodyPr anchor="ctr">
+            <a:normAutofit/>
+          </a:bodyPr>
+          <a:lstStyle>
+            <a:lvl1pPr marL="0" indent="0" algn="ctr">
+              <a:buNone/>
+              <a:defRPr sz="3200" b="1">
+                <a:solidFill>
+                  <a:schemeClr val="bg1"/>
+                </a:solidFill>
+              </a:defRPr>
+            </a:lvl1pPr>
+          </a:lstStyle>
+          <a:p>
+            <a:pPr lvl="0"/>
+            <a:r>
+              <a:rPr lang="fr-FR" dirty="0"/>
+              <a:t>#</a:t>
+            </a:r>
+          </a:p>
+        </p:txBody>
+      </p:sp>
+      <p:sp>
+        <p:nvSpPr>
+          <p:cNvPr id="48" name="ZoneTexte 47"/>
           <p:cNvSpPr txBox="1"/>
           <p:nvPr userDrawn="1"/>
         </p:nvSpPr>
         <p:spPr>
           <a:xfrm>
-            <a:off x="2819851" y="3140968"/>
-            <a:ext cx="1637435" cy="338554"/>
+            <a:off x="5508104" y="90505"/>
+            <a:ext cx="2945037" cy="369332"/>
           </a:xfrm>
           <a:prstGeom prst="rect">
             <a:avLst/>
@@ -1763,359 +2139,25 @@
           <a:noFill/>
         </p:spPr>
         <p:txBody>
-          <a:bodyPr wrap="square" rtlCol="0">
-            <a:spAutoFit/>
-          </a:bodyPr>
-          <a:lstStyle/>
-          <a:p>
-            <a:r>
-              <a:rPr lang="fr-FR" sz="1600" b="1" dirty="0" smtClean="0">
-                <a:solidFill>
-                  <a:schemeClr val="bg1"/>
-                </a:solidFill>
-              </a:rPr>
-              <a:t>Security Audit</a:t>
-            </a:r>
-            <a:endParaRPr lang="fr-FR" sz="1600" b="1" dirty="0">
-              <a:solidFill>
-                <a:schemeClr val="bg1"/>
-              </a:solidFill>
-            </a:endParaRPr>
-          </a:p>
-        </p:txBody>
-      </p:sp>
-      <p:sp>
-        <p:nvSpPr>
-          <p:cNvPr id="27" name="ZoneTexte 26"/>
-          <p:cNvSpPr txBox="1"/>
-          <p:nvPr userDrawn="1"/>
-        </p:nvSpPr>
-        <p:spPr>
-          <a:xfrm>
-            <a:off x="2837286" y="4293096"/>
-            <a:ext cx="1602565" cy="338554"/>
-          </a:xfrm>
-          <a:prstGeom prst="rect">
-            <a:avLst/>
-          </a:prstGeom>
-          <a:noFill/>
-        </p:spPr>
-        <p:txBody>
-          <a:bodyPr wrap="square" rtlCol="0">
-            <a:spAutoFit/>
-          </a:bodyPr>
-          <a:lstStyle/>
-          <a:p>
-            <a:r>
-              <a:rPr lang="fr-FR" sz="1600" b="1" dirty="0" err="1" smtClean="0">
-                <a:solidFill>
-                  <a:schemeClr val="bg1"/>
-                </a:solidFill>
-              </a:rPr>
-              <a:t>Testing</a:t>
-            </a:r>
-            <a:endParaRPr lang="fr-FR" sz="1600" b="1" dirty="0">
-              <a:solidFill>
-                <a:schemeClr val="bg1"/>
-              </a:solidFill>
-            </a:endParaRPr>
-          </a:p>
-        </p:txBody>
-      </p:sp>
-      <p:sp>
-        <p:nvSpPr>
-          <p:cNvPr id="28" name="ZoneTexte 27"/>
-          <p:cNvSpPr txBox="1"/>
-          <p:nvPr userDrawn="1"/>
-        </p:nvSpPr>
-        <p:spPr>
-          <a:xfrm>
-            <a:off x="2867075" y="5438658"/>
-            <a:ext cx="1572775" cy="338554"/>
-          </a:xfrm>
-          <a:prstGeom prst="rect">
-            <a:avLst/>
-          </a:prstGeom>
-          <a:noFill/>
-        </p:spPr>
-        <p:txBody>
-          <a:bodyPr wrap="square" rtlCol="0">
-            <a:spAutoFit/>
-          </a:bodyPr>
-          <a:lstStyle/>
-          <a:p>
-            <a:r>
-              <a:rPr lang="fr-FR" sz="1600" b="1" dirty="0" smtClean="0">
-                <a:solidFill>
-                  <a:schemeClr val="bg1"/>
-                </a:solidFill>
-              </a:rPr>
-              <a:t>In Life</a:t>
-            </a:r>
-            <a:endParaRPr lang="fr-FR" sz="1600" b="1" dirty="0">
-              <a:solidFill>
-                <a:schemeClr val="bg1"/>
-              </a:solidFill>
-            </a:endParaRPr>
-          </a:p>
-        </p:txBody>
-      </p:sp>
-      <p:sp>
-        <p:nvSpPr>
-          <p:cNvPr id="43" name="Espace réservé du texte 5"/>
-          <p:cNvSpPr>
-            <a:spLocks noGrp="1"/>
-          </p:cNvSpPr>
-          <p:nvPr>
-            <p:ph type="body" sz="quarter" idx="16" hasCustomPrompt="1"/>
-          </p:nvPr>
-        </p:nvSpPr>
-        <p:spPr>
-          <a:xfrm>
-            <a:off x="3707904" y="1012031"/>
-            <a:ext cx="647700" cy="503238"/>
-          </a:xfrm>
-          <a:noFill/>
-          <a:ln>
-            <a:noFill/>
-          </a:ln>
-        </p:spPr>
-        <p:txBody>
-          <a:bodyPr anchor="ctr">
-            <a:normAutofit/>
-          </a:bodyPr>
-          <a:lstStyle>
-            <a:lvl1pPr marL="0" indent="0" algn="ctr">
-              <a:buNone/>
-              <a:defRPr sz="3200" b="1">
-                <a:solidFill>
-                  <a:schemeClr val="bg1"/>
-                </a:solidFill>
-              </a:defRPr>
-            </a:lvl1pPr>
-          </a:lstStyle>
-          <a:p>
-            <a:pPr lvl="0"/>
-            <a:r>
-              <a:rPr lang="fr-FR" dirty="0" smtClean="0"/>
-              <a:t>#</a:t>
-            </a:r>
-            <a:endParaRPr lang="fr-FR" dirty="0"/>
-          </a:p>
-        </p:txBody>
-      </p:sp>
-      <p:sp>
-        <p:nvSpPr>
-          <p:cNvPr id="44" name="Espace réservé du texte 5"/>
-          <p:cNvSpPr>
-            <a:spLocks noGrp="1"/>
-          </p:cNvSpPr>
-          <p:nvPr>
-            <p:ph type="body" sz="quarter" idx="17" hasCustomPrompt="1"/>
-          </p:nvPr>
-        </p:nvSpPr>
-        <p:spPr>
-          <a:xfrm>
-            <a:off x="3707904" y="2204864"/>
-            <a:ext cx="647700" cy="503238"/>
-          </a:xfrm>
-          <a:noFill/>
-          <a:ln>
-            <a:noFill/>
-          </a:ln>
-        </p:spPr>
-        <p:txBody>
-          <a:bodyPr anchor="ctr">
-            <a:normAutofit/>
-          </a:bodyPr>
-          <a:lstStyle>
-            <a:lvl1pPr marL="0" indent="0" algn="ctr">
-              <a:buNone/>
-              <a:defRPr sz="3200" b="1">
-                <a:solidFill>
-                  <a:schemeClr val="bg1"/>
-                </a:solidFill>
-              </a:defRPr>
-            </a:lvl1pPr>
-          </a:lstStyle>
-          <a:p>
-            <a:pPr lvl="0"/>
-            <a:r>
-              <a:rPr lang="fr-FR" dirty="0" smtClean="0"/>
-              <a:t>#</a:t>
-            </a:r>
-            <a:endParaRPr lang="fr-FR" dirty="0"/>
-          </a:p>
-        </p:txBody>
-      </p:sp>
-      <p:sp>
-        <p:nvSpPr>
-          <p:cNvPr id="45" name="Espace réservé du texte 5"/>
-          <p:cNvSpPr>
-            <a:spLocks noGrp="1"/>
-          </p:cNvSpPr>
-          <p:nvPr>
-            <p:ph type="body" sz="quarter" idx="18" hasCustomPrompt="1"/>
-          </p:nvPr>
-        </p:nvSpPr>
-        <p:spPr>
-          <a:xfrm>
-            <a:off x="3707904" y="3356992"/>
-            <a:ext cx="647700" cy="503238"/>
-          </a:xfrm>
-          <a:noFill/>
-          <a:ln>
-            <a:noFill/>
-          </a:ln>
-        </p:spPr>
-        <p:txBody>
-          <a:bodyPr anchor="ctr">
-            <a:normAutofit/>
-          </a:bodyPr>
-          <a:lstStyle>
-            <a:lvl1pPr marL="0" indent="0" algn="ctr">
-              <a:buNone/>
-              <a:defRPr sz="3200" b="1">
-                <a:solidFill>
-                  <a:schemeClr val="bg1"/>
-                </a:solidFill>
-              </a:defRPr>
-            </a:lvl1pPr>
-          </a:lstStyle>
-          <a:p>
-            <a:pPr lvl="0"/>
-            <a:r>
-              <a:rPr lang="fr-FR" dirty="0" smtClean="0"/>
-              <a:t>#</a:t>
-            </a:r>
-            <a:endParaRPr lang="fr-FR" dirty="0"/>
-          </a:p>
-        </p:txBody>
-      </p:sp>
-      <p:sp>
-        <p:nvSpPr>
-          <p:cNvPr id="46" name="Espace réservé du texte 5"/>
-          <p:cNvSpPr>
-            <a:spLocks noGrp="1"/>
-          </p:cNvSpPr>
-          <p:nvPr>
-            <p:ph type="body" sz="quarter" idx="19" hasCustomPrompt="1"/>
-          </p:nvPr>
-        </p:nvSpPr>
-        <p:spPr>
-          <a:xfrm>
-            <a:off x="3707904" y="4509120"/>
-            <a:ext cx="647700" cy="503238"/>
-          </a:xfrm>
-          <a:noFill/>
-          <a:ln>
-            <a:noFill/>
-          </a:ln>
-        </p:spPr>
-        <p:txBody>
-          <a:bodyPr anchor="ctr">
-            <a:normAutofit/>
-          </a:bodyPr>
-          <a:lstStyle>
-            <a:lvl1pPr marL="0" indent="0" algn="ctr">
-              <a:buNone/>
-              <a:defRPr sz="3200" b="1">
-                <a:solidFill>
-                  <a:schemeClr val="bg1"/>
-                </a:solidFill>
-              </a:defRPr>
-            </a:lvl1pPr>
-          </a:lstStyle>
-          <a:p>
-            <a:pPr lvl="0"/>
-            <a:r>
-              <a:rPr lang="fr-FR" dirty="0" smtClean="0"/>
-              <a:t>#</a:t>
-            </a:r>
-            <a:endParaRPr lang="fr-FR" dirty="0"/>
-          </a:p>
-        </p:txBody>
-      </p:sp>
-      <p:sp>
-        <p:nvSpPr>
-          <p:cNvPr id="47" name="Espace réservé du texte 5"/>
-          <p:cNvSpPr>
-            <a:spLocks noGrp="1"/>
-          </p:cNvSpPr>
-          <p:nvPr>
-            <p:ph type="body" sz="quarter" idx="20" hasCustomPrompt="1"/>
-          </p:nvPr>
-        </p:nvSpPr>
-        <p:spPr>
-          <a:xfrm>
-            <a:off x="3707904" y="5661248"/>
-            <a:ext cx="647700" cy="503238"/>
-          </a:xfrm>
-          <a:noFill/>
-          <a:ln>
-            <a:noFill/>
-          </a:ln>
-        </p:spPr>
-        <p:txBody>
-          <a:bodyPr anchor="ctr">
-            <a:normAutofit/>
-          </a:bodyPr>
-          <a:lstStyle>
-            <a:lvl1pPr marL="0" indent="0" algn="ctr">
-              <a:buNone/>
-              <a:defRPr sz="3200" b="1">
-                <a:solidFill>
-                  <a:schemeClr val="bg1"/>
-                </a:solidFill>
-              </a:defRPr>
-            </a:lvl1pPr>
-          </a:lstStyle>
-          <a:p>
-            <a:pPr lvl="0"/>
-            <a:r>
-              <a:rPr lang="fr-FR" dirty="0" smtClean="0"/>
-              <a:t>#</a:t>
-            </a:r>
-            <a:endParaRPr lang="fr-FR" dirty="0"/>
-          </a:p>
-        </p:txBody>
-      </p:sp>
-      <p:sp>
-        <p:nvSpPr>
-          <p:cNvPr id="48" name="ZoneTexte 47"/>
-          <p:cNvSpPr txBox="1"/>
-          <p:nvPr userDrawn="1"/>
-        </p:nvSpPr>
-        <p:spPr>
-          <a:xfrm>
-            <a:off x="5508104" y="90505"/>
-            <a:ext cx="2945037" cy="369332"/>
-          </a:xfrm>
-          <a:prstGeom prst="rect">
-            <a:avLst/>
-          </a:prstGeom>
-          <a:noFill/>
-        </p:spPr>
-        <p:txBody>
           <a:bodyPr wrap="none" rtlCol="0">
             <a:spAutoFit/>
           </a:bodyPr>
           <a:lstStyle/>
           <a:p>
             <a:r>
-              <a:rPr lang="fr-FR" b="1" dirty="0" smtClean="0"/>
+              <a:rPr lang="fr-FR" b="1" dirty="0"/>
               <a:t>Security </a:t>
             </a:r>
             <a:r>
-              <a:rPr lang="fr-FR" b="1" dirty="0" err="1" smtClean="0"/>
+              <a:rPr lang="fr-FR" b="1" dirty="0" err="1"/>
               <a:t>Process</a:t>
             </a:r>
             <a:r>
-              <a:rPr lang="fr-FR" b="1" dirty="0" smtClean="0"/>
+              <a:rPr lang="fr-FR" b="1" dirty="0"/>
               <a:t> </a:t>
             </a:r>
             <a:r>
-              <a:rPr lang="fr-FR" b="1" dirty="0" err="1" smtClean="0"/>
+              <a:rPr lang="fr-FR" b="1" dirty="0" err="1"/>
               <a:t>Overview</a:t>
             </a:r>
             <a:endParaRPr lang="fr-FR" b="1" dirty="0"/>
@@ -2132,86 +2174,10 @@
   <p:clrMapOvr>
     <a:masterClrMapping/>
   </p:clrMapOvr>
-  <p:timing>
-    <p:tnLst>
-      <p:par>
-        <p:cTn id="1" dur="indefinite" restart="never" nodeType="tmRoot"/>
-      </p:par>
-    </p:tnLst>
-  </p:timing>
 </p:sldLayout>
 </file>
 
 <file path=ppt/slideLayouts/slideLayout10.xml><?xml version="1.0" encoding="utf-8"?>
-<p:sldLayout xmlns:a="http://schemas.openxmlformats.org/drawingml/2006/main" xmlns:r="http://schemas.openxmlformats.org/officeDocument/2006/relationships" xmlns:p="http://schemas.openxmlformats.org/presentationml/2006/main" preserve="1" userDrawn="1">
-  <p:cSld name="titre seul">
-    <p:spTree>
-      <p:nvGrpSpPr>
-        <p:cNvPr id="1" name=""/>
-        <p:cNvGrpSpPr/>
-        <p:nvPr/>
-      </p:nvGrpSpPr>
-      <p:grpSpPr>
-        <a:xfrm>
-          <a:off x="0" y="0"/>
-          <a:ext cx="0" cy="0"/>
-          <a:chOff x="0" y="0"/>
-          <a:chExt cx="0" cy="0"/>
-        </a:xfrm>
-      </p:grpSpPr>
-      <p:sp>
-        <p:nvSpPr>
-          <p:cNvPr id="2" name="Titre 1"/>
-          <p:cNvSpPr>
-            <a:spLocks noGrp="1"/>
-          </p:cNvSpPr>
-          <p:nvPr>
-            <p:ph type="title" hasCustomPrompt="1"/>
-          </p:nvPr>
-        </p:nvSpPr>
-        <p:spPr>
-          <a:xfrm>
-            <a:off x="1015200" y="404664"/>
-            <a:ext cx="7057405" cy="982800"/>
-          </a:xfrm>
-        </p:spPr>
-        <p:txBody>
-          <a:bodyPr/>
-          <a:lstStyle>
-            <a:lvl1pPr algn="l">
-              <a:defRPr/>
-            </a:lvl1pPr>
-          </a:lstStyle>
-          <a:p>
-            <a:r>
-              <a:rPr lang="fr-FR" dirty="0" smtClean="0"/>
-              <a:t>titre seul</a:t>
-            </a:r>
-            <a:endParaRPr lang="fr-FR" dirty="0"/>
-          </a:p>
-        </p:txBody>
-      </p:sp>
-    </p:spTree>
-    <p:extLst>
-      <p:ext uri="{BB962C8B-B14F-4D97-AF65-F5344CB8AC3E}">
-        <p14:creationId xmlns:p14="http://schemas.microsoft.com/office/powerpoint/2010/main" val="3082467275"/>
-      </p:ext>
-    </p:extLst>
-  </p:cSld>
-  <p:clrMapOvr>
-    <a:masterClrMapping/>
-  </p:clrMapOvr>
-  <p:timing>
-    <p:tnLst>
-      <p:par>
-        <p:cTn id="1" dur="indefinite" restart="never" nodeType="tmRoot"/>
-      </p:par>
-    </p:tnLst>
-  </p:timing>
-</p:sldLayout>
-</file>
-
-<file path=ppt/slideLayouts/slideLayout11.xml><?xml version="1.0" encoding="utf-8"?>
 <p:sldLayout xmlns:a="http://schemas.openxmlformats.org/drawingml/2006/main" xmlns:r="http://schemas.openxmlformats.org/officeDocument/2006/relationships" xmlns:p="http://schemas.openxmlformats.org/presentationml/2006/main" preserve="1" userDrawn="1">
   <p:cSld name="deux colonnes">
     <p:spTree>
@@ -2253,10 +2219,9 @@
           </a:lstStyle>
           <a:p>
             <a:r>
-              <a:rPr lang="fr-FR" dirty="0" smtClean="0"/>
+              <a:rPr lang="fr-FR" dirty="0"/>
               <a:t>diapositive sur deux colonnes</a:t>
             </a:r>
-            <a:endParaRPr lang="fr-FR" dirty="0"/>
           </a:p>
         </p:txBody>
       </p:sp>
@@ -2289,7 +2254,7 @@
           <a:p>
             <a:pPr marL="185738" indent="-185738"/>
             <a:r>
-              <a:rPr lang="fr-FR" sz="1600" dirty="0" smtClean="0"/>
+              <a:rPr lang="fr-FR" sz="1600" dirty="0"/>
               <a:t>le texte courant peut être écrit sur deux colonnes…</a:t>
             </a:r>
           </a:p>
@@ -2324,7 +2289,7 @@
           <a:p>
             <a:pPr marL="185738" indent="-185738"/>
             <a:r>
-              <a:rPr lang="fr-FR" sz="1600" dirty="0" smtClean="0"/>
+              <a:rPr lang="fr-FR" sz="1600" dirty="0"/>
               <a:t>le texte courant peut être écrit sur deux colonnes…</a:t>
             </a:r>
           </a:p>
@@ -2340,17 +2305,10 @@
   <p:clrMapOvr>
     <a:masterClrMapping/>
   </p:clrMapOvr>
-  <p:timing>
-    <p:tnLst>
-      <p:par>
-        <p:cTn id="1" dur="indefinite" restart="never" nodeType="tmRoot"/>
-      </p:par>
-    </p:tnLst>
-  </p:timing>
 </p:sldLayout>
 </file>
 
-<file path=ppt/slideLayouts/slideLayout12.xml><?xml version="1.0" encoding="utf-8"?>
+<file path=ppt/slideLayouts/slideLayout11.xml><?xml version="1.0" encoding="utf-8"?>
 <p:sldLayout xmlns:a="http://schemas.openxmlformats.org/drawingml/2006/main" xmlns:r="http://schemas.openxmlformats.org/officeDocument/2006/relationships" xmlns:p="http://schemas.openxmlformats.org/presentationml/2006/main" preserve="1" userDrawn="1">
   <p:cSld name="disposition personnalisée">
     <p:spTree>
@@ -2392,10 +2350,9 @@
           </a:lstStyle>
           <a:p>
             <a:r>
-              <a:rPr lang="fr-FR" dirty="0" smtClean="0"/>
+              <a:rPr lang="fr-FR" dirty="0"/>
               <a:t>diapositive avec liste numérique</a:t>
             </a:r>
-            <a:endParaRPr lang="fr-FR" dirty="0"/>
           </a:p>
         </p:txBody>
       </p:sp>
@@ -2544,14 +2501,14 @@
               <a:defRPr/>
             </a:pPr>
             <a:r>
-              <a:rPr lang="fr-FR" dirty="0" smtClean="0"/>
+              <a:rPr lang="fr-FR" dirty="0"/>
               <a:t>texte courant relatif au point 1</a:t>
             </a:r>
             <a:br>
-              <a:rPr lang="fr-FR" dirty="0" smtClean="0"/>
+              <a:rPr lang="fr-FR" dirty="0"/>
             </a:br>
             <a:r>
-              <a:rPr lang="fr-FR" dirty="0" smtClean="0"/>
+              <a:rPr lang="fr-FR" dirty="0"/>
               <a:t>texte courant relatif au point 1</a:t>
             </a:r>
           </a:p>
@@ -2625,7 +2582,7 @@
               <a:buSzPct val="70000"/>
             </a:pPr>
             <a:r>
-              <a:rPr lang="en-GB" sz="6400" dirty="0" smtClean="0">
+              <a:rPr lang="en-GB" sz="6400" dirty="0">
                 <a:solidFill>
                   <a:srgbClr val="FF6600"/>
                 </a:solidFill>
@@ -2706,14 +2663,14 @@
               <a:defRPr/>
             </a:pPr>
             <a:r>
-              <a:rPr lang="fr-FR" dirty="0" smtClean="0"/>
+              <a:rPr lang="fr-FR" dirty="0"/>
               <a:t>texte courant relatif au point 2</a:t>
             </a:r>
             <a:br>
-              <a:rPr lang="fr-FR" dirty="0" smtClean="0"/>
+              <a:rPr lang="fr-FR" dirty="0"/>
             </a:br>
             <a:r>
-              <a:rPr lang="fr-FR" dirty="0" smtClean="0"/>
+              <a:rPr lang="fr-FR" dirty="0"/>
               <a:t>texte courant relatif au point 2</a:t>
             </a:r>
           </a:p>
@@ -2787,7 +2744,7 @@
               <a:buSzPct val="70000"/>
             </a:pPr>
             <a:r>
-              <a:rPr lang="en-GB" sz="6400" dirty="0" smtClean="0">
+              <a:rPr lang="en-GB" sz="6400" dirty="0">
                 <a:solidFill>
                   <a:srgbClr val="FF6600"/>
                 </a:solidFill>
@@ -2868,14 +2825,14 @@
               <a:defRPr/>
             </a:pPr>
             <a:r>
-              <a:rPr lang="fr-FR" dirty="0" smtClean="0"/>
+              <a:rPr lang="fr-FR" dirty="0"/>
               <a:t>texte courant relatif au point 3</a:t>
             </a:r>
             <a:br>
-              <a:rPr lang="fr-FR" dirty="0" smtClean="0"/>
+              <a:rPr lang="fr-FR" dirty="0"/>
             </a:br>
             <a:r>
-              <a:rPr lang="fr-FR" dirty="0" smtClean="0"/>
+              <a:rPr lang="fr-FR" dirty="0"/>
               <a:t>texte courant relatif au point 3</a:t>
             </a:r>
           </a:p>
@@ -2895,17 +2852,10 @@
   <p:clrMapOvr>
     <a:masterClrMapping/>
   </p:clrMapOvr>
-  <p:timing>
-    <p:tnLst>
-      <p:par>
-        <p:cTn id="1" dur="indefinite" restart="never" nodeType="tmRoot"/>
-      </p:par>
-    </p:tnLst>
-  </p:timing>
 </p:sldLayout>
 </file>
 
-<file path=ppt/slideLayouts/slideLayout13.xml><?xml version="1.0" encoding="utf-8"?>
+<file path=ppt/slideLayouts/slideLayout12.xml><?xml version="1.0" encoding="utf-8"?>
 <p:sldLayout xmlns:a="http://schemas.openxmlformats.org/drawingml/2006/main" xmlns:r="http://schemas.openxmlformats.org/officeDocument/2006/relationships" xmlns:p="http://schemas.openxmlformats.org/presentationml/2006/main" preserve="1" userDrawn="1">
   <p:cSld name="chiffres ou point clefs à mettre en valeur">
     <p:spTree>
@@ -2947,10 +2897,9 @@
           </a:lstStyle>
           <a:p>
             <a:r>
-              <a:rPr lang="fr-FR" dirty="0" smtClean="0"/>
+              <a:rPr lang="fr-FR" dirty="0"/>
               <a:t>chiffres ou points clefs à mettre en valeur</a:t>
             </a:r>
-            <a:endParaRPr lang="fr-FR" dirty="0"/>
           </a:p>
         </p:txBody>
       </p:sp>
@@ -3019,7 +2968,7 @@
               <a:buNone/>
             </a:pPr>
             <a:r>
-              <a:rPr lang="fr-FR" dirty="0" smtClean="0">
+              <a:rPr lang="fr-FR" dirty="0">
                 <a:latin typeface="Helvetica 55 Roman" pitchFamily="34" charset="0"/>
               </a:rPr>
               <a:t>la présentation de ce qui est mis en valeur est ici</a:t>
@@ -3387,7 +3336,7 @@
               <a:defRPr/>
             </a:pPr>
             <a:r>
-              <a:rPr lang="fr-FR" dirty="0" smtClean="0"/>
+              <a:rPr lang="fr-FR" dirty="0"/>
               <a:t>texte qui accompagne le chiffre clef, texte qui accompagne le chiffre clef</a:t>
             </a:r>
           </a:p>
@@ -3412,7 +3361,7 @@
               <a:defRPr/>
             </a:pPr>
             <a:r>
-              <a:rPr lang="fr-FR" dirty="0" smtClean="0"/>
+              <a:rPr lang="fr-FR" dirty="0"/>
               <a:t>texte qui accompagne le chiffre clef</a:t>
             </a:r>
           </a:p>
@@ -3486,7 +3435,7 @@
               <a:defRPr/>
             </a:pPr>
             <a:r>
-              <a:rPr lang="fr-FR" dirty="0" smtClean="0"/>
+              <a:rPr lang="fr-FR" dirty="0"/>
               <a:t>texte qui accompagne le chiffre clef, texte qui accompagne le chiffre clef </a:t>
             </a:r>
           </a:p>
@@ -3511,7 +3460,7 @@
               <a:defRPr/>
             </a:pPr>
             <a:r>
-              <a:rPr lang="fr-FR" dirty="0" smtClean="0"/>
+              <a:rPr lang="fr-FR" dirty="0"/>
               <a:t>texte qui accompagne le chiffre clef </a:t>
             </a:r>
           </a:p>
@@ -3585,7 +3534,7 @@
               <a:defRPr/>
             </a:pPr>
             <a:r>
-              <a:rPr lang="fr-FR" dirty="0" smtClean="0"/>
+              <a:rPr lang="fr-FR" dirty="0"/>
               <a:t>texte qui accompagne le chiffre clef, texte qui accompagne le chiffre clef </a:t>
             </a:r>
           </a:p>
@@ -3610,7 +3559,7 @@
               <a:defRPr/>
             </a:pPr>
             <a:r>
-              <a:rPr lang="fr-FR" dirty="0" smtClean="0"/>
+              <a:rPr lang="fr-FR" dirty="0"/>
               <a:t>texte qui accompagne le chiffre clef</a:t>
             </a:r>
           </a:p>
@@ -3684,7 +3633,7 @@
               <a:defRPr/>
             </a:pPr>
             <a:r>
-              <a:rPr lang="fr-FR" dirty="0" smtClean="0"/>
+              <a:rPr lang="fr-FR" dirty="0"/>
               <a:t>texte qui accompagne le chiffre clef, texte qui accompagne le chiffre clef </a:t>
             </a:r>
           </a:p>
@@ -3709,7 +3658,7 @@
               <a:defRPr/>
             </a:pPr>
             <a:r>
-              <a:rPr lang="fr-FR" dirty="0" smtClean="0"/>
+              <a:rPr lang="fr-FR" dirty="0"/>
               <a:t>texte qui accompagne le chiffre clef</a:t>
             </a:r>
           </a:p>
@@ -3729,17 +3678,10 @@
   <p:clrMapOvr>
     <a:masterClrMapping/>
   </p:clrMapOvr>
-  <p:timing>
-    <p:tnLst>
-      <p:par>
-        <p:cTn id="1" dur="indefinite" restart="never" nodeType="tmRoot"/>
-      </p:par>
-    </p:tnLst>
-  </p:timing>
 </p:sldLayout>
 </file>
 
-<file path=ppt/slideLayouts/slideLayout14.xml><?xml version="1.0" encoding="utf-8"?>
+<file path=ppt/slideLayouts/slideLayout13.xml><?xml version="1.0" encoding="utf-8"?>
 <p:sldLayout xmlns:a="http://schemas.openxmlformats.org/drawingml/2006/main" xmlns:r="http://schemas.openxmlformats.org/officeDocument/2006/relationships" xmlns:p="http://schemas.openxmlformats.org/presentationml/2006/main" preserve="1" userDrawn="1">
   <p:cSld name="chiffres clefs">
     <p:spTree>
@@ -3781,10 +3723,9 @@
           </a:lstStyle>
           <a:p>
             <a:r>
-              <a:rPr lang="fr-FR" dirty="0" smtClean="0"/>
+              <a:rPr lang="fr-FR" dirty="0"/>
               <a:t>chiffres ou points clefs à mettre en valeur</a:t>
             </a:r>
-            <a:endParaRPr lang="fr-FR" dirty="0"/>
           </a:p>
         </p:txBody>
       </p:sp>
@@ -3820,7 +3761,7 @@
           <a:p>
             <a:pPr lvl="0"/>
             <a:r>
-              <a:rPr lang="fr-FR" dirty="0" smtClean="0"/>
+              <a:rPr lang="fr-FR" dirty="0"/>
               <a:t>chiffres clefs</a:t>
             </a:r>
           </a:p>
@@ -3858,7 +3799,7 @@
           <a:p>
             <a:pPr lvl="0"/>
             <a:r>
-              <a:rPr lang="fr-FR" dirty="0" smtClean="0"/>
+              <a:rPr lang="fr-FR" dirty="0"/>
               <a:t>chiffres clefs</a:t>
             </a:r>
           </a:p>
@@ -3896,7 +3837,7 @@
           <a:p>
             <a:pPr lvl="0"/>
             <a:r>
-              <a:rPr lang="fr-FR" dirty="0" smtClean="0"/>
+              <a:rPr lang="fr-FR" dirty="0"/>
               <a:t>chiffres clefs</a:t>
             </a:r>
           </a:p>
@@ -3934,7 +3875,7 @@
           <a:p>
             <a:pPr lvl="0"/>
             <a:r>
-              <a:rPr lang="fr-FR" dirty="0" smtClean="0"/>
+              <a:rPr lang="fr-FR" dirty="0"/>
               <a:t>chiffres clefs</a:t>
             </a:r>
           </a:p>
@@ -3972,10 +3913,9 @@
           <a:p>
             <a:pPr lvl="0"/>
             <a:r>
-              <a:rPr lang="fr-FR" dirty="0" smtClean="0"/>
+              <a:rPr lang="fr-FR" dirty="0"/>
               <a:t>chiffres clefs</a:t>
             </a:r>
-            <a:endParaRPr lang="fr-FR" dirty="0"/>
           </a:p>
         </p:txBody>
       </p:sp>
@@ -4044,10 +3984,9 @@
           <a:p>
             <a:pPr lvl="0"/>
             <a:r>
-              <a:rPr lang="fr-FR" dirty="0" smtClean="0"/>
+              <a:rPr lang="fr-FR" dirty="0"/>
               <a:t>###</a:t>
             </a:r>
-            <a:endParaRPr lang="fr-FR" dirty="0"/>
           </a:p>
         </p:txBody>
       </p:sp>
@@ -4116,10 +4055,9 @@
           <a:p>
             <a:pPr lvl="0"/>
             <a:r>
-              <a:rPr lang="fr-FR" dirty="0" smtClean="0"/>
+              <a:rPr lang="fr-FR" dirty="0"/>
               <a:t>###</a:t>
             </a:r>
-            <a:endParaRPr lang="fr-FR" dirty="0"/>
           </a:p>
         </p:txBody>
       </p:sp>
@@ -4188,10 +4126,9 @@
           <a:p>
             <a:pPr lvl="0"/>
             <a:r>
-              <a:rPr lang="fr-FR" dirty="0" smtClean="0"/>
+              <a:rPr lang="fr-FR" dirty="0"/>
               <a:t>###</a:t>
             </a:r>
-            <a:endParaRPr lang="fr-FR" dirty="0"/>
           </a:p>
         </p:txBody>
       </p:sp>
@@ -4260,10 +4197,9 @@
           <a:p>
             <a:pPr lvl="0"/>
             <a:r>
-              <a:rPr lang="fr-FR" dirty="0" smtClean="0"/>
+              <a:rPr lang="fr-FR" dirty="0"/>
               <a:t>###</a:t>
             </a:r>
-            <a:endParaRPr lang="fr-FR" dirty="0"/>
           </a:p>
         </p:txBody>
       </p:sp>
@@ -4277,17 +4213,10 @@
   <p:clrMapOvr>
     <a:masterClrMapping/>
   </p:clrMapOvr>
-  <p:timing>
-    <p:tnLst>
-      <p:par>
-        <p:cTn id="1" dur="indefinite" restart="never" nodeType="tmRoot"/>
-      </p:par>
-    </p:tnLst>
-  </p:timing>
 </p:sldLayout>
 </file>
 
-<file path=ppt/slideLayouts/slideLayout15.xml><?xml version="1.0" encoding="utf-8"?>
+<file path=ppt/slideLayouts/slideLayout14.xml><?xml version="1.0" encoding="utf-8"?>
 <p:sldLayout xmlns:a="http://schemas.openxmlformats.org/drawingml/2006/main" xmlns:r="http://schemas.openxmlformats.org/officeDocument/2006/relationships" xmlns:p="http://schemas.openxmlformats.org/presentationml/2006/main" preserve="1" userDrawn="1">
   <p:cSld name="chiffres clefs 2">
     <p:spTree>
@@ -4329,10 +4258,9 @@
           </a:lstStyle>
           <a:p>
             <a:r>
-              <a:rPr lang="fr-FR" dirty="0" smtClean="0"/>
+              <a:rPr lang="fr-FR" dirty="0"/>
               <a:t>chiffres ou points clefs à mettre en valeur</a:t>
             </a:r>
-            <a:endParaRPr lang="fr-FR" dirty="0"/>
           </a:p>
         </p:txBody>
       </p:sp>
@@ -4368,7 +4296,7 @@
           <a:p>
             <a:pPr lvl="0"/>
             <a:r>
-              <a:rPr lang="fr-FR" dirty="0" smtClean="0">
+              <a:rPr lang="fr-FR" dirty="0">
                 <a:solidFill>
                   <a:schemeClr val="tx2"/>
                 </a:solidFill>
@@ -4413,7 +4341,7 @@
           <a:p>
             <a:pPr lvl="0"/>
             <a:r>
-              <a:rPr lang="fr-FR" dirty="0" smtClean="0"/>
+              <a:rPr lang="fr-FR" dirty="0"/>
               <a:t>chiffres clefs</a:t>
             </a:r>
           </a:p>
@@ -4451,7 +4379,7 @@
           <a:p>
             <a:pPr lvl="0"/>
             <a:r>
-              <a:rPr lang="fr-FR" dirty="0" smtClean="0">
+              <a:rPr lang="fr-FR" dirty="0">
                 <a:solidFill>
                   <a:schemeClr val="tx2"/>
                 </a:solidFill>
@@ -4496,7 +4424,7 @@
           <a:p>
             <a:pPr lvl="0"/>
             <a:r>
-              <a:rPr lang="fr-FR" dirty="0" smtClean="0"/>
+              <a:rPr lang="fr-FR" dirty="0"/>
               <a:t>chiffres clefs</a:t>
             </a:r>
           </a:p>
@@ -4534,7 +4462,7 @@
           <a:p>
             <a:pPr lvl="0"/>
             <a:r>
-              <a:rPr lang="fr-FR" dirty="0" smtClean="0">
+              <a:rPr lang="fr-FR" dirty="0">
                 <a:solidFill>
                   <a:schemeClr val="tx2"/>
                 </a:solidFill>
@@ -4579,7 +4507,7 @@
           <a:p>
             <a:pPr lvl="0"/>
             <a:r>
-              <a:rPr lang="fr-FR" dirty="0" smtClean="0"/>
+              <a:rPr lang="fr-FR" dirty="0"/>
               <a:t>chiffres clefs</a:t>
             </a:r>
           </a:p>
@@ -4617,7 +4545,7 @@
           <a:p>
             <a:pPr lvl="0"/>
             <a:r>
-              <a:rPr lang="fr-FR" dirty="0" smtClean="0">
+              <a:rPr lang="fr-FR" dirty="0">
                 <a:solidFill>
                   <a:schemeClr val="tx2"/>
                 </a:solidFill>
@@ -4662,7 +4590,7 @@
           <a:p>
             <a:pPr lvl="0"/>
             <a:r>
-              <a:rPr lang="fr-FR" dirty="0" smtClean="0"/>
+              <a:rPr lang="fr-FR" dirty="0"/>
               <a:t>chiffres clefs</a:t>
             </a:r>
           </a:p>
@@ -4700,10 +4628,9 @@
           <a:p>
             <a:pPr lvl="0"/>
             <a:r>
-              <a:rPr lang="fr-FR" dirty="0" smtClean="0"/>
+              <a:rPr lang="fr-FR" dirty="0"/>
               <a:t>chiffres clefs</a:t>
             </a:r>
-            <a:endParaRPr lang="fr-FR" dirty="0"/>
           </a:p>
         </p:txBody>
       </p:sp>
@@ -4717,17 +4644,10 @@
   <p:clrMapOvr>
     <a:masterClrMapping/>
   </p:clrMapOvr>
-  <p:timing>
-    <p:tnLst>
-      <p:par>
-        <p:cTn id="1" dur="indefinite" restart="never" nodeType="tmRoot"/>
-      </p:par>
-    </p:tnLst>
-  </p:timing>
 </p:sldLayout>
 </file>
 
-<file path=ppt/slideLayouts/slideLayout16.xml><?xml version="1.0" encoding="utf-8"?>
+<file path=ppt/slideLayouts/slideLayout15.xml><?xml version="1.0" encoding="utf-8"?>
 <p:sldLayout xmlns:a="http://schemas.openxmlformats.org/drawingml/2006/main" xmlns:r="http://schemas.openxmlformats.org/officeDocument/2006/relationships" xmlns:p="http://schemas.openxmlformats.org/presentationml/2006/main" preserve="1" userDrawn="1">
   <p:cSld name="texte visuel et annotation">
     <p:spTree>
@@ -4769,10 +4689,9 @@
           </a:lstStyle>
           <a:p>
             <a:r>
-              <a:rPr lang="fr-FR" dirty="0" smtClean="0"/>
+              <a:rPr lang="fr-FR" dirty="0"/>
               <a:t>texte, visuel et annotation</a:t>
             </a:r>
-            <a:endParaRPr lang="fr-FR" dirty="0"/>
           </a:p>
         </p:txBody>
       </p:sp>
@@ -4804,7 +4723,7 @@
           </a:lstStyle>
           <a:p>
             <a:r>
-              <a:rPr lang="fr-FR" dirty="0" smtClean="0"/>
+              <a:rPr lang="fr-FR" dirty="0"/>
               <a:t>des informations complémentaires peuvent être ajoutées au visuel selon le format ci-contre</a:t>
             </a:r>
           </a:p>
@@ -4846,18 +4765,13 @@
               <a:buSzPct val="70000"/>
             </a:pPr>
             <a:r>
-              <a:rPr lang="fr-FR" dirty="0" smtClean="0">
+              <a:rPr lang="fr-FR" dirty="0">
                 <a:solidFill>
                   <a:schemeClr val="tx2"/>
                 </a:solidFill>
               </a:rPr>
               <a:t>annotation</a:t>
             </a:r>
-            <a:endParaRPr lang="fr-FR" dirty="0">
-              <a:solidFill>
-                <a:schemeClr val="tx2"/>
-              </a:solidFill>
-            </a:endParaRPr>
           </a:p>
         </p:txBody>
       </p:sp>
@@ -4889,10 +4803,9 @@
           </a:lstStyle>
           <a:p>
             <a:r>
-              <a:rPr lang="fr-FR" dirty="0" smtClean="0"/>
+              <a:rPr lang="fr-FR" dirty="0"/>
               <a:t>cliquez ici pour insérer une image</a:t>
             </a:r>
-            <a:endParaRPr lang="fr-FR" dirty="0"/>
           </a:p>
         </p:txBody>
       </p:sp>
@@ -4906,17 +4819,10 @@
   <p:clrMapOvr>
     <a:masterClrMapping/>
   </p:clrMapOvr>
-  <p:timing>
-    <p:tnLst>
-      <p:par>
-        <p:cTn id="1" dur="indefinite" restart="never" nodeType="tmRoot"/>
-      </p:par>
-    </p:tnLst>
-  </p:timing>
 </p:sldLayout>
 </file>
 
-<file path=ppt/slideLayouts/slideLayout17.xml><?xml version="1.0" encoding="utf-8"?>
+<file path=ppt/slideLayouts/slideLayout16.xml><?xml version="1.0" encoding="utf-8"?>
 <p:sldLayout xmlns:a="http://schemas.openxmlformats.org/drawingml/2006/main" xmlns:r="http://schemas.openxmlformats.org/officeDocument/2006/relationships" xmlns:p="http://schemas.openxmlformats.org/presentationml/2006/main" preserve="1" userDrawn="1">
   <p:cSld name="visuel demi page">
     <p:spTree>
@@ -4958,17 +4864,16 @@
           </a:lstStyle>
           <a:p>
             <a:r>
-              <a:rPr lang="fr-FR" dirty="0" smtClean="0"/>
+              <a:rPr lang="fr-FR" dirty="0"/>
               <a:t>visuel sur une </a:t>
             </a:r>
             <a:br>
-              <a:rPr lang="fr-FR" dirty="0" smtClean="0"/>
+              <a:rPr lang="fr-FR" dirty="0"/>
             </a:br>
             <a:r>
-              <a:rPr lang="fr-FR" dirty="0" smtClean="0"/>
+              <a:rPr lang="fr-FR" dirty="0"/>
               <a:t>moitié de page</a:t>
             </a:r>
-            <a:endParaRPr lang="fr-FR" dirty="0"/>
           </a:p>
         </p:txBody>
       </p:sp>
@@ -5017,7 +4922,7 @@
           </a:lstStyle>
           <a:p>
             <a:r>
-              <a:rPr lang="fr-FR" dirty="0" smtClean="0"/>
+              <a:rPr lang="fr-FR" dirty="0"/>
               <a:t>un visuel peut être inséré sur une moitié de page</a:t>
             </a:r>
           </a:p>
@@ -5047,10 +4952,9 @@
           <a:lstStyle/>
           <a:p>
             <a:r>
-              <a:rPr lang="fr-FR" dirty="0" smtClean="0"/>
+              <a:rPr lang="fr-FR" dirty="0"/>
               <a:t>cliquez sur l'icône pour ajouter une image</a:t>
             </a:r>
-            <a:endParaRPr lang="fr-FR" dirty="0"/>
           </a:p>
         </p:txBody>
       </p:sp>
@@ -5064,17 +4968,10 @@
   <p:clrMapOvr>
     <a:masterClrMapping/>
   </p:clrMapOvr>
-  <p:timing>
-    <p:tnLst>
-      <p:par>
-        <p:cTn id="1" dur="indefinite" restart="never" nodeType="tmRoot"/>
-      </p:par>
-    </p:tnLst>
-  </p:timing>
 </p:sldLayout>
 </file>
 
-<file path=ppt/slideLayouts/slideLayout18.xml><?xml version="1.0" encoding="utf-8"?>
+<file path=ppt/slideLayouts/slideLayout17.xml><?xml version="1.0" encoding="utf-8"?>
 <p:sldLayout xmlns:a="http://schemas.openxmlformats.org/drawingml/2006/main" xmlns:r="http://schemas.openxmlformats.org/officeDocument/2006/relationships" xmlns:p="http://schemas.openxmlformats.org/presentationml/2006/main" preserve="1" userDrawn="1">
   <p:cSld name="visuels multiples">
     <p:spTree>
@@ -5116,10 +5013,9 @@
           </a:lstStyle>
           <a:p>
             <a:r>
-              <a:rPr lang="fr-FR" dirty="0" smtClean="0"/>
+              <a:rPr lang="fr-FR" dirty="0"/>
               <a:t>visuels multiples</a:t>
             </a:r>
-            <a:endParaRPr lang="fr-FR" dirty="0"/>
           </a:p>
         </p:txBody>
       </p:sp>
@@ -5149,10 +5045,9 @@
           </a:lstStyle>
           <a:p>
             <a:r>
-              <a:rPr lang="fr-FR" dirty="0" smtClean="0"/>
+              <a:rPr lang="fr-FR" dirty="0"/>
               <a:t>cliquez sur l’icône pour insérer une image</a:t>
             </a:r>
-            <a:endParaRPr lang="fr-FR" dirty="0"/>
           </a:p>
         </p:txBody>
       </p:sp>
@@ -5182,10 +5077,9 @@
           </a:lstStyle>
           <a:p>
             <a:r>
-              <a:rPr lang="fr-FR" dirty="0" smtClean="0"/>
+              <a:rPr lang="fr-FR" dirty="0"/>
               <a:t>cliquez sur l’icône pour insérer une image</a:t>
             </a:r>
-            <a:endParaRPr lang="fr-FR" dirty="0"/>
           </a:p>
         </p:txBody>
       </p:sp>
@@ -5249,7 +5143,7 @@
               <a:defRPr/>
             </a:pPr>
             <a:r>
-              <a:rPr lang="fr-FR" sz="1200" dirty="0" smtClean="0"/>
+              <a:rPr lang="fr-FR" sz="1200" dirty="0"/>
               <a:t>quand vous utilisez des images multiples, n’oubliez pas de laisser un minimum de 5 mm entre les visuels</a:t>
             </a:r>
           </a:p>
@@ -5315,7 +5209,7 @@
               <a:defRPr/>
             </a:pPr>
             <a:r>
-              <a:rPr lang="fr-FR" sz="1200" dirty="0" smtClean="0"/>
+              <a:rPr lang="fr-FR" sz="1200" dirty="0"/>
               <a:t>quand vous utilisez des images multiples, n’oubliez pas de laisser un minimum de 5 mm entre les visuels</a:t>
             </a:r>
           </a:p>
@@ -5331,17 +5225,10 @@
   <p:clrMapOvr>
     <a:masterClrMapping/>
   </p:clrMapOvr>
-  <p:timing>
-    <p:tnLst>
-      <p:par>
-        <p:cTn id="1" dur="indefinite" restart="never" nodeType="tmRoot"/>
-      </p:par>
-    </p:tnLst>
-  </p:timing>
 </p:sldLayout>
 </file>
 
-<file path=ppt/slideLayouts/slideLayout19.xml><?xml version="1.0" encoding="utf-8"?>
+<file path=ppt/slideLayouts/slideLayout18.xml><?xml version="1.0" encoding="utf-8"?>
 <p:sldLayout xmlns:a="http://schemas.openxmlformats.org/drawingml/2006/main" xmlns:r="http://schemas.openxmlformats.org/officeDocument/2006/relationships" xmlns:p="http://schemas.openxmlformats.org/presentationml/2006/main" preserve="1" userDrawn="1">
   <p:cSld name="visuels multiples 4">
     <p:spTree>
@@ -5383,10 +5270,9 @@
           </a:lstStyle>
           <a:p>
             <a:r>
-              <a:rPr lang="fr-FR" dirty="0" smtClean="0"/>
+              <a:rPr lang="fr-FR" dirty="0"/>
               <a:t>visuels multiples</a:t>
             </a:r>
-            <a:endParaRPr lang="fr-FR" dirty="0"/>
           </a:p>
         </p:txBody>
       </p:sp>
@@ -5416,10 +5302,9 @@
           </a:lstStyle>
           <a:p>
             <a:r>
-              <a:rPr lang="fr-FR" dirty="0" smtClean="0"/>
+              <a:rPr lang="fr-FR" dirty="0"/>
               <a:t>cliquez sur l’icône pour insérer une image</a:t>
             </a:r>
-            <a:endParaRPr lang="fr-FR" dirty="0"/>
           </a:p>
         </p:txBody>
       </p:sp>
@@ -5449,10 +5334,9 @@
           </a:lstStyle>
           <a:p>
             <a:r>
-              <a:rPr lang="fr-FR" dirty="0" smtClean="0"/>
+              <a:rPr lang="fr-FR" dirty="0"/>
               <a:t>cliquez sur l’icône pour insérer une image</a:t>
             </a:r>
-            <a:endParaRPr lang="fr-FR" dirty="0"/>
           </a:p>
         </p:txBody>
       </p:sp>
@@ -5482,10 +5366,9 @@
           </a:lstStyle>
           <a:p>
             <a:r>
-              <a:rPr lang="fr-FR" dirty="0" smtClean="0"/>
+              <a:rPr lang="fr-FR" dirty="0"/>
               <a:t>cliquez sur l’icône pour insérer une image</a:t>
             </a:r>
-            <a:endParaRPr lang="fr-FR" dirty="0"/>
           </a:p>
         </p:txBody>
       </p:sp>
@@ -5515,10 +5398,9 @@
           </a:lstStyle>
           <a:p>
             <a:r>
-              <a:rPr lang="fr-FR" dirty="0" smtClean="0"/>
+              <a:rPr lang="fr-FR" dirty="0"/>
               <a:t>cliquez sur l’icône pour insérer une image</a:t>
             </a:r>
-            <a:endParaRPr lang="fr-FR" dirty="0"/>
           </a:p>
         </p:txBody>
       </p:sp>
@@ -5582,7 +5464,7 @@
               <a:defRPr/>
             </a:pPr>
             <a:r>
-              <a:rPr lang="fr-FR" sz="1200" dirty="0" smtClean="0"/>
+              <a:rPr lang="fr-FR" sz="1200" dirty="0"/>
               <a:t>quand vous utilisez des images multiples, n’oubliez pas de laisser un minimum de 5 mm entre les visuels</a:t>
             </a:r>
           </a:p>
@@ -5648,7 +5530,7 @@
               <a:defRPr/>
             </a:pPr>
             <a:r>
-              <a:rPr lang="fr-FR" sz="1200" dirty="0" smtClean="0"/>
+              <a:rPr lang="fr-FR" sz="1200" dirty="0"/>
               <a:t>quand vous utilisez des images multiples, n’oubliez pas de laisser un minimum de 5 mm entre les visuels</a:t>
             </a:r>
           </a:p>
@@ -5714,7 +5596,7 @@
               <a:defRPr/>
             </a:pPr>
             <a:r>
-              <a:rPr lang="fr-FR" sz="1200" dirty="0" smtClean="0"/>
+              <a:rPr lang="fr-FR" sz="1200" dirty="0"/>
               <a:t>quand vous utilisez des images multiples, n’oubliez pas de laisser un minimum de 5 mm entre les visuels</a:t>
             </a:r>
           </a:p>
@@ -5780,7 +5662,7 @@
               <a:defRPr/>
             </a:pPr>
             <a:r>
-              <a:rPr lang="fr-FR" sz="1200" dirty="0" smtClean="0"/>
+              <a:rPr lang="fr-FR" sz="1200" dirty="0"/>
               <a:t>quand vous utilisez des images multiples, n’oubliez pas de laisser un minimum de 5 mm entre les visuels</a:t>
             </a:r>
           </a:p>
@@ -5796,1661 +5678,10 @@
   <p:clrMapOvr>
     <a:masterClrMapping/>
   </p:clrMapOvr>
-  <p:timing>
-    <p:tnLst>
-      <p:par>
-        <p:cTn id="1" dur="indefinite" restart="never" nodeType="tmRoot"/>
-      </p:par>
-    </p:tnLst>
-  </p:timing>
 </p:sldLayout>
 </file>
 
-<file path=ppt/slideLayouts/slideLayout2.xml><?xml version="1.0" encoding="utf-8"?>
-<p:sldLayout xmlns:a="http://schemas.openxmlformats.org/drawingml/2006/main" xmlns:r="http://schemas.openxmlformats.org/officeDocument/2006/relationships" xmlns:p="http://schemas.openxmlformats.org/presentationml/2006/main" showMasterSp="0" preserve="1" userDrawn="1">
-  <p:cSld name="3_Disposition personnalisée">
-    <p:spTree>
-      <p:nvGrpSpPr>
-        <p:cNvPr id="1" name=""/>
-        <p:cNvGrpSpPr/>
-        <p:nvPr/>
-      </p:nvGrpSpPr>
-      <p:grpSpPr>
-        <a:xfrm>
-          <a:off x="0" y="0"/>
-          <a:ext cx="0" cy="0"/>
-          <a:chOff x="0" y="0"/>
-          <a:chExt cx="0" cy="0"/>
-        </a:xfrm>
-      </p:grpSpPr>
-      <p:sp>
-        <p:nvSpPr>
-          <p:cNvPr id="35" name="Rectangle 34"/>
-          <p:cNvSpPr/>
-          <p:nvPr userDrawn="1"/>
-        </p:nvSpPr>
-        <p:spPr>
-          <a:xfrm>
-            <a:off x="262430" y="3348896"/>
-            <a:ext cx="1296000" cy="1080000"/>
-          </a:xfrm>
-          <a:prstGeom prst="rect">
-            <a:avLst/>
-          </a:prstGeom>
-          <a:solidFill>
-            <a:srgbClr val="0070C0"/>
-          </a:solidFill>
-          <a:ln>
-            <a:solidFill>
-              <a:srgbClr val="00B0F0"/>
-            </a:solidFill>
-          </a:ln>
-        </p:spPr>
-        <p:style>
-          <a:lnRef idx="2">
-            <a:schemeClr val="accent1">
-              <a:shade val="50000"/>
-            </a:schemeClr>
-          </a:lnRef>
-          <a:fillRef idx="1">
-            <a:schemeClr val="accent1"/>
-          </a:fillRef>
-          <a:effectRef idx="0">
-            <a:schemeClr val="accent1"/>
-          </a:effectRef>
-          <a:fontRef idx="minor">
-            <a:schemeClr val="lt1"/>
-          </a:fontRef>
-        </p:style>
-        <p:txBody>
-          <a:bodyPr rtlCol="0" anchor="ctr"/>
-          <a:lstStyle/>
-          <a:p>
-            <a:pPr algn="ctr"/>
-            <a:endParaRPr lang="fr-FR"/>
-          </a:p>
-        </p:txBody>
-      </p:sp>
-      <p:sp>
-        <p:nvSpPr>
-          <p:cNvPr id="36" name="Rectangle 35"/>
-          <p:cNvSpPr/>
-          <p:nvPr userDrawn="1"/>
-        </p:nvSpPr>
-        <p:spPr>
-          <a:xfrm>
-            <a:off x="156236" y="5121328"/>
-            <a:ext cx="1080000" cy="1260000"/>
-          </a:xfrm>
-          <a:prstGeom prst="rect">
-            <a:avLst/>
-          </a:prstGeom>
-          <a:solidFill>
-            <a:srgbClr val="0070C0"/>
-          </a:solidFill>
-          <a:ln>
-            <a:solidFill>
-              <a:srgbClr val="00B0F0"/>
-            </a:solidFill>
-          </a:ln>
-        </p:spPr>
-        <p:style>
-          <a:lnRef idx="2">
-            <a:schemeClr val="accent1">
-              <a:shade val="50000"/>
-            </a:schemeClr>
-          </a:lnRef>
-          <a:fillRef idx="1">
-            <a:schemeClr val="accent1"/>
-          </a:fillRef>
-          <a:effectRef idx="0">
-            <a:schemeClr val="accent1"/>
-          </a:effectRef>
-          <a:fontRef idx="minor">
-            <a:schemeClr val="lt1"/>
-          </a:fontRef>
-        </p:style>
-        <p:txBody>
-          <a:bodyPr rtlCol="0" anchor="ctr"/>
-          <a:lstStyle/>
-          <a:p>
-            <a:pPr algn="ctr"/>
-            <a:endParaRPr lang="fr-FR"/>
-          </a:p>
-        </p:txBody>
-      </p:sp>
-      <p:sp>
-        <p:nvSpPr>
-          <p:cNvPr id="37" name="Rectangle 36"/>
-          <p:cNvSpPr/>
-          <p:nvPr userDrawn="1"/>
-        </p:nvSpPr>
-        <p:spPr>
-          <a:xfrm>
-            <a:off x="1766218" y="653602"/>
-            <a:ext cx="1080000" cy="1080000"/>
-          </a:xfrm>
-          <a:prstGeom prst="rect">
-            <a:avLst/>
-          </a:prstGeom>
-          <a:solidFill>
-            <a:srgbClr val="0070C0"/>
-          </a:solidFill>
-          <a:ln>
-            <a:solidFill>
-              <a:srgbClr val="00B0F0"/>
-            </a:solidFill>
-          </a:ln>
-        </p:spPr>
-        <p:style>
-          <a:lnRef idx="2">
-            <a:schemeClr val="accent1">
-              <a:shade val="50000"/>
-            </a:schemeClr>
-          </a:lnRef>
-          <a:fillRef idx="1">
-            <a:schemeClr val="accent1"/>
-          </a:fillRef>
-          <a:effectRef idx="0">
-            <a:schemeClr val="accent1"/>
-          </a:effectRef>
-          <a:fontRef idx="minor">
-            <a:schemeClr val="lt1"/>
-          </a:fontRef>
-        </p:style>
-        <p:txBody>
-          <a:bodyPr rtlCol="0" anchor="ctr"/>
-          <a:lstStyle/>
-          <a:p>
-            <a:pPr algn="ctr"/>
-            <a:endParaRPr lang="fr-FR"/>
-          </a:p>
-        </p:txBody>
-      </p:sp>
-      <p:sp>
-        <p:nvSpPr>
-          <p:cNvPr id="38" name="Rectangle 37"/>
-          <p:cNvSpPr/>
-          <p:nvPr userDrawn="1"/>
-        </p:nvSpPr>
-        <p:spPr>
-          <a:xfrm>
-            <a:off x="1766218" y="3348896"/>
-            <a:ext cx="1080000" cy="1080000"/>
-          </a:xfrm>
-          <a:prstGeom prst="rect">
-            <a:avLst/>
-          </a:prstGeom>
-          <a:solidFill>
-            <a:srgbClr val="0070C0"/>
-          </a:solidFill>
-          <a:ln>
-            <a:solidFill>
-              <a:srgbClr val="00B0F0"/>
-            </a:solidFill>
-          </a:ln>
-        </p:spPr>
-        <p:style>
-          <a:lnRef idx="2">
-            <a:schemeClr val="accent1">
-              <a:shade val="50000"/>
-            </a:schemeClr>
-          </a:lnRef>
-          <a:fillRef idx="1">
-            <a:schemeClr val="accent1"/>
-          </a:fillRef>
-          <a:effectRef idx="0">
-            <a:schemeClr val="accent1"/>
-          </a:effectRef>
-          <a:fontRef idx="minor">
-            <a:schemeClr val="lt1"/>
-          </a:fontRef>
-        </p:style>
-        <p:txBody>
-          <a:bodyPr rtlCol="0" anchor="ctr"/>
-          <a:lstStyle/>
-          <a:p>
-            <a:pPr algn="ctr"/>
-            <a:endParaRPr lang="fr-FR"/>
-          </a:p>
-        </p:txBody>
-      </p:sp>
-      <p:sp>
-        <p:nvSpPr>
-          <p:cNvPr id="39" name="Rectangle 38"/>
-          <p:cNvSpPr/>
-          <p:nvPr userDrawn="1"/>
-        </p:nvSpPr>
-        <p:spPr>
-          <a:xfrm>
-            <a:off x="1475775" y="5121327"/>
-            <a:ext cx="1080000" cy="1260000"/>
-          </a:xfrm>
-          <a:prstGeom prst="rect">
-            <a:avLst/>
-          </a:prstGeom>
-          <a:solidFill>
-            <a:srgbClr val="0070C0"/>
-          </a:solidFill>
-          <a:ln>
-            <a:solidFill>
-              <a:srgbClr val="00B0F0"/>
-            </a:solidFill>
-          </a:ln>
-        </p:spPr>
-        <p:style>
-          <a:lnRef idx="2">
-            <a:schemeClr val="accent1">
-              <a:shade val="50000"/>
-            </a:schemeClr>
-          </a:lnRef>
-          <a:fillRef idx="1">
-            <a:schemeClr val="accent1"/>
-          </a:fillRef>
-          <a:effectRef idx="0">
-            <a:schemeClr val="accent1"/>
-          </a:effectRef>
-          <a:fontRef idx="minor">
-            <a:schemeClr val="lt1"/>
-          </a:fontRef>
-        </p:style>
-        <p:txBody>
-          <a:bodyPr rtlCol="0" anchor="ctr"/>
-          <a:lstStyle/>
-          <a:p>
-            <a:pPr algn="ctr"/>
-            <a:endParaRPr lang="fr-FR"/>
-          </a:p>
-        </p:txBody>
-      </p:sp>
-      <p:sp>
-        <p:nvSpPr>
-          <p:cNvPr id="34" name="Rectangle 33"/>
-          <p:cNvSpPr/>
-          <p:nvPr userDrawn="1"/>
-        </p:nvSpPr>
-        <p:spPr>
-          <a:xfrm>
-            <a:off x="262430" y="653602"/>
-            <a:ext cx="1296000" cy="1080000"/>
-          </a:xfrm>
-          <a:prstGeom prst="rect">
-            <a:avLst/>
-          </a:prstGeom>
-          <a:solidFill>
-            <a:srgbClr val="0070C0"/>
-          </a:solidFill>
-          <a:ln>
-            <a:solidFill>
-              <a:srgbClr val="00B0F0"/>
-            </a:solidFill>
-          </a:ln>
-        </p:spPr>
-        <p:style>
-          <a:lnRef idx="2">
-            <a:schemeClr val="accent1">
-              <a:shade val="50000"/>
-            </a:schemeClr>
-          </a:lnRef>
-          <a:fillRef idx="1">
-            <a:schemeClr val="accent1"/>
-          </a:fillRef>
-          <a:effectRef idx="0">
-            <a:schemeClr val="accent1"/>
-          </a:effectRef>
-          <a:fontRef idx="minor">
-            <a:schemeClr val="lt1"/>
-          </a:fontRef>
-        </p:style>
-        <p:txBody>
-          <a:bodyPr rtlCol="0" anchor="ctr"/>
-          <a:lstStyle/>
-          <a:p>
-            <a:pPr algn="ctr"/>
-            <a:endParaRPr lang="fr-FR"/>
-          </a:p>
-        </p:txBody>
-      </p:sp>
-      <p:sp>
-        <p:nvSpPr>
-          <p:cNvPr id="6" name="Espace réservé du texte 5"/>
-          <p:cNvSpPr>
-            <a:spLocks noGrp="1"/>
-          </p:cNvSpPr>
-          <p:nvPr>
-            <p:ph type="body" sz="quarter" idx="10" hasCustomPrompt="1"/>
-          </p:nvPr>
-        </p:nvSpPr>
-        <p:spPr>
-          <a:xfrm>
-            <a:off x="372386" y="1179377"/>
-            <a:ext cx="647700" cy="463648"/>
-          </a:xfrm>
-        </p:spPr>
-        <p:txBody>
-          <a:bodyPr anchor="ctr">
-            <a:noAutofit/>
-          </a:bodyPr>
-          <a:lstStyle>
-            <a:lvl1pPr marL="0" indent="0" algn="ctr">
-              <a:buNone/>
-              <a:defRPr sz="3600" b="1">
-                <a:solidFill>
-                  <a:schemeClr val="bg1"/>
-                </a:solidFill>
-              </a:defRPr>
-            </a:lvl1pPr>
-          </a:lstStyle>
-          <a:p>
-            <a:pPr lvl="0"/>
-            <a:r>
-              <a:rPr lang="fr-FR" dirty="0" smtClean="0"/>
-              <a:t>#</a:t>
-            </a:r>
-            <a:endParaRPr lang="fr-FR" dirty="0"/>
-          </a:p>
-        </p:txBody>
-      </p:sp>
-      <p:sp>
-        <p:nvSpPr>
-          <p:cNvPr id="8" name="ZoneTexte 7"/>
-          <p:cNvSpPr txBox="1"/>
-          <p:nvPr userDrawn="1"/>
-        </p:nvSpPr>
-        <p:spPr>
-          <a:xfrm>
-            <a:off x="262430" y="688190"/>
-            <a:ext cx="1296000" cy="307777"/>
-          </a:xfrm>
-          <a:prstGeom prst="rect">
-            <a:avLst/>
-          </a:prstGeom>
-          <a:noFill/>
-        </p:spPr>
-        <p:txBody>
-          <a:bodyPr wrap="square" rtlCol="0">
-            <a:spAutoFit/>
-          </a:bodyPr>
-          <a:lstStyle/>
-          <a:p>
-            <a:r>
-              <a:rPr lang="fr-FR" sz="1400" b="1" dirty="0" smtClean="0">
-                <a:solidFill>
-                  <a:schemeClr val="bg1"/>
-                </a:solidFill>
-              </a:rPr>
-              <a:t>High </a:t>
-            </a:r>
-            <a:r>
-              <a:rPr lang="fr-FR" sz="1300" b="1" dirty="0" err="1" smtClean="0">
-                <a:solidFill>
-                  <a:schemeClr val="bg1"/>
-                </a:solidFill>
-              </a:rPr>
-              <a:t>Risks</a:t>
-            </a:r>
-            <a:endParaRPr lang="fr-FR" sz="1300" b="1" dirty="0">
-              <a:solidFill>
-                <a:schemeClr val="bg1"/>
-              </a:solidFill>
-            </a:endParaRPr>
-          </a:p>
-        </p:txBody>
-      </p:sp>
-      <p:sp>
-        <p:nvSpPr>
-          <p:cNvPr id="10" name="Espace réservé du texte 5"/>
-          <p:cNvSpPr>
-            <a:spLocks noGrp="1"/>
-          </p:cNvSpPr>
-          <p:nvPr>
-            <p:ph type="body" sz="quarter" idx="11" hasCustomPrompt="1"/>
-          </p:nvPr>
-        </p:nvSpPr>
-        <p:spPr>
-          <a:xfrm>
-            <a:off x="1982368" y="1179377"/>
-            <a:ext cx="647700" cy="463648"/>
-          </a:xfrm>
-        </p:spPr>
-        <p:txBody>
-          <a:bodyPr anchor="ctr">
-            <a:normAutofit/>
-          </a:bodyPr>
-          <a:lstStyle>
-            <a:lvl1pPr marL="0" indent="0" algn="ctr">
-              <a:buNone/>
-              <a:defRPr sz="3200" b="1">
-                <a:solidFill>
-                  <a:schemeClr val="bg1"/>
-                </a:solidFill>
-              </a:defRPr>
-            </a:lvl1pPr>
-          </a:lstStyle>
-          <a:p>
-            <a:pPr lvl="0"/>
-            <a:r>
-              <a:rPr lang="fr-FR" dirty="0" smtClean="0"/>
-              <a:t>#</a:t>
-            </a:r>
-            <a:endParaRPr lang="fr-FR" dirty="0"/>
-          </a:p>
-        </p:txBody>
-      </p:sp>
-      <p:sp>
-        <p:nvSpPr>
-          <p:cNvPr id="11" name="ZoneTexte 10"/>
-          <p:cNvSpPr txBox="1"/>
-          <p:nvPr userDrawn="1"/>
-        </p:nvSpPr>
-        <p:spPr>
-          <a:xfrm>
-            <a:off x="269153" y="3384058"/>
-            <a:ext cx="1282555" cy="307777"/>
-          </a:xfrm>
-          <a:prstGeom prst="rect">
-            <a:avLst/>
-          </a:prstGeom>
-          <a:noFill/>
-        </p:spPr>
-        <p:txBody>
-          <a:bodyPr wrap="square" rtlCol="0">
-            <a:spAutoFit/>
-          </a:bodyPr>
-          <a:lstStyle/>
-          <a:p>
-            <a:r>
-              <a:rPr lang="fr-FR" sz="1400" b="1" dirty="0" smtClean="0">
-                <a:solidFill>
-                  <a:schemeClr val="bg1"/>
-                </a:solidFill>
-              </a:rPr>
-              <a:t>Light</a:t>
-            </a:r>
-            <a:r>
-              <a:rPr lang="fr-FR" sz="1300" b="1" dirty="0" smtClean="0">
-                <a:solidFill>
-                  <a:schemeClr val="bg1"/>
-                </a:solidFill>
-              </a:rPr>
-              <a:t> </a:t>
-            </a:r>
-            <a:r>
-              <a:rPr lang="fr-FR" sz="1300" b="1" dirty="0" err="1" smtClean="0">
-                <a:solidFill>
-                  <a:schemeClr val="bg1"/>
-                </a:solidFill>
-              </a:rPr>
-              <a:t>Risks</a:t>
-            </a:r>
-            <a:endParaRPr lang="fr-FR" sz="1300" b="1" dirty="0">
-              <a:solidFill>
-                <a:schemeClr val="bg1"/>
-              </a:solidFill>
-            </a:endParaRPr>
-          </a:p>
-        </p:txBody>
-      </p:sp>
-      <p:sp>
-        <p:nvSpPr>
-          <p:cNvPr id="13" name="Espace réservé du texte 5"/>
-          <p:cNvSpPr>
-            <a:spLocks noGrp="1"/>
-          </p:cNvSpPr>
-          <p:nvPr>
-            <p:ph type="body" sz="quarter" idx="12" hasCustomPrompt="1"/>
-          </p:nvPr>
-        </p:nvSpPr>
-        <p:spPr>
-          <a:xfrm>
-            <a:off x="372386" y="3836311"/>
-            <a:ext cx="647700" cy="455430"/>
-          </a:xfrm>
-        </p:spPr>
-        <p:txBody>
-          <a:bodyPr anchor="ctr">
-            <a:noAutofit/>
-          </a:bodyPr>
-          <a:lstStyle>
-            <a:lvl1pPr marL="0" indent="0" algn="ctr">
-              <a:buNone/>
-              <a:defRPr sz="3600" b="1">
-                <a:solidFill>
-                  <a:schemeClr val="bg1"/>
-                </a:solidFill>
-              </a:defRPr>
-            </a:lvl1pPr>
-          </a:lstStyle>
-          <a:p>
-            <a:pPr lvl="0"/>
-            <a:r>
-              <a:rPr lang="fr-FR" dirty="0" smtClean="0"/>
-              <a:t>#</a:t>
-            </a:r>
-            <a:endParaRPr lang="fr-FR" dirty="0"/>
-          </a:p>
-        </p:txBody>
-      </p:sp>
-      <p:sp>
-        <p:nvSpPr>
-          <p:cNvPr id="14" name="Espace réservé du texte 5"/>
-          <p:cNvSpPr>
-            <a:spLocks noGrp="1"/>
-          </p:cNvSpPr>
-          <p:nvPr>
-            <p:ph type="body" sz="quarter" idx="13" hasCustomPrompt="1"/>
-          </p:nvPr>
-        </p:nvSpPr>
-        <p:spPr>
-          <a:xfrm>
-            <a:off x="1982368" y="3836311"/>
-            <a:ext cx="647700" cy="455430"/>
-          </a:xfrm>
-        </p:spPr>
-        <p:txBody>
-          <a:bodyPr anchor="ctr">
-            <a:normAutofit/>
-          </a:bodyPr>
-          <a:lstStyle>
-            <a:lvl1pPr marL="0" indent="0" algn="ctr">
-              <a:buNone/>
-              <a:defRPr sz="3200" b="1">
-                <a:solidFill>
-                  <a:schemeClr val="bg1"/>
-                </a:solidFill>
-              </a:defRPr>
-            </a:lvl1pPr>
-          </a:lstStyle>
-          <a:p>
-            <a:pPr lvl="0"/>
-            <a:r>
-              <a:rPr lang="fr-FR" dirty="0" smtClean="0"/>
-              <a:t>#</a:t>
-            </a:r>
-            <a:endParaRPr lang="fr-FR" dirty="0"/>
-          </a:p>
-        </p:txBody>
-      </p:sp>
-      <p:sp>
-        <p:nvSpPr>
-          <p:cNvPr id="15" name="ZoneTexte 14"/>
-          <p:cNvSpPr txBox="1"/>
-          <p:nvPr userDrawn="1"/>
-        </p:nvSpPr>
-        <p:spPr>
-          <a:xfrm>
-            <a:off x="170585" y="4690010"/>
-            <a:ext cx="3681335" cy="369332"/>
-          </a:xfrm>
-          <a:prstGeom prst="rect">
-            <a:avLst/>
-          </a:prstGeom>
-          <a:noFill/>
-        </p:spPr>
-        <p:txBody>
-          <a:bodyPr wrap="square" rtlCol="0">
-            <a:spAutoFit/>
-          </a:bodyPr>
-          <a:lstStyle/>
-          <a:p>
-            <a:pPr algn="ctr"/>
-            <a:r>
-              <a:rPr lang="fr-FR" sz="1800" b="1" dirty="0" smtClean="0">
-                <a:solidFill>
-                  <a:schemeClr val="accent4">
-                    <a:lumMod val="50000"/>
-                  </a:schemeClr>
-                </a:solidFill>
-                <a:latin typeface="Calibri" panose="020F0502020204030204" pitchFamily="34" charset="0"/>
-              </a:rPr>
-              <a:t>Total </a:t>
-            </a:r>
-            <a:r>
-              <a:rPr lang="fr-FR" sz="1800" b="1" dirty="0" err="1" smtClean="0">
-                <a:solidFill>
-                  <a:schemeClr val="accent4">
-                    <a:lumMod val="50000"/>
-                  </a:schemeClr>
-                </a:solidFill>
-                <a:latin typeface="Calibri" panose="020F0502020204030204" pitchFamily="34" charset="0"/>
-              </a:rPr>
-              <a:t>Number</a:t>
-            </a:r>
-            <a:r>
-              <a:rPr lang="fr-FR" sz="1800" b="1" dirty="0" smtClean="0">
-                <a:solidFill>
-                  <a:schemeClr val="accent4">
-                    <a:lumMod val="50000"/>
-                  </a:schemeClr>
-                </a:solidFill>
-                <a:latin typeface="Calibri" panose="020F0502020204030204" pitchFamily="34" charset="0"/>
-              </a:rPr>
-              <a:t> of </a:t>
-            </a:r>
-            <a:r>
-              <a:rPr lang="fr-FR" sz="1800" b="1" dirty="0" err="1" smtClean="0">
-                <a:solidFill>
-                  <a:schemeClr val="accent4">
-                    <a:lumMod val="50000"/>
-                  </a:schemeClr>
-                </a:solidFill>
-                <a:latin typeface="Calibri" panose="020F0502020204030204" pitchFamily="34" charset="0"/>
-              </a:rPr>
-              <a:t>Objects</a:t>
-            </a:r>
-            <a:endParaRPr lang="fr-FR" sz="1800" b="1" dirty="0">
-              <a:solidFill>
-                <a:schemeClr val="accent4">
-                  <a:lumMod val="50000"/>
-                </a:schemeClr>
-              </a:solidFill>
-              <a:latin typeface="Calibri" panose="020F0502020204030204" pitchFamily="34" charset="0"/>
-            </a:endParaRPr>
-          </a:p>
-        </p:txBody>
-      </p:sp>
-      <p:sp>
-        <p:nvSpPr>
-          <p:cNvPr id="17" name="Espace réservé du texte 5"/>
-          <p:cNvSpPr>
-            <a:spLocks noGrp="1"/>
-          </p:cNvSpPr>
-          <p:nvPr>
-            <p:ph type="body" sz="quarter" idx="14" hasCustomPrompt="1"/>
-          </p:nvPr>
-        </p:nvSpPr>
-        <p:spPr>
-          <a:xfrm>
-            <a:off x="372386" y="5711547"/>
-            <a:ext cx="647700" cy="503238"/>
-          </a:xfrm>
-        </p:spPr>
-        <p:txBody>
-          <a:bodyPr anchor="ctr">
-            <a:noAutofit/>
-          </a:bodyPr>
-          <a:lstStyle>
-            <a:lvl1pPr marL="0" indent="0" algn="ctr">
-              <a:buNone/>
-              <a:defRPr sz="3600" b="1">
-                <a:solidFill>
-                  <a:schemeClr val="bg1"/>
-                </a:solidFill>
-              </a:defRPr>
-            </a:lvl1pPr>
-          </a:lstStyle>
-          <a:p>
-            <a:pPr lvl="0"/>
-            <a:r>
-              <a:rPr lang="fr-FR" dirty="0" smtClean="0"/>
-              <a:t>#</a:t>
-            </a:r>
-            <a:endParaRPr lang="fr-FR" dirty="0"/>
-          </a:p>
-        </p:txBody>
-      </p:sp>
-      <p:sp>
-        <p:nvSpPr>
-          <p:cNvPr id="18" name="ZoneTexte 17"/>
-          <p:cNvSpPr txBox="1"/>
-          <p:nvPr userDrawn="1"/>
-        </p:nvSpPr>
-        <p:spPr>
-          <a:xfrm>
-            <a:off x="156236" y="5222257"/>
-            <a:ext cx="1080000" cy="369332"/>
-          </a:xfrm>
-          <a:prstGeom prst="rect">
-            <a:avLst/>
-          </a:prstGeom>
-          <a:noFill/>
-        </p:spPr>
-        <p:txBody>
-          <a:bodyPr wrap="square" rtlCol="0">
-            <a:spAutoFit/>
-          </a:bodyPr>
-          <a:lstStyle/>
-          <a:p>
-            <a:pPr algn="ctr"/>
-            <a:r>
-              <a:rPr lang="fr-FR" b="1" dirty="0" err="1" smtClean="0">
-                <a:solidFill>
-                  <a:schemeClr val="bg1"/>
-                </a:solidFill>
-              </a:rPr>
-              <a:t>eIoT</a:t>
-            </a:r>
-            <a:endParaRPr lang="fr-FR" b="1" dirty="0">
-              <a:solidFill>
-                <a:schemeClr val="bg1"/>
-              </a:solidFill>
-            </a:endParaRPr>
-          </a:p>
-        </p:txBody>
-      </p:sp>
-      <p:sp>
-        <p:nvSpPr>
-          <p:cNvPr id="19" name="ZoneTexte 18"/>
-          <p:cNvSpPr txBox="1"/>
-          <p:nvPr userDrawn="1"/>
-        </p:nvSpPr>
-        <p:spPr>
-          <a:xfrm>
-            <a:off x="1490124" y="5219955"/>
-            <a:ext cx="1051303" cy="369332"/>
-          </a:xfrm>
-          <a:prstGeom prst="rect">
-            <a:avLst/>
-          </a:prstGeom>
-          <a:noFill/>
-        </p:spPr>
-        <p:txBody>
-          <a:bodyPr wrap="square" rtlCol="0">
-            <a:spAutoFit/>
-          </a:bodyPr>
-          <a:lstStyle/>
-          <a:p>
-            <a:pPr algn="ctr"/>
-            <a:r>
-              <a:rPr lang="fr-FR" b="1" dirty="0" smtClean="0">
-                <a:solidFill>
-                  <a:schemeClr val="bg1"/>
-                </a:solidFill>
-              </a:rPr>
-              <a:t>B2C</a:t>
-            </a:r>
-            <a:endParaRPr lang="fr-FR" b="1" dirty="0">
-              <a:solidFill>
-                <a:schemeClr val="bg1"/>
-              </a:solidFill>
-            </a:endParaRPr>
-          </a:p>
-        </p:txBody>
-      </p:sp>
-      <p:sp>
-        <p:nvSpPr>
-          <p:cNvPr id="20" name="Espace réservé du texte 5"/>
-          <p:cNvSpPr>
-            <a:spLocks noGrp="1"/>
-          </p:cNvSpPr>
-          <p:nvPr>
-            <p:ph type="body" sz="quarter" idx="15" hasCustomPrompt="1"/>
-          </p:nvPr>
-        </p:nvSpPr>
-        <p:spPr>
-          <a:xfrm>
-            <a:off x="1691925" y="5711547"/>
-            <a:ext cx="647700" cy="503238"/>
-          </a:xfrm>
-        </p:spPr>
-        <p:txBody>
-          <a:bodyPr anchor="ctr">
-            <a:normAutofit/>
-          </a:bodyPr>
-          <a:lstStyle>
-            <a:lvl1pPr marL="0" indent="0" algn="ctr">
-              <a:buNone/>
-              <a:defRPr sz="3200" b="1">
-                <a:solidFill>
-                  <a:schemeClr val="bg1"/>
-                </a:solidFill>
-              </a:defRPr>
-            </a:lvl1pPr>
-          </a:lstStyle>
-          <a:p>
-            <a:pPr lvl="0"/>
-            <a:r>
-              <a:rPr lang="fr-FR" dirty="0" smtClean="0"/>
-              <a:t>#</a:t>
-            </a:r>
-            <a:endParaRPr lang="fr-FR" dirty="0"/>
-          </a:p>
-        </p:txBody>
-      </p:sp>
-      <p:sp>
-        <p:nvSpPr>
-          <p:cNvPr id="21" name="ZoneTexte 20"/>
-          <p:cNvSpPr txBox="1"/>
-          <p:nvPr userDrawn="1"/>
-        </p:nvSpPr>
-        <p:spPr>
-          <a:xfrm>
-            <a:off x="235793" y="32008"/>
-            <a:ext cx="2608015" cy="461665"/>
-          </a:xfrm>
-          <a:prstGeom prst="rect">
-            <a:avLst/>
-          </a:prstGeom>
-          <a:noFill/>
-        </p:spPr>
-        <p:txBody>
-          <a:bodyPr wrap="square" rtlCol="0">
-            <a:spAutoFit/>
-          </a:bodyPr>
-          <a:lstStyle/>
-          <a:p>
-            <a:r>
-              <a:rPr lang="fr-FR" sz="2400" b="1" dirty="0" smtClean="0">
-                <a:solidFill>
-                  <a:schemeClr val="accent4">
-                    <a:lumMod val="50000"/>
-                  </a:schemeClr>
-                </a:solidFill>
-                <a:latin typeface="Calibri" panose="020F0502020204030204" pitchFamily="34" charset="0"/>
-              </a:rPr>
-              <a:t>Quick </a:t>
-            </a:r>
-            <a:r>
-              <a:rPr lang="fr-FR" sz="2400" b="1" dirty="0" err="1" smtClean="0">
-                <a:solidFill>
-                  <a:schemeClr val="accent4">
-                    <a:lumMod val="50000"/>
-                  </a:schemeClr>
-                </a:solidFill>
-                <a:latin typeface="Calibri" panose="020F0502020204030204" pitchFamily="34" charset="0"/>
-              </a:rPr>
-              <a:t>Overview</a:t>
-            </a:r>
-            <a:endParaRPr lang="fr-FR" sz="2400" b="1" dirty="0">
-              <a:solidFill>
-                <a:schemeClr val="accent4">
-                  <a:lumMod val="50000"/>
-                </a:schemeClr>
-              </a:solidFill>
-              <a:latin typeface="Calibri" panose="020F0502020204030204" pitchFamily="34" charset="0"/>
-            </a:endParaRPr>
-          </a:p>
-        </p:txBody>
-      </p:sp>
-      <p:sp>
-        <p:nvSpPr>
-          <p:cNvPr id="23" name="ZoneTexte 22"/>
-          <p:cNvSpPr txBox="1"/>
-          <p:nvPr userDrawn="1"/>
-        </p:nvSpPr>
-        <p:spPr>
-          <a:xfrm>
-            <a:off x="3275856" y="62568"/>
-            <a:ext cx="3542316" cy="461665"/>
-          </a:xfrm>
-          <a:prstGeom prst="rect">
-            <a:avLst/>
-          </a:prstGeom>
-          <a:noFill/>
-        </p:spPr>
-        <p:txBody>
-          <a:bodyPr wrap="none" rtlCol="0">
-            <a:spAutoFit/>
-          </a:bodyPr>
-          <a:lstStyle/>
-          <a:p>
-            <a:r>
-              <a:rPr lang="fr-FR" sz="2400" b="1" dirty="0" smtClean="0">
-                <a:solidFill>
-                  <a:schemeClr val="accent4">
-                    <a:lumMod val="50000"/>
-                  </a:schemeClr>
-                </a:solidFill>
-                <a:latin typeface="Calibri" panose="020F0502020204030204" pitchFamily="34" charset="0"/>
-              </a:rPr>
-              <a:t>Security </a:t>
-            </a:r>
-            <a:r>
-              <a:rPr lang="fr-FR" sz="2400" b="1" dirty="0" err="1" smtClean="0">
-                <a:solidFill>
-                  <a:schemeClr val="accent4">
-                    <a:lumMod val="50000"/>
-                  </a:schemeClr>
-                </a:solidFill>
-                <a:latin typeface="Calibri" panose="020F0502020204030204" pitchFamily="34" charset="0"/>
-              </a:rPr>
-              <a:t>Process</a:t>
-            </a:r>
-            <a:r>
-              <a:rPr lang="fr-FR" sz="2400" b="1" dirty="0" smtClean="0">
-                <a:solidFill>
-                  <a:schemeClr val="accent4">
-                    <a:lumMod val="50000"/>
-                  </a:schemeClr>
-                </a:solidFill>
-                <a:latin typeface="Calibri" panose="020F0502020204030204" pitchFamily="34" charset="0"/>
-              </a:rPr>
-              <a:t> </a:t>
-            </a:r>
-            <a:r>
-              <a:rPr lang="fr-FR" sz="2400" b="1" dirty="0" err="1" smtClean="0">
-                <a:solidFill>
-                  <a:schemeClr val="accent4">
-                    <a:lumMod val="50000"/>
-                  </a:schemeClr>
-                </a:solidFill>
-                <a:latin typeface="Calibri" panose="020F0502020204030204" pitchFamily="34" charset="0"/>
-              </a:rPr>
-              <a:t>Overview</a:t>
-            </a:r>
-            <a:endParaRPr lang="fr-FR" sz="2400" b="1" dirty="0">
-              <a:solidFill>
-                <a:schemeClr val="accent4">
-                  <a:lumMod val="50000"/>
-                </a:schemeClr>
-              </a:solidFill>
-              <a:latin typeface="Calibri" panose="020F0502020204030204" pitchFamily="34" charset="0"/>
-            </a:endParaRPr>
-          </a:p>
-        </p:txBody>
-      </p:sp>
-      <p:sp>
-        <p:nvSpPr>
-          <p:cNvPr id="24" name="ZoneTexte 23"/>
-          <p:cNvSpPr txBox="1"/>
-          <p:nvPr userDrawn="1"/>
-        </p:nvSpPr>
-        <p:spPr>
-          <a:xfrm>
-            <a:off x="4139952" y="3825914"/>
-            <a:ext cx="3240361" cy="323165"/>
-          </a:xfrm>
-          <a:prstGeom prst="rect">
-            <a:avLst/>
-          </a:prstGeom>
-          <a:noFill/>
-        </p:spPr>
-        <p:txBody>
-          <a:bodyPr wrap="square" rtlCol="0">
-            <a:spAutoFit/>
-          </a:bodyPr>
-          <a:lstStyle/>
-          <a:p>
-            <a:r>
-              <a:rPr lang="fr-FR" sz="1500" b="1" dirty="0" smtClean="0">
-                <a:solidFill>
-                  <a:schemeClr val="accent4">
-                    <a:lumMod val="50000"/>
-                  </a:schemeClr>
-                </a:solidFill>
-                <a:latin typeface="Calibri" panose="020F0502020204030204" pitchFamily="34" charset="0"/>
-              </a:rPr>
-              <a:t>Top 5 </a:t>
-            </a:r>
-            <a:r>
-              <a:rPr lang="fr-FR" sz="1500" b="1" dirty="0" err="1" smtClean="0">
-                <a:solidFill>
-                  <a:schemeClr val="accent4">
-                    <a:lumMod val="50000"/>
-                  </a:schemeClr>
-                </a:solidFill>
-                <a:latin typeface="Calibri" panose="020F0502020204030204" pitchFamily="34" charset="0"/>
-              </a:rPr>
-              <a:t>most</a:t>
-            </a:r>
-            <a:r>
-              <a:rPr lang="fr-FR" sz="1500" b="1" dirty="0" smtClean="0">
-                <a:solidFill>
-                  <a:schemeClr val="accent4">
-                    <a:lumMod val="50000"/>
-                  </a:schemeClr>
-                </a:solidFill>
-                <a:latin typeface="Calibri" panose="020F0502020204030204" pitchFamily="34" charset="0"/>
-              </a:rPr>
-              <a:t> </a:t>
-            </a:r>
-            <a:r>
-              <a:rPr lang="fr-FR" sz="1500" b="1" dirty="0" err="1" smtClean="0">
-                <a:solidFill>
-                  <a:schemeClr val="accent4">
-                    <a:lumMod val="50000"/>
-                  </a:schemeClr>
-                </a:solidFill>
-                <a:latin typeface="Calibri" panose="020F0502020204030204" pitchFamily="34" charset="0"/>
-              </a:rPr>
-              <a:t>vulnerable</a:t>
-            </a:r>
-            <a:r>
-              <a:rPr lang="fr-FR" sz="1500" b="1" dirty="0" smtClean="0">
-                <a:solidFill>
-                  <a:schemeClr val="accent4">
-                    <a:lumMod val="50000"/>
-                  </a:schemeClr>
-                </a:solidFill>
-                <a:latin typeface="Calibri" panose="020F0502020204030204" pitchFamily="34" charset="0"/>
-              </a:rPr>
-              <a:t> </a:t>
-            </a:r>
-            <a:r>
-              <a:rPr lang="fr-FR" sz="1500" b="1" dirty="0" err="1" smtClean="0">
-                <a:solidFill>
-                  <a:schemeClr val="accent4">
-                    <a:lumMod val="50000"/>
-                  </a:schemeClr>
-                </a:solidFill>
-                <a:latin typeface="Calibri" panose="020F0502020204030204" pitchFamily="34" charset="0"/>
-              </a:rPr>
-              <a:t>Devices</a:t>
-            </a:r>
-            <a:endParaRPr lang="fr-FR" sz="1500" b="1" dirty="0">
-              <a:solidFill>
-                <a:schemeClr val="accent4">
-                  <a:lumMod val="50000"/>
-                </a:schemeClr>
-              </a:solidFill>
-              <a:latin typeface="Calibri" panose="020F0502020204030204" pitchFamily="34" charset="0"/>
-            </a:endParaRPr>
-          </a:p>
-        </p:txBody>
-      </p:sp>
-      <p:sp>
-        <p:nvSpPr>
-          <p:cNvPr id="25" name="ZoneTexte 24"/>
-          <p:cNvSpPr txBox="1"/>
-          <p:nvPr userDrawn="1"/>
-        </p:nvSpPr>
-        <p:spPr>
-          <a:xfrm>
-            <a:off x="3635895" y="657412"/>
-            <a:ext cx="2828367" cy="323165"/>
-          </a:xfrm>
-          <a:prstGeom prst="rect">
-            <a:avLst/>
-          </a:prstGeom>
-          <a:noFill/>
-        </p:spPr>
-        <p:txBody>
-          <a:bodyPr wrap="square" rtlCol="0">
-            <a:spAutoFit/>
-          </a:bodyPr>
-          <a:lstStyle/>
-          <a:p>
-            <a:r>
-              <a:rPr lang="fr-FR" sz="1500" b="1" dirty="0" smtClean="0">
-                <a:solidFill>
-                  <a:schemeClr val="accent4">
-                    <a:lumMod val="50000"/>
-                  </a:schemeClr>
-                </a:solidFill>
-                <a:latin typeface="Calibri" panose="020F0502020204030204" pitchFamily="34" charset="0"/>
-              </a:rPr>
-              <a:t>Security Phase </a:t>
-            </a:r>
-            <a:r>
-              <a:rPr lang="fr-FR" sz="1500" b="1" dirty="0" err="1" smtClean="0">
-                <a:solidFill>
-                  <a:schemeClr val="accent4">
-                    <a:lumMod val="50000"/>
-                  </a:schemeClr>
-                </a:solidFill>
-                <a:latin typeface="Calibri" panose="020F0502020204030204" pitchFamily="34" charset="0"/>
-              </a:rPr>
-              <a:t>Overview</a:t>
-            </a:r>
-            <a:endParaRPr lang="fr-FR" sz="1500" b="1" dirty="0">
-              <a:solidFill>
-                <a:schemeClr val="accent4">
-                  <a:lumMod val="50000"/>
-                </a:schemeClr>
-              </a:solidFill>
-              <a:latin typeface="Calibri" panose="020F0502020204030204" pitchFamily="34" charset="0"/>
-            </a:endParaRPr>
-          </a:p>
-        </p:txBody>
-      </p:sp>
-      <p:sp>
-        <p:nvSpPr>
-          <p:cNvPr id="26" name="Rectangle 25"/>
-          <p:cNvSpPr/>
-          <p:nvPr userDrawn="1"/>
-        </p:nvSpPr>
-        <p:spPr>
-          <a:xfrm>
-            <a:off x="260630" y="2000304"/>
-            <a:ext cx="1299600" cy="1080000"/>
-          </a:xfrm>
-          <a:prstGeom prst="rect">
-            <a:avLst/>
-          </a:prstGeom>
-          <a:solidFill>
-            <a:srgbClr val="0070C0"/>
-          </a:solidFill>
-          <a:ln>
-            <a:solidFill>
-              <a:srgbClr val="00B0F0"/>
-            </a:solidFill>
-          </a:ln>
-        </p:spPr>
-        <p:style>
-          <a:lnRef idx="2">
-            <a:schemeClr val="accent1">
-              <a:shade val="50000"/>
-            </a:schemeClr>
-          </a:lnRef>
-          <a:fillRef idx="1">
-            <a:schemeClr val="accent1"/>
-          </a:fillRef>
-          <a:effectRef idx="0">
-            <a:schemeClr val="accent1"/>
-          </a:effectRef>
-          <a:fontRef idx="minor">
-            <a:schemeClr val="lt1"/>
-          </a:fontRef>
-        </p:style>
-        <p:txBody>
-          <a:bodyPr rtlCol="0" anchor="ctr"/>
-          <a:lstStyle/>
-          <a:p>
-            <a:pPr algn="ctr"/>
-            <a:endParaRPr lang="fr-FR"/>
-          </a:p>
-        </p:txBody>
-      </p:sp>
-      <p:sp>
-        <p:nvSpPr>
-          <p:cNvPr id="27" name="Rectangle 26"/>
-          <p:cNvSpPr/>
-          <p:nvPr userDrawn="1"/>
-        </p:nvSpPr>
-        <p:spPr>
-          <a:xfrm>
-            <a:off x="1766218" y="2000304"/>
-            <a:ext cx="1080000" cy="1080000"/>
-          </a:xfrm>
-          <a:prstGeom prst="rect">
-            <a:avLst/>
-          </a:prstGeom>
-          <a:solidFill>
-            <a:srgbClr val="0070C0"/>
-          </a:solidFill>
-          <a:ln>
-            <a:solidFill>
-              <a:srgbClr val="00B0F0"/>
-            </a:solidFill>
-          </a:ln>
-        </p:spPr>
-        <p:style>
-          <a:lnRef idx="2">
-            <a:schemeClr val="accent1">
-              <a:shade val="50000"/>
-            </a:schemeClr>
-          </a:lnRef>
-          <a:fillRef idx="1">
-            <a:schemeClr val="accent1"/>
-          </a:fillRef>
-          <a:effectRef idx="0">
-            <a:schemeClr val="accent1"/>
-          </a:effectRef>
-          <a:fontRef idx="minor">
-            <a:schemeClr val="lt1"/>
-          </a:fontRef>
-        </p:style>
-        <p:txBody>
-          <a:bodyPr rtlCol="0" anchor="ctr"/>
-          <a:lstStyle/>
-          <a:p>
-            <a:pPr algn="ctr"/>
-            <a:endParaRPr lang="fr-FR"/>
-          </a:p>
-        </p:txBody>
-      </p:sp>
-      <p:sp>
-        <p:nvSpPr>
-          <p:cNvPr id="28" name="ZoneTexte 27"/>
-          <p:cNvSpPr txBox="1"/>
-          <p:nvPr userDrawn="1"/>
-        </p:nvSpPr>
-        <p:spPr>
-          <a:xfrm>
-            <a:off x="235793" y="2000304"/>
-            <a:ext cx="1349274" cy="307777"/>
-          </a:xfrm>
-          <a:prstGeom prst="rect">
-            <a:avLst/>
-          </a:prstGeom>
-          <a:noFill/>
-        </p:spPr>
-        <p:txBody>
-          <a:bodyPr wrap="square" rtlCol="0">
-            <a:spAutoFit/>
-          </a:bodyPr>
-          <a:lstStyle/>
-          <a:p>
-            <a:r>
-              <a:rPr lang="fr-FR" sz="1400" b="1" dirty="0" smtClean="0">
-                <a:solidFill>
-                  <a:schemeClr val="bg1"/>
-                </a:solidFill>
-              </a:rPr>
-              <a:t>Medium</a:t>
-            </a:r>
-            <a:r>
-              <a:rPr lang="fr-FR" sz="1300" b="1" baseline="0" dirty="0" smtClean="0">
-                <a:solidFill>
-                  <a:schemeClr val="bg1"/>
-                </a:solidFill>
-              </a:rPr>
-              <a:t> </a:t>
-            </a:r>
-            <a:r>
-              <a:rPr lang="fr-FR" sz="1300" b="1" dirty="0" err="1" smtClean="0">
-                <a:solidFill>
-                  <a:schemeClr val="bg1"/>
-                </a:solidFill>
-              </a:rPr>
-              <a:t>Risks</a:t>
-            </a:r>
-            <a:endParaRPr lang="fr-FR" sz="1300" b="1" dirty="0">
-              <a:solidFill>
-                <a:schemeClr val="bg1"/>
-              </a:solidFill>
-            </a:endParaRPr>
-          </a:p>
-        </p:txBody>
-      </p:sp>
-      <p:sp>
-        <p:nvSpPr>
-          <p:cNvPr id="29" name="ZoneTexte 28"/>
-          <p:cNvSpPr txBox="1"/>
-          <p:nvPr userDrawn="1"/>
-        </p:nvSpPr>
-        <p:spPr>
-          <a:xfrm>
-            <a:off x="1816467" y="2016261"/>
-            <a:ext cx="979502" cy="261610"/>
-          </a:xfrm>
-          <a:prstGeom prst="rect">
-            <a:avLst/>
-          </a:prstGeom>
-          <a:noFill/>
-        </p:spPr>
-        <p:txBody>
-          <a:bodyPr wrap="square" rtlCol="0">
-            <a:spAutoFit/>
-          </a:bodyPr>
-          <a:lstStyle/>
-          <a:p>
-            <a:r>
-              <a:rPr lang="fr-FR" sz="1100" b="1" dirty="0" smtClean="0">
-                <a:solidFill>
-                  <a:schemeClr val="bg1"/>
-                </a:solidFill>
-              </a:rPr>
-              <a:t>Last </a:t>
-            </a:r>
-            <a:r>
-              <a:rPr lang="fr-FR" sz="1100" b="1" dirty="0" err="1" smtClean="0">
-                <a:solidFill>
-                  <a:schemeClr val="bg1"/>
-                </a:solidFill>
-              </a:rPr>
-              <a:t>month</a:t>
-            </a:r>
-            <a:endParaRPr lang="fr-FR" sz="1100" b="1" dirty="0">
-              <a:solidFill>
-                <a:schemeClr val="bg1"/>
-              </a:solidFill>
-            </a:endParaRPr>
-          </a:p>
-        </p:txBody>
-      </p:sp>
-      <p:sp>
-        <p:nvSpPr>
-          <p:cNvPr id="32" name="ZoneTexte 31"/>
-          <p:cNvSpPr txBox="1"/>
-          <p:nvPr userDrawn="1"/>
-        </p:nvSpPr>
-        <p:spPr>
-          <a:xfrm>
-            <a:off x="1816467" y="688190"/>
-            <a:ext cx="979502" cy="261610"/>
-          </a:xfrm>
-          <a:prstGeom prst="rect">
-            <a:avLst/>
-          </a:prstGeom>
-          <a:noFill/>
-        </p:spPr>
-        <p:txBody>
-          <a:bodyPr wrap="square" rtlCol="0">
-            <a:spAutoFit/>
-          </a:bodyPr>
-          <a:lstStyle/>
-          <a:p>
-            <a:r>
-              <a:rPr lang="fr-FR" sz="1100" b="1" dirty="0" smtClean="0">
-                <a:solidFill>
-                  <a:schemeClr val="bg1"/>
-                </a:solidFill>
-              </a:rPr>
-              <a:t>Last </a:t>
-            </a:r>
-            <a:r>
-              <a:rPr lang="fr-FR" sz="1100" b="1" dirty="0" err="1" smtClean="0">
-                <a:solidFill>
-                  <a:schemeClr val="bg1"/>
-                </a:solidFill>
-              </a:rPr>
-              <a:t>month</a:t>
-            </a:r>
-            <a:endParaRPr lang="fr-FR" sz="1100" b="1" dirty="0">
-              <a:solidFill>
-                <a:schemeClr val="bg1"/>
-              </a:solidFill>
-            </a:endParaRPr>
-          </a:p>
-        </p:txBody>
-      </p:sp>
-      <p:sp>
-        <p:nvSpPr>
-          <p:cNvPr id="33" name="ZoneTexte 32"/>
-          <p:cNvSpPr txBox="1"/>
-          <p:nvPr userDrawn="1"/>
-        </p:nvSpPr>
-        <p:spPr>
-          <a:xfrm>
-            <a:off x="1816467" y="3398888"/>
-            <a:ext cx="979502" cy="261610"/>
-          </a:xfrm>
-          <a:prstGeom prst="rect">
-            <a:avLst/>
-          </a:prstGeom>
-          <a:noFill/>
-        </p:spPr>
-        <p:txBody>
-          <a:bodyPr wrap="square" rtlCol="0">
-            <a:spAutoFit/>
-          </a:bodyPr>
-          <a:lstStyle/>
-          <a:p>
-            <a:r>
-              <a:rPr lang="fr-FR" sz="1100" b="1" dirty="0" smtClean="0">
-                <a:solidFill>
-                  <a:schemeClr val="bg1"/>
-                </a:solidFill>
-              </a:rPr>
-              <a:t>Last </a:t>
-            </a:r>
-            <a:r>
-              <a:rPr lang="fr-FR" sz="1100" b="1" dirty="0" err="1" smtClean="0">
-                <a:solidFill>
-                  <a:schemeClr val="bg1"/>
-                </a:solidFill>
-              </a:rPr>
-              <a:t>month</a:t>
-            </a:r>
-            <a:endParaRPr lang="fr-FR" sz="1100" b="1" dirty="0">
-              <a:solidFill>
-                <a:schemeClr val="bg1"/>
-              </a:solidFill>
-            </a:endParaRPr>
-          </a:p>
-        </p:txBody>
-      </p:sp>
-      <p:sp>
-        <p:nvSpPr>
-          <p:cNvPr id="3" name="Espace réservé du contenu 2"/>
-          <p:cNvSpPr>
-            <a:spLocks noGrp="1"/>
-          </p:cNvSpPr>
-          <p:nvPr>
-            <p:ph sz="quarter" idx="18" hasCustomPrompt="1"/>
-          </p:nvPr>
-        </p:nvSpPr>
-        <p:spPr>
-          <a:xfrm>
-            <a:off x="372236" y="2502998"/>
-            <a:ext cx="648000" cy="464400"/>
-          </a:xfrm>
-        </p:spPr>
-        <p:txBody>
-          <a:bodyPr anchor="ctr">
-            <a:noAutofit/>
-          </a:bodyPr>
-          <a:lstStyle>
-            <a:lvl1pPr marL="0" indent="0" algn="ctr">
-              <a:buNone/>
-              <a:defRPr sz="3600" b="1">
-                <a:solidFill>
-                  <a:schemeClr val="bg1"/>
-                </a:solidFill>
-              </a:defRPr>
-            </a:lvl1pPr>
-          </a:lstStyle>
-          <a:p>
-            <a:pPr lvl="0"/>
-            <a:r>
-              <a:rPr lang="fr-FR" dirty="0" smtClean="0"/>
-              <a:t>#</a:t>
-            </a:r>
-            <a:endParaRPr lang="fr-FR" dirty="0"/>
-          </a:p>
-        </p:txBody>
-      </p:sp>
-      <p:sp>
-        <p:nvSpPr>
-          <p:cNvPr id="40" name="Espace réservé du texte 5"/>
-          <p:cNvSpPr>
-            <a:spLocks noGrp="1"/>
-          </p:cNvSpPr>
-          <p:nvPr>
-            <p:ph type="body" sz="quarter" idx="19" hasCustomPrompt="1"/>
-          </p:nvPr>
-        </p:nvSpPr>
-        <p:spPr>
-          <a:xfrm>
-            <a:off x="1982368" y="2503374"/>
-            <a:ext cx="647700" cy="463648"/>
-          </a:xfrm>
-        </p:spPr>
-        <p:txBody>
-          <a:bodyPr anchor="ctr">
-            <a:normAutofit/>
-          </a:bodyPr>
-          <a:lstStyle>
-            <a:lvl1pPr marL="0" indent="0" algn="ctr">
-              <a:buNone/>
-              <a:defRPr sz="3200" b="1">
-                <a:solidFill>
-                  <a:schemeClr val="bg1"/>
-                </a:solidFill>
-              </a:defRPr>
-            </a:lvl1pPr>
-          </a:lstStyle>
-          <a:p>
-            <a:pPr lvl="0"/>
-            <a:r>
-              <a:rPr lang="fr-FR" dirty="0" smtClean="0"/>
-              <a:t>#</a:t>
-            </a:r>
-            <a:endParaRPr lang="fr-FR" dirty="0"/>
-          </a:p>
-        </p:txBody>
-      </p:sp>
-      <p:sp>
-        <p:nvSpPr>
-          <p:cNvPr id="31" name="Rectangle 30"/>
-          <p:cNvSpPr/>
-          <p:nvPr userDrawn="1"/>
-        </p:nvSpPr>
-        <p:spPr>
-          <a:xfrm>
-            <a:off x="2785414" y="5121328"/>
-            <a:ext cx="1080000" cy="1260000"/>
-          </a:xfrm>
-          <a:prstGeom prst="rect">
-            <a:avLst/>
-          </a:prstGeom>
-          <a:solidFill>
-            <a:srgbClr val="0070C0"/>
-          </a:solidFill>
-          <a:ln>
-            <a:solidFill>
-              <a:srgbClr val="00B0F0"/>
-            </a:solidFill>
-          </a:ln>
-        </p:spPr>
-        <p:style>
-          <a:lnRef idx="2">
-            <a:schemeClr val="accent1">
-              <a:shade val="50000"/>
-            </a:schemeClr>
-          </a:lnRef>
-          <a:fillRef idx="1">
-            <a:schemeClr val="accent1"/>
-          </a:fillRef>
-          <a:effectRef idx="0">
-            <a:schemeClr val="accent1"/>
-          </a:effectRef>
-          <a:fontRef idx="minor">
-            <a:schemeClr val="lt1"/>
-          </a:fontRef>
-        </p:style>
-        <p:txBody>
-          <a:bodyPr rtlCol="0" anchor="ctr"/>
-          <a:lstStyle/>
-          <a:p>
-            <a:pPr algn="ctr"/>
-            <a:endParaRPr lang="fr-FR"/>
-          </a:p>
-        </p:txBody>
-      </p:sp>
-      <p:sp>
-        <p:nvSpPr>
-          <p:cNvPr id="42" name="ZoneTexte 41"/>
-          <p:cNvSpPr txBox="1"/>
-          <p:nvPr userDrawn="1"/>
-        </p:nvSpPr>
-        <p:spPr>
-          <a:xfrm>
-            <a:off x="2799763" y="5222257"/>
-            <a:ext cx="1051303" cy="369332"/>
-          </a:xfrm>
-          <a:prstGeom prst="rect">
-            <a:avLst/>
-          </a:prstGeom>
-          <a:noFill/>
-        </p:spPr>
-        <p:txBody>
-          <a:bodyPr wrap="square" rtlCol="0">
-            <a:spAutoFit/>
-          </a:bodyPr>
-          <a:lstStyle/>
-          <a:p>
-            <a:pPr algn="ctr"/>
-            <a:r>
-              <a:rPr lang="fr-FR" b="1" dirty="0" err="1" smtClean="0">
-                <a:solidFill>
-                  <a:schemeClr val="bg1"/>
-                </a:solidFill>
-              </a:rPr>
-              <a:t>Others</a:t>
-            </a:r>
-            <a:endParaRPr lang="fr-FR" b="1" dirty="0">
-              <a:solidFill>
-                <a:schemeClr val="bg1"/>
-              </a:solidFill>
-            </a:endParaRPr>
-          </a:p>
-        </p:txBody>
-      </p:sp>
-      <p:sp>
-        <p:nvSpPr>
-          <p:cNvPr id="2" name="ZoneTexte 1"/>
-          <p:cNvSpPr txBox="1"/>
-          <p:nvPr userDrawn="1"/>
-        </p:nvSpPr>
-        <p:spPr>
-          <a:xfrm>
-            <a:off x="107504" y="6505599"/>
-            <a:ext cx="2755947" cy="307777"/>
-          </a:xfrm>
-          <a:prstGeom prst="rect">
-            <a:avLst/>
-          </a:prstGeom>
-          <a:noFill/>
-        </p:spPr>
-        <p:txBody>
-          <a:bodyPr wrap="none" rtlCol="0">
-            <a:spAutoFit/>
-          </a:bodyPr>
-          <a:lstStyle/>
-          <a:p>
-            <a:r>
-              <a:rPr lang="fr-FR" sz="1400" i="1" dirty="0" smtClean="0">
-                <a:solidFill>
-                  <a:schemeClr val="tx1">
-                    <a:lumMod val="85000"/>
-                    <a:lumOff val="15000"/>
-                  </a:schemeClr>
-                </a:solidFill>
-                <a:latin typeface="Calibri" panose="020F0502020204030204" pitchFamily="34" charset="0"/>
-              </a:rPr>
-              <a:t>Rémi Lavedrine – Security Manager</a:t>
-            </a:r>
-            <a:endParaRPr lang="fr-FR" sz="1400" i="1" dirty="0">
-              <a:solidFill>
-                <a:schemeClr val="tx1">
-                  <a:lumMod val="85000"/>
-                  <a:lumOff val="15000"/>
-                </a:schemeClr>
-              </a:solidFill>
-              <a:latin typeface="Calibri" panose="020F0502020204030204" pitchFamily="34" charset="0"/>
-            </a:endParaRPr>
-          </a:p>
-        </p:txBody>
-      </p:sp>
-      <p:sp>
-        <p:nvSpPr>
-          <p:cNvPr id="5" name="Espace réservé du texte 4"/>
-          <p:cNvSpPr>
-            <a:spLocks noGrp="1"/>
-          </p:cNvSpPr>
-          <p:nvPr>
-            <p:ph type="body" sz="quarter" idx="20" hasCustomPrompt="1"/>
-          </p:nvPr>
-        </p:nvSpPr>
-        <p:spPr>
-          <a:xfrm>
-            <a:off x="3001304" y="5711166"/>
-            <a:ext cx="648220" cy="504000"/>
-          </a:xfrm>
-        </p:spPr>
-        <p:txBody>
-          <a:bodyPr>
-            <a:noAutofit/>
-          </a:bodyPr>
-          <a:lstStyle>
-            <a:lvl1pPr marL="0" indent="0" algn="ctr">
-              <a:buNone/>
-              <a:defRPr sz="3200" b="1">
-                <a:solidFill>
-                  <a:schemeClr val="bg1"/>
-                </a:solidFill>
-              </a:defRPr>
-            </a:lvl1pPr>
-          </a:lstStyle>
-          <a:p>
-            <a:pPr lvl="0"/>
-            <a:r>
-              <a:rPr lang="fr-FR" sz="3200" dirty="0" smtClean="0"/>
-              <a:t>#</a:t>
-            </a:r>
-            <a:endParaRPr lang="fr-FR" dirty="0"/>
-          </a:p>
-        </p:txBody>
-      </p:sp>
-    </p:spTree>
-    <p:extLst/>
-  </p:cSld>
-  <p:clrMapOvr>
-    <a:masterClrMapping/>
-  </p:clrMapOvr>
-  <p:timing>
-    <p:tnLst>
-      <p:par>
-        <p:cTn id="1" dur="indefinite" restart="never" nodeType="tmRoot"/>
-      </p:par>
-    </p:tnLst>
-  </p:timing>
-</p:sldLayout>
-</file>
-
-<file path=ppt/slideLayouts/slideLayout20.xml><?xml version="1.0" encoding="utf-8"?>
+<file path=ppt/slideLayouts/slideLayout19.xml><?xml version="1.0" encoding="utf-8"?>
 <p:sldLayout xmlns:a="http://schemas.openxmlformats.org/drawingml/2006/main" xmlns:r="http://schemas.openxmlformats.org/officeDocument/2006/relationships" xmlns:p="http://schemas.openxmlformats.org/presentationml/2006/main" preserve="1" userDrawn="1">
   <p:cSld name="transition fond noir">
     <p:bg>
@@ -7503,10 +5734,9 @@
           <a:p>
             <a:pPr lvl="0"/>
             <a:r>
-              <a:rPr lang="fr-FR" dirty="0" smtClean="0"/>
+              <a:rPr lang="fr-FR" dirty="0"/>
               <a:t>page de transition</a:t>
             </a:r>
-            <a:endParaRPr lang="fr-FR" dirty="0"/>
           </a:p>
         </p:txBody>
       </p:sp>
@@ -7520,17 +5750,1563 @@
   <p:clrMapOvr>
     <a:masterClrMapping/>
   </p:clrMapOvr>
-  <p:timing>
-    <p:tnLst>
-      <p:par>
-        <p:cTn id="1" dur="indefinite" restart="never" nodeType="tmRoot"/>
-      </p:par>
-    </p:tnLst>
-  </p:timing>
 </p:sldLayout>
 </file>
 
-<file path=ppt/slideLayouts/slideLayout21.xml><?xml version="1.0" encoding="utf-8"?>
+<file path=ppt/slideLayouts/slideLayout2.xml><?xml version="1.0" encoding="utf-8"?>
+<p:sldLayout xmlns:a="http://schemas.openxmlformats.org/drawingml/2006/main" xmlns:r="http://schemas.openxmlformats.org/officeDocument/2006/relationships" xmlns:p="http://schemas.openxmlformats.org/presentationml/2006/main" preserve="1" userDrawn="1">
+  <p:cSld name="3_Disposition personnalisée">
+    <p:spTree>
+      <p:nvGrpSpPr>
+        <p:cNvPr id="1" name=""/>
+        <p:cNvGrpSpPr/>
+        <p:nvPr/>
+      </p:nvGrpSpPr>
+      <p:grpSpPr>
+        <a:xfrm>
+          <a:off x="0" y="0"/>
+          <a:ext cx="0" cy="0"/>
+          <a:chOff x="0" y="0"/>
+          <a:chExt cx="0" cy="0"/>
+        </a:xfrm>
+      </p:grpSpPr>
+      <p:sp>
+        <p:nvSpPr>
+          <p:cNvPr id="35" name="Rectangle 34"/>
+          <p:cNvSpPr/>
+          <p:nvPr userDrawn="1"/>
+        </p:nvSpPr>
+        <p:spPr>
+          <a:xfrm>
+            <a:off x="249238" y="3348896"/>
+            <a:ext cx="1296000" cy="1080000"/>
+          </a:xfrm>
+          <a:prstGeom prst="rect">
+            <a:avLst/>
+          </a:prstGeom>
+          <a:solidFill>
+            <a:srgbClr val="50BE87"/>
+          </a:solidFill>
+          <a:ln>
+            <a:noFill/>
+          </a:ln>
+        </p:spPr>
+        <p:style>
+          <a:lnRef idx="2">
+            <a:schemeClr val="accent1">
+              <a:shade val="50000"/>
+            </a:schemeClr>
+          </a:lnRef>
+          <a:fillRef idx="1">
+            <a:schemeClr val="accent1"/>
+          </a:fillRef>
+          <a:effectRef idx="0">
+            <a:schemeClr val="accent1"/>
+          </a:effectRef>
+          <a:fontRef idx="minor">
+            <a:schemeClr val="lt1"/>
+          </a:fontRef>
+        </p:style>
+        <p:txBody>
+          <a:bodyPr rtlCol="0" anchor="ctr"/>
+          <a:lstStyle/>
+          <a:p>
+            <a:pPr algn="ctr"/>
+            <a:endParaRPr lang="fr-FR"/>
+          </a:p>
+        </p:txBody>
+      </p:sp>
+      <p:sp>
+        <p:nvSpPr>
+          <p:cNvPr id="36" name="Rectangle 35"/>
+          <p:cNvSpPr/>
+          <p:nvPr userDrawn="1"/>
+        </p:nvSpPr>
+        <p:spPr>
+          <a:xfrm>
+            <a:off x="262683" y="5121328"/>
+            <a:ext cx="1080000" cy="1260000"/>
+          </a:xfrm>
+          <a:prstGeom prst="rect">
+            <a:avLst/>
+          </a:prstGeom>
+          <a:solidFill>
+            <a:srgbClr val="FF7900"/>
+          </a:solidFill>
+          <a:ln>
+            <a:noFill/>
+          </a:ln>
+        </p:spPr>
+        <p:style>
+          <a:lnRef idx="2">
+            <a:schemeClr val="accent1">
+              <a:shade val="50000"/>
+            </a:schemeClr>
+          </a:lnRef>
+          <a:fillRef idx="1">
+            <a:schemeClr val="accent1"/>
+          </a:fillRef>
+          <a:effectRef idx="0">
+            <a:schemeClr val="accent1"/>
+          </a:effectRef>
+          <a:fontRef idx="minor">
+            <a:schemeClr val="lt1"/>
+          </a:fontRef>
+        </p:style>
+        <p:txBody>
+          <a:bodyPr rtlCol="0" anchor="ctr"/>
+          <a:lstStyle/>
+          <a:p>
+            <a:pPr algn="ctr"/>
+            <a:endParaRPr lang="fr-FR"/>
+          </a:p>
+        </p:txBody>
+      </p:sp>
+      <p:sp>
+        <p:nvSpPr>
+          <p:cNvPr id="37" name="Rectangle 36"/>
+          <p:cNvSpPr/>
+          <p:nvPr userDrawn="1"/>
+        </p:nvSpPr>
+        <p:spPr>
+          <a:xfrm>
+            <a:off x="1763808" y="653602"/>
+            <a:ext cx="1080000" cy="1080000"/>
+          </a:xfrm>
+          <a:prstGeom prst="rect">
+            <a:avLst/>
+          </a:prstGeom>
+          <a:solidFill>
+            <a:srgbClr val="A885D9"/>
+          </a:solidFill>
+          <a:ln>
+            <a:noFill/>
+          </a:ln>
+        </p:spPr>
+        <p:style>
+          <a:lnRef idx="2">
+            <a:schemeClr val="accent1">
+              <a:shade val="50000"/>
+            </a:schemeClr>
+          </a:lnRef>
+          <a:fillRef idx="1">
+            <a:schemeClr val="accent1"/>
+          </a:fillRef>
+          <a:effectRef idx="0">
+            <a:schemeClr val="accent1"/>
+          </a:effectRef>
+          <a:fontRef idx="minor">
+            <a:schemeClr val="lt1"/>
+          </a:fontRef>
+        </p:style>
+        <p:txBody>
+          <a:bodyPr rtlCol="0" anchor="ctr"/>
+          <a:lstStyle/>
+          <a:p>
+            <a:pPr algn="ctr"/>
+            <a:endParaRPr lang="fr-FR"/>
+          </a:p>
+        </p:txBody>
+      </p:sp>
+      <p:sp>
+        <p:nvSpPr>
+          <p:cNvPr id="38" name="Rectangle 37"/>
+          <p:cNvSpPr/>
+          <p:nvPr userDrawn="1"/>
+        </p:nvSpPr>
+        <p:spPr>
+          <a:xfrm>
+            <a:off x="1763808" y="3348896"/>
+            <a:ext cx="1080000" cy="1080000"/>
+          </a:xfrm>
+          <a:prstGeom prst="rect">
+            <a:avLst/>
+          </a:prstGeom>
+          <a:solidFill>
+            <a:srgbClr val="50BE87"/>
+          </a:solidFill>
+          <a:ln>
+            <a:noFill/>
+          </a:ln>
+        </p:spPr>
+        <p:style>
+          <a:lnRef idx="2">
+            <a:schemeClr val="accent1">
+              <a:shade val="50000"/>
+            </a:schemeClr>
+          </a:lnRef>
+          <a:fillRef idx="1">
+            <a:schemeClr val="accent1"/>
+          </a:fillRef>
+          <a:effectRef idx="0">
+            <a:schemeClr val="accent1"/>
+          </a:effectRef>
+          <a:fontRef idx="minor">
+            <a:schemeClr val="lt1"/>
+          </a:fontRef>
+        </p:style>
+        <p:txBody>
+          <a:bodyPr rtlCol="0" anchor="ctr"/>
+          <a:lstStyle/>
+          <a:p>
+            <a:pPr algn="ctr"/>
+            <a:endParaRPr lang="fr-FR"/>
+          </a:p>
+        </p:txBody>
+      </p:sp>
+      <p:sp>
+        <p:nvSpPr>
+          <p:cNvPr id="39" name="Rectangle 38"/>
+          <p:cNvSpPr/>
+          <p:nvPr userDrawn="1"/>
+        </p:nvSpPr>
+        <p:spPr>
+          <a:xfrm>
+            <a:off x="1567874" y="5121327"/>
+            <a:ext cx="1080000" cy="1260000"/>
+          </a:xfrm>
+          <a:prstGeom prst="rect">
+            <a:avLst/>
+          </a:prstGeom>
+          <a:solidFill>
+            <a:schemeClr val="tx1"/>
+          </a:solidFill>
+          <a:ln>
+            <a:noFill/>
+          </a:ln>
+        </p:spPr>
+        <p:style>
+          <a:lnRef idx="2">
+            <a:schemeClr val="accent1">
+              <a:shade val="50000"/>
+            </a:schemeClr>
+          </a:lnRef>
+          <a:fillRef idx="1">
+            <a:schemeClr val="accent1"/>
+          </a:fillRef>
+          <a:effectRef idx="0">
+            <a:schemeClr val="accent1"/>
+          </a:effectRef>
+          <a:fontRef idx="minor">
+            <a:schemeClr val="lt1"/>
+          </a:fontRef>
+        </p:style>
+        <p:txBody>
+          <a:bodyPr rtlCol="0" anchor="ctr"/>
+          <a:lstStyle/>
+          <a:p>
+            <a:pPr algn="ctr"/>
+            <a:endParaRPr lang="fr-FR"/>
+          </a:p>
+        </p:txBody>
+      </p:sp>
+      <p:sp>
+        <p:nvSpPr>
+          <p:cNvPr id="34" name="Rectangle 33"/>
+          <p:cNvSpPr/>
+          <p:nvPr userDrawn="1"/>
+        </p:nvSpPr>
+        <p:spPr>
+          <a:xfrm>
+            <a:off x="262683" y="653602"/>
+            <a:ext cx="1296000" cy="1080000"/>
+          </a:xfrm>
+          <a:prstGeom prst="rect">
+            <a:avLst/>
+          </a:prstGeom>
+          <a:solidFill>
+            <a:srgbClr val="A885D9"/>
+          </a:solidFill>
+          <a:ln>
+            <a:noFill/>
+          </a:ln>
+        </p:spPr>
+        <p:style>
+          <a:lnRef idx="2">
+            <a:schemeClr val="accent1">
+              <a:shade val="50000"/>
+            </a:schemeClr>
+          </a:lnRef>
+          <a:fillRef idx="1">
+            <a:schemeClr val="accent1"/>
+          </a:fillRef>
+          <a:effectRef idx="0">
+            <a:schemeClr val="accent1"/>
+          </a:effectRef>
+          <a:fontRef idx="minor">
+            <a:schemeClr val="lt1"/>
+          </a:fontRef>
+        </p:style>
+        <p:txBody>
+          <a:bodyPr rtlCol="0" anchor="ctr"/>
+          <a:lstStyle/>
+          <a:p>
+            <a:pPr algn="ctr"/>
+            <a:endParaRPr lang="fr-FR"/>
+          </a:p>
+        </p:txBody>
+      </p:sp>
+      <p:sp>
+        <p:nvSpPr>
+          <p:cNvPr id="6" name="Espace réservé du texte 5"/>
+          <p:cNvSpPr>
+            <a:spLocks noGrp="1"/>
+          </p:cNvSpPr>
+          <p:nvPr>
+            <p:ph type="body" sz="quarter" idx="10" hasCustomPrompt="1"/>
+          </p:nvPr>
+        </p:nvSpPr>
+        <p:spPr>
+          <a:xfrm>
+            <a:off x="395969" y="1168692"/>
+            <a:ext cx="647700" cy="463648"/>
+          </a:xfrm>
+        </p:spPr>
+        <p:txBody>
+          <a:bodyPr anchor="ctr">
+            <a:noAutofit/>
+          </a:bodyPr>
+          <a:lstStyle>
+            <a:lvl1pPr marL="0" indent="0" algn="ctr">
+              <a:buNone/>
+              <a:defRPr sz="3600" b="1">
+                <a:solidFill>
+                  <a:schemeClr val="bg1"/>
+                </a:solidFill>
+              </a:defRPr>
+            </a:lvl1pPr>
+          </a:lstStyle>
+          <a:p>
+            <a:pPr lvl="0"/>
+            <a:r>
+              <a:rPr lang="fr-FR" dirty="0"/>
+              <a:t>#</a:t>
+            </a:r>
+          </a:p>
+        </p:txBody>
+      </p:sp>
+      <p:sp>
+        <p:nvSpPr>
+          <p:cNvPr id="8" name="ZoneTexte 7"/>
+          <p:cNvSpPr txBox="1"/>
+          <p:nvPr userDrawn="1"/>
+        </p:nvSpPr>
+        <p:spPr>
+          <a:xfrm>
+            <a:off x="249238" y="688190"/>
+            <a:ext cx="1296000" cy="307777"/>
+          </a:xfrm>
+          <a:prstGeom prst="rect">
+            <a:avLst/>
+          </a:prstGeom>
+          <a:noFill/>
+        </p:spPr>
+        <p:txBody>
+          <a:bodyPr wrap="square" rtlCol="0">
+            <a:spAutoFit/>
+          </a:bodyPr>
+          <a:lstStyle/>
+          <a:p>
+            <a:r>
+              <a:rPr lang="fr-FR" sz="1400" b="1" dirty="0">
+                <a:solidFill>
+                  <a:schemeClr val="bg1"/>
+                </a:solidFill>
+              </a:rPr>
+              <a:t>High </a:t>
+            </a:r>
+            <a:r>
+              <a:rPr lang="fr-FR" sz="1300" b="1" dirty="0" err="1">
+                <a:solidFill>
+                  <a:schemeClr val="bg1"/>
+                </a:solidFill>
+              </a:rPr>
+              <a:t>Risks</a:t>
+            </a:r>
+            <a:endParaRPr lang="fr-FR" sz="1300" b="1" dirty="0">
+              <a:solidFill>
+                <a:schemeClr val="bg1"/>
+              </a:solidFill>
+            </a:endParaRPr>
+          </a:p>
+        </p:txBody>
+      </p:sp>
+      <p:sp>
+        <p:nvSpPr>
+          <p:cNvPr id="10" name="Espace réservé du texte 5"/>
+          <p:cNvSpPr>
+            <a:spLocks noGrp="1"/>
+          </p:cNvSpPr>
+          <p:nvPr>
+            <p:ph type="body" sz="quarter" idx="11" hasCustomPrompt="1"/>
+          </p:nvPr>
+        </p:nvSpPr>
+        <p:spPr>
+          <a:xfrm>
+            <a:off x="1980084" y="1165152"/>
+            <a:ext cx="647700" cy="463648"/>
+          </a:xfrm>
+        </p:spPr>
+        <p:txBody>
+          <a:bodyPr anchor="ctr">
+            <a:normAutofit/>
+          </a:bodyPr>
+          <a:lstStyle>
+            <a:lvl1pPr marL="0" indent="0" algn="ctr">
+              <a:buNone/>
+              <a:defRPr sz="3200" b="1">
+                <a:solidFill>
+                  <a:schemeClr val="bg1"/>
+                </a:solidFill>
+              </a:defRPr>
+            </a:lvl1pPr>
+          </a:lstStyle>
+          <a:p>
+            <a:pPr lvl="0"/>
+            <a:r>
+              <a:rPr lang="fr-FR" dirty="0"/>
+              <a:t>#</a:t>
+            </a:r>
+          </a:p>
+        </p:txBody>
+      </p:sp>
+      <p:sp>
+        <p:nvSpPr>
+          <p:cNvPr id="11" name="ZoneTexte 10"/>
+          <p:cNvSpPr txBox="1"/>
+          <p:nvPr userDrawn="1"/>
+        </p:nvSpPr>
+        <p:spPr>
+          <a:xfrm>
+            <a:off x="262683" y="3384058"/>
+            <a:ext cx="1282555" cy="307777"/>
+          </a:xfrm>
+          <a:prstGeom prst="rect">
+            <a:avLst/>
+          </a:prstGeom>
+          <a:noFill/>
+        </p:spPr>
+        <p:txBody>
+          <a:bodyPr wrap="square" rtlCol="0">
+            <a:spAutoFit/>
+          </a:bodyPr>
+          <a:lstStyle/>
+          <a:p>
+            <a:r>
+              <a:rPr lang="fr-FR" sz="1400" b="1" dirty="0">
+                <a:solidFill>
+                  <a:schemeClr val="bg1"/>
+                </a:solidFill>
+              </a:rPr>
+              <a:t>Light</a:t>
+            </a:r>
+            <a:r>
+              <a:rPr lang="fr-FR" sz="1300" b="1" dirty="0">
+                <a:solidFill>
+                  <a:schemeClr val="bg1"/>
+                </a:solidFill>
+              </a:rPr>
+              <a:t> </a:t>
+            </a:r>
+            <a:r>
+              <a:rPr lang="fr-FR" sz="1300" b="1" dirty="0" err="1">
+                <a:solidFill>
+                  <a:schemeClr val="bg1"/>
+                </a:solidFill>
+              </a:rPr>
+              <a:t>Risks</a:t>
+            </a:r>
+            <a:endParaRPr lang="fr-FR" sz="1300" b="1" dirty="0">
+              <a:solidFill>
+                <a:schemeClr val="bg1"/>
+              </a:solidFill>
+            </a:endParaRPr>
+          </a:p>
+        </p:txBody>
+      </p:sp>
+      <p:sp>
+        <p:nvSpPr>
+          <p:cNvPr id="13" name="Espace réservé du texte 5"/>
+          <p:cNvSpPr>
+            <a:spLocks noGrp="1"/>
+          </p:cNvSpPr>
+          <p:nvPr>
+            <p:ph type="body" sz="quarter" idx="12" hasCustomPrompt="1"/>
+          </p:nvPr>
+        </p:nvSpPr>
+        <p:spPr>
+          <a:xfrm>
+            <a:off x="409414" y="3832203"/>
+            <a:ext cx="647700" cy="455430"/>
+          </a:xfrm>
+        </p:spPr>
+        <p:txBody>
+          <a:bodyPr anchor="ctr">
+            <a:noAutofit/>
+          </a:bodyPr>
+          <a:lstStyle>
+            <a:lvl1pPr marL="0" indent="0" algn="ctr">
+              <a:buNone/>
+              <a:defRPr sz="3600" b="1">
+                <a:solidFill>
+                  <a:schemeClr val="bg1"/>
+                </a:solidFill>
+              </a:defRPr>
+            </a:lvl1pPr>
+          </a:lstStyle>
+          <a:p>
+            <a:pPr lvl="0"/>
+            <a:r>
+              <a:rPr lang="fr-FR" dirty="0"/>
+              <a:t>#</a:t>
+            </a:r>
+          </a:p>
+        </p:txBody>
+      </p:sp>
+      <p:sp>
+        <p:nvSpPr>
+          <p:cNvPr id="14" name="Espace réservé du texte 5"/>
+          <p:cNvSpPr>
+            <a:spLocks noGrp="1"/>
+          </p:cNvSpPr>
+          <p:nvPr>
+            <p:ph type="body" sz="quarter" idx="13" hasCustomPrompt="1"/>
+          </p:nvPr>
+        </p:nvSpPr>
+        <p:spPr>
+          <a:xfrm>
+            <a:off x="2065825" y="3846709"/>
+            <a:ext cx="647700" cy="455430"/>
+          </a:xfrm>
+        </p:spPr>
+        <p:txBody>
+          <a:bodyPr anchor="ctr">
+            <a:normAutofit/>
+          </a:bodyPr>
+          <a:lstStyle>
+            <a:lvl1pPr marL="0" indent="0" algn="ctr">
+              <a:buNone/>
+              <a:defRPr sz="3200" b="1">
+                <a:solidFill>
+                  <a:schemeClr val="bg1"/>
+                </a:solidFill>
+              </a:defRPr>
+            </a:lvl1pPr>
+          </a:lstStyle>
+          <a:p>
+            <a:pPr lvl="0"/>
+            <a:r>
+              <a:rPr lang="fr-FR" dirty="0"/>
+              <a:t>#</a:t>
+            </a:r>
+          </a:p>
+        </p:txBody>
+      </p:sp>
+      <p:sp>
+        <p:nvSpPr>
+          <p:cNvPr id="15" name="ZoneTexte 14"/>
+          <p:cNvSpPr txBox="1"/>
+          <p:nvPr userDrawn="1"/>
+        </p:nvSpPr>
+        <p:spPr>
+          <a:xfrm>
+            <a:off x="931580" y="4689578"/>
+            <a:ext cx="2385191" cy="323165"/>
+          </a:xfrm>
+          <a:prstGeom prst="rect">
+            <a:avLst/>
+          </a:prstGeom>
+          <a:noFill/>
+        </p:spPr>
+        <p:txBody>
+          <a:bodyPr wrap="square" rtlCol="0">
+            <a:spAutoFit/>
+          </a:bodyPr>
+          <a:lstStyle/>
+          <a:p>
+            <a:r>
+              <a:rPr lang="fr-FR" sz="1500" b="1" dirty="0">
+                <a:solidFill>
+                  <a:schemeClr val="accent4">
+                    <a:lumMod val="50000"/>
+                  </a:schemeClr>
+                </a:solidFill>
+              </a:rPr>
+              <a:t>Total </a:t>
+            </a:r>
+            <a:r>
+              <a:rPr lang="fr-FR" sz="1500" b="1" dirty="0" err="1">
+                <a:solidFill>
+                  <a:schemeClr val="accent4">
+                    <a:lumMod val="50000"/>
+                  </a:schemeClr>
+                </a:solidFill>
+              </a:rPr>
+              <a:t>Number</a:t>
+            </a:r>
+            <a:r>
+              <a:rPr lang="fr-FR" sz="1500" b="1" dirty="0">
+                <a:solidFill>
+                  <a:schemeClr val="accent4">
+                    <a:lumMod val="50000"/>
+                  </a:schemeClr>
+                </a:solidFill>
+              </a:rPr>
+              <a:t> of </a:t>
+            </a:r>
+            <a:r>
+              <a:rPr lang="fr-FR" sz="1500" b="1" dirty="0" err="1">
+                <a:solidFill>
+                  <a:schemeClr val="accent4">
+                    <a:lumMod val="50000"/>
+                  </a:schemeClr>
+                </a:solidFill>
+              </a:rPr>
+              <a:t>Objects</a:t>
+            </a:r>
+            <a:endParaRPr lang="fr-FR" sz="1500" b="1" dirty="0">
+              <a:solidFill>
+                <a:schemeClr val="accent4">
+                  <a:lumMod val="50000"/>
+                </a:schemeClr>
+              </a:solidFill>
+            </a:endParaRPr>
+          </a:p>
+        </p:txBody>
+      </p:sp>
+      <p:sp>
+        <p:nvSpPr>
+          <p:cNvPr id="17" name="Espace réservé du texte 5"/>
+          <p:cNvSpPr>
+            <a:spLocks noGrp="1"/>
+          </p:cNvSpPr>
+          <p:nvPr>
+            <p:ph type="body" sz="quarter" idx="14" hasCustomPrompt="1"/>
+          </p:nvPr>
+        </p:nvSpPr>
+        <p:spPr>
+          <a:xfrm>
+            <a:off x="472542" y="5691323"/>
+            <a:ext cx="647700" cy="503238"/>
+          </a:xfrm>
+        </p:spPr>
+        <p:txBody>
+          <a:bodyPr anchor="ctr">
+            <a:noAutofit/>
+          </a:bodyPr>
+          <a:lstStyle>
+            <a:lvl1pPr marL="0" indent="0" algn="ctr">
+              <a:buNone/>
+              <a:defRPr sz="3600" b="1">
+                <a:solidFill>
+                  <a:schemeClr val="bg1"/>
+                </a:solidFill>
+              </a:defRPr>
+            </a:lvl1pPr>
+          </a:lstStyle>
+          <a:p>
+            <a:pPr lvl="0"/>
+            <a:r>
+              <a:rPr lang="fr-FR" dirty="0"/>
+              <a:t>#</a:t>
+            </a:r>
+          </a:p>
+        </p:txBody>
+      </p:sp>
+      <p:sp>
+        <p:nvSpPr>
+          <p:cNvPr id="18" name="ZoneTexte 17"/>
+          <p:cNvSpPr txBox="1"/>
+          <p:nvPr userDrawn="1"/>
+        </p:nvSpPr>
+        <p:spPr>
+          <a:xfrm>
+            <a:off x="262683" y="5228639"/>
+            <a:ext cx="1080000" cy="369332"/>
+          </a:xfrm>
+          <a:prstGeom prst="rect">
+            <a:avLst/>
+          </a:prstGeom>
+          <a:noFill/>
+        </p:spPr>
+        <p:txBody>
+          <a:bodyPr wrap="square" rtlCol="0">
+            <a:spAutoFit/>
+          </a:bodyPr>
+          <a:lstStyle/>
+          <a:p>
+            <a:pPr algn="ctr"/>
+            <a:r>
+              <a:rPr lang="fr-FR" b="1" dirty="0" err="1">
+                <a:solidFill>
+                  <a:schemeClr val="bg1"/>
+                </a:solidFill>
+              </a:rPr>
+              <a:t>Others</a:t>
+            </a:r>
+            <a:endParaRPr lang="fr-FR" b="1" dirty="0">
+              <a:solidFill>
+                <a:schemeClr val="bg1"/>
+              </a:solidFill>
+            </a:endParaRPr>
+          </a:p>
+        </p:txBody>
+      </p:sp>
+      <p:sp>
+        <p:nvSpPr>
+          <p:cNvPr id="19" name="ZoneTexte 18"/>
+          <p:cNvSpPr txBox="1"/>
+          <p:nvPr userDrawn="1"/>
+        </p:nvSpPr>
+        <p:spPr>
+          <a:xfrm>
+            <a:off x="1567873" y="5219955"/>
+            <a:ext cx="1051303" cy="369332"/>
+          </a:xfrm>
+          <a:prstGeom prst="rect">
+            <a:avLst/>
+          </a:prstGeom>
+          <a:noFill/>
+        </p:spPr>
+        <p:txBody>
+          <a:bodyPr wrap="square" rtlCol="0">
+            <a:spAutoFit/>
+          </a:bodyPr>
+          <a:lstStyle/>
+          <a:p>
+            <a:pPr algn="ctr"/>
+            <a:r>
+              <a:rPr lang="fr-FR" b="1" dirty="0">
+                <a:solidFill>
+                  <a:schemeClr val="bg1"/>
+                </a:solidFill>
+              </a:rPr>
+              <a:t>B2C</a:t>
+            </a:r>
+          </a:p>
+        </p:txBody>
+      </p:sp>
+      <p:sp>
+        <p:nvSpPr>
+          <p:cNvPr id="20" name="Espace réservé du texte 5"/>
+          <p:cNvSpPr>
+            <a:spLocks noGrp="1"/>
+          </p:cNvSpPr>
+          <p:nvPr>
+            <p:ph type="body" sz="quarter" idx="15" hasCustomPrompt="1"/>
+          </p:nvPr>
+        </p:nvSpPr>
+        <p:spPr>
+          <a:xfrm>
+            <a:off x="1805912" y="5689021"/>
+            <a:ext cx="647700" cy="503238"/>
+          </a:xfrm>
+        </p:spPr>
+        <p:txBody>
+          <a:bodyPr anchor="ctr">
+            <a:normAutofit/>
+          </a:bodyPr>
+          <a:lstStyle>
+            <a:lvl1pPr marL="0" indent="0" algn="ctr">
+              <a:buNone/>
+              <a:defRPr sz="3200" b="1">
+                <a:solidFill>
+                  <a:schemeClr val="bg1"/>
+                </a:solidFill>
+              </a:defRPr>
+            </a:lvl1pPr>
+          </a:lstStyle>
+          <a:p>
+            <a:pPr lvl="0"/>
+            <a:r>
+              <a:rPr lang="fr-FR" dirty="0"/>
+              <a:t>#</a:t>
+            </a:r>
+          </a:p>
+        </p:txBody>
+      </p:sp>
+      <p:sp>
+        <p:nvSpPr>
+          <p:cNvPr id="21" name="ZoneTexte 20"/>
+          <p:cNvSpPr txBox="1"/>
+          <p:nvPr userDrawn="1"/>
+        </p:nvSpPr>
+        <p:spPr>
+          <a:xfrm>
+            <a:off x="492516" y="32008"/>
+            <a:ext cx="1915909" cy="369332"/>
+          </a:xfrm>
+          <a:prstGeom prst="rect">
+            <a:avLst/>
+          </a:prstGeom>
+          <a:noFill/>
+        </p:spPr>
+        <p:txBody>
+          <a:bodyPr wrap="none" rtlCol="0">
+            <a:spAutoFit/>
+          </a:bodyPr>
+          <a:lstStyle/>
+          <a:p>
+            <a:r>
+              <a:rPr lang="fr-FR" b="1" dirty="0">
+                <a:solidFill>
+                  <a:schemeClr val="accent4">
+                    <a:lumMod val="50000"/>
+                  </a:schemeClr>
+                </a:solidFill>
+              </a:rPr>
+              <a:t>Quick </a:t>
+            </a:r>
+            <a:r>
+              <a:rPr lang="fr-FR" b="1" dirty="0" err="1">
+                <a:solidFill>
+                  <a:schemeClr val="accent4">
+                    <a:lumMod val="50000"/>
+                  </a:schemeClr>
+                </a:solidFill>
+              </a:rPr>
+              <a:t>Overview</a:t>
+            </a:r>
+            <a:endParaRPr lang="fr-FR" b="1" dirty="0">
+              <a:solidFill>
+                <a:schemeClr val="accent4">
+                  <a:lumMod val="50000"/>
+                </a:schemeClr>
+              </a:solidFill>
+            </a:endParaRPr>
+          </a:p>
+        </p:txBody>
+      </p:sp>
+      <p:sp>
+        <p:nvSpPr>
+          <p:cNvPr id="23" name="ZoneTexte 22"/>
+          <p:cNvSpPr txBox="1"/>
+          <p:nvPr userDrawn="1"/>
+        </p:nvSpPr>
+        <p:spPr>
+          <a:xfrm>
+            <a:off x="3275856" y="62568"/>
+            <a:ext cx="3147015" cy="369332"/>
+          </a:xfrm>
+          <a:prstGeom prst="rect">
+            <a:avLst/>
+          </a:prstGeom>
+          <a:noFill/>
+        </p:spPr>
+        <p:txBody>
+          <a:bodyPr wrap="none" rtlCol="0">
+            <a:spAutoFit/>
+          </a:bodyPr>
+          <a:lstStyle/>
+          <a:p>
+            <a:r>
+              <a:rPr lang="fr-FR" b="1" dirty="0">
+                <a:solidFill>
+                  <a:schemeClr val="accent4">
+                    <a:lumMod val="50000"/>
+                  </a:schemeClr>
+                </a:solidFill>
+              </a:rPr>
+              <a:t>Security </a:t>
+            </a:r>
+            <a:r>
+              <a:rPr lang="fr-FR" b="1" dirty="0" err="1">
+                <a:solidFill>
+                  <a:schemeClr val="accent4">
+                    <a:lumMod val="50000"/>
+                  </a:schemeClr>
+                </a:solidFill>
+              </a:rPr>
+              <a:t>Process</a:t>
+            </a:r>
+            <a:r>
+              <a:rPr lang="fr-FR" b="1" dirty="0">
+                <a:solidFill>
+                  <a:schemeClr val="accent4">
+                    <a:lumMod val="50000"/>
+                  </a:schemeClr>
+                </a:solidFill>
+              </a:rPr>
+              <a:t> </a:t>
+            </a:r>
+            <a:r>
+              <a:rPr lang="fr-FR" b="1" dirty="0" err="1">
+                <a:solidFill>
+                  <a:schemeClr val="accent4">
+                    <a:lumMod val="50000"/>
+                  </a:schemeClr>
+                </a:solidFill>
+              </a:rPr>
+              <a:t>Overview</a:t>
+            </a:r>
+            <a:endParaRPr lang="fr-FR" b="1" dirty="0">
+              <a:solidFill>
+                <a:schemeClr val="accent4">
+                  <a:lumMod val="50000"/>
+                </a:schemeClr>
+              </a:solidFill>
+            </a:endParaRPr>
+          </a:p>
+        </p:txBody>
+      </p:sp>
+      <p:sp>
+        <p:nvSpPr>
+          <p:cNvPr id="24" name="ZoneTexte 23"/>
+          <p:cNvSpPr txBox="1"/>
+          <p:nvPr userDrawn="1"/>
+        </p:nvSpPr>
+        <p:spPr>
+          <a:xfrm>
+            <a:off x="3957931" y="3859471"/>
+            <a:ext cx="3240361" cy="323165"/>
+          </a:xfrm>
+          <a:prstGeom prst="rect">
+            <a:avLst/>
+          </a:prstGeom>
+          <a:noFill/>
+        </p:spPr>
+        <p:txBody>
+          <a:bodyPr wrap="square" rtlCol="0">
+            <a:spAutoFit/>
+          </a:bodyPr>
+          <a:lstStyle/>
+          <a:p>
+            <a:r>
+              <a:rPr lang="fr-FR" sz="1500" b="1" dirty="0">
+                <a:solidFill>
+                  <a:schemeClr val="accent4">
+                    <a:lumMod val="50000"/>
+                  </a:schemeClr>
+                </a:solidFill>
+              </a:rPr>
+              <a:t>Top 5 </a:t>
+            </a:r>
+            <a:r>
+              <a:rPr lang="fr-FR" sz="1500" b="1" dirty="0" err="1">
+                <a:solidFill>
+                  <a:schemeClr val="accent4">
+                    <a:lumMod val="50000"/>
+                  </a:schemeClr>
+                </a:solidFill>
+              </a:rPr>
+              <a:t>most</a:t>
+            </a:r>
+            <a:r>
+              <a:rPr lang="fr-FR" sz="1500" b="1" dirty="0">
+                <a:solidFill>
+                  <a:schemeClr val="accent4">
+                    <a:lumMod val="50000"/>
+                  </a:schemeClr>
+                </a:solidFill>
+              </a:rPr>
+              <a:t> </a:t>
+            </a:r>
+            <a:r>
+              <a:rPr lang="fr-FR" sz="1500" b="1" dirty="0" err="1">
+                <a:solidFill>
+                  <a:schemeClr val="accent4">
+                    <a:lumMod val="50000"/>
+                  </a:schemeClr>
+                </a:solidFill>
+              </a:rPr>
+              <a:t>vulnerable</a:t>
+            </a:r>
+            <a:r>
+              <a:rPr lang="fr-FR" sz="1500" b="1" dirty="0">
+                <a:solidFill>
+                  <a:schemeClr val="accent4">
+                    <a:lumMod val="50000"/>
+                  </a:schemeClr>
+                </a:solidFill>
+              </a:rPr>
+              <a:t> </a:t>
+            </a:r>
+            <a:r>
+              <a:rPr lang="fr-FR" sz="1500" b="1" dirty="0" err="1">
+                <a:solidFill>
+                  <a:schemeClr val="accent4">
+                    <a:lumMod val="50000"/>
+                  </a:schemeClr>
+                </a:solidFill>
+              </a:rPr>
+              <a:t>Devices</a:t>
+            </a:r>
+            <a:endParaRPr lang="fr-FR" sz="1500" b="1" dirty="0">
+              <a:solidFill>
+                <a:schemeClr val="accent4">
+                  <a:lumMod val="50000"/>
+                </a:schemeClr>
+              </a:solidFill>
+            </a:endParaRPr>
+          </a:p>
+        </p:txBody>
+      </p:sp>
+      <p:sp>
+        <p:nvSpPr>
+          <p:cNvPr id="25" name="ZoneTexte 24"/>
+          <p:cNvSpPr txBox="1"/>
+          <p:nvPr userDrawn="1"/>
+        </p:nvSpPr>
+        <p:spPr>
+          <a:xfrm>
+            <a:off x="3635895" y="657412"/>
+            <a:ext cx="2828367" cy="323165"/>
+          </a:xfrm>
+          <a:prstGeom prst="rect">
+            <a:avLst/>
+          </a:prstGeom>
+          <a:noFill/>
+        </p:spPr>
+        <p:txBody>
+          <a:bodyPr wrap="square" rtlCol="0">
+            <a:spAutoFit/>
+          </a:bodyPr>
+          <a:lstStyle/>
+          <a:p>
+            <a:r>
+              <a:rPr lang="fr-FR" sz="1500" b="1" dirty="0">
+                <a:solidFill>
+                  <a:schemeClr val="accent4">
+                    <a:lumMod val="50000"/>
+                  </a:schemeClr>
+                </a:solidFill>
+              </a:rPr>
+              <a:t>Security Phase </a:t>
+            </a:r>
+            <a:r>
+              <a:rPr lang="fr-FR" sz="1500" b="1" dirty="0" err="1">
+                <a:solidFill>
+                  <a:schemeClr val="accent4">
+                    <a:lumMod val="50000"/>
+                  </a:schemeClr>
+                </a:solidFill>
+              </a:rPr>
+              <a:t>Overview</a:t>
+            </a:r>
+            <a:endParaRPr lang="fr-FR" sz="1500" b="1" dirty="0">
+              <a:solidFill>
+                <a:schemeClr val="accent4">
+                  <a:lumMod val="50000"/>
+                </a:schemeClr>
+              </a:solidFill>
+            </a:endParaRPr>
+          </a:p>
+        </p:txBody>
+      </p:sp>
+      <p:sp>
+        <p:nvSpPr>
+          <p:cNvPr id="26" name="Rectangle 25"/>
+          <p:cNvSpPr/>
+          <p:nvPr userDrawn="1"/>
+        </p:nvSpPr>
+        <p:spPr>
+          <a:xfrm>
+            <a:off x="249238" y="2000304"/>
+            <a:ext cx="1299600" cy="1080000"/>
+          </a:xfrm>
+          <a:prstGeom prst="rect">
+            <a:avLst/>
+          </a:prstGeom>
+          <a:solidFill>
+            <a:srgbClr val="4AB4E7"/>
+          </a:solidFill>
+          <a:ln>
+            <a:noFill/>
+          </a:ln>
+        </p:spPr>
+        <p:style>
+          <a:lnRef idx="2">
+            <a:schemeClr val="accent1">
+              <a:shade val="50000"/>
+            </a:schemeClr>
+          </a:lnRef>
+          <a:fillRef idx="1">
+            <a:schemeClr val="accent1"/>
+          </a:fillRef>
+          <a:effectRef idx="0">
+            <a:schemeClr val="accent1"/>
+          </a:effectRef>
+          <a:fontRef idx="minor">
+            <a:schemeClr val="lt1"/>
+          </a:fontRef>
+        </p:style>
+        <p:txBody>
+          <a:bodyPr rtlCol="0" anchor="ctr"/>
+          <a:lstStyle/>
+          <a:p>
+            <a:pPr algn="ctr"/>
+            <a:endParaRPr lang="fr-FR"/>
+          </a:p>
+        </p:txBody>
+      </p:sp>
+      <p:sp>
+        <p:nvSpPr>
+          <p:cNvPr id="27" name="Rectangle 26"/>
+          <p:cNvSpPr/>
+          <p:nvPr userDrawn="1"/>
+        </p:nvSpPr>
+        <p:spPr>
+          <a:xfrm>
+            <a:off x="1768629" y="2000304"/>
+            <a:ext cx="1080000" cy="1080000"/>
+          </a:xfrm>
+          <a:prstGeom prst="rect">
+            <a:avLst/>
+          </a:prstGeom>
+          <a:solidFill>
+            <a:srgbClr val="4AB4E7"/>
+          </a:solidFill>
+          <a:ln>
+            <a:noFill/>
+          </a:ln>
+        </p:spPr>
+        <p:style>
+          <a:lnRef idx="2">
+            <a:schemeClr val="accent1">
+              <a:shade val="50000"/>
+            </a:schemeClr>
+          </a:lnRef>
+          <a:fillRef idx="1">
+            <a:schemeClr val="accent1"/>
+          </a:fillRef>
+          <a:effectRef idx="0">
+            <a:schemeClr val="accent1"/>
+          </a:effectRef>
+          <a:fontRef idx="minor">
+            <a:schemeClr val="lt1"/>
+          </a:fontRef>
+        </p:style>
+        <p:txBody>
+          <a:bodyPr rtlCol="0" anchor="ctr"/>
+          <a:lstStyle/>
+          <a:p>
+            <a:pPr algn="ctr"/>
+            <a:endParaRPr lang="fr-FR"/>
+          </a:p>
+        </p:txBody>
+      </p:sp>
+      <p:sp>
+        <p:nvSpPr>
+          <p:cNvPr id="28" name="ZoneTexte 27"/>
+          <p:cNvSpPr txBox="1"/>
+          <p:nvPr userDrawn="1"/>
+        </p:nvSpPr>
+        <p:spPr>
+          <a:xfrm>
+            <a:off x="235793" y="2000304"/>
+            <a:ext cx="1349274" cy="307777"/>
+          </a:xfrm>
+          <a:prstGeom prst="rect">
+            <a:avLst/>
+          </a:prstGeom>
+          <a:noFill/>
+        </p:spPr>
+        <p:txBody>
+          <a:bodyPr wrap="square" rtlCol="0">
+            <a:spAutoFit/>
+          </a:bodyPr>
+          <a:lstStyle/>
+          <a:p>
+            <a:r>
+              <a:rPr lang="fr-FR" sz="1400" b="1" dirty="0">
+                <a:solidFill>
+                  <a:schemeClr val="bg1"/>
+                </a:solidFill>
+              </a:rPr>
+              <a:t>Medium</a:t>
+            </a:r>
+            <a:r>
+              <a:rPr lang="fr-FR" sz="1300" b="1" baseline="0" dirty="0">
+                <a:solidFill>
+                  <a:schemeClr val="bg1"/>
+                </a:solidFill>
+              </a:rPr>
+              <a:t> </a:t>
+            </a:r>
+            <a:r>
+              <a:rPr lang="fr-FR" sz="1300" b="1" dirty="0" err="1">
+                <a:solidFill>
+                  <a:schemeClr val="bg1"/>
+                </a:solidFill>
+              </a:rPr>
+              <a:t>Risks</a:t>
+            </a:r>
+            <a:endParaRPr lang="fr-FR" sz="1300" b="1" dirty="0">
+              <a:solidFill>
+                <a:schemeClr val="bg1"/>
+              </a:solidFill>
+            </a:endParaRPr>
+          </a:p>
+        </p:txBody>
+      </p:sp>
+      <p:sp>
+        <p:nvSpPr>
+          <p:cNvPr id="29" name="ZoneTexte 28"/>
+          <p:cNvSpPr txBox="1"/>
+          <p:nvPr userDrawn="1"/>
+        </p:nvSpPr>
+        <p:spPr>
+          <a:xfrm>
+            <a:off x="1805912" y="2016261"/>
+            <a:ext cx="979502" cy="261610"/>
+          </a:xfrm>
+          <a:prstGeom prst="rect">
+            <a:avLst/>
+          </a:prstGeom>
+          <a:noFill/>
+        </p:spPr>
+        <p:txBody>
+          <a:bodyPr wrap="square" rtlCol="0">
+            <a:spAutoFit/>
+          </a:bodyPr>
+          <a:lstStyle/>
+          <a:p>
+            <a:r>
+              <a:rPr lang="fr-FR" sz="1100" b="1" dirty="0">
+                <a:solidFill>
+                  <a:schemeClr val="bg1"/>
+                </a:solidFill>
+              </a:rPr>
+              <a:t>Last </a:t>
+            </a:r>
+            <a:r>
+              <a:rPr lang="fr-FR" sz="1100" b="1" dirty="0" err="1">
+                <a:solidFill>
+                  <a:schemeClr val="bg1"/>
+                </a:solidFill>
+              </a:rPr>
+              <a:t>month</a:t>
+            </a:r>
+            <a:endParaRPr lang="fr-FR" sz="1100" b="1" dirty="0">
+              <a:solidFill>
+                <a:schemeClr val="bg1"/>
+              </a:solidFill>
+            </a:endParaRPr>
+          </a:p>
+        </p:txBody>
+      </p:sp>
+      <p:sp>
+        <p:nvSpPr>
+          <p:cNvPr id="32" name="ZoneTexte 31"/>
+          <p:cNvSpPr txBox="1"/>
+          <p:nvPr userDrawn="1"/>
+        </p:nvSpPr>
+        <p:spPr>
+          <a:xfrm>
+            <a:off x="1805912" y="688190"/>
+            <a:ext cx="979502" cy="261610"/>
+          </a:xfrm>
+          <a:prstGeom prst="rect">
+            <a:avLst/>
+          </a:prstGeom>
+          <a:noFill/>
+        </p:spPr>
+        <p:txBody>
+          <a:bodyPr wrap="square" rtlCol="0">
+            <a:spAutoFit/>
+          </a:bodyPr>
+          <a:lstStyle/>
+          <a:p>
+            <a:r>
+              <a:rPr lang="fr-FR" sz="1100" b="1" dirty="0">
+                <a:solidFill>
+                  <a:schemeClr val="bg1"/>
+                </a:solidFill>
+              </a:rPr>
+              <a:t>Last </a:t>
+            </a:r>
+            <a:r>
+              <a:rPr lang="fr-FR" sz="1100" b="1" dirty="0" err="1">
+                <a:solidFill>
+                  <a:schemeClr val="bg1"/>
+                </a:solidFill>
+              </a:rPr>
+              <a:t>month</a:t>
+            </a:r>
+            <a:endParaRPr lang="fr-FR" sz="1100" b="1" dirty="0">
+              <a:solidFill>
+                <a:schemeClr val="bg1"/>
+              </a:solidFill>
+            </a:endParaRPr>
+          </a:p>
+        </p:txBody>
+      </p:sp>
+      <p:sp>
+        <p:nvSpPr>
+          <p:cNvPr id="33" name="ZoneTexte 32"/>
+          <p:cNvSpPr txBox="1"/>
+          <p:nvPr userDrawn="1"/>
+        </p:nvSpPr>
+        <p:spPr>
+          <a:xfrm>
+            <a:off x="1805912" y="3398888"/>
+            <a:ext cx="979502" cy="261610"/>
+          </a:xfrm>
+          <a:prstGeom prst="rect">
+            <a:avLst/>
+          </a:prstGeom>
+          <a:noFill/>
+        </p:spPr>
+        <p:txBody>
+          <a:bodyPr wrap="square" rtlCol="0">
+            <a:spAutoFit/>
+          </a:bodyPr>
+          <a:lstStyle/>
+          <a:p>
+            <a:r>
+              <a:rPr lang="fr-FR" sz="1100" b="1" dirty="0">
+                <a:solidFill>
+                  <a:schemeClr val="bg1"/>
+                </a:solidFill>
+              </a:rPr>
+              <a:t>Last </a:t>
+            </a:r>
+            <a:r>
+              <a:rPr lang="fr-FR" sz="1100" b="1" dirty="0" err="1">
+                <a:solidFill>
+                  <a:schemeClr val="bg1"/>
+                </a:solidFill>
+              </a:rPr>
+              <a:t>month</a:t>
+            </a:r>
+            <a:endParaRPr lang="fr-FR" sz="1100" b="1" dirty="0">
+              <a:solidFill>
+                <a:schemeClr val="bg1"/>
+              </a:solidFill>
+            </a:endParaRPr>
+          </a:p>
+        </p:txBody>
+      </p:sp>
+      <p:sp>
+        <p:nvSpPr>
+          <p:cNvPr id="3" name="Espace réservé du contenu 2"/>
+          <p:cNvSpPr>
+            <a:spLocks noGrp="1"/>
+          </p:cNvSpPr>
+          <p:nvPr>
+            <p:ph sz="quarter" idx="18" hasCustomPrompt="1"/>
+          </p:nvPr>
+        </p:nvSpPr>
+        <p:spPr>
+          <a:xfrm>
+            <a:off x="395969" y="2477088"/>
+            <a:ext cx="648000" cy="464400"/>
+          </a:xfrm>
+        </p:spPr>
+        <p:txBody>
+          <a:bodyPr anchor="ctr">
+            <a:noAutofit/>
+          </a:bodyPr>
+          <a:lstStyle>
+            <a:lvl1pPr marL="0" indent="0" algn="ctr">
+              <a:buNone/>
+              <a:defRPr sz="3600" b="1">
+                <a:solidFill>
+                  <a:schemeClr val="bg1"/>
+                </a:solidFill>
+              </a:defRPr>
+            </a:lvl1pPr>
+          </a:lstStyle>
+          <a:p>
+            <a:pPr lvl="0"/>
+            <a:r>
+              <a:rPr lang="fr-FR" dirty="0"/>
+              <a:t>#</a:t>
+            </a:r>
+          </a:p>
+        </p:txBody>
+      </p:sp>
+      <p:sp>
+        <p:nvSpPr>
+          <p:cNvPr id="40" name="Espace réservé du texte 5"/>
+          <p:cNvSpPr>
+            <a:spLocks noGrp="1"/>
+          </p:cNvSpPr>
+          <p:nvPr>
+            <p:ph type="body" sz="quarter" idx="19" hasCustomPrompt="1"/>
+          </p:nvPr>
+        </p:nvSpPr>
+        <p:spPr>
+          <a:xfrm>
+            <a:off x="1980084" y="2491299"/>
+            <a:ext cx="647700" cy="463648"/>
+          </a:xfrm>
+        </p:spPr>
+        <p:txBody>
+          <a:bodyPr anchor="ctr">
+            <a:normAutofit/>
+          </a:bodyPr>
+          <a:lstStyle>
+            <a:lvl1pPr marL="0" indent="0" algn="ctr">
+              <a:buNone/>
+              <a:defRPr sz="3200" b="1">
+                <a:solidFill>
+                  <a:schemeClr val="bg1"/>
+                </a:solidFill>
+              </a:defRPr>
+            </a:lvl1pPr>
+          </a:lstStyle>
+          <a:p>
+            <a:pPr lvl="0"/>
+            <a:r>
+              <a:rPr lang="fr-FR" dirty="0"/>
+              <a:t>#</a:t>
+            </a:r>
+          </a:p>
+        </p:txBody>
+      </p:sp>
+      <p:sp>
+        <p:nvSpPr>
+          <p:cNvPr id="2" name="Rectangle 1">
+            <a:extLst>
+              <a:ext uri="{FF2B5EF4-FFF2-40B4-BE49-F238E27FC236}">
+                <a16:creationId xmlns:a16="http://schemas.microsoft.com/office/drawing/2014/main" id="{D2FCA01C-B25C-5C4E-BE33-5A55A6F289B3}"/>
+              </a:ext>
+            </a:extLst>
+          </p:cNvPr>
+          <p:cNvSpPr/>
+          <p:nvPr userDrawn="1"/>
+        </p:nvSpPr>
+        <p:spPr>
+          <a:xfrm>
+            <a:off x="2877931" y="5121327"/>
+            <a:ext cx="1080000" cy="1260000"/>
+          </a:xfrm>
+          <a:prstGeom prst="rect">
+            <a:avLst/>
+          </a:prstGeom>
+          <a:solidFill>
+            <a:srgbClr val="8F8F8F"/>
+          </a:solidFill>
+          <a:ln>
+            <a:noFill/>
+          </a:ln>
+        </p:spPr>
+        <p:style>
+          <a:lnRef idx="2">
+            <a:schemeClr val="accent1">
+              <a:shade val="50000"/>
+            </a:schemeClr>
+          </a:lnRef>
+          <a:fillRef idx="1">
+            <a:schemeClr val="accent1"/>
+          </a:fillRef>
+          <a:effectRef idx="0">
+            <a:schemeClr val="accent1"/>
+          </a:effectRef>
+          <a:fontRef idx="minor">
+            <a:schemeClr val="lt1"/>
+          </a:fontRef>
+        </p:style>
+        <p:txBody>
+          <a:bodyPr rtlCol="0" anchor="ctr"/>
+          <a:lstStyle/>
+          <a:p>
+            <a:pPr algn="ctr"/>
+            <a:endParaRPr lang="fr-FR" dirty="0"/>
+          </a:p>
+        </p:txBody>
+      </p:sp>
+      <p:sp>
+        <p:nvSpPr>
+          <p:cNvPr id="41" name="ZoneTexte 40">
+            <a:extLst>
+              <a:ext uri="{FF2B5EF4-FFF2-40B4-BE49-F238E27FC236}">
+                <a16:creationId xmlns:a16="http://schemas.microsoft.com/office/drawing/2014/main" id="{72FFF280-138B-D94F-AB0D-DAEFF05447A8}"/>
+              </a:ext>
+            </a:extLst>
+          </p:cNvPr>
+          <p:cNvSpPr txBox="1"/>
+          <p:nvPr userDrawn="1"/>
+        </p:nvSpPr>
+        <p:spPr>
+          <a:xfrm>
+            <a:off x="2892279" y="5228639"/>
+            <a:ext cx="1051303" cy="369332"/>
+          </a:xfrm>
+          <a:prstGeom prst="rect">
+            <a:avLst/>
+          </a:prstGeom>
+          <a:noFill/>
+        </p:spPr>
+        <p:txBody>
+          <a:bodyPr wrap="square" rtlCol="0">
+            <a:spAutoFit/>
+          </a:bodyPr>
+          <a:lstStyle/>
+          <a:p>
+            <a:pPr algn="ctr"/>
+            <a:r>
+              <a:rPr lang="fr-FR" b="1" dirty="0" err="1">
+                <a:solidFill>
+                  <a:schemeClr val="bg1"/>
+                </a:solidFill>
+              </a:rPr>
+              <a:t>eIoT</a:t>
+            </a:r>
+            <a:endParaRPr lang="fr-FR" b="1" dirty="0">
+              <a:solidFill>
+                <a:schemeClr val="bg1"/>
+              </a:solidFill>
+            </a:endParaRPr>
+          </a:p>
+        </p:txBody>
+      </p:sp>
+      <p:sp>
+        <p:nvSpPr>
+          <p:cNvPr id="43" name="Espace réservé du texte 5">
+            <a:extLst>
+              <a:ext uri="{FF2B5EF4-FFF2-40B4-BE49-F238E27FC236}">
+                <a16:creationId xmlns:a16="http://schemas.microsoft.com/office/drawing/2014/main" id="{DDEFA93D-5B4A-C849-8064-C9E7381A1BD4}"/>
+              </a:ext>
+            </a:extLst>
+          </p:cNvPr>
+          <p:cNvSpPr>
+            <a:spLocks noGrp="1"/>
+          </p:cNvSpPr>
+          <p:nvPr>
+            <p:ph type="body" sz="quarter" idx="20" hasCustomPrompt="1"/>
+          </p:nvPr>
+        </p:nvSpPr>
+        <p:spPr>
+          <a:xfrm>
+            <a:off x="3094080" y="5689021"/>
+            <a:ext cx="647700" cy="503238"/>
+          </a:xfrm>
+        </p:spPr>
+        <p:txBody>
+          <a:bodyPr anchor="ctr">
+            <a:normAutofit/>
+          </a:bodyPr>
+          <a:lstStyle>
+            <a:lvl1pPr marL="0" indent="0" algn="ctr">
+              <a:buNone/>
+              <a:defRPr sz="3200" b="1">
+                <a:solidFill>
+                  <a:schemeClr val="bg1"/>
+                </a:solidFill>
+              </a:defRPr>
+            </a:lvl1pPr>
+          </a:lstStyle>
+          <a:p>
+            <a:pPr lvl="0"/>
+            <a:r>
+              <a:rPr lang="fr-FR" dirty="0"/>
+              <a:t>#</a:t>
+            </a:r>
+          </a:p>
+        </p:txBody>
+      </p:sp>
+    </p:spTree>
+    <p:extLst/>
+  </p:cSld>
+  <p:clrMapOvr>
+    <a:masterClrMapping/>
+  </p:clrMapOvr>
+</p:sldLayout>
+</file>
+
+<file path=ppt/slideLayouts/slideLayout20.xml><?xml version="1.0" encoding="utf-8"?>
 <p:sldLayout xmlns:a="http://schemas.openxmlformats.org/drawingml/2006/main" xmlns:r="http://schemas.openxmlformats.org/officeDocument/2006/relationships" xmlns:p="http://schemas.openxmlformats.org/presentationml/2006/main" preserve="1" userDrawn="1">
   <p:cSld name="image pleine page">
     <p:spTree>
@@ -7573,10 +7349,9 @@
           </a:lstStyle>
           <a:p>
             <a:r>
-              <a:rPr lang="fr-FR" dirty="0" smtClean="0"/>
+              <a:rPr lang="fr-FR" dirty="0"/>
               <a:t>cliquez sur l’icône pour insérer une image pleine page</a:t>
             </a:r>
-            <a:endParaRPr lang="fr-FR" dirty="0"/>
           </a:p>
         </p:txBody>
       </p:sp>
@@ -7643,10 +7418,9 @@
           <a:p>
             <a:pPr lvl="0"/>
             <a:r>
-              <a:rPr lang="fr-FR" dirty="0" smtClean="0"/>
+              <a:rPr lang="fr-FR" dirty="0"/>
               <a:t>image pleine page</a:t>
             </a:r>
-            <a:endParaRPr lang="fr-FR" dirty="0"/>
           </a:p>
         </p:txBody>
       </p:sp>
@@ -7660,17 +7434,10 @@
   <p:clrMapOvr>
     <a:masterClrMapping/>
   </p:clrMapOvr>
-  <p:timing>
-    <p:tnLst>
-      <p:par>
-        <p:cTn id="1" dur="indefinite" restart="never" nodeType="tmRoot"/>
-      </p:par>
-    </p:tnLst>
-  </p:timing>
 </p:sldLayout>
 </file>
 
-<file path=ppt/slideLayouts/slideLayout22.xml><?xml version="1.0" encoding="utf-8"?>
+<file path=ppt/slideLayouts/slideLayout21.xml><?xml version="1.0" encoding="utf-8"?>
 <p:sldLayout xmlns:a="http://schemas.openxmlformats.org/drawingml/2006/main" xmlns:r="http://schemas.openxmlformats.org/officeDocument/2006/relationships" xmlns:p="http://schemas.openxmlformats.org/presentationml/2006/main" preserve="1" userDrawn="1">
   <p:cSld name="diagramme">
     <p:spTree>
@@ -7712,10 +7479,9 @@
           </a:lstStyle>
           <a:p>
             <a:r>
-              <a:rPr lang="fr-FR" dirty="0" smtClean="0"/>
+              <a:rPr lang="fr-FR" dirty="0"/>
               <a:t>diapositive avec diagramme</a:t>
             </a:r>
-            <a:endParaRPr lang="fr-FR" dirty="0"/>
           </a:p>
         </p:txBody>
       </p:sp>
@@ -7744,10 +7510,9 @@
           </a:lstStyle>
           <a:p>
             <a:r>
-              <a:rPr lang="fr-FR" dirty="0" smtClean="0"/>
+              <a:rPr lang="fr-FR" dirty="0"/>
               <a:t>cliquez sur l’icône pour insérer un graphique</a:t>
             </a:r>
-            <a:endParaRPr lang="fr-FR" dirty="0"/>
           </a:p>
         </p:txBody>
       </p:sp>
@@ -7793,7 +7558,7 @@
           <a:p>
             <a:pPr lvl="0"/>
             <a:r>
-              <a:rPr lang="fr-FR" dirty="0" smtClean="0"/>
+              <a:rPr lang="fr-FR" dirty="0"/>
               <a:t>notes et remarques</a:t>
             </a:r>
           </a:p>
@@ -7813,17 +7578,10 @@
   <p:clrMapOvr>
     <a:masterClrMapping/>
   </p:clrMapOvr>
-  <p:timing>
-    <p:tnLst>
-      <p:par>
-        <p:cTn id="1" dur="indefinite" restart="never" nodeType="tmRoot"/>
-      </p:par>
-    </p:tnLst>
-  </p:timing>
 </p:sldLayout>
 </file>
 
-<file path=ppt/slideLayouts/slideLayout23.xml><?xml version="1.0" encoding="utf-8"?>
+<file path=ppt/slideLayouts/slideLayout22.xml><?xml version="1.0" encoding="utf-8"?>
 <p:sldLayout xmlns:a="http://schemas.openxmlformats.org/drawingml/2006/main" xmlns:r="http://schemas.openxmlformats.org/officeDocument/2006/relationships" xmlns:p="http://schemas.openxmlformats.org/presentationml/2006/main" preserve="1" userDrawn="1">
   <p:cSld name="résumé">
     <p:spTree>
@@ -7865,10 +7623,9 @@
           </a:lstStyle>
           <a:p>
             <a:r>
-              <a:rPr lang="fr-FR" dirty="0" smtClean="0"/>
+              <a:rPr lang="fr-FR" dirty="0"/>
               <a:t>résumé</a:t>
             </a:r>
-            <a:endParaRPr lang="fr-FR" dirty="0"/>
           </a:p>
         </p:txBody>
       </p:sp>
@@ -7914,7 +7671,7 @@
           <a:p>
             <a:pPr lvl="0"/>
             <a:r>
-              <a:rPr lang="fr-FR" dirty="0" smtClean="0"/>
+              <a:rPr lang="fr-FR" dirty="0"/>
               <a:t>points clés de votre présentation</a:t>
             </a:r>
           </a:p>
@@ -7934,17 +7691,10 @@
   <p:clrMapOvr>
     <a:masterClrMapping/>
   </p:clrMapOvr>
-  <p:timing>
-    <p:tnLst>
-      <p:par>
-        <p:cTn id="1" dur="indefinite" restart="never" nodeType="tmRoot"/>
-      </p:par>
-    </p:tnLst>
-  </p:timing>
 </p:sldLayout>
 </file>
 
-<file path=ppt/slideLayouts/slideLayout24.xml><?xml version="1.0" encoding="utf-8"?>
+<file path=ppt/slideLayouts/slideLayout23.xml><?xml version="1.0" encoding="utf-8"?>
 <p:sldLayout xmlns:a="http://schemas.openxmlformats.org/drawingml/2006/main" xmlns:r="http://schemas.openxmlformats.org/officeDocument/2006/relationships" xmlns:p="http://schemas.openxmlformats.org/presentationml/2006/main" preserve="1" userDrawn="1">
   <p:cSld name="merci">
     <p:spTree>
@@ -7988,10 +7738,9 @@
           </a:lstStyle>
           <a:p>
             <a:r>
-              <a:rPr lang="fr-FR" dirty="0" smtClean="0"/>
+              <a:rPr lang="fr-FR" dirty="0"/>
               <a:t>vos remerciements</a:t>
             </a:r>
-            <a:endParaRPr lang="fr-FR" dirty="0"/>
           </a:p>
         </p:txBody>
       </p:sp>
@@ -8046,143 +7795,11 @@
   <p:clrMapOvr>
     <a:masterClrMapping/>
   </p:clrMapOvr>
-  <p:timing>
-    <p:tnLst>
-      <p:par>
-        <p:cTn id="1" dur="indefinite" restart="never" nodeType="tmRoot"/>
-      </p:par>
-    </p:tnLst>
-  </p:timing>
 </p:sldLayout>
 </file>
 
 <file path=ppt/slideLayouts/slideLayout3.xml><?xml version="1.0" encoding="utf-8"?>
-<p:sldLayout xmlns:a="http://schemas.openxmlformats.org/drawingml/2006/main" xmlns:r="http://schemas.openxmlformats.org/officeDocument/2006/relationships" xmlns:p="http://schemas.openxmlformats.org/presentationml/2006/main" showMasterSp="0" preserve="1" userDrawn="1">
-  <p:cSld name="4_Disposition personnalisée">
-    <p:spTree>
-      <p:nvGrpSpPr>
-        <p:cNvPr id="1" name=""/>
-        <p:cNvGrpSpPr/>
-        <p:nvPr/>
-      </p:nvGrpSpPr>
-      <p:grpSpPr>
-        <a:xfrm>
-          <a:off x="0" y="0"/>
-          <a:ext cx="0" cy="0"/>
-          <a:chOff x="0" y="0"/>
-          <a:chExt cx="0" cy="0"/>
-        </a:xfrm>
-      </p:grpSpPr>
-      <p:sp>
-        <p:nvSpPr>
-          <p:cNvPr id="3" name="ZoneTexte 2"/>
-          <p:cNvSpPr txBox="1"/>
-          <p:nvPr userDrawn="1"/>
-        </p:nvSpPr>
-        <p:spPr>
-          <a:xfrm>
-            <a:off x="235793" y="32008"/>
-            <a:ext cx="2608015" cy="369332"/>
-          </a:xfrm>
-          <a:prstGeom prst="rect">
-            <a:avLst/>
-          </a:prstGeom>
-          <a:noFill/>
-        </p:spPr>
-        <p:txBody>
-          <a:bodyPr wrap="square" rtlCol="0">
-            <a:spAutoFit/>
-          </a:bodyPr>
-          <a:lstStyle/>
-          <a:p>
-            <a:r>
-              <a:rPr lang="fr-FR" b="1" dirty="0" err="1" smtClean="0">
-                <a:solidFill>
-                  <a:schemeClr val="accent4">
-                    <a:lumMod val="50000"/>
-                  </a:schemeClr>
-                </a:solidFill>
-              </a:rPr>
-              <a:t>Efficiency</a:t>
-            </a:r>
-            <a:endParaRPr lang="fr-FR" b="1" dirty="0">
-              <a:solidFill>
-                <a:schemeClr val="accent4">
-                  <a:lumMod val="50000"/>
-                </a:schemeClr>
-              </a:solidFill>
-            </a:endParaRPr>
-          </a:p>
-        </p:txBody>
-      </p:sp>
-      <p:sp>
-        <p:nvSpPr>
-          <p:cNvPr id="4" name="ZoneTexte 3"/>
-          <p:cNvSpPr txBox="1"/>
-          <p:nvPr userDrawn="1"/>
-        </p:nvSpPr>
-        <p:spPr>
-          <a:xfrm>
-            <a:off x="107504" y="6505599"/>
-            <a:ext cx="2755947" cy="307777"/>
-          </a:xfrm>
-          <a:prstGeom prst="rect">
-            <a:avLst/>
-          </a:prstGeom>
-          <a:noFill/>
-        </p:spPr>
-        <p:txBody>
-          <a:bodyPr wrap="none" rtlCol="0">
-            <a:spAutoFit/>
-          </a:bodyPr>
-          <a:lstStyle/>
-          <a:p>
-            <a:r>
-              <a:rPr lang="fr-FR" sz="1400" i="1" dirty="0" smtClean="0">
-                <a:solidFill>
-                  <a:schemeClr val="tx1">
-                    <a:lumMod val="85000"/>
-                    <a:lumOff val="15000"/>
-                  </a:schemeClr>
-                </a:solidFill>
-                <a:latin typeface="Calibri" panose="020F0502020204030204" pitchFamily="34" charset="0"/>
-              </a:rPr>
-              <a:t>Rémi Lavedrine – Security Manager</a:t>
-            </a:r>
-            <a:endParaRPr lang="fr-FR" sz="1400" i="1" dirty="0">
-              <a:solidFill>
-                <a:schemeClr val="tx1">
-                  <a:lumMod val="85000"/>
-                  <a:lumOff val="15000"/>
-                </a:schemeClr>
-              </a:solidFill>
-              <a:latin typeface="Calibri" panose="020F0502020204030204" pitchFamily="34" charset="0"/>
-            </a:endParaRPr>
-          </a:p>
-        </p:txBody>
-      </p:sp>
-    </p:spTree>
-    <p:extLst>
-      <p:ext uri="{BB962C8B-B14F-4D97-AF65-F5344CB8AC3E}">
-        <p14:creationId xmlns:p14="http://schemas.microsoft.com/office/powerpoint/2010/main" val="1877164906"/>
-      </p:ext>
-    </p:extLst>
-  </p:cSld>
-  <p:clrMapOvr>
-    <a:masterClrMapping/>
-  </p:clrMapOvr>
-  <p:timing>
-    <p:tnLst>
-      <p:par>
-        <p:cTn id="1" dur="indefinite" restart="never" nodeType="tmRoot"/>
-      </p:par>
-    </p:tnLst>
-  </p:timing>
-</p:sldLayout>
-</file>
-
-<file path=ppt/slideLayouts/slideLayout4.xml><?xml version="1.0" encoding="utf-8"?>
-<p:sldLayout xmlns:a="http://schemas.openxmlformats.org/drawingml/2006/main" xmlns:r="http://schemas.openxmlformats.org/officeDocument/2006/relationships" xmlns:p="http://schemas.openxmlformats.org/presentationml/2006/main" showMasterSp="0" preserve="1" userDrawn="1">
+<p:sldLayout xmlns:a="http://schemas.openxmlformats.org/drawingml/2006/main" xmlns:r="http://schemas.openxmlformats.org/officeDocument/2006/relationships" xmlns:p="http://schemas.openxmlformats.org/presentationml/2006/main" preserve="1" userDrawn="1">
   <p:cSld name="2_Disposition personnalisée">
     <p:spTree>
       <p:nvGrpSpPr>
@@ -8207,7 +7824,7 @@
         <p:spPr>
           <a:xfrm>
             <a:off x="251520" y="348625"/>
-            <a:ext cx="2491388" cy="400110"/>
+            <a:ext cx="2646878" cy="400110"/>
           </a:xfrm>
           <a:prstGeom prst="rect">
             <a:avLst/>
@@ -8221,7 +7838,7 @@
           <a:lstStyle/>
           <a:p>
             <a:r>
-              <a:rPr lang="fr-FR" sz="2000" b="1" dirty="0" err="1" smtClean="0">
+              <a:rPr lang="fr-FR" sz="2000" b="1" dirty="0" err="1">
                 <a:solidFill>
                   <a:schemeClr val="accent4">
                     <a:lumMod val="50000"/>
@@ -8231,7 +7848,7 @@
               <a:t>Monthly</a:t>
             </a:r>
             <a:r>
-              <a:rPr lang="fr-FR" sz="2000" b="1" dirty="0" smtClean="0">
+              <a:rPr lang="fr-FR" sz="2000" b="1" dirty="0">
                 <a:solidFill>
                   <a:schemeClr val="accent4">
                     <a:lumMod val="50000"/>
@@ -8241,7 +7858,7 @@
               <a:t> </a:t>
             </a:r>
             <a:r>
-              <a:rPr lang="fr-FR" sz="2000" b="1" dirty="0" err="1" smtClean="0">
+              <a:rPr lang="fr-FR" sz="2000" b="1" dirty="0" err="1">
                 <a:solidFill>
                   <a:schemeClr val="accent4">
                     <a:lumMod val="50000"/>
@@ -8249,6 +7866,268 @@
                 </a:solidFill>
               </a:rPr>
               <a:t>Highlights</a:t>
+            </a:r>
+            <a:r>
+              <a:rPr lang="fr-FR" sz="2000" b="1" dirty="0">
+                <a:solidFill>
+                  <a:schemeClr val="accent4">
+                    <a:lumMod val="50000"/>
+                  </a:schemeClr>
+                </a:solidFill>
+              </a:rPr>
+              <a:t> :</a:t>
+            </a:r>
+          </a:p>
+        </p:txBody>
+      </p:sp>
+      <p:sp>
+        <p:nvSpPr>
+          <p:cNvPr id="5" name="Espace réservé du texte 4"/>
+          <p:cNvSpPr>
+            <a:spLocks noGrp="1"/>
+          </p:cNvSpPr>
+          <p:nvPr>
+            <p:ph type="body" sz="quarter" idx="10"/>
+          </p:nvPr>
+        </p:nvSpPr>
+        <p:spPr>
+          <a:xfrm>
+            <a:off x="323850" y="874844"/>
+            <a:ext cx="4032126" cy="2554156"/>
+          </a:xfrm>
+          <a:solidFill>
+            <a:srgbClr val="4AB4E7"/>
+          </a:solidFill>
+        </p:spPr>
+        <p:txBody>
+          <a:bodyPr lIns="108000" tIns="108000" rIns="108000" bIns="108000"/>
+          <a:lstStyle>
+            <a:lvl1pPr marL="0" indent="0">
+              <a:buNone/>
+              <a:defRPr>
+                <a:solidFill>
+                  <a:schemeClr val="bg1"/>
+                </a:solidFill>
+              </a:defRPr>
+            </a:lvl1pPr>
+          </a:lstStyle>
+          <a:p>
+            <a:pPr lvl="0"/>
+            <a:r>
+              <a:rPr lang="fr-FR"/>
+              <a:t>Modifier les styles du texte du masque</a:t>
+            </a:r>
+          </a:p>
+        </p:txBody>
+      </p:sp>
+      <p:sp>
+        <p:nvSpPr>
+          <p:cNvPr id="6" name="Espace réservé du texte 4"/>
+          <p:cNvSpPr>
+            <a:spLocks noGrp="1"/>
+          </p:cNvSpPr>
+          <p:nvPr>
+            <p:ph type="body" sz="quarter" idx="11"/>
+          </p:nvPr>
+        </p:nvSpPr>
+        <p:spPr>
+          <a:xfrm>
+            <a:off x="326298" y="4354878"/>
+            <a:ext cx="4029678" cy="2088902"/>
+          </a:xfrm>
+          <a:solidFill>
+            <a:srgbClr val="50BE87"/>
+          </a:solidFill>
+        </p:spPr>
+        <p:txBody>
+          <a:bodyPr lIns="108000" tIns="108000" rIns="108000" bIns="108000"/>
+          <a:lstStyle>
+            <a:lvl1pPr marL="0" indent="0">
+              <a:buNone/>
+              <a:defRPr>
+                <a:solidFill>
+                  <a:schemeClr val="bg1"/>
+                </a:solidFill>
+              </a:defRPr>
+            </a:lvl1pPr>
+          </a:lstStyle>
+          <a:p>
+            <a:pPr lvl="0"/>
+            <a:r>
+              <a:rPr lang="fr-FR"/>
+              <a:t>Modifier les styles du texte du masque</a:t>
+            </a:r>
+          </a:p>
+        </p:txBody>
+      </p:sp>
+      <p:sp>
+        <p:nvSpPr>
+          <p:cNvPr id="7" name="ZoneTexte 6"/>
+          <p:cNvSpPr txBox="1"/>
+          <p:nvPr userDrawn="1"/>
+        </p:nvSpPr>
+        <p:spPr>
+          <a:xfrm>
+            <a:off x="251520" y="3789040"/>
+            <a:ext cx="1024639" cy="400110"/>
+          </a:xfrm>
+          <a:prstGeom prst="rect">
+            <a:avLst/>
+          </a:prstGeom>
+          <a:noFill/>
+        </p:spPr>
+        <p:txBody>
+          <a:bodyPr wrap="none" rtlCol="0">
+            <a:spAutoFit/>
+          </a:bodyPr>
+          <a:lstStyle/>
+          <a:p>
+            <a:r>
+              <a:rPr lang="fr-FR" sz="2000" b="1" dirty="0" err="1">
+                <a:solidFill>
+                  <a:schemeClr val="accent4">
+                    <a:lumMod val="50000"/>
+                  </a:schemeClr>
+                </a:solidFill>
+              </a:rPr>
+              <a:t>Risks</a:t>
+            </a:r>
+            <a:r>
+              <a:rPr lang="fr-FR" sz="2000" b="1" dirty="0">
+                <a:solidFill>
+                  <a:schemeClr val="accent4">
+                    <a:lumMod val="50000"/>
+                  </a:schemeClr>
+                </a:solidFill>
+              </a:rPr>
+              <a:t> :</a:t>
+            </a:r>
+          </a:p>
+        </p:txBody>
+      </p:sp>
+      <p:sp>
+        <p:nvSpPr>
+          <p:cNvPr id="9" name="Espace réservé du texte 4"/>
+          <p:cNvSpPr>
+            <a:spLocks noGrp="1"/>
+          </p:cNvSpPr>
+          <p:nvPr>
+            <p:ph type="body" sz="quarter" idx="12"/>
+          </p:nvPr>
+        </p:nvSpPr>
+        <p:spPr>
+          <a:xfrm>
+            <a:off x="4860033" y="874844"/>
+            <a:ext cx="3849970" cy="464331"/>
+          </a:xfrm>
+          <a:solidFill>
+            <a:srgbClr val="A885D9"/>
+          </a:solidFill>
+        </p:spPr>
+        <p:txBody>
+          <a:bodyPr lIns="108000" tIns="108000" rIns="108000" bIns="108000">
+            <a:spAutoFit/>
+          </a:bodyPr>
+          <a:lstStyle>
+            <a:lvl1pPr marL="0" indent="0">
+              <a:buNone/>
+              <a:defRPr sz="1600">
+                <a:solidFill>
+                  <a:schemeClr val="bg1"/>
+                </a:solidFill>
+              </a:defRPr>
+            </a:lvl1pPr>
+          </a:lstStyle>
+          <a:p>
+            <a:pPr lvl="0"/>
+            <a:r>
+              <a:rPr lang="fr-FR"/>
+              <a:t>Modifier les styles du texte du masque</a:t>
+            </a:r>
+          </a:p>
+        </p:txBody>
+      </p:sp>
+      <p:sp>
+        <p:nvSpPr>
+          <p:cNvPr id="10" name="ZoneTexte 9"/>
+          <p:cNvSpPr txBox="1"/>
+          <p:nvPr userDrawn="1"/>
+        </p:nvSpPr>
+        <p:spPr>
+          <a:xfrm>
+            <a:off x="4788024" y="349292"/>
+            <a:ext cx="3417923" cy="400110"/>
+          </a:xfrm>
+          <a:prstGeom prst="rect">
+            <a:avLst/>
+          </a:prstGeom>
+          <a:noFill/>
+        </p:spPr>
+        <p:txBody>
+          <a:bodyPr wrap="none" rtlCol="0">
+            <a:spAutoFit/>
+          </a:bodyPr>
+          <a:lstStyle/>
+          <a:p>
+            <a:r>
+              <a:rPr lang="fr-FR" sz="2000" b="1" dirty="0" err="1">
+                <a:solidFill>
+                  <a:schemeClr val="accent4">
+                    <a:lumMod val="50000"/>
+                  </a:schemeClr>
+                </a:solidFill>
+              </a:rPr>
+              <a:t>Problems</a:t>
+            </a:r>
+            <a:r>
+              <a:rPr lang="fr-FR" sz="2000" b="1" dirty="0">
+                <a:solidFill>
+                  <a:schemeClr val="accent4">
+                    <a:lumMod val="50000"/>
+                  </a:schemeClr>
+                </a:solidFill>
+              </a:rPr>
+              <a:t> on </a:t>
+            </a:r>
+            <a:r>
+              <a:rPr lang="fr-FR" sz="2000" b="1" dirty="0" err="1">
+                <a:solidFill>
+                  <a:schemeClr val="accent4">
+                    <a:lumMod val="50000"/>
+                  </a:schemeClr>
+                </a:solidFill>
+              </a:rPr>
+              <a:t>our</a:t>
+            </a:r>
+            <a:r>
+              <a:rPr lang="fr-FR" sz="2000" b="1" baseline="0" dirty="0">
+                <a:solidFill>
+                  <a:schemeClr val="accent4">
+                    <a:lumMod val="50000"/>
+                  </a:schemeClr>
+                </a:solidFill>
+              </a:rPr>
+              <a:t> </a:t>
+            </a:r>
+            <a:r>
+              <a:rPr lang="fr-FR" sz="2000" b="1" baseline="0" dirty="0" err="1">
+                <a:solidFill>
+                  <a:schemeClr val="accent4">
+                    <a:lumMod val="50000"/>
+                  </a:schemeClr>
+                </a:solidFill>
+              </a:rPr>
+              <a:t>Devices</a:t>
+            </a:r>
+            <a:r>
+              <a:rPr lang="fr-FR" sz="2000" b="1" baseline="0" dirty="0">
+                <a:solidFill>
+                  <a:schemeClr val="accent4">
+                    <a:lumMod val="50000"/>
+                  </a:schemeClr>
+                </a:solidFill>
+              </a:rPr>
+              <a:t> :</a:t>
             </a:r>
             <a:endParaRPr lang="fr-FR" sz="2000" b="1" dirty="0">
               <a:solidFill>
@@ -8256,287 +8135,6 @@
                   <a:lumMod val="50000"/>
                 </a:schemeClr>
               </a:solidFill>
-            </a:endParaRPr>
-          </a:p>
-        </p:txBody>
-      </p:sp>
-      <p:sp>
-        <p:nvSpPr>
-          <p:cNvPr id="5" name="Espace réservé du texte 4"/>
-          <p:cNvSpPr>
-            <a:spLocks noGrp="1"/>
-          </p:cNvSpPr>
-          <p:nvPr>
-            <p:ph type="body" sz="quarter" idx="10"/>
-          </p:nvPr>
-        </p:nvSpPr>
-        <p:spPr>
-          <a:xfrm>
-            <a:off x="323850" y="748735"/>
-            <a:ext cx="2259013" cy="2680265"/>
-          </a:xfrm>
-        </p:spPr>
-        <p:txBody>
-          <a:bodyPr/>
-          <a:lstStyle>
-            <a:lvl1pPr marL="0" indent="0">
-              <a:buNone/>
-              <a:defRPr/>
-            </a:lvl1pPr>
-          </a:lstStyle>
-          <a:p>
-            <a:pPr lvl="0"/>
-            <a:r>
-              <a:rPr lang="fr-FR" smtClean="0"/>
-              <a:t>Modifiez les styles du texte du masque</a:t>
-            </a:r>
-          </a:p>
-        </p:txBody>
-      </p:sp>
-      <p:sp>
-        <p:nvSpPr>
-          <p:cNvPr id="6" name="Espace réservé du texte 4"/>
-          <p:cNvSpPr>
-            <a:spLocks noGrp="1"/>
-          </p:cNvSpPr>
-          <p:nvPr>
-            <p:ph type="body" sz="quarter" idx="11"/>
-          </p:nvPr>
-        </p:nvSpPr>
-        <p:spPr>
-          <a:xfrm>
-            <a:off x="326298" y="4005064"/>
-            <a:ext cx="2259013" cy="2088902"/>
-          </a:xfrm>
-        </p:spPr>
-        <p:txBody>
-          <a:bodyPr/>
-          <a:lstStyle>
-            <a:lvl1pPr marL="0" indent="0">
-              <a:buNone/>
-              <a:defRPr/>
-            </a:lvl1pPr>
-          </a:lstStyle>
-          <a:p>
-            <a:pPr lvl="0"/>
-            <a:r>
-              <a:rPr lang="fr-FR" smtClean="0"/>
-              <a:t>Modifiez les styles du texte du masque</a:t>
-            </a:r>
-          </a:p>
-        </p:txBody>
-      </p:sp>
-      <p:sp>
-        <p:nvSpPr>
-          <p:cNvPr id="7" name="ZoneTexte 6"/>
-          <p:cNvSpPr txBox="1"/>
-          <p:nvPr userDrawn="1"/>
-        </p:nvSpPr>
-        <p:spPr>
-          <a:xfrm>
-            <a:off x="251520" y="3604954"/>
-            <a:ext cx="869149" cy="400110"/>
-          </a:xfrm>
-          <a:prstGeom prst="rect">
-            <a:avLst/>
-          </a:prstGeom>
-          <a:noFill/>
-        </p:spPr>
-        <p:txBody>
-          <a:bodyPr wrap="none" rtlCol="0">
-            <a:spAutoFit/>
-          </a:bodyPr>
-          <a:lstStyle/>
-          <a:p>
-            <a:r>
-              <a:rPr lang="fr-FR" sz="2000" b="1" dirty="0" err="1" smtClean="0">
-                <a:solidFill>
-                  <a:schemeClr val="accent4">
-                    <a:lumMod val="50000"/>
-                  </a:schemeClr>
-                </a:solidFill>
-              </a:rPr>
-              <a:t>Risks</a:t>
-            </a:r>
-            <a:endParaRPr lang="fr-FR" sz="2000" b="1" dirty="0">
-              <a:solidFill>
-                <a:schemeClr val="accent4">
-                  <a:lumMod val="50000"/>
-                </a:schemeClr>
-              </a:solidFill>
-            </a:endParaRPr>
-          </a:p>
-        </p:txBody>
-      </p:sp>
-      <p:sp>
-        <p:nvSpPr>
-          <p:cNvPr id="9" name="Espace réservé du texte 4"/>
-          <p:cNvSpPr>
-            <a:spLocks noGrp="1"/>
-          </p:cNvSpPr>
-          <p:nvPr>
-            <p:ph type="body" sz="quarter" idx="12"/>
-          </p:nvPr>
-        </p:nvSpPr>
-        <p:spPr>
-          <a:xfrm>
-            <a:off x="3275856" y="836712"/>
-            <a:ext cx="3126186" cy="2557388"/>
-          </a:xfrm>
-        </p:spPr>
-        <p:txBody>
-          <a:bodyPr>
-            <a:normAutofit/>
-          </a:bodyPr>
-          <a:lstStyle>
-            <a:lvl1pPr marL="0" indent="0">
-              <a:buNone/>
-              <a:defRPr sz="1600"/>
-            </a:lvl1pPr>
-          </a:lstStyle>
-          <a:p>
-            <a:pPr lvl="0"/>
-            <a:r>
-              <a:rPr lang="fr-FR" smtClean="0"/>
-              <a:t>Modifiez les styles du texte du masque</a:t>
-            </a:r>
-          </a:p>
-        </p:txBody>
-      </p:sp>
-      <p:sp>
-        <p:nvSpPr>
-          <p:cNvPr id="10" name="ZoneTexte 9"/>
-          <p:cNvSpPr txBox="1"/>
-          <p:nvPr userDrawn="1"/>
-        </p:nvSpPr>
-        <p:spPr>
-          <a:xfrm>
-            <a:off x="3187701" y="348625"/>
-            <a:ext cx="3417923" cy="400110"/>
-          </a:xfrm>
-          <a:prstGeom prst="rect">
-            <a:avLst/>
-          </a:prstGeom>
-          <a:noFill/>
-        </p:spPr>
-        <p:txBody>
-          <a:bodyPr wrap="none" rtlCol="0">
-            <a:spAutoFit/>
-          </a:bodyPr>
-          <a:lstStyle/>
-          <a:p>
-            <a:r>
-              <a:rPr lang="fr-FR" sz="2000" b="1" dirty="0" err="1" smtClean="0">
-                <a:solidFill>
-                  <a:schemeClr val="accent4">
-                    <a:lumMod val="50000"/>
-                  </a:schemeClr>
-                </a:solidFill>
-              </a:rPr>
-              <a:t>Problems</a:t>
-            </a:r>
-            <a:r>
-              <a:rPr lang="fr-FR" sz="2000" b="1" dirty="0" smtClean="0">
-                <a:solidFill>
-                  <a:schemeClr val="accent4">
-                    <a:lumMod val="50000"/>
-                  </a:schemeClr>
-                </a:solidFill>
-              </a:rPr>
-              <a:t> on </a:t>
-            </a:r>
-            <a:r>
-              <a:rPr lang="fr-FR" sz="2000" b="1" dirty="0" err="1" smtClean="0">
-                <a:solidFill>
-                  <a:schemeClr val="accent4">
-                    <a:lumMod val="50000"/>
-                  </a:schemeClr>
-                </a:solidFill>
-              </a:rPr>
-              <a:t>our</a:t>
-            </a:r>
-            <a:r>
-              <a:rPr lang="fr-FR" sz="2000" b="1" baseline="0" dirty="0" smtClean="0">
-                <a:solidFill>
-                  <a:schemeClr val="accent4">
-                    <a:lumMod val="50000"/>
-                  </a:schemeClr>
-                </a:solidFill>
-              </a:rPr>
-              <a:t> </a:t>
-            </a:r>
-            <a:r>
-              <a:rPr lang="fr-FR" sz="2000" b="1" baseline="0" dirty="0" err="1" smtClean="0">
-                <a:solidFill>
-                  <a:schemeClr val="accent4">
-                    <a:lumMod val="50000"/>
-                  </a:schemeClr>
-                </a:solidFill>
-              </a:rPr>
-              <a:t>Devices</a:t>
-            </a:r>
-            <a:r>
-              <a:rPr lang="fr-FR" sz="2000" b="1" baseline="0" dirty="0" smtClean="0">
-                <a:solidFill>
-                  <a:schemeClr val="accent4">
-                    <a:lumMod val="50000"/>
-                  </a:schemeClr>
-                </a:solidFill>
-              </a:rPr>
-              <a:t> :</a:t>
-            </a:r>
-            <a:endParaRPr lang="fr-FR" sz="2000" b="1" dirty="0">
-              <a:solidFill>
-                <a:schemeClr val="accent4">
-                  <a:lumMod val="50000"/>
-                </a:schemeClr>
-              </a:solidFill>
-            </a:endParaRPr>
-          </a:p>
-        </p:txBody>
-      </p:sp>
-      <p:sp>
-        <p:nvSpPr>
-          <p:cNvPr id="11" name="ZoneTexte 10"/>
-          <p:cNvSpPr txBox="1"/>
-          <p:nvPr userDrawn="1"/>
-        </p:nvSpPr>
-        <p:spPr>
-          <a:xfrm>
-            <a:off x="107504" y="6505599"/>
-            <a:ext cx="2755947" cy="307777"/>
-          </a:xfrm>
-          <a:prstGeom prst="rect">
-            <a:avLst/>
-          </a:prstGeom>
-          <a:noFill/>
-        </p:spPr>
-        <p:txBody>
-          <a:bodyPr wrap="none" rtlCol="0">
-            <a:spAutoFit/>
-          </a:bodyPr>
-          <a:lstStyle/>
-          <a:p>
-            <a:r>
-              <a:rPr lang="fr-FR" sz="1400" i="1" dirty="0" smtClean="0">
-                <a:solidFill>
-                  <a:schemeClr val="tx1">
-                    <a:lumMod val="85000"/>
-                    <a:lumOff val="15000"/>
-                  </a:schemeClr>
-                </a:solidFill>
-                <a:latin typeface="Calibri" panose="020F0502020204030204" pitchFamily="34" charset="0"/>
-              </a:rPr>
-              <a:t>Rémi Lavedrine – Security Manager</a:t>
-            </a:r>
-            <a:endParaRPr lang="fr-FR" sz="1400" i="1" dirty="0">
-              <a:solidFill>
-                <a:schemeClr val="tx1">
-                  <a:lumMod val="85000"/>
-                  <a:lumOff val="15000"/>
-                </a:schemeClr>
-              </a:solidFill>
-              <a:latin typeface="Calibri" panose="020F0502020204030204" pitchFamily="34" charset="0"/>
             </a:endParaRPr>
           </a:p>
         </p:txBody>
@@ -8551,17 +8149,10 @@
   <p:clrMapOvr>
     <a:masterClrMapping/>
   </p:clrMapOvr>
-  <p:timing>
-    <p:tnLst>
-      <p:par>
-        <p:cTn id="1" dur="indefinite" restart="never" nodeType="tmRoot"/>
-      </p:par>
-    </p:tnLst>
-  </p:timing>
 </p:sldLayout>
 </file>
 
-<file path=ppt/slideLayouts/slideLayout5.xml><?xml version="1.0" encoding="utf-8"?>
+<file path=ppt/slideLayouts/slideLayout4.xml><?xml version="1.0" encoding="utf-8"?>
 <p:sldLayout xmlns:a="http://schemas.openxmlformats.org/drawingml/2006/main" xmlns:r="http://schemas.openxmlformats.org/officeDocument/2006/relationships" xmlns:p="http://schemas.openxmlformats.org/presentationml/2006/main" preserve="1" userDrawn="1">
   <p:cSld name="titre de la présentation">
     <p:spTree>
@@ -8605,10 +8196,9 @@
           </a:lstStyle>
           <a:p>
             <a:r>
-              <a:rPr lang="fr-FR" dirty="0" smtClean="0"/>
+              <a:rPr lang="fr-FR" dirty="0"/>
               <a:t>modifiez le texte</a:t>
             </a:r>
-            <a:endParaRPr lang="fr-FR" dirty="0"/>
           </a:p>
         </p:txBody>
       </p:sp>
@@ -8723,14 +8313,14 @@
           <a:p>
             <a:pPr lvl="0"/>
             <a:r>
-              <a:rPr lang="fr-FR" noProof="0" dirty="0" smtClean="0"/>
+              <a:rPr lang="fr-FR" noProof="0" dirty="0"/>
               <a:t>nom de l’auteur – nom de l’entité date, présentation à </a:t>
             </a:r>
             <a:r>
-              <a:rPr lang="fr-FR" noProof="0" dirty="0" err="1" smtClean="0"/>
+              <a:rPr lang="fr-FR" noProof="0" dirty="0" err="1"/>
               <a:t>xyz</a:t>
             </a:r>
-            <a:endParaRPr lang="fr-FR" noProof="0" dirty="0" smtClean="0"/>
+            <a:endParaRPr lang="fr-FR" noProof="0" dirty="0"/>
           </a:p>
         </p:txBody>
       </p:sp>
@@ -8771,7 +8361,7 @@
           <a:p>
             <a:pPr lvl="0"/>
             <a:r>
-              <a:rPr lang="fr-FR" dirty="0" smtClean="0"/>
+              <a:rPr lang="fr-FR" dirty="0"/>
               <a:t>usage interne</a:t>
             </a:r>
           </a:p>
@@ -8818,6 +8408,94 @@
           </a:extLst>
         </p:spPr>
       </p:pic>
+      <p:sp>
+        <p:nvSpPr>
+          <p:cNvPr id="5" name="Espace réservé du texte 4">
+            <a:extLst>
+              <a:ext uri="{FF2B5EF4-FFF2-40B4-BE49-F238E27FC236}">
+                <a16:creationId xmlns:a16="http://schemas.microsoft.com/office/drawing/2014/main" id="{ED97522F-A768-AC4A-BC32-0EDE6F82D8D9}"/>
+              </a:ext>
+            </a:extLst>
+          </p:cNvPr>
+          <p:cNvSpPr>
+            <a:spLocks noGrp="1"/>
+          </p:cNvSpPr>
+          <p:nvPr>
+            <p:ph type="body" sz="quarter" idx="14" hasCustomPrompt="1"/>
+          </p:nvPr>
+        </p:nvSpPr>
+        <p:spPr>
+          <a:xfrm>
+            <a:off x="8129279" y="188640"/>
+            <a:ext cx="827583" cy="214735"/>
+          </a:xfrm>
+        </p:spPr>
+        <p:txBody>
+          <a:bodyPr>
+            <a:normAutofit/>
+          </a:bodyPr>
+          <a:lstStyle>
+            <a:lvl1pPr marL="0" indent="0">
+              <a:buNone/>
+              <a:defRPr sz="1100">
+                <a:solidFill>
+                  <a:schemeClr val="tx1">
+                    <a:lumMod val="65000"/>
+                    <a:lumOff val="35000"/>
+                  </a:schemeClr>
+                </a:solidFill>
+              </a:defRPr>
+            </a:lvl1pPr>
+            <a:lvl2pPr>
+              <a:defRPr>
+                <a:solidFill>
+                  <a:schemeClr val="tx1">
+                    <a:lumMod val="65000"/>
+                    <a:lumOff val="35000"/>
+                  </a:schemeClr>
+                </a:solidFill>
+              </a:defRPr>
+            </a:lvl2pPr>
+            <a:lvl3pPr>
+              <a:defRPr>
+                <a:solidFill>
+                  <a:schemeClr val="tx1">
+                    <a:lumMod val="65000"/>
+                    <a:lumOff val="35000"/>
+                  </a:schemeClr>
+                </a:solidFill>
+              </a:defRPr>
+            </a:lvl3pPr>
+            <a:lvl4pPr>
+              <a:defRPr>
+                <a:solidFill>
+                  <a:schemeClr val="tx1">
+                    <a:lumMod val="65000"/>
+                    <a:lumOff val="35000"/>
+                  </a:schemeClr>
+                </a:solidFill>
+              </a:defRPr>
+            </a:lvl4pPr>
+            <a:lvl5pPr>
+              <a:defRPr>
+                <a:solidFill>
+                  <a:schemeClr val="tx1">
+                    <a:lumMod val="65000"/>
+                    <a:lumOff val="35000"/>
+                  </a:schemeClr>
+                </a:solidFill>
+              </a:defRPr>
+            </a:lvl5pPr>
+          </a:lstStyle>
+          <a:p>
+            <a:pPr lvl="0"/>
+            <a:r>
+              <a:rPr lang="fr-FR" dirty="0"/>
+              <a:t>06/03/2018</a:t>
+            </a:r>
+          </a:p>
+        </p:txBody>
+      </p:sp>
     </p:spTree>
     <p:extLst>
       <p:ext uri="{BB962C8B-B14F-4D97-AF65-F5344CB8AC3E}">
@@ -8828,17 +8506,10 @@
   <p:clrMapOvr>
     <a:masterClrMapping/>
   </p:clrMapOvr>
-  <p:timing>
-    <p:tnLst>
-      <p:par>
-        <p:cTn id="1" dur="indefinite" restart="never" nodeType="tmRoot"/>
-      </p:par>
-    </p:tnLst>
-  </p:timing>
 </p:sldLayout>
 </file>
 
-<file path=ppt/slideLayouts/slideLayout6.xml><?xml version="1.0" encoding="utf-8"?>
+<file path=ppt/slideLayouts/slideLayout5.xml><?xml version="1.0" encoding="utf-8"?>
 <p:sldLayout xmlns:a="http://schemas.openxmlformats.org/drawingml/2006/main" xmlns:r="http://schemas.openxmlformats.org/officeDocument/2006/relationships" xmlns:p="http://schemas.openxmlformats.org/presentationml/2006/main" preserve="1" userDrawn="1">
   <p:cSld name="sommaire">
     <p:spTree>
@@ -8880,10 +8551,9 @@
           </a:lstStyle>
           <a:p>
             <a:r>
-              <a:rPr lang="fr-FR" dirty="0" smtClean="0"/>
+              <a:rPr lang="fr-FR" dirty="0"/>
               <a:t>sommaire ou ordre du jour</a:t>
             </a:r>
-            <a:endParaRPr lang="fr-FR" dirty="0"/>
           </a:p>
         </p:txBody>
       </p:sp>
@@ -8918,7 +8588,7 @@
           <a:p>
             <a:pPr lvl="0"/>
             <a:r>
-              <a:rPr lang="fr-FR" dirty="0" smtClean="0">
+              <a:rPr lang="fr-FR" dirty="0">
                 <a:solidFill>
                   <a:schemeClr val="tx2"/>
                 </a:solidFill>
@@ -8960,7 +8630,7 @@
           <a:p>
             <a:pPr lvl="0"/>
             <a:r>
-              <a:rPr lang="fr-FR" dirty="0" smtClean="0">
+              <a:rPr lang="fr-FR" dirty="0">
                 <a:solidFill>
                   <a:schemeClr val="tx2"/>
                 </a:solidFill>
@@ -9002,7 +8672,7 @@
           <a:p>
             <a:pPr lvl="0"/>
             <a:r>
-              <a:rPr lang="fr-FR" dirty="0" smtClean="0">
+              <a:rPr lang="fr-FR" dirty="0">
                 <a:solidFill>
                   <a:schemeClr val="tx2"/>
                 </a:solidFill>
@@ -9044,7 +8714,7 @@
           <a:p>
             <a:pPr lvl="0"/>
             <a:r>
-              <a:rPr lang="fr-FR" dirty="0" smtClean="0">
+              <a:rPr lang="fr-FR" dirty="0">
                 <a:solidFill>
                   <a:schemeClr val="tx2"/>
                 </a:solidFill>
@@ -9086,7 +8756,7 @@
           <a:p>
             <a:pPr lvl="0"/>
             <a:r>
-              <a:rPr lang="fr-FR" dirty="0" smtClean="0">
+              <a:rPr lang="fr-FR" dirty="0">
                 <a:solidFill>
                   <a:schemeClr val="tx2"/>
                 </a:solidFill>
@@ -9128,7 +8798,7 @@
           <a:p>
             <a:pPr lvl="0"/>
             <a:r>
-              <a:rPr lang="fr-FR" dirty="0" smtClean="0">
+              <a:rPr lang="fr-FR" dirty="0">
                 <a:solidFill>
                   <a:schemeClr val="tx2"/>
                 </a:solidFill>
@@ -9173,7 +8843,7 @@
           <a:p>
             <a:pPr lvl="0"/>
             <a:r>
-              <a:rPr lang="fr-FR" dirty="0" smtClean="0">
+              <a:rPr lang="fr-FR" dirty="0">
                 <a:solidFill>
                   <a:schemeClr val="tx2"/>
                 </a:solidFill>
@@ -9218,7 +8888,7 @@
           <a:p>
             <a:pPr lvl="0"/>
             <a:r>
-              <a:rPr lang="fr-FR" dirty="0" smtClean="0">
+              <a:rPr lang="fr-FR" dirty="0">
                 <a:solidFill>
                   <a:schemeClr val="tx2"/>
                 </a:solidFill>
@@ -9263,7 +8933,7 @@
           <a:p>
             <a:pPr lvl="0"/>
             <a:r>
-              <a:rPr lang="fr-FR" dirty="0" smtClean="0">
+              <a:rPr lang="fr-FR" dirty="0">
                 <a:solidFill>
                   <a:schemeClr val="tx2"/>
                 </a:solidFill>
@@ -9308,7 +8978,7 @@
           <a:p>
             <a:pPr lvl="0"/>
             <a:r>
-              <a:rPr lang="fr-FR" dirty="0" smtClean="0">
+              <a:rPr lang="fr-FR" dirty="0">
                 <a:solidFill>
                   <a:schemeClr val="tx2"/>
                 </a:solidFill>
@@ -9353,7 +9023,7 @@
           <a:p>
             <a:pPr lvl="0"/>
             <a:r>
-              <a:rPr lang="fr-FR" dirty="0" smtClean="0">
+              <a:rPr lang="fr-FR" dirty="0">
                 <a:solidFill>
                   <a:schemeClr val="tx2"/>
                 </a:solidFill>
@@ -9398,7 +9068,7 @@
           <a:p>
             <a:pPr lvl="0"/>
             <a:r>
-              <a:rPr lang="fr-FR" dirty="0" smtClean="0">
+              <a:rPr lang="fr-FR" dirty="0">
                 <a:solidFill>
                   <a:schemeClr val="tx2"/>
                 </a:solidFill>
@@ -9440,7 +9110,7 @@
           <a:p>
             <a:pPr lvl="0"/>
             <a:r>
-              <a:rPr lang="fr-FR" dirty="0" smtClean="0">
+              <a:rPr lang="fr-FR" dirty="0">
                 <a:solidFill>
                   <a:schemeClr val="tx2"/>
                 </a:solidFill>
@@ -9482,7 +9152,7 @@
           <a:p>
             <a:pPr lvl="0"/>
             <a:r>
-              <a:rPr lang="fr-FR" dirty="0" smtClean="0">
+              <a:rPr lang="fr-FR" dirty="0">
                 <a:solidFill>
                   <a:schemeClr val="tx2"/>
                 </a:solidFill>
@@ -9524,7 +9194,7 @@
           <a:p>
             <a:pPr lvl="0"/>
             <a:r>
-              <a:rPr lang="fr-FR" dirty="0" smtClean="0">
+              <a:rPr lang="fr-FR" dirty="0">
                 <a:solidFill>
                   <a:schemeClr val="tx2"/>
                 </a:solidFill>
@@ -9566,7 +9236,7 @@
           <a:p>
             <a:pPr lvl="0"/>
             <a:r>
-              <a:rPr lang="fr-FR" dirty="0" smtClean="0">
+              <a:rPr lang="fr-FR" dirty="0">
                 <a:solidFill>
                   <a:schemeClr val="tx2"/>
                 </a:solidFill>
@@ -9611,7 +9281,7 @@
           <a:p>
             <a:pPr lvl="0"/>
             <a:r>
-              <a:rPr lang="fr-FR" dirty="0" smtClean="0">
+              <a:rPr lang="fr-FR" dirty="0">
                 <a:solidFill>
                   <a:schemeClr val="tx2"/>
                 </a:solidFill>
@@ -9656,7 +9326,7 @@
           <a:p>
             <a:pPr lvl="0"/>
             <a:r>
-              <a:rPr lang="fr-FR" dirty="0" smtClean="0">
+              <a:rPr lang="fr-FR" dirty="0">
                 <a:solidFill>
                   <a:schemeClr val="tx2"/>
                 </a:solidFill>
@@ -9701,7 +9371,7 @@
           <a:p>
             <a:pPr lvl="0"/>
             <a:r>
-              <a:rPr lang="fr-FR" dirty="0" smtClean="0">
+              <a:rPr lang="fr-FR" dirty="0">
                 <a:solidFill>
                   <a:schemeClr val="tx2"/>
                 </a:solidFill>
@@ -9746,7 +9416,7 @@
           <a:p>
             <a:pPr lvl="0"/>
             <a:r>
-              <a:rPr lang="fr-FR" dirty="0" smtClean="0">
+              <a:rPr lang="fr-FR" dirty="0">
                 <a:solidFill>
                   <a:schemeClr val="tx2"/>
                 </a:solidFill>
@@ -9767,17 +9437,10 @@
   <p:clrMapOvr>
     <a:masterClrMapping/>
   </p:clrMapOvr>
-  <p:timing>
-    <p:tnLst>
-      <p:par>
-        <p:cTn id="1" dur="indefinite" restart="never" nodeType="tmRoot"/>
-      </p:par>
-    </p:tnLst>
-  </p:timing>
 </p:sldLayout>
 </file>
 
-<file path=ppt/slideLayouts/slideLayout7.xml><?xml version="1.0" encoding="utf-8"?>
+<file path=ppt/slideLayouts/slideLayout6.xml><?xml version="1.0" encoding="utf-8"?>
 <p:sldLayout xmlns:a="http://schemas.openxmlformats.org/drawingml/2006/main" xmlns:r="http://schemas.openxmlformats.org/officeDocument/2006/relationships" xmlns:p="http://schemas.openxmlformats.org/presentationml/2006/main" preserve="1" userDrawn="1">
   <p:cSld name="puces simples">
     <p:spTree>
@@ -9819,10 +9482,9 @@
           </a:lstStyle>
           <a:p>
             <a:r>
-              <a:rPr lang="fr-FR" dirty="0" smtClean="0"/>
+              <a:rPr lang="fr-FR" dirty="0"/>
               <a:t>diapositive avec puces</a:t>
             </a:r>
-            <a:endParaRPr lang="fr-FR" dirty="0"/>
           </a:p>
         </p:txBody>
       </p:sp>
@@ -9859,28 +9521,27 @@
           </a:lstStyle>
           <a:p>
             <a:r>
-              <a:rPr lang="fr-FR" dirty="0" smtClean="0"/>
+              <a:rPr lang="fr-FR" dirty="0"/>
               <a:t>le texte courant s’écrit ici</a:t>
             </a:r>
           </a:p>
           <a:p>
             <a:r>
-              <a:rPr lang="fr-FR" dirty="0" smtClean="0"/>
+              <a:rPr lang="fr-FR" dirty="0"/>
               <a:t>le texte courant s’écrit ici</a:t>
             </a:r>
           </a:p>
           <a:p>
             <a:r>
-              <a:rPr lang="fr-FR" dirty="0" smtClean="0"/>
+              <a:rPr lang="fr-FR" dirty="0"/>
               <a:t>le texte courant s’écrit ici</a:t>
             </a:r>
           </a:p>
           <a:p>
             <a:r>
-              <a:rPr lang="fr-FR" dirty="0" smtClean="0"/>
+              <a:rPr lang="fr-FR" dirty="0"/>
               <a:t>le texte courant s’écrit ici</a:t>
             </a:r>
-            <a:endParaRPr lang="fr-FR" dirty="0"/>
           </a:p>
         </p:txBody>
       </p:sp>
@@ -9894,17 +9555,10 @@
   <p:clrMapOvr>
     <a:masterClrMapping/>
   </p:clrMapOvr>
-  <p:timing>
-    <p:tnLst>
-      <p:par>
-        <p:cTn id="1" dur="indefinite" restart="never" nodeType="tmRoot"/>
-      </p:par>
-    </p:tnLst>
-  </p:timing>
 </p:sldLayout>
 </file>
 
-<file path=ppt/slideLayouts/slideLayout8.xml><?xml version="1.0" encoding="utf-8"?>
+<file path=ppt/slideLayouts/slideLayout7.xml><?xml version="1.0" encoding="utf-8"?>
 <p:sldLayout xmlns:a="http://schemas.openxmlformats.org/drawingml/2006/main" xmlns:r="http://schemas.openxmlformats.org/officeDocument/2006/relationships" xmlns:p="http://schemas.openxmlformats.org/presentationml/2006/main" preserve="1" userDrawn="1">
   <p:cSld name="plusieurs niveaux hiérarchiques">
     <p:spTree>
@@ -9946,10 +9600,9 @@
           </a:lstStyle>
           <a:p>
             <a:r>
-              <a:rPr lang="fr-FR" dirty="0" smtClean="0"/>
+              <a:rPr lang="fr-FR" dirty="0"/>
               <a:t>diapositive avec plusieurs niveaux hiérarchiques</a:t>
             </a:r>
-            <a:endParaRPr lang="fr-FR" dirty="0"/>
           </a:p>
         </p:txBody>
       </p:sp>
@@ -10009,38 +9662,37 @@
           <a:p>
             <a:pPr lvl="0"/>
             <a:r>
-              <a:rPr lang="fr-FR" dirty="0" smtClean="0"/>
+              <a:rPr lang="fr-FR" dirty="0"/>
               <a:t>modifiez les styles du texte du masque</a:t>
             </a:r>
           </a:p>
           <a:p>
             <a:pPr lvl="1"/>
             <a:r>
-              <a:rPr lang="fr-FR" dirty="0" smtClean="0"/>
+              <a:rPr lang="fr-FR" dirty="0"/>
               <a:t>deuxième niveau</a:t>
             </a:r>
           </a:p>
           <a:p>
             <a:pPr lvl="2"/>
             <a:r>
-              <a:rPr lang="fr-FR" dirty="0" smtClean="0"/>
+              <a:rPr lang="fr-FR" dirty="0"/>
               <a:t>troisième niveau</a:t>
             </a:r>
           </a:p>
           <a:p>
             <a:pPr lvl="3"/>
             <a:r>
-              <a:rPr lang="fr-FR" dirty="0" smtClean="0"/>
+              <a:rPr lang="fr-FR" dirty="0"/>
               <a:t>quatrième niveau</a:t>
             </a:r>
           </a:p>
           <a:p>
             <a:pPr lvl="4"/>
             <a:r>
-              <a:rPr lang="fr-FR" dirty="0" smtClean="0"/>
+              <a:rPr lang="fr-FR" dirty="0"/>
               <a:t>cinquième niveau</a:t>
             </a:r>
-            <a:endParaRPr lang="fr-FR" dirty="0"/>
           </a:p>
         </p:txBody>
       </p:sp>
@@ -10054,17 +9706,10 @@
   <p:clrMapOvr>
     <a:masterClrMapping/>
   </p:clrMapOvr>
-  <p:timing>
-    <p:tnLst>
-      <p:par>
-        <p:cTn id="1" dur="indefinite" restart="never" nodeType="tmRoot"/>
-      </p:par>
-    </p:tnLst>
-  </p:timing>
 </p:sldLayout>
 </file>
 
-<file path=ppt/slideLayouts/slideLayout9.xml><?xml version="1.0" encoding="utf-8"?>
+<file path=ppt/slideLayouts/slideLayout8.xml><?xml version="1.0" encoding="utf-8"?>
 <p:sldLayout xmlns:a="http://schemas.openxmlformats.org/drawingml/2006/main" xmlns:r="http://schemas.openxmlformats.org/officeDocument/2006/relationships" xmlns:p="http://schemas.openxmlformats.org/presentationml/2006/main" preserve="1" userDrawn="1">
   <p:cSld name="paragraphes">
     <p:spTree>
@@ -10106,10 +9751,9 @@
           </a:lstStyle>
           <a:p>
             <a:r>
-              <a:rPr lang="fr-FR" dirty="0" smtClean="0"/>
+              <a:rPr lang="fr-FR" dirty="0"/>
               <a:t>diapositive avec paragraphes</a:t>
             </a:r>
-            <a:endParaRPr lang="fr-FR" dirty="0"/>
           </a:p>
         </p:txBody>
       </p:sp>
@@ -10162,7 +9806,7 @@
               <a:buNone/>
             </a:pPr>
             <a:r>
-              <a:rPr lang="fr-FR" dirty="0" smtClean="0"/>
+              <a:rPr lang="fr-FR" dirty="0"/>
               <a:t>Le texte courant s’écrit ici, le texte courant s’écrit ici, le texte courant s’écrit ici, le texte courant s’écrit ici, le texte courant s’écrit ici, le texte courant s’écrit ici le texte courant s’écrit ici, le texte courant s’écrit ici, le texte courant s’écrit ici, le texte courant s’écrit ici, le texte courant s’écrit ici, le texte courant s’écrit ici. </a:t>
             </a:r>
           </a:p>
@@ -10172,10 +9816,9 @@
               <a:buNone/>
             </a:pPr>
             <a:r>
-              <a:rPr lang="fr-FR" dirty="0" smtClean="0"/>
+              <a:rPr lang="fr-FR" dirty="0"/>
               <a:t>Le texte courant s’écrit ici, le texte courant s’écrit ici, le texte courant s’écrit ici, le texte courant s’écrit ici, le texte courant s’écrit ici, le texte courant s’écrit ici le texte courant s’écrit ici, le texte courant s’écrit ici, le texte courant s’écrit ici, le texte courant s’écrit ici, le texte courant s’écrit ici, le texte courant s’écrit ici.</a:t>
             </a:r>
-            <a:endParaRPr lang="fr-FR" dirty="0"/>
           </a:p>
         </p:txBody>
       </p:sp>
@@ -10189,13 +9832,67 @@
   <p:clrMapOvr>
     <a:masterClrMapping/>
   </p:clrMapOvr>
-  <p:timing>
-    <p:tnLst>
-      <p:par>
-        <p:cTn id="1" dur="indefinite" restart="never" nodeType="tmRoot"/>
-      </p:par>
-    </p:tnLst>
-  </p:timing>
+</p:sldLayout>
+</file>
+
+<file path=ppt/slideLayouts/slideLayout9.xml><?xml version="1.0" encoding="utf-8"?>
+<p:sldLayout xmlns:a="http://schemas.openxmlformats.org/drawingml/2006/main" xmlns:r="http://schemas.openxmlformats.org/officeDocument/2006/relationships" xmlns:p="http://schemas.openxmlformats.org/presentationml/2006/main" preserve="1" userDrawn="1">
+  <p:cSld name="titre seul">
+    <p:spTree>
+      <p:nvGrpSpPr>
+        <p:cNvPr id="1" name=""/>
+        <p:cNvGrpSpPr/>
+        <p:nvPr/>
+      </p:nvGrpSpPr>
+      <p:grpSpPr>
+        <a:xfrm>
+          <a:off x="0" y="0"/>
+          <a:ext cx="0" cy="0"/>
+          <a:chOff x="0" y="0"/>
+          <a:chExt cx="0" cy="0"/>
+        </a:xfrm>
+      </p:grpSpPr>
+      <p:sp>
+        <p:nvSpPr>
+          <p:cNvPr id="2" name="Titre 1"/>
+          <p:cNvSpPr>
+            <a:spLocks noGrp="1"/>
+          </p:cNvSpPr>
+          <p:nvPr>
+            <p:ph type="title" hasCustomPrompt="1"/>
+          </p:nvPr>
+        </p:nvSpPr>
+        <p:spPr>
+          <a:xfrm>
+            <a:off x="1015200" y="404664"/>
+            <a:ext cx="7057405" cy="982800"/>
+          </a:xfrm>
+        </p:spPr>
+        <p:txBody>
+          <a:bodyPr/>
+          <a:lstStyle>
+            <a:lvl1pPr algn="l">
+              <a:defRPr/>
+            </a:lvl1pPr>
+          </a:lstStyle>
+          <a:p>
+            <a:r>
+              <a:rPr lang="fr-FR" dirty="0"/>
+              <a:t>titre seul</a:t>
+            </a:r>
+          </a:p>
+        </p:txBody>
+      </p:sp>
+    </p:spTree>
+    <p:extLst>
+      <p:ext uri="{BB962C8B-B14F-4D97-AF65-F5344CB8AC3E}">
+        <p14:creationId xmlns:p14="http://schemas.microsoft.com/office/powerpoint/2010/main" val="3082467275"/>
+      </p:ext>
+    </p:extLst>
+  </p:cSld>
+  <p:clrMapOvr>
+    <a:masterClrMapping/>
+  </p:clrMapOvr>
 </p:sldLayout>
 </file>
 
@@ -10287,27 +9984,27 @@
               </a:spcAft>
             </a:pPr>
             <a:r>
-              <a:rPr lang="en-GB" dirty="0" err="1" smtClean="0"/>
+              <a:rPr lang="en-GB" dirty="0" err="1"/>
               <a:t>cliquez</a:t>
             </a:r>
             <a:r>
-              <a:rPr lang="en-GB" dirty="0" smtClean="0"/>
+              <a:rPr lang="en-GB" dirty="0"/>
               <a:t> </a:t>
             </a:r>
             <a:r>
-              <a:rPr lang="en-GB" dirty="0" err="1" smtClean="0"/>
+              <a:rPr lang="en-GB" dirty="0" err="1"/>
               <a:t>ici</a:t>
             </a:r>
             <a:r>
-              <a:rPr lang="en-GB" dirty="0" smtClean="0"/>
+              <a:rPr lang="en-GB" dirty="0"/>
               <a:t> pour </a:t>
             </a:r>
             <a:r>
-              <a:rPr lang="en-GB" dirty="0" err="1" smtClean="0"/>
+              <a:rPr lang="en-GB" dirty="0" err="1"/>
               <a:t>saisir</a:t>
             </a:r>
             <a:r>
-              <a:rPr lang="en-GB" dirty="0" smtClean="0"/>
+              <a:rPr lang="en-GB" dirty="0"/>
               <a:t> le titre principal</a:t>
             </a:r>
             <a:endParaRPr lang="fr-FR" dirty="0"/>
@@ -10354,14 +10051,14 @@
               <a:buChar char="§"/>
             </a:pPr>
             <a:r>
-              <a:rPr lang="fr-FR" dirty="0" smtClean="0"/>
+              <a:rPr lang="fr-FR" dirty="0"/>
               <a:t>modifiez les styles du texte du masque</a:t>
             </a:r>
           </a:p>
           <a:p>
             <a:pPr lvl="1"/>
             <a:r>
-              <a:rPr lang="fr-FR" dirty="0" smtClean="0"/>
+              <a:rPr lang="fr-FR" dirty="0"/>
               <a:t>deuxième niveau</a:t>
             </a:r>
           </a:p>
@@ -10380,7 +10077,7 @@
               <a:buChar char="–"/>
             </a:pPr>
             <a:r>
-              <a:rPr lang="fr-FR" dirty="0" smtClean="0"/>
+              <a:rPr lang="fr-FR" dirty="0"/>
               <a:t>troisième niveau</a:t>
             </a:r>
           </a:p>
@@ -10399,7 +10096,7 @@
               <a:buChar char="–"/>
             </a:pPr>
             <a:r>
-              <a:rPr lang="fr-FR" dirty="0" smtClean="0"/>
+              <a:rPr lang="fr-FR" dirty="0"/>
               <a:t>quatrième niveau</a:t>
             </a:r>
           </a:p>
@@ -10418,10 +10115,9 @@
               <a:buChar char="–"/>
             </a:pPr>
             <a:r>
-              <a:rPr lang="fr-FR" dirty="0" smtClean="0"/>
+              <a:rPr lang="fr-FR" dirty="0"/>
               <a:t>cinquième niveau</a:t>
             </a:r>
-            <a:endParaRPr lang="fr-FR" dirty="0"/>
           </a:p>
         </p:txBody>
       </p:sp>
@@ -10526,36 +10222,28 @@
   <p:sldLayoutIdLst>
     <p:sldLayoutId id="2147483679" r:id="rId1"/>
     <p:sldLayoutId id="2147483681" r:id="rId2"/>
-    <p:sldLayoutId id="2147483682" r:id="rId3"/>
-    <p:sldLayoutId id="2147483680" r:id="rId4"/>
-    <p:sldLayoutId id="2147483649" r:id="rId5"/>
-    <p:sldLayoutId id="2147483660" r:id="rId6"/>
-    <p:sldLayoutId id="2147483661" r:id="rId7"/>
-    <p:sldLayoutId id="2147483662" r:id="rId8"/>
-    <p:sldLayoutId id="2147483663" r:id="rId9"/>
-    <p:sldLayoutId id="2147483664" r:id="rId10"/>
-    <p:sldLayoutId id="2147483665" r:id="rId11"/>
-    <p:sldLayoutId id="2147483666" r:id="rId12"/>
-    <p:sldLayoutId id="2147483667" r:id="rId13"/>
-    <p:sldLayoutId id="2147483668" r:id="rId14"/>
-    <p:sldLayoutId id="2147483669" r:id="rId15"/>
-    <p:sldLayoutId id="2147483671" r:id="rId16"/>
-    <p:sldLayoutId id="2147483672" r:id="rId17"/>
-    <p:sldLayoutId id="2147483670" r:id="rId18"/>
-    <p:sldLayoutId id="2147483673" r:id="rId19"/>
-    <p:sldLayoutId id="2147483675" r:id="rId20"/>
-    <p:sldLayoutId id="2147483674" r:id="rId21"/>
-    <p:sldLayoutId id="2147483676" r:id="rId22"/>
-    <p:sldLayoutId id="2147483677" r:id="rId23"/>
-    <p:sldLayoutId id="2147483678" r:id="rId24"/>
+    <p:sldLayoutId id="2147483680" r:id="rId3"/>
+    <p:sldLayoutId id="2147483649" r:id="rId4"/>
+    <p:sldLayoutId id="2147483660" r:id="rId5"/>
+    <p:sldLayoutId id="2147483661" r:id="rId6"/>
+    <p:sldLayoutId id="2147483662" r:id="rId7"/>
+    <p:sldLayoutId id="2147483663" r:id="rId8"/>
+    <p:sldLayoutId id="2147483664" r:id="rId9"/>
+    <p:sldLayoutId id="2147483665" r:id="rId10"/>
+    <p:sldLayoutId id="2147483666" r:id="rId11"/>
+    <p:sldLayoutId id="2147483667" r:id="rId12"/>
+    <p:sldLayoutId id="2147483668" r:id="rId13"/>
+    <p:sldLayoutId id="2147483669" r:id="rId14"/>
+    <p:sldLayoutId id="2147483671" r:id="rId15"/>
+    <p:sldLayoutId id="2147483672" r:id="rId16"/>
+    <p:sldLayoutId id="2147483670" r:id="rId17"/>
+    <p:sldLayoutId id="2147483673" r:id="rId18"/>
+    <p:sldLayoutId id="2147483675" r:id="rId19"/>
+    <p:sldLayoutId id="2147483674" r:id="rId20"/>
+    <p:sldLayoutId id="2147483676" r:id="rId21"/>
+    <p:sldLayoutId id="2147483677" r:id="rId22"/>
+    <p:sldLayoutId id="2147483678" r:id="rId23"/>
   </p:sldLayoutIdLst>
-  <p:timing>
-    <p:tnLst>
-      <p:par>
-        <p:cTn id="1" dur="indefinite" restart="never" nodeType="tmRoot"/>
-      </p:par>
-    </p:tnLst>
-  </p:timing>
   <p:txStyles>
     <p:titleStyle>
       <a:lvl1pPr algn="ctr" defTabSz="914400" rtl="0" eaLnBrk="1" latinLnBrk="0" hangingPunct="1">
@@ -10834,12 +10522,18 @@
       </p:grpSpPr>
       <p:sp>
         <p:nvSpPr>
-          <p:cNvPr id="2" name="Espace réservé du texte 1"/>
-          <p:cNvSpPr>
-            <a:spLocks noGrp="1"/>
-          </p:cNvSpPr>
-          <p:nvPr>
-            <p:ph type="body" sz="quarter" idx="10"/>
+          <p:cNvPr id="2" name="Titre 1">
+            <a:extLst>
+              <a:ext uri="{FF2B5EF4-FFF2-40B4-BE49-F238E27FC236}">
+                <a16:creationId xmlns:a16="http://schemas.microsoft.com/office/drawing/2014/main" id="{E33F3329-4195-834F-8308-6A8D692DFF84}"/>
+              </a:ext>
+            </a:extLst>
+          </p:cNvPr>
+          <p:cNvSpPr>
+            <a:spLocks noGrp="1"/>
+          </p:cNvSpPr>
+          <p:nvPr>
+            <p:ph type="ctrTitle"/>
           </p:nvPr>
         </p:nvSpPr>
         <p:spPr/>
@@ -10847,39 +10541,40 @@
           <a:bodyPr/>
           <a:lstStyle/>
           <a:p>
-            <a:endParaRPr lang="fr-FR"/>
-          </a:p>
-        </p:txBody>
-      </p:sp>
-      <p:sp>
-        <p:nvSpPr>
-          <p:cNvPr id="3" name="Espace réservé du texte 2"/>
-          <p:cNvSpPr>
-            <a:spLocks noGrp="1"/>
-          </p:cNvSpPr>
-          <p:nvPr>
-            <p:ph type="body" sz="quarter" idx="11"/>
-          </p:nvPr>
-        </p:nvSpPr>
-        <p:spPr/>
-        <p:txBody>
-          <a:bodyPr>
-            <a:normAutofit lnSpcReduction="10000"/>
-          </a:bodyPr>
-          <a:lstStyle/>
-          <a:p>
-            <a:endParaRPr lang="fr-FR"/>
-          </a:p>
-        </p:txBody>
-      </p:sp>
-      <p:sp>
-        <p:nvSpPr>
-          <p:cNvPr id="4" name="Espace réservé du texte 3"/>
-          <p:cNvSpPr>
-            <a:spLocks noGrp="1"/>
-          </p:cNvSpPr>
-          <p:nvPr>
-            <p:ph type="body" sz="quarter" idx="12"/>
+            <a:r>
+              <a:rPr lang="fr-FR" dirty="0"/>
+              <a:t>Security </a:t>
+            </a:r>
+            <a:r>
+              <a:rPr lang="fr-FR" dirty="0" err="1"/>
+              <a:t>monthly</a:t>
+            </a:r>
+            <a:r>
+              <a:rPr lang="fr-FR" dirty="0"/>
+              <a:t> </a:t>
+            </a:r>
+            <a:r>
+              <a:rPr lang="fr-FR" dirty="0" err="1"/>
+              <a:t>highlight</a:t>
+            </a:r>
+            <a:endParaRPr lang="fr-FR" dirty="0"/>
+          </a:p>
+        </p:txBody>
+      </p:sp>
+      <p:sp>
+        <p:nvSpPr>
+          <p:cNvPr id="3" name="Sous-titre 2">
+            <a:extLst>
+              <a:ext uri="{FF2B5EF4-FFF2-40B4-BE49-F238E27FC236}">
+                <a16:creationId xmlns:a16="http://schemas.microsoft.com/office/drawing/2014/main" id="{8C3AE711-61DE-514F-859E-ED89C0CF329F}"/>
+              </a:ext>
+            </a:extLst>
+          </p:cNvPr>
+          <p:cNvSpPr>
+            <a:spLocks noGrp="1"/>
+          </p:cNvSpPr>
+          <p:nvPr>
+            <p:ph type="subTitle" idx="1"/>
           </p:nvPr>
         </p:nvSpPr>
         <p:spPr/>
@@ -10887,117 +10582,43 @@
           <a:bodyPr/>
           <a:lstStyle/>
           <a:p>
-            <a:endParaRPr lang="fr-FR"/>
-          </a:p>
-        </p:txBody>
-      </p:sp>
-      <p:sp>
-        <p:nvSpPr>
-          <p:cNvPr id="5" name="Espace réservé du texte 4"/>
-          <p:cNvSpPr>
-            <a:spLocks noGrp="1"/>
-          </p:cNvSpPr>
-          <p:nvPr>
-            <p:ph type="body" sz="quarter" idx="13"/>
-          </p:nvPr>
-        </p:nvSpPr>
-        <p:spPr/>
-        <p:txBody>
-          <a:bodyPr>
-            <a:normAutofit lnSpcReduction="10000"/>
-          </a:bodyPr>
-          <a:lstStyle/>
-          <a:p>
-            <a:endParaRPr lang="fr-FR"/>
-          </a:p>
-        </p:txBody>
-      </p:sp>
-      <p:sp>
-        <p:nvSpPr>
-          <p:cNvPr id="6" name="Espace réservé du texte 5"/>
+            <a:r>
+              <a:rPr lang="fr-FR" dirty="0"/>
+              <a:t>Rémi </a:t>
+            </a:r>
+            <a:r>
+              <a:rPr lang="fr-FR" dirty="0" err="1"/>
+              <a:t>Lavedrine</a:t>
+            </a:r>
+            <a:r>
+              <a:rPr lang="fr-FR" dirty="0"/>
+              <a:t> – IMT/OCP/</a:t>
+            </a:r>
+            <a:r>
+              <a:rPr lang="fr-FR" dirty="0" err="1"/>
+              <a:t>Technology</a:t>
+            </a:r>
+            <a:r>
+              <a:rPr lang="fr-FR" dirty="0"/>
+              <a:t>/Software</a:t>
+            </a:r>
+          </a:p>
+        </p:txBody>
+      </p:sp>
+      <p:sp>
+        <p:nvSpPr>
+          <p:cNvPr id="5" name="Espace réservé du texte 4">
+            <a:extLst>
+              <a:ext uri="{FF2B5EF4-FFF2-40B4-BE49-F238E27FC236}">
+                <a16:creationId xmlns:a16="http://schemas.microsoft.com/office/drawing/2014/main" id="{9A925A4D-2624-E34A-B5FC-8F7CFE134C96}"/>
+              </a:ext>
+            </a:extLst>
+          </p:cNvPr>
           <p:cNvSpPr>
             <a:spLocks noGrp="1"/>
           </p:cNvSpPr>
           <p:nvPr>
             <p:ph type="body" sz="quarter" idx="14"/>
-          </p:nvPr>
-        </p:nvSpPr>
-        <p:spPr/>
-        <p:txBody>
-          <a:bodyPr/>
-          <a:lstStyle/>
-          <a:p>
-            <a:endParaRPr lang="fr-FR"/>
-          </a:p>
-        </p:txBody>
-      </p:sp>
-      <p:sp>
-        <p:nvSpPr>
-          <p:cNvPr id="7" name="Espace réservé du texte 6"/>
-          <p:cNvSpPr>
-            <a:spLocks noGrp="1"/>
-          </p:cNvSpPr>
-          <p:nvPr>
-            <p:ph type="body" sz="quarter" idx="15"/>
-          </p:nvPr>
-        </p:nvSpPr>
-        <p:spPr/>
-        <p:txBody>
-          <a:bodyPr/>
-          <a:lstStyle/>
-          <a:p>
-            <a:endParaRPr lang="fr-FR"/>
-          </a:p>
-        </p:txBody>
-      </p:sp>
-      <p:sp>
-        <p:nvSpPr>
-          <p:cNvPr id="8" name="Espace réservé du contenu 7"/>
-          <p:cNvSpPr>
-            <a:spLocks noGrp="1"/>
-          </p:cNvSpPr>
-          <p:nvPr>
-            <p:ph sz="quarter" idx="18"/>
-          </p:nvPr>
-        </p:nvSpPr>
-        <p:spPr/>
-        <p:txBody>
-          <a:bodyPr/>
-          <a:lstStyle/>
-          <a:p>
-            <a:endParaRPr lang="fr-FR"/>
-          </a:p>
-        </p:txBody>
-      </p:sp>
-      <p:sp>
-        <p:nvSpPr>
-          <p:cNvPr id="9" name="Espace réservé du texte 8"/>
-          <p:cNvSpPr>
-            <a:spLocks noGrp="1"/>
-          </p:cNvSpPr>
-          <p:nvPr>
-            <p:ph type="body" sz="quarter" idx="19"/>
-          </p:nvPr>
-        </p:nvSpPr>
-        <p:spPr/>
-        <p:txBody>
-          <a:bodyPr>
-            <a:normAutofit lnSpcReduction="10000"/>
-          </a:bodyPr>
-          <a:lstStyle/>
-          <a:p>
-            <a:endParaRPr lang="fr-FR"/>
-          </a:p>
-        </p:txBody>
-      </p:sp>
-      <p:sp>
-        <p:nvSpPr>
-          <p:cNvPr id="10" name="Espace réservé du texte 9"/>
-          <p:cNvSpPr>
-            <a:spLocks noGrp="1"/>
-          </p:cNvSpPr>
-          <p:nvPr>
-            <p:ph type="body" sz="quarter" idx="20"/>
           </p:nvPr>
         </p:nvSpPr>
         <p:spPr/>
@@ -11012,7 +10633,7 @@
     </p:spTree>
     <p:extLst>
       <p:ext uri="{BB962C8B-B14F-4D97-AF65-F5344CB8AC3E}">
-        <p14:creationId xmlns:p14="http://schemas.microsoft.com/office/powerpoint/2010/main" val="1757503060"/>
+        <p14:creationId xmlns:p14="http://schemas.microsoft.com/office/powerpoint/2010/main" val="3149438331"/>
       </p:ext>
     </p:extLst>
   </p:cSld>
@@ -11041,7 +10662,13 @@
       </p:grpSpPr>
       <p:sp>
         <p:nvSpPr>
-          <p:cNvPr id="2" name="Espace réservé du texte 1"/>
+          <p:cNvPr id="2" name="Espace réservé du texte 1">
+            <a:extLst>
+              <a:ext uri="{FF2B5EF4-FFF2-40B4-BE49-F238E27FC236}">
+                <a16:creationId xmlns:a16="http://schemas.microsoft.com/office/drawing/2014/main" id="{200280A9-837F-0D42-A699-C23E424C19C2}"/>
+              </a:ext>
+            </a:extLst>
+          </p:cNvPr>
           <p:cNvSpPr>
             <a:spLocks noGrp="1"/>
           </p:cNvSpPr>
@@ -11060,12 +10687,45 @@
       </p:sp>
       <p:sp>
         <p:nvSpPr>
-          <p:cNvPr id="3" name="Espace réservé du texte 2"/>
+          <p:cNvPr id="3" name="Espace réservé du texte 2">
+            <a:extLst>
+              <a:ext uri="{FF2B5EF4-FFF2-40B4-BE49-F238E27FC236}">
+                <a16:creationId xmlns:a16="http://schemas.microsoft.com/office/drawing/2014/main" id="{787F101C-9E8F-464C-BC4B-F9E1C6D10432}"/>
+              </a:ext>
+            </a:extLst>
+          </p:cNvPr>
           <p:cNvSpPr>
             <a:spLocks noGrp="1"/>
           </p:cNvSpPr>
           <p:nvPr>
             <p:ph type="body" sz="quarter" idx="11"/>
+          </p:nvPr>
+        </p:nvSpPr>
+        <p:spPr/>
+        <p:txBody>
+          <a:bodyPr>
+            <a:normAutofit lnSpcReduction="10000"/>
+          </a:bodyPr>
+          <a:lstStyle/>
+          <a:p>
+            <a:endParaRPr lang="fr-FR"/>
+          </a:p>
+        </p:txBody>
+      </p:sp>
+      <p:sp>
+        <p:nvSpPr>
+          <p:cNvPr id="4" name="Espace réservé du texte 3">
+            <a:extLst>
+              <a:ext uri="{FF2B5EF4-FFF2-40B4-BE49-F238E27FC236}">
+                <a16:creationId xmlns:a16="http://schemas.microsoft.com/office/drawing/2014/main" id="{37C2666D-3DF1-B345-A4D0-9383F35424AA}"/>
+              </a:ext>
+            </a:extLst>
+          </p:cNvPr>
+          <p:cNvSpPr>
+            <a:spLocks noGrp="1"/>
+          </p:cNvSpPr>
+          <p:nvPr>
+            <p:ph type="body" sz="quarter" idx="12"/>
           </p:nvPr>
         </p:nvSpPr>
         <p:spPr/>
@@ -11079,12 +10739,147 @@
       </p:sp>
       <p:sp>
         <p:nvSpPr>
-          <p:cNvPr id="4" name="Espace réservé du texte 3"/>
-          <p:cNvSpPr>
-            <a:spLocks noGrp="1"/>
-          </p:cNvSpPr>
-          <p:nvPr>
-            <p:ph type="body" sz="quarter" idx="12"/>
+          <p:cNvPr id="5" name="Espace réservé du texte 4">
+            <a:extLst>
+              <a:ext uri="{FF2B5EF4-FFF2-40B4-BE49-F238E27FC236}">
+                <a16:creationId xmlns:a16="http://schemas.microsoft.com/office/drawing/2014/main" id="{11E4B006-6A85-674E-9413-DE71D49B949D}"/>
+              </a:ext>
+            </a:extLst>
+          </p:cNvPr>
+          <p:cNvSpPr>
+            <a:spLocks noGrp="1"/>
+          </p:cNvSpPr>
+          <p:nvPr>
+            <p:ph type="body" sz="quarter" idx="13"/>
+          </p:nvPr>
+        </p:nvSpPr>
+        <p:spPr/>
+        <p:txBody>
+          <a:bodyPr>
+            <a:normAutofit lnSpcReduction="10000"/>
+          </a:bodyPr>
+          <a:lstStyle/>
+          <a:p>
+            <a:endParaRPr lang="fr-FR"/>
+          </a:p>
+        </p:txBody>
+      </p:sp>
+      <p:sp>
+        <p:nvSpPr>
+          <p:cNvPr id="6" name="Espace réservé du texte 5">
+            <a:extLst>
+              <a:ext uri="{FF2B5EF4-FFF2-40B4-BE49-F238E27FC236}">
+                <a16:creationId xmlns:a16="http://schemas.microsoft.com/office/drawing/2014/main" id="{F4A1A0A2-BC77-304B-8C19-99BB0F783166}"/>
+              </a:ext>
+            </a:extLst>
+          </p:cNvPr>
+          <p:cNvSpPr>
+            <a:spLocks noGrp="1"/>
+          </p:cNvSpPr>
+          <p:nvPr>
+            <p:ph type="body" sz="quarter" idx="14"/>
+          </p:nvPr>
+        </p:nvSpPr>
+        <p:spPr/>
+        <p:txBody>
+          <a:bodyPr/>
+          <a:lstStyle/>
+          <a:p>
+            <a:endParaRPr lang="fr-FR"/>
+          </a:p>
+        </p:txBody>
+      </p:sp>
+      <p:sp>
+        <p:nvSpPr>
+          <p:cNvPr id="7" name="Espace réservé du texte 6">
+            <a:extLst>
+              <a:ext uri="{FF2B5EF4-FFF2-40B4-BE49-F238E27FC236}">
+                <a16:creationId xmlns:a16="http://schemas.microsoft.com/office/drawing/2014/main" id="{54EBFDF5-3DFB-574D-B2ED-82AC40ADD0E1}"/>
+              </a:ext>
+            </a:extLst>
+          </p:cNvPr>
+          <p:cNvSpPr>
+            <a:spLocks noGrp="1"/>
+          </p:cNvSpPr>
+          <p:nvPr>
+            <p:ph type="body" sz="quarter" idx="15"/>
+          </p:nvPr>
+        </p:nvSpPr>
+        <p:spPr/>
+        <p:txBody>
+          <a:bodyPr/>
+          <a:lstStyle/>
+          <a:p>
+            <a:endParaRPr lang="fr-FR"/>
+          </a:p>
+        </p:txBody>
+      </p:sp>
+      <p:sp>
+        <p:nvSpPr>
+          <p:cNvPr id="8" name="Espace réservé du contenu 7">
+            <a:extLst>
+              <a:ext uri="{FF2B5EF4-FFF2-40B4-BE49-F238E27FC236}">
+                <a16:creationId xmlns:a16="http://schemas.microsoft.com/office/drawing/2014/main" id="{EF09A192-95D5-F740-ACF7-295C987D3C21}"/>
+              </a:ext>
+            </a:extLst>
+          </p:cNvPr>
+          <p:cNvSpPr>
+            <a:spLocks noGrp="1"/>
+          </p:cNvSpPr>
+          <p:nvPr>
+            <p:ph sz="quarter" idx="18"/>
+          </p:nvPr>
+        </p:nvSpPr>
+        <p:spPr/>
+        <p:txBody>
+          <a:bodyPr/>
+          <a:lstStyle/>
+          <a:p>
+            <a:endParaRPr lang="fr-FR"/>
+          </a:p>
+        </p:txBody>
+      </p:sp>
+      <p:sp>
+        <p:nvSpPr>
+          <p:cNvPr id="9" name="Espace réservé du texte 8">
+            <a:extLst>
+              <a:ext uri="{FF2B5EF4-FFF2-40B4-BE49-F238E27FC236}">
+                <a16:creationId xmlns:a16="http://schemas.microsoft.com/office/drawing/2014/main" id="{45DBF85A-4FA7-EA42-9803-A64A80551DA2}"/>
+              </a:ext>
+            </a:extLst>
+          </p:cNvPr>
+          <p:cNvSpPr>
+            <a:spLocks noGrp="1"/>
+          </p:cNvSpPr>
+          <p:nvPr>
+            <p:ph type="body" sz="quarter" idx="19"/>
+          </p:nvPr>
+        </p:nvSpPr>
+        <p:spPr/>
+        <p:txBody>
+          <a:bodyPr>
+            <a:normAutofit lnSpcReduction="10000"/>
+          </a:bodyPr>
+          <a:lstStyle/>
+          <a:p>
+            <a:endParaRPr lang="fr-FR" dirty="0"/>
+          </a:p>
+        </p:txBody>
+      </p:sp>
+      <p:sp>
+        <p:nvSpPr>
+          <p:cNvPr id="10" name="Espace réservé du texte 9">
+            <a:extLst>
+              <a:ext uri="{FF2B5EF4-FFF2-40B4-BE49-F238E27FC236}">
+                <a16:creationId xmlns:a16="http://schemas.microsoft.com/office/drawing/2014/main" id="{B220D91B-9456-EF45-BE56-25567BC6E20F}"/>
+              </a:ext>
+            </a:extLst>
+          </p:cNvPr>
+          <p:cNvSpPr>
+            <a:spLocks noGrp="1"/>
+          </p:cNvSpPr>
+          <p:nvPr>
+            <p:ph type="body" sz="quarter" idx="20"/>
           </p:nvPr>
         </p:nvSpPr>
         <p:spPr/>
@@ -11099,32 +10894,130 @@
     </p:spTree>
     <p:extLst>
       <p:ext uri="{BB962C8B-B14F-4D97-AF65-F5344CB8AC3E}">
-        <p14:creationId xmlns:p14="http://schemas.microsoft.com/office/powerpoint/2010/main" val="1034673688"/>
+        <p14:creationId xmlns:p14="http://schemas.microsoft.com/office/powerpoint/2010/main" val="768537951"/>
       </p:ext>
     </p:extLst>
   </p:cSld>
   <p:clrMapOvr>
     <a:masterClrMapping/>
   </p:clrMapOvr>
-  <p:timing>
-    <p:tnLst>
-      <p:par>
-        <p:cTn id="1" dur="indefinite" restart="never" nodeType="tmRoot"/>
-      </p:par>
-    </p:tnLst>
-  </p:timing>
+</p:sld>
+</file>
+
+<file path=ppt/slides/slide3.xml><?xml version="1.0" encoding="utf-8"?>
+<p:sld xmlns:a="http://schemas.openxmlformats.org/drawingml/2006/main" xmlns:r="http://schemas.openxmlformats.org/officeDocument/2006/relationships" xmlns:p="http://schemas.openxmlformats.org/presentationml/2006/main">
+  <p:cSld>
+    <p:spTree>
+      <p:nvGrpSpPr>
+        <p:cNvPr id="1" name=""/>
+        <p:cNvGrpSpPr/>
+        <p:nvPr/>
+      </p:nvGrpSpPr>
+      <p:grpSpPr>
+        <a:xfrm>
+          <a:off x="0" y="0"/>
+          <a:ext cx="0" cy="0"/>
+          <a:chOff x="0" y="0"/>
+          <a:chExt cx="0" cy="0"/>
+        </a:xfrm>
+      </p:grpSpPr>
+      <p:sp>
+        <p:nvSpPr>
+          <p:cNvPr id="2" name="Espace réservé du texte 1">
+            <a:extLst>
+              <a:ext uri="{FF2B5EF4-FFF2-40B4-BE49-F238E27FC236}">
+                <a16:creationId xmlns:a16="http://schemas.microsoft.com/office/drawing/2014/main" id="{A529E7EB-4D1D-0345-BEC6-04C5595E27CD}"/>
+              </a:ext>
+            </a:extLst>
+          </p:cNvPr>
+          <p:cNvSpPr>
+            <a:spLocks noGrp="1"/>
+          </p:cNvSpPr>
+          <p:nvPr>
+            <p:ph type="body" sz="quarter" idx="10"/>
+          </p:nvPr>
+        </p:nvSpPr>
+        <p:spPr/>
+        <p:txBody>
+          <a:bodyPr/>
+          <a:lstStyle/>
+          <a:p>
+            <a:endParaRPr lang="fr-FR" dirty="0"/>
+          </a:p>
+        </p:txBody>
+      </p:sp>
+      <p:sp>
+        <p:nvSpPr>
+          <p:cNvPr id="3" name="Espace réservé du texte 2">
+            <a:extLst>
+              <a:ext uri="{FF2B5EF4-FFF2-40B4-BE49-F238E27FC236}">
+                <a16:creationId xmlns:a16="http://schemas.microsoft.com/office/drawing/2014/main" id="{80BE79EB-F912-0544-BEE1-B529E12FE18B}"/>
+              </a:ext>
+            </a:extLst>
+          </p:cNvPr>
+          <p:cNvSpPr>
+            <a:spLocks noGrp="1"/>
+          </p:cNvSpPr>
+          <p:nvPr>
+            <p:ph type="body" sz="quarter" idx="11"/>
+          </p:nvPr>
+        </p:nvSpPr>
+        <p:spPr/>
+        <p:txBody>
+          <a:bodyPr/>
+          <a:lstStyle/>
+          <a:p>
+            <a:endParaRPr lang="fr-FR" dirty="0"/>
+          </a:p>
+        </p:txBody>
+      </p:sp>
+      <p:sp>
+        <p:nvSpPr>
+          <p:cNvPr id="4" name="Espace réservé du texte 3">
+            <a:extLst>
+              <a:ext uri="{FF2B5EF4-FFF2-40B4-BE49-F238E27FC236}">
+                <a16:creationId xmlns:a16="http://schemas.microsoft.com/office/drawing/2014/main" id="{BA1679EB-404A-7142-8EF5-85A033CDF565}"/>
+              </a:ext>
+            </a:extLst>
+          </p:cNvPr>
+          <p:cNvSpPr>
+            <a:spLocks noGrp="1"/>
+          </p:cNvSpPr>
+          <p:nvPr>
+            <p:ph type="body" sz="quarter" idx="12"/>
+          </p:nvPr>
+        </p:nvSpPr>
+        <p:spPr/>
+        <p:txBody>
+          <a:bodyPr/>
+          <a:lstStyle/>
+          <a:p>
+            <a:endParaRPr lang="fr-FR" dirty="0"/>
+          </a:p>
+        </p:txBody>
+      </p:sp>
+    </p:spTree>
+    <p:extLst>
+      <p:ext uri="{BB962C8B-B14F-4D97-AF65-F5344CB8AC3E}">
+        <p14:creationId xmlns:p14="http://schemas.microsoft.com/office/powerpoint/2010/main" val="296649255"/>
+      </p:ext>
+    </p:extLst>
+  </p:cSld>
+  <p:clrMapOvr>
+    <a:masterClrMapping/>
+  </p:clrMapOvr>
 </p:sld>
 </file>
 
 <file path=ppt/theme/theme1.xml><?xml version="1.0" encoding="utf-8"?>
-<a:theme xmlns:a="http://schemas.openxmlformats.org/drawingml/2006/main" name="SecurityReport">
+<a:theme xmlns:a="http://schemas.openxmlformats.org/drawingml/2006/main" name="blank">
   <a:themeElements>
-    <a:clrScheme name="Orange 00">
+    <a:clrScheme name="Orange Brand">
       <a:dk1>
-        <a:sysClr val="windowText" lastClr="000000"/>
+        <a:srgbClr val="000000"/>
       </a:dk1>
       <a:lt1>
-        <a:sysClr val="window" lastClr="FFFFFF"/>
+        <a:srgbClr val="FFFFFF"/>
       </a:lt1>
       <a:dk2>
         <a:srgbClr val="000000"/>
@@ -11340,7 +11233,7 @@
   <a:extraClrSchemeLst/>
   <a:extLst>
     <a:ext uri="{05A4C25C-085E-4340-85A3-A5531E510DB2}">
-      <thm15:themeFamily xmlns="" xmlns:thm15="http://schemas.microsoft.com/office/thememl/2012/main" name="Présentation4" id="{777F971E-405A-2D4B-B522-4D1E6BDAB4B6}" vid="{A469C8F1-1DA4-974E-9396-4B8754DC5AF5}"/>
+      <thm15:themeFamily xmlns:thm15="http://schemas.microsoft.com/office/thememl/2012/main" name="SecurityReport" id="{3FD4F416-01A4-0A4A-A1E1-1A91302A404C}" vid="{0C2D3C30-62FB-FC4C-A79F-FFCB8327034B}"/>
     </a:ext>
   </a:extLst>
 </a:theme>
@@ -11601,7 +11494,7 @@
   <a:extraClrSchemeLst/>
   <a:extLst>
     <a:ext uri="{05A4C25C-085E-4340-85A3-A5531E510DB2}">
-      <thm15:themeFamily xmlns="" xmlns:thm15="http://schemas.microsoft.com/office/thememl/2012/main" name="Office Theme" id="{62F939B6-93AF-4DB8-9C6B-D6C7DFDC589F}" vid="{4A3C46E8-61CC-4603-A589-7422A47A8E4A}"/>
+      <thm15:themeFamily xmlns:thm15="http://schemas.microsoft.com/office/thememl/2012/main" name="Office Theme" id="{62F939B6-93AF-4DB8-9C6B-D6C7DFDC589F}" vid="{4A3C46E8-61CC-4603-A589-7422A47A8E4A}"/>
     </a:ext>
   </a:extLst>
 </a:theme>
